--- a/112-2/MI6006701 研究方法/研究方法上課製圖.pptx
+++ b/112-2/MI6006701 研究方法/研究方法上課製圖.pptx
@@ -11,6 +11,8 @@
     <p:sldId id="259" r:id="rId5"/>
     <p:sldId id="260" r:id="rId6"/>
     <p:sldId id="261" r:id="rId7"/>
+    <p:sldId id="262" r:id="rId8"/>
+    <p:sldId id="263" r:id="rId9"/>
   </p:sldIdLst>
   <p:sldSz cx="12192000" cy="6858000"/>
   <p:notesSz cx="6858000" cy="9144000"/>
@@ -109,7 +111,7110 @@
       </a:defRPr>
     </a:lvl9pPr>
   </p:defaultTextStyle>
+  <p:extLst>
+    <p:ext uri="{EFAFB233-063F-42B5-8137-9DF3F51BA10A}">
+      <p15:sldGuideLst xmlns:p15="http://schemas.microsoft.com/office/powerpoint/2012/main"/>
+    </p:ext>
+  </p:extLst>
 </p:presentation>
+</file>
+
+<file path=ppt/diagrams/colors1.xml><?xml version="1.0" encoding="utf-8"?>
+<dgm:colorsDef xmlns:dgm="http://schemas.openxmlformats.org/drawingml/2006/diagram" xmlns:a="http://schemas.openxmlformats.org/drawingml/2006/main" uniqueId="urn:microsoft.com/office/officeart/2005/8/colors/colorful2">
+  <dgm:title val=""/>
+  <dgm:desc val=""/>
+  <dgm:catLst>
+    <dgm:cat type="colorful" pri="10200"/>
+  </dgm:catLst>
+  <dgm:styleLbl name="node0">
+    <dgm:fillClrLst meth="repeat">
+      <a:schemeClr val="accent1"/>
+    </dgm:fillClrLst>
+    <dgm:linClrLst meth="repeat">
+      <a:schemeClr val="lt1"/>
+    </dgm:linClrLst>
+    <dgm:effectClrLst/>
+    <dgm:txLinClrLst/>
+    <dgm:txFillClrLst/>
+    <dgm:txEffectClrLst/>
+  </dgm:styleLbl>
+  <dgm:styleLbl name="node1">
+    <dgm:fillClrLst>
+      <a:schemeClr val="accent2"/>
+      <a:schemeClr val="accent3"/>
+    </dgm:fillClrLst>
+    <dgm:linClrLst meth="repeat">
+      <a:schemeClr val="lt1"/>
+    </dgm:linClrLst>
+    <dgm:effectClrLst/>
+    <dgm:txLinClrLst/>
+    <dgm:txFillClrLst/>
+    <dgm:txEffectClrLst/>
+  </dgm:styleLbl>
+  <dgm:styleLbl name="alignNode1">
+    <dgm:fillClrLst>
+      <a:schemeClr val="accent2"/>
+      <a:schemeClr val="accent3"/>
+    </dgm:fillClrLst>
+    <dgm:linClrLst>
+      <a:schemeClr val="accent2"/>
+      <a:schemeClr val="accent3"/>
+    </dgm:linClrLst>
+    <dgm:effectClrLst/>
+    <dgm:txLinClrLst/>
+    <dgm:txFillClrLst/>
+    <dgm:txEffectClrLst/>
+  </dgm:styleLbl>
+  <dgm:styleLbl name="lnNode1">
+    <dgm:fillClrLst>
+      <a:schemeClr val="accent2"/>
+      <a:schemeClr val="accent3"/>
+    </dgm:fillClrLst>
+    <dgm:linClrLst meth="repeat">
+      <a:schemeClr val="lt1"/>
+    </dgm:linClrLst>
+    <dgm:effectClrLst/>
+    <dgm:txLinClrLst/>
+    <dgm:txFillClrLst/>
+    <dgm:txEffectClrLst/>
+  </dgm:styleLbl>
+  <dgm:styleLbl name="vennNode1">
+    <dgm:fillClrLst>
+      <a:schemeClr val="accent2">
+        <a:alpha val="50000"/>
+      </a:schemeClr>
+      <a:schemeClr val="accent3">
+        <a:alpha val="50000"/>
+      </a:schemeClr>
+    </dgm:fillClrLst>
+    <dgm:linClrLst meth="repeat">
+      <a:schemeClr val="lt1"/>
+    </dgm:linClrLst>
+    <dgm:effectClrLst/>
+    <dgm:txLinClrLst/>
+    <dgm:txFillClrLst/>
+    <dgm:txEffectClrLst/>
+  </dgm:styleLbl>
+  <dgm:styleLbl name="node2">
+    <dgm:fillClrLst>
+      <a:schemeClr val="accent3"/>
+    </dgm:fillClrLst>
+    <dgm:linClrLst meth="repeat">
+      <a:schemeClr val="lt1"/>
+    </dgm:linClrLst>
+    <dgm:effectClrLst/>
+    <dgm:txLinClrLst/>
+    <dgm:txFillClrLst/>
+    <dgm:txEffectClrLst/>
+  </dgm:styleLbl>
+  <dgm:styleLbl name="node3">
+    <dgm:fillClrLst>
+      <a:schemeClr val="accent4"/>
+    </dgm:fillClrLst>
+    <dgm:linClrLst meth="repeat">
+      <a:schemeClr val="lt1"/>
+    </dgm:linClrLst>
+    <dgm:effectClrLst/>
+    <dgm:txLinClrLst/>
+    <dgm:txFillClrLst/>
+    <dgm:txEffectClrLst/>
+  </dgm:styleLbl>
+  <dgm:styleLbl name="node4">
+    <dgm:fillClrLst>
+      <a:schemeClr val="accent5"/>
+    </dgm:fillClrLst>
+    <dgm:linClrLst meth="repeat">
+      <a:schemeClr val="lt1"/>
+    </dgm:linClrLst>
+    <dgm:effectClrLst/>
+    <dgm:txLinClrLst/>
+    <dgm:txFillClrLst/>
+    <dgm:txEffectClrLst/>
+  </dgm:styleLbl>
+  <dgm:styleLbl name="fgImgPlace1">
+    <dgm:fillClrLst>
+      <a:schemeClr val="accent2">
+        <a:tint val="50000"/>
+      </a:schemeClr>
+      <a:schemeClr val="accent3">
+        <a:tint val="50000"/>
+      </a:schemeClr>
+    </dgm:fillClrLst>
+    <dgm:linClrLst meth="repeat">
+      <a:schemeClr val="lt1"/>
+    </dgm:linClrLst>
+    <dgm:effectClrLst/>
+    <dgm:txLinClrLst/>
+    <dgm:txFillClrLst meth="repeat">
+      <a:schemeClr val="lt1"/>
+    </dgm:txFillClrLst>
+    <dgm:txEffectClrLst/>
+  </dgm:styleLbl>
+  <dgm:styleLbl name="alignImgPlace1">
+    <dgm:fillClrLst>
+      <a:schemeClr val="accent2">
+        <a:tint val="50000"/>
+      </a:schemeClr>
+      <a:schemeClr val="accent3">
+        <a:tint val="20000"/>
+      </a:schemeClr>
+    </dgm:fillClrLst>
+    <dgm:linClrLst meth="repeat">
+      <a:schemeClr val="lt1"/>
+    </dgm:linClrLst>
+    <dgm:effectClrLst/>
+    <dgm:txLinClrLst/>
+    <dgm:txFillClrLst meth="repeat">
+      <a:schemeClr val="lt1"/>
+    </dgm:txFillClrLst>
+    <dgm:txEffectClrLst/>
+  </dgm:styleLbl>
+  <dgm:styleLbl name="bgImgPlace1">
+    <dgm:fillClrLst>
+      <a:schemeClr val="accent2">
+        <a:tint val="50000"/>
+      </a:schemeClr>
+      <a:schemeClr val="accent3">
+        <a:tint val="20000"/>
+      </a:schemeClr>
+    </dgm:fillClrLst>
+    <dgm:linClrLst meth="repeat">
+      <a:schemeClr val="lt1"/>
+    </dgm:linClrLst>
+    <dgm:effectClrLst/>
+    <dgm:txLinClrLst/>
+    <dgm:txFillClrLst meth="repeat">
+      <a:schemeClr val="lt1"/>
+    </dgm:txFillClrLst>
+    <dgm:txEffectClrLst/>
+  </dgm:styleLbl>
+  <dgm:styleLbl name="sibTrans2D1">
+    <dgm:fillClrLst>
+      <a:schemeClr val="accent2"/>
+      <a:schemeClr val="accent3"/>
+    </dgm:fillClrLst>
+    <dgm:linClrLst meth="repeat">
+      <a:schemeClr val="lt1"/>
+    </dgm:linClrLst>
+    <dgm:effectClrLst/>
+    <dgm:txLinClrLst/>
+    <dgm:txFillClrLst/>
+    <dgm:txEffectClrLst/>
+  </dgm:styleLbl>
+  <dgm:styleLbl name="fgSibTrans2D1">
+    <dgm:fillClrLst>
+      <a:schemeClr val="accent2"/>
+      <a:schemeClr val="accent3"/>
+    </dgm:fillClrLst>
+    <dgm:linClrLst meth="repeat">
+      <a:schemeClr val="lt1"/>
+    </dgm:linClrLst>
+    <dgm:effectClrLst/>
+    <dgm:txLinClrLst/>
+    <dgm:txFillClrLst meth="repeat">
+      <a:schemeClr val="lt1"/>
+    </dgm:txFillClrLst>
+    <dgm:txEffectClrLst/>
+  </dgm:styleLbl>
+  <dgm:styleLbl name="bgSibTrans2D1">
+    <dgm:fillClrLst>
+      <a:schemeClr val="accent2"/>
+      <a:schemeClr val="accent3"/>
+    </dgm:fillClrLst>
+    <dgm:linClrLst meth="repeat">
+      <a:schemeClr val="lt1"/>
+    </dgm:linClrLst>
+    <dgm:effectClrLst/>
+    <dgm:txLinClrLst/>
+    <dgm:txFillClrLst meth="repeat">
+      <a:schemeClr val="lt1"/>
+    </dgm:txFillClrLst>
+    <dgm:txEffectClrLst/>
+  </dgm:styleLbl>
+  <dgm:styleLbl name="sibTrans1D1">
+    <dgm:fillClrLst/>
+    <dgm:linClrLst>
+      <a:schemeClr val="accent2"/>
+      <a:schemeClr val="accent3"/>
+    </dgm:linClrLst>
+    <dgm:effectClrLst/>
+    <dgm:txLinClrLst/>
+    <dgm:txFillClrLst meth="repeat">
+      <a:schemeClr val="tx1"/>
+    </dgm:txFillClrLst>
+    <dgm:txEffectClrLst/>
+  </dgm:styleLbl>
+  <dgm:styleLbl name="callout">
+    <dgm:fillClrLst meth="repeat">
+      <a:schemeClr val="accent2"/>
+    </dgm:fillClrLst>
+    <dgm:linClrLst meth="repeat">
+      <a:schemeClr val="accent2">
+        <a:tint val="50000"/>
+      </a:schemeClr>
+    </dgm:linClrLst>
+    <dgm:effectClrLst/>
+    <dgm:txLinClrLst/>
+    <dgm:txFillClrLst meth="repeat">
+      <a:schemeClr val="tx1"/>
+    </dgm:txFillClrLst>
+    <dgm:txEffectClrLst/>
+  </dgm:styleLbl>
+  <dgm:styleLbl name="asst0">
+    <dgm:fillClrLst meth="repeat">
+      <a:schemeClr val="accent2"/>
+    </dgm:fillClrLst>
+    <dgm:linClrLst meth="repeat">
+      <a:schemeClr val="lt1">
+        <a:shade val="80000"/>
+      </a:schemeClr>
+    </dgm:linClrLst>
+    <dgm:effectClrLst/>
+    <dgm:txLinClrLst/>
+    <dgm:txFillClrLst/>
+    <dgm:txEffectClrLst/>
+  </dgm:styleLbl>
+  <dgm:styleLbl name="asst1">
+    <dgm:fillClrLst meth="repeat">
+      <a:schemeClr val="accent3"/>
+    </dgm:fillClrLst>
+    <dgm:linClrLst meth="repeat">
+      <a:schemeClr val="lt1">
+        <a:shade val="80000"/>
+      </a:schemeClr>
+    </dgm:linClrLst>
+    <dgm:effectClrLst/>
+    <dgm:txLinClrLst/>
+    <dgm:txFillClrLst/>
+    <dgm:txEffectClrLst/>
+  </dgm:styleLbl>
+  <dgm:styleLbl name="asst2">
+    <dgm:fillClrLst>
+      <a:schemeClr val="accent4"/>
+    </dgm:fillClrLst>
+    <dgm:linClrLst meth="repeat">
+      <a:schemeClr val="lt1"/>
+    </dgm:linClrLst>
+    <dgm:effectClrLst/>
+    <dgm:txLinClrLst/>
+    <dgm:txFillClrLst/>
+    <dgm:txEffectClrLst/>
+  </dgm:styleLbl>
+  <dgm:styleLbl name="asst3">
+    <dgm:fillClrLst>
+      <a:schemeClr val="accent5"/>
+    </dgm:fillClrLst>
+    <dgm:linClrLst meth="repeat">
+      <a:schemeClr val="lt1"/>
+    </dgm:linClrLst>
+    <dgm:effectClrLst/>
+    <dgm:txLinClrLst/>
+    <dgm:txFillClrLst/>
+    <dgm:txEffectClrLst/>
+  </dgm:styleLbl>
+  <dgm:styleLbl name="asst4">
+    <dgm:fillClrLst>
+      <a:schemeClr val="accent6"/>
+    </dgm:fillClrLst>
+    <dgm:linClrLst meth="repeat">
+      <a:schemeClr val="lt1"/>
+    </dgm:linClrLst>
+    <dgm:effectClrLst/>
+    <dgm:txLinClrLst/>
+    <dgm:txFillClrLst/>
+    <dgm:txEffectClrLst/>
+  </dgm:styleLbl>
+  <dgm:styleLbl name="parChTrans2D1">
+    <dgm:fillClrLst meth="repeat">
+      <a:schemeClr val="accent2"/>
+    </dgm:fillClrLst>
+    <dgm:linClrLst meth="repeat">
+      <a:schemeClr val="lt1"/>
+    </dgm:linClrLst>
+    <dgm:effectClrLst/>
+    <dgm:txLinClrLst/>
+    <dgm:txFillClrLst meth="repeat">
+      <a:schemeClr val="lt1"/>
+    </dgm:txFillClrLst>
+    <dgm:txEffectClrLst/>
+  </dgm:styleLbl>
+  <dgm:styleLbl name="parChTrans2D2">
+    <dgm:fillClrLst meth="repeat">
+      <a:schemeClr val="accent3"/>
+    </dgm:fillClrLst>
+    <dgm:linClrLst meth="repeat">
+      <a:schemeClr val="lt1"/>
+    </dgm:linClrLst>
+    <dgm:effectClrLst/>
+    <dgm:txLinClrLst/>
+    <dgm:txFillClrLst/>
+    <dgm:txEffectClrLst/>
+  </dgm:styleLbl>
+  <dgm:styleLbl name="parChTrans2D3">
+    <dgm:fillClrLst meth="repeat">
+      <a:schemeClr val="accent4"/>
+    </dgm:fillClrLst>
+    <dgm:linClrLst meth="repeat">
+      <a:schemeClr val="lt1"/>
+    </dgm:linClrLst>
+    <dgm:effectClrLst/>
+    <dgm:txLinClrLst/>
+    <dgm:txFillClrLst/>
+    <dgm:txEffectClrLst/>
+  </dgm:styleLbl>
+  <dgm:styleLbl name="parChTrans2D4">
+    <dgm:fillClrLst meth="repeat">
+      <a:schemeClr val="accent5"/>
+    </dgm:fillClrLst>
+    <dgm:linClrLst meth="repeat">
+      <a:schemeClr val="lt1"/>
+    </dgm:linClrLst>
+    <dgm:effectClrLst/>
+    <dgm:txLinClrLst/>
+    <dgm:txFillClrLst meth="repeat">
+      <a:schemeClr val="lt1"/>
+    </dgm:txFillClrLst>
+    <dgm:txEffectClrLst/>
+  </dgm:styleLbl>
+  <dgm:styleLbl name="parChTrans1D1">
+    <dgm:fillClrLst meth="repeat">
+      <a:schemeClr val="accent2"/>
+    </dgm:fillClrLst>
+    <dgm:linClrLst meth="repeat">
+      <a:schemeClr val="accent2"/>
+    </dgm:linClrLst>
+    <dgm:effectClrLst/>
+    <dgm:txLinClrLst/>
+    <dgm:txFillClrLst meth="repeat">
+      <a:schemeClr val="tx1"/>
+    </dgm:txFillClrLst>
+    <dgm:txEffectClrLst/>
+  </dgm:styleLbl>
+  <dgm:styleLbl name="parChTrans1D2">
+    <dgm:fillClrLst meth="repeat">
+      <a:schemeClr val="accent2">
+        <a:tint val="90000"/>
+      </a:schemeClr>
+    </dgm:fillClrLst>
+    <dgm:linClrLst meth="repeat">
+      <a:schemeClr val="accent3"/>
+    </dgm:linClrLst>
+    <dgm:effectClrLst/>
+    <dgm:txLinClrLst/>
+    <dgm:txFillClrLst meth="repeat">
+      <a:schemeClr val="tx1"/>
+    </dgm:txFillClrLst>
+    <dgm:txEffectClrLst/>
+  </dgm:styleLbl>
+  <dgm:styleLbl name="parChTrans1D3">
+    <dgm:fillClrLst meth="repeat">
+      <a:schemeClr val="accent2">
+        <a:tint val="70000"/>
+      </a:schemeClr>
+    </dgm:fillClrLst>
+    <dgm:linClrLst meth="repeat">
+      <a:schemeClr val="accent4"/>
+    </dgm:linClrLst>
+    <dgm:effectClrLst/>
+    <dgm:txLinClrLst/>
+    <dgm:txFillClrLst meth="repeat">
+      <a:schemeClr val="tx1"/>
+    </dgm:txFillClrLst>
+    <dgm:txEffectClrLst/>
+  </dgm:styleLbl>
+  <dgm:styleLbl name="parChTrans1D4">
+    <dgm:fillClrLst meth="repeat">
+      <a:schemeClr val="accent2">
+        <a:tint val="50000"/>
+      </a:schemeClr>
+    </dgm:fillClrLst>
+    <dgm:linClrLst meth="repeat">
+      <a:schemeClr val="accent5"/>
+    </dgm:linClrLst>
+    <dgm:effectClrLst/>
+    <dgm:txLinClrLst/>
+    <dgm:txFillClrLst meth="repeat">
+      <a:schemeClr val="tx1"/>
+    </dgm:txFillClrLst>
+    <dgm:txEffectClrLst/>
+  </dgm:styleLbl>
+  <dgm:styleLbl name="fgAcc1">
+    <dgm:fillClrLst meth="repeat">
+      <a:schemeClr val="lt1">
+        <a:alpha val="90000"/>
+      </a:schemeClr>
+    </dgm:fillClrLst>
+    <dgm:linClrLst>
+      <a:schemeClr val="accent2"/>
+      <a:schemeClr val="accent3"/>
+    </dgm:linClrLst>
+    <dgm:effectClrLst/>
+    <dgm:txLinClrLst/>
+    <dgm:txFillClrLst meth="repeat">
+      <a:schemeClr val="dk1"/>
+    </dgm:txFillClrLst>
+    <dgm:txEffectClrLst/>
+  </dgm:styleLbl>
+  <dgm:styleLbl name="conFgAcc1">
+    <dgm:fillClrLst meth="repeat">
+      <a:schemeClr val="lt1">
+        <a:alpha val="90000"/>
+      </a:schemeClr>
+    </dgm:fillClrLst>
+    <dgm:linClrLst>
+      <a:schemeClr val="accent2"/>
+      <a:schemeClr val="accent3"/>
+    </dgm:linClrLst>
+    <dgm:effectClrLst/>
+    <dgm:txLinClrLst/>
+    <dgm:txFillClrLst meth="repeat">
+      <a:schemeClr val="dk1"/>
+    </dgm:txFillClrLst>
+    <dgm:txEffectClrLst/>
+  </dgm:styleLbl>
+  <dgm:styleLbl name="alignAcc1">
+    <dgm:fillClrLst meth="repeat">
+      <a:schemeClr val="lt1">
+        <a:alpha val="90000"/>
+      </a:schemeClr>
+    </dgm:fillClrLst>
+    <dgm:linClrLst>
+      <a:schemeClr val="accent2"/>
+      <a:schemeClr val="accent3"/>
+    </dgm:linClrLst>
+    <dgm:effectClrLst/>
+    <dgm:txLinClrLst/>
+    <dgm:txFillClrLst meth="repeat">
+      <a:schemeClr val="dk1"/>
+    </dgm:txFillClrLst>
+    <dgm:txEffectClrLst/>
+  </dgm:styleLbl>
+  <dgm:styleLbl name="trAlignAcc1">
+    <dgm:fillClrLst meth="repeat">
+      <a:schemeClr val="lt1">
+        <a:alpha val="40000"/>
+      </a:schemeClr>
+    </dgm:fillClrLst>
+    <dgm:linClrLst meth="repeat">
+      <a:schemeClr val="accent2"/>
+    </dgm:linClrLst>
+    <dgm:effectClrLst/>
+    <dgm:txLinClrLst/>
+    <dgm:txFillClrLst meth="repeat">
+      <a:schemeClr val="dk1"/>
+    </dgm:txFillClrLst>
+    <dgm:txEffectClrLst/>
+  </dgm:styleLbl>
+  <dgm:styleLbl name="bgAcc1">
+    <dgm:fillClrLst meth="repeat">
+      <a:schemeClr val="lt1">
+        <a:alpha val="90000"/>
+      </a:schemeClr>
+    </dgm:fillClrLst>
+    <dgm:linClrLst>
+      <a:schemeClr val="accent2"/>
+      <a:schemeClr val="accent3"/>
+    </dgm:linClrLst>
+    <dgm:effectClrLst/>
+    <dgm:txLinClrLst/>
+    <dgm:txFillClrLst meth="repeat">
+      <a:schemeClr val="dk1"/>
+    </dgm:txFillClrLst>
+    <dgm:txEffectClrLst/>
+  </dgm:styleLbl>
+  <dgm:styleLbl name="solidFgAcc1">
+    <dgm:fillClrLst meth="repeat">
+      <a:schemeClr val="lt1"/>
+    </dgm:fillClrLst>
+    <dgm:linClrLst>
+      <a:schemeClr val="accent2"/>
+      <a:schemeClr val="accent3"/>
+    </dgm:linClrLst>
+    <dgm:effectClrLst/>
+    <dgm:txLinClrLst/>
+    <dgm:txFillClrLst meth="repeat">
+      <a:schemeClr val="dk1"/>
+    </dgm:txFillClrLst>
+    <dgm:txEffectClrLst/>
+  </dgm:styleLbl>
+  <dgm:styleLbl name="solidAlignAcc1">
+    <dgm:fillClrLst meth="repeat">
+      <a:schemeClr val="lt1"/>
+    </dgm:fillClrLst>
+    <dgm:linClrLst>
+      <a:schemeClr val="accent2"/>
+      <a:schemeClr val="accent3"/>
+    </dgm:linClrLst>
+    <dgm:effectClrLst/>
+    <dgm:txLinClrLst/>
+    <dgm:txFillClrLst meth="repeat">
+      <a:schemeClr val="dk1"/>
+    </dgm:txFillClrLst>
+    <dgm:txEffectClrLst/>
+  </dgm:styleLbl>
+  <dgm:styleLbl name="solidBgAcc1">
+    <dgm:fillClrLst meth="repeat">
+      <a:schemeClr val="lt1"/>
+    </dgm:fillClrLst>
+    <dgm:linClrLst>
+      <a:schemeClr val="accent2"/>
+      <a:schemeClr val="accent3"/>
+    </dgm:linClrLst>
+    <dgm:effectClrLst/>
+    <dgm:txLinClrLst/>
+    <dgm:txFillClrLst meth="repeat">
+      <a:schemeClr val="dk1"/>
+    </dgm:txFillClrLst>
+    <dgm:txEffectClrLst/>
+  </dgm:styleLbl>
+  <dgm:styleLbl name="fgAccFollowNode1">
+    <dgm:fillClrLst>
+      <a:schemeClr val="accent2">
+        <a:tint val="40000"/>
+        <a:alpha val="90000"/>
+      </a:schemeClr>
+      <a:schemeClr val="accent3">
+        <a:tint val="40000"/>
+        <a:alpha val="90000"/>
+      </a:schemeClr>
+    </dgm:fillClrLst>
+    <dgm:linClrLst>
+      <a:schemeClr val="accent2">
+        <a:tint val="40000"/>
+        <a:alpha val="90000"/>
+      </a:schemeClr>
+      <a:schemeClr val="accent3">
+        <a:tint val="40000"/>
+        <a:alpha val="90000"/>
+      </a:schemeClr>
+    </dgm:linClrLst>
+    <dgm:effectClrLst/>
+    <dgm:txLinClrLst/>
+    <dgm:txFillClrLst meth="repeat">
+      <a:schemeClr val="dk1"/>
+    </dgm:txFillClrLst>
+    <dgm:txEffectClrLst/>
+  </dgm:styleLbl>
+  <dgm:styleLbl name="alignAccFollowNode1">
+    <dgm:fillClrLst>
+      <a:schemeClr val="accent2">
+        <a:tint val="40000"/>
+        <a:alpha val="90000"/>
+      </a:schemeClr>
+      <a:schemeClr val="accent3">
+        <a:tint val="40000"/>
+        <a:alpha val="90000"/>
+      </a:schemeClr>
+    </dgm:fillClrLst>
+    <dgm:linClrLst>
+      <a:schemeClr val="accent2">
+        <a:tint val="40000"/>
+        <a:alpha val="90000"/>
+      </a:schemeClr>
+      <a:schemeClr val="accent3">
+        <a:tint val="40000"/>
+        <a:alpha val="90000"/>
+      </a:schemeClr>
+    </dgm:linClrLst>
+    <dgm:effectClrLst/>
+    <dgm:txLinClrLst/>
+    <dgm:txFillClrLst meth="repeat">
+      <a:schemeClr val="dk1"/>
+    </dgm:txFillClrLst>
+    <dgm:txEffectClrLst/>
+  </dgm:styleLbl>
+  <dgm:styleLbl name="bgAccFollowNode1">
+    <dgm:fillClrLst>
+      <a:schemeClr val="accent2">
+        <a:tint val="40000"/>
+        <a:alpha val="90000"/>
+      </a:schemeClr>
+      <a:schemeClr val="accent3">
+        <a:tint val="40000"/>
+        <a:alpha val="90000"/>
+      </a:schemeClr>
+    </dgm:fillClrLst>
+    <dgm:linClrLst>
+      <a:schemeClr val="accent2">
+        <a:tint val="40000"/>
+        <a:alpha val="90000"/>
+      </a:schemeClr>
+      <a:schemeClr val="accent3">
+        <a:tint val="40000"/>
+        <a:alpha val="90000"/>
+      </a:schemeClr>
+    </dgm:linClrLst>
+    <dgm:effectClrLst/>
+    <dgm:txLinClrLst/>
+    <dgm:txFillClrLst meth="repeat">
+      <a:schemeClr val="dk1"/>
+    </dgm:txFillClrLst>
+    <dgm:txEffectClrLst/>
+  </dgm:styleLbl>
+  <dgm:styleLbl name="fgAcc0">
+    <dgm:fillClrLst meth="repeat">
+      <a:schemeClr val="lt1">
+        <a:alpha val="90000"/>
+      </a:schemeClr>
+    </dgm:fillClrLst>
+    <dgm:linClrLst>
+      <a:schemeClr val="accent1"/>
+    </dgm:linClrLst>
+    <dgm:effectClrLst/>
+    <dgm:txLinClrLst/>
+    <dgm:txFillClrLst meth="repeat">
+      <a:schemeClr val="dk1"/>
+    </dgm:txFillClrLst>
+    <dgm:txEffectClrLst/>
+  </dgm:styleLbl>
+  <dgm:styleLbl name="fgAcc2">
+    <dgm:fillClrLst meth="repeat">
+      <a:schemeClr val="lt1">
+        <a:alpha val="90000"/>
+      </a:schemeClr>
+    </dgm:fillClrLst>
+    <dgm:linClrLst>
+      <a:schemeClr val="accent3"/>
+    </dgm:linClrLst>
+    <dgm:effectClrLst/>
+    <dgm:txLinClrLst/>
+    <dgm:txFillClrLst meth="repeat">
+      <a:schemeClr val="dk1"/>
+    </dgm:txFillClrLst>
+    <dgm:txEffectClrLst/>
+  </dgm:styleLbl>
+  <dgm:styleLbl name="fgAcc3">
+    <dgm:fillClrLst meth="repeat">
+      <a:schemeClr val="lt1">
+        <a:alpha val="90000"/>
+      </a:schemeClr>
+    </dgm:fillClrLst>
+    <dgm:linClrLst>
+      <a:schemeClr val="accent4"/>
+    </dgm:linClrLst>
+    <dgm:effectClrLst/>
+    <dgm:txLinClrLst/>
+    <dgm:txFillClrLst meth="repeat">
+      <a:schemeClr val="dk1"/>
+    </dgm:txFillClrLst>
+    <dgm:txEffectClrLst/>
+  </dgm:styleLbl>
+  <dgm:styleLbl name="fgAcc4">
+    <dgm:fillClrLst meth="repeat">
+      <a:schemeClr val="lt1">
+        <a:alpha val="90000"/>
+      </a:schemeClr>
+    </dgm:fillClrLst>
+    <dgm:linClrLst>
+      <a:schemeClr val="accent5"/>
+    </dgm:linClrLst>
+    <dgm:effectClrLst/>
+    <dgm:txLinClrLst/>
+    <dgm:txFillClrLst meth="repeat">
+      <a:schemeClr val="dk1"/>
+    </dgm:txFillClrLst>
+    <dgm:txEffectClrLst/>
+  </dgm:styleLbl>
+  <dgm:styleLbl name="bgShp">
+    <dgm:fillClrLst meth="repeat">
+      <a:schemeClr val="accent2">
+        <a:tint val="40000"/>
+      </a:schemeClr>
+    </dgm:fillClrLst>
+    <dgm:linClrLst meth="repeat">
+      <a:schemeClr val="dk1"/>
+    </dgm:linClrLst>
+    <dgm:effectClrLst/>
+    <dgm:txLinClrLst/>
+    <dgm:txFillClrLst meth="repeat">
+      <a:schemeClr val="dk1"/>
+    </dgm:txFillClrLst>
+    <dgm:txEffectClrLst/>
+  </dgm:styleLbl>
+  <dgm:styleLbl name="dkBgShp">
+    <dgm:fillClrLst meth="repeat">
+      <a:schemeClr val="accent2">
+        <a:shade val="90000"/>
+      </a:schemeClr>
+    </dgm:fillClrLst>
+    <dgm:linClrLst meth="repeat">
+      <a:schemeClr val="dk1"/>
+    </dgm:linClrLst>
+    <dgm:effectClrLst/>
+    <dgm:txLinClrLst/>
+    <dgm:txFillClrLst meth="repeat">
+      <a:schemeClr val="lt1"/>
+    </dgm:txFillClrLst>
+    <dgm:txEffectClrLst/>
+  </dgm:styleLbl>
+  <dgm:styleLbl name="trBgShp">
+    <dgm:fillClrLst meth="repeat">
+      <a:schemeClr val="accent2">
+        <a:tint val="50000"/>
+        <a:alpha val="40000"/>
+      </a:schemeClr>
+    </dgm:fillClrLst>
+    <dgm:linClrLst meth="repeat">
+      <a:schemeClr val="accent2"/>
+    </dgm:linClrLst>
+    <dgm:effectClrLst/>
+    <dgm:txLinClrLst/>
+    <dgm:txFillClrLst meth="repeat">
+      <a:schemeClr val="lt1"/>
+    </dgm:txFillClrLst>
+    <dgm:txEffectClrLst/>
+  </dgm:styleLbl>
+  <dgm:styleLbl name="fgShp">
+    <dgm:fillClrLst meth="repeat">
+      <a:schemeClr val="accent2">
+        <a:tint val="40000"/>
+      </a:schemeClr>
+    </dgm:fillClrLst>
+    <dgm:linClrLst meth="repeat">
+      <a:schemeClr val="lt1"/>
+    </dgm:linClrLst>
+    <dgm:effectClrLst/>
+    <dgm:txLinClrLst/>
+    <dgm:txFillClrLst meth="repeat">
+      <a:schemeClr val="dk1"/>
+    </dgm:txFillClrLst>
+    <dgm:txEffectClrLst/>
+  </dgm:styleLbl>
+  <dgm:styleLbl name="revTx">
+    <dgm:fillClrLst meth="repeat">
+      <a:schemeClr val="lt1">
+        <a:alpha val="0"/>
+      </a:schemeClr>
+    </dgm:fillClrLst>
+    <dgm:linClrLst meth="repeat">
+      <a:schemeClr val="dk1">
+        <a:alpha val="0"/>
+      </a:schemeClr>
+    </dgm:linClrLst>
+    <dgm:effectClrLst/>
+    <dgm:txLinClrLst/>
+    <dgm:txFillClrLst meth="repeat">
+      <a:schemeClr val="tx1"/>
+    </dgm:txFillClrLst>
+    <dgm:txEffectClrLst/>
+  </dgm:styleLbl>
+</dgm:colorsDef>
+</file>
+
+<file path=ppt/diagrams/colors2.xml><?xml version="1.0" encoding="utf-8"?>
+<dgm:colorsDef xmlns:dgm="http://schemas.openxmlformats.org/drawingml/2006/diagram" xmlns:a="http://schemas.openxmlformats.org/drawingml/2006/main" uniqueId="urn:microsoft.com/office/officeart/2005/8/colors/colorful2">
+  <dgm:title val=""/>
+  <dgm:desc val=""/>
+  <dgm:catLst>
+    <dgm:cat type="colorful" pri="10200"/>
+  </dgm:catLst>
+  <dgm:styleLbl name="node0">
+    <dgm:fillClrLst meth="repeat">
+      <a:schemeClr val="accent1"/>
+    </dgm:fillClrLst>
+    <dgm:linClrLst meth="repeat">
+      <a:schemeClr val="lt1"/>
+    </dgm:linClrLst>
+    <dgm:effectClrLst/>
+    <dgm:txLinClrLst/>
+    <dgm:txFillClrLst/>
+    <dgm:txEffectClrLst/>
+  </dgm:styleLbl>
+  <dgm:styleLbl name="node1">
+    <dgm:fillClrLst>
+      <a:schemeClr val="accent2"/>
+      <a:schemeClr val="accent3"/>
+    </dgm:fillClrLst>
+    <dgm:linClrLst meth="repeat">
+      <a:schemeClr val="lt1"/>
+    </dgm:linClrLst>
+    <dgm:effectClrLst/>
+    <dgm:txLinClrLst/>
+    <dgm:txFillClrLst/>
+    <dgm:txEffectClrLst/>
+  </dgm:styleLbl>
+  <dgm:styleLbl name="alignNode1">
+    <dgm:fillClrLst>
+      <a:schemeClr val="accent2"/>
+      <a:schemeClr val="accent3"/>
+    </dgm:fillClrLst>
+    <dgm:linClrLst>
+      <a:schemeClr val="accent2"/>
+      <a:schemeClr val="accent3"/>
+    </dgm:linClrLst>
+    <dgm:effectClrLst/>
+    <dgm:txLinClrLst/>
+    <dgm:txFillClrLst/>
+    <dgm:txEffectClrLst/>
+  </dgm:styleLbl>
+  <dgm:styleLbl name="lnNode1">
+    <dgm:fillClrLst>
+      <a:schemeClr val="accent2"/>
+      <a:schemeClr val="accent3"/>
+    </dgm:fillClrLst>
+    <dgm:linClrLst meth="repeat">
+      <a:schemeClr val="lt1"/>
+    </dgm:linClrLst>
+    <dgm:effectClrLst/>
+    <dgm:txLinClrLst/>
+    <dgm:txFillClrLst/>
+    <dgm:txEffectClrLst/>
+  </dgm:styleLbl>
+  <dgm:styleLbl name="vennNode1">
+    <dgm:fillClrLst>
+      <a:schemeClr val="accent2">
+        <a:alpha val="50000"/>
+      </a:schemeClr>
+      <a:schemeClr val="accent3">
+        <a:alpha val="50000"/>
+      </a:schemeClr>
+    </dgm:fillClrLst>
+    <dgm:linClrLst meth="repeat">
+      <a:schemeClr val="lt1"/>
+    </dgm:linClrLst>
+    <dgm:effectClrLst/>
+    <dgm:txLinClrLst/>
+    <dgm:txFillClrLst/>
+    <dgm:txEffectClrLst/>
+  </dgm:styleLbl>
+  <dgm:styleLbl name="node2">
+    <dgm:fillClrLst>
+      <a:schemeClr val="accent3"/>
+    </dgm:fillClrLst>
+    <dgm:linClrLst meth="repeat">
+      <a:schemeClr val="lt1"/>
+    </dgm:linClrLst>
+    <dgm:effectClrLst/>
+    <dgm:txLinClrLst/>
+    <dgm:txFillClrLst/>
+    <dgm:txEffectClrLst/>
+  </dgm:styleLbl>
+  <dgm:styleLbl name="node3">
+    <dgm:fillClrLst>
+      <a:schemeClr val="accent4"/>
+    </dgm:fillClrLst>
+    <dgm:linClrLst meth="repeat">
+      <a:schemeClr val="lt1"/>
+    </dgm:linClrLst>
+    <dgm:effectClrLst/>
+    <dgm:txLinClrLst/>
+    <dgm:txFillClrLst/>
+    <dgm:txEffectClrLst/>
+  </dgm:styleLbl>
+  <dgm:styleLbl name="node4">
+    <dgm:fillClrLst>
+      <a:schemeClr val="accent5"/>
+    </dgm:fillClrLst>
+    <dgm:linClrLst meth="repeat">
+      <a:schemeClr val="lt1"/>
+    </dgm:linClrLst>
+    <dgm:effectClrLst/>
+    <dgm:txLinClrLst/>
+    <dgm:txFillClrLst/>
+    <dgm:txEffectClrLst/>
+  </dgm:styleLbl>
+  <dgm:styleLbl name="fgImgPlace1">
+    <dgm:fillClrLst>
+      <a:schemeClr val="accent2">
+        <a:tint val="50000"/>
+      </a:schemeClr>
+      <a:schemeClr val="accent3">
+        <a:tint val="50000"/>
+      </a:schemeClr>
+    </dgm:fillClrLst>
+    <dgm:linClrLst meth="repeat">
+      <a:schemeClr val="lt1"/>
+    </dgm:linClrLst>
+    <dgm:effectClrLst/>
+    <dgm:txLinClrLst/>
+    <dgm:txFillClrLst meth="repeat">
+      <a:schemeClr val="lt1"/>
+    </dgm:txFillClrLst>
+    <dgm:txEffectClrLst/>
+  </dgm:styleLbl>
+  <dgm:styleLbl name="alignImgPlace1">
+    <dgm:fillClrLst>
+      <a:schemeClr val="accent2">
+        <a:tint val="50000"/>
+      </a:schemeClr>
+      <a:schemeClr val="accent3">
+        <a:tint val="20000"/>
+      </a:schemeClr>
+    </dgm:fillClrLst>
+    <dgm:linClrLst meth="repeat">
+      <a:schemeClr val="lt1"/>
+    </dgm:linClrLst>
+    <dgm:effectClrLst/>
+    <dgm:txLinClrLst/>
+    <dgm:txFillClrLst meth="repeat">
+      <a:schemeClr val="lt1"/>
+    </dgm:txFillClrLst>
+    <dgm:txEffectClrLst/>
+  </dgm:styleLbl>
+  <dgm:styleLbl name="bgImgPlace1">
+    <dgm:fillClrLst>
+      <a:schemeClr val="accent2">
+        <a:tint val="50000"/>
+      </a:schemeClr>
+      <a:schemeClr val="accent3">
+        <a:tint val="20000"/>
+      </a:schemeClr>
+    </dgm:fillClrLst>
+    <dgm:linClrLst meth="repeat">
+      <a:schemeClr val="lt1"/>
+    </dgm:linClrLst>
+    <dgm:effectClrLst/>
+    <dgm:txLinClrLst/>
+    <dgm:txFillClrLst meth="repeat">
+      <a:schemeClr val="lt1"/>
+    </dgm:txFillClrLst>
+    <dgm:txEffectClrLst/>
+  </dgm:styleLbl>
+  <dgm:styleLbl name="sibTrans2D1">
+    <dgm:fillClrLst>
+      <a:schemeClr val="accent2"/>
+      <a:schemeClr val="accent3"/>
+    </dgm:fillClrLst>
+    <dgm:linClrLst meth="repeat">
+      <a:schemeClr val="lt1"/>
+    </dgm:linClrLst>
+    <dgm:effectClrLst/>
+    <dgm:txLinClrLst/>
+    <dgm:txFillClrLst/>
+    <dgm:txEffectClrLst/>
+  </dgm:styleLbl>
+  <dgm:styleLbl name="fgSibTrans2D1">
+    <dgm:fillClrLst>
+      <a:schemeClr val="accent2"/>
+      <a:schemeClr val="accent3"/>
+    </dgm:fillClrLst>
+    <dgm:linClrLst meth="repeat">
+      <a:schemeClr val="lt1"/>
+    </dgm:linClrLst>
+    <dgm:effectClrLst/>
+    <dgm:txLinClrLst/>
+    <dgm:txFillClrLst meth="repeat">
+      <a:schemeClr val="lt1"/>
+    </dgm:txFillClrLst>
+    <dgm:txEffectClrLst/>
+  </dgm:styleLbl>
+  <dgm:styleLbl name="bgSibTrans2D1">
+    <dgm:fillClrLst>
+      <a:schemeClr val="accent2"/>
+      <a:schemeClr val="accent3"/>
+    </dgm:fillClrLst>
+    <dgm:linClrLst meth="repeat">
+      <a:schemeClr val="lt1"/>
+    </dgm:linClrLst>
+    <dgm:effectClrLst/>
+    <dgm:txLinClrLst/>
+    <dgm:txFillClrLst meth="repeat">
+      <a:schemeClr val="lt1"/>
+    </dgm:txFillClrLst>
+    <dgm:txEffectClrLst/>
+  </dgm:styleLbl>
+  <dgm:styleLbl name="sibTrans1D1">
+    <dgm:fillClrLst/>
+    <dgm:linClrLst>
+      <a:schemeClr val="accent2"/>
+      <a:schemeClr val="accent3"/>
+    </dgm:linClrLst>
+    <dgm:effectClrLst/>
+    <dgm:txLinClrLst/>
+    <dgm:txFillClrLst meth="repeat">
+      <a:schemeClr val="tx1"/>
+    </dgm:txFillClrLst>
+    <dgm:txEffectClrLst/>
+  </dgm:styleLbl>
+  <dgm:styleLbl name="callout">
+    <dgm:fillClrLst meth="repeat">
+      <a:schemeClr val="accent2"/>
+    </dgm:fillClrLst>
+    <dgm:linClrLst meth="repeat">
+      <a:schemeClr val="accent2">
+        <a:tint val="50000"/>
+      </a:schemeClr>
+    </dgm:linClrLst>
+    <dgm:effectClrLst/>
+    <dgm:txLinClrLst/>
+    <dgm:txFillClrLst meth="repeat">
+      <a:schemeClr val="tx1"/>
+    </dgm:txFillClrLst>
+    <dgm:txEffectClrLst/>
+  </dgm:styleLbl>
+  <dgm:styleLbl name="asst0">
+    <dgm:fillClrLst meth="repeat">
+      <a:schemeClr val="accent2"/>
+    </dgm:fillClrLst>
+    <dgm:linClrLst meth="repeat">
+      <a:schemeClr val="lt1">
+        <a:shade val="80000"/>
+      </a:schemeClr>
+    </dgm:linClrLst>
+    <dgm:effectClrLst/>
+    <dgm:txLinClrLst/>
+    <dgm:txFillClrLst/>
+    <dgm:txEffectClrLst/>
+  </dgm:styleLbl>
+  <dgm:styleLbl name="asst1">
+    <dgm:fillClrLst meth="repeat">
+      <a:schemeClr val="accent3"/>
+    </dgm:fillClrLst>
+    <dgm:linClrLst meth="repeat">
+      <a:schemeClr val="lt1">
+        <a:shade val="80000"/>
+      </a:schemeClr>
+    </dgm:linClrLst>
+    <dgm:effectClrLst/>
+    <dgm:txLinClrLst/>
+    <dgm:txFillClrLst/>
+    <dgm:txEffectClrLst/>
+  </dgm:styleLbl>
+  <dgm:styleLbl name="asst2">
+    <dgm:fillClrLst>
+      <a:schemeClr val="accent4"/>
+    </dgm:fillClrLst>
+    <dgm:linClrLst meth="repeat">
+      <a:schemeClr val="lt1"/>
+    </dgm:linClrLst>
+    <dgm:effectClrLst/>
+    <dgm:txLinClrLst/>
+    <dgm:txFillClrLst/>
+    <dgm:txEffectClrLst/>
+  </dgm:styleLbl>
+  <dgm:styleLbl name="asst3">
+    <dgm:fillClrLst>
+      <a:schemeClr val="accent5"/>
+    </dgm:fillClrLst>
+    <dgm:linClrLst meth="repeat">
+      <a:schemeClr val="lt1"/>
+    </dgm:linClrLst>
+    <dgm:effectClrLst/>
+    <dgm:txLinClrLst/>
+    <dgm:txFillClrLst/>
+    <dgm:txEffectClrLst/>
+  </dgm:styleLbl>
+  <dgm:styleLbl name="asst4">
+    <dgm:fillClrLst>
+      <a:schemeClr val="accent6"/>
+    </dgm:fillClrLst>
+    <dgm:linClrLst meth="repeat">
+      <a:schemeClr val="lt1"/>
+    </dgm:linClrLst>
+    <dgm:effectClrLst/>
+    <dgm:txLinClrLst/>
+    <dgm:txFillClrLst/>
+    <dgm:txEffectClrLst/>
+  </dgm:styleLbl>
+  <dgm:styleLbl name="parChTrans2D1">
+    <dgm:fillClrLst meth="repeat">
+      <a:schemeClr val="accent2"/>
+    </dgm:fillClrLst>
+    <dgm:linClrLst meth="repeat">
+      <a:schemeClr val="lt1"/>
+    </dgm:linClrLst>
+    <dgm:effectClrLst/>
+    <dgm:txLinClrLst/>
+    <dgm:txFillClrLst meth="repeat">
+      <a:schemeClr val="lt1"/>
+    </dgm:txFillClrLst>
+    <dgm:txEffectClrLst/>
+  </dgm:styleLbl>
+  <dgm:styleLbl name="parChTrans2D2">
+    <dgm:fillClrLst meth="repeat">
+      <a:schemeClr val="accent3"/>
+    </dgm:fillClrLst>
+    <dgm:linClrLst meth="repeat">
+      <a:schemeClr val="lt1"/>
+    </dgm:linClrLst>
+    <dgm:effectClrLst/>
+    <dgm:txLinClrLst/>
+    <dgm:txFillClrLst/>
+    <dgm:txEffectClrLst/>
+  </dgm:styleLbl>
+  <dgm:styleLbl name="parChTrans2D3">
+    <dgm:fillClrLst meth="repeat">
+      <a:schemeClr val="accent4"/>
+    </dgm:fillClrLst>
+    <dgm:linClrLst meth="repeat">
+      <a:schemeClr val="lt1"/>
+    </dgm:linClrLst>
+    <dgm:effectClrLst/>
+    <dgm:txLinClrLst/>
+    <dgm:txFillClrLst/>
+    <dgm:txEffectClrLst/>
+  </dgm:styleLbl>
+  <dgm:styleLbl name="parChTrans2D4">
+    <dgm:fillClrLst meth="repeat">
+      <a:schemeClr val="accent5"/>
+    </dgm:fillClrLst>
+    <dgm:linClrLst meth="repeat">
+      <a:schemeClr val="lt1"/>
+    </dgm:linClrLst>
+    <dgm:effectClrLst/>
+    <dgm:txLinClrLst/>
+    <dgm:txFillClrLst meth="repeat">
+      <a:schemeClr val="lt1"/>
+    </dgm:txFillClrLst>
+    <dgm:txEffectClrLst/>
+  </dgm:styleLbl>
+  <dgm:styleLbl name="parChTrans1D1">
+    <dgm:fillClrLst meth="repeat">
+      <a:schemeClr val="accent2"/>
+    </dgm:fillClrLst>
+    <dgm:linClrLst meth="repeat">
+      <a:schemeClr val="accent2"/>
+    </dgm:linClrLst>
+    <dgm:effectClrLst/>
+    <dgm:txLinClrLst/>
+    <dgm:txFillClrLst meth="repeat">
+      <a:schemeClr val="tx1"/>
+    </dgm:txFillClrLst>
+    <dgm:txEffectClrLst/>
+  </dgm:styleLbl>
+  <dgm:styleLbl name="parChTrans1D2">
+    <dgm:fillClrLst meth="repeat">
+      <a:schemeClr val="accent2">
+        <a:tint val="90000"/>
+      </a:schemeClr>
+    </dgm:fillClrLst>
+    <dgm:linClrLst meth="repeat">
+      <a:schemeClr val="accent3"/>
+    </dgm:linClrLst>
+    <dgm:effectClrLst/>
+    <dgm:txLinClrLst/>
+    <dgm:txFillClrLst meth="repeat">
+      <a:schemeClr val="tx1"/>
+    </dgm:txFillClrLst>
+    <dgm:txEffectClrLst/>
+  </dgm:styleLbl>
+  <dgm:styleLbl name="parChTrans1D3">
+    <dgm:fillClrLst meth="repeat">
+      <a:schemeClr val="accent2">
+        <a:tint val="70000"/>
+      </a:schemeClr>
+    </dgm:fillClrLst>
+    <dgm:linClrLst meth="repeat">
+      <a:schemeClr val="accent4"/>
+    </dgm:linClrLst>
+    <dgm:effectClrLst/>
+    <dgm:txLinClrLst/>
+    <dgm:txFillClrLst meth="repeat">
+      <a:schemeClr val="tx1"/>
+    </dgm:txFillClrLst>
+    <dgm:txEffectClrLst/>
+  </dgm:styleLbl>
+  <dgm:styleLbl name="parChTrans1D4">
+    <dgm:fillClrLst meth="repeat">
+      <a:schemeClr val="accent2">
+        <a:tint val="50000"/>
+      </a:schemeClr>
+    </dgm:fillClrLst>
+    <dgm:linClrLst meth="repeat">
+      <a:schemeClr val="accent5"/>
+    </dgm:linClrLst>
+    <dgm:effectClrLst/>
+    <dgm:txLinClrLst/>
+    <dgm:txFillClrLst meth="repeat">
+      <a:schemeClr val="tx1"/>
+    </dgm:txFillClrLst>
+    <dgm:txEffectClrLst/>
+  </dgm:styleLbl>
+  <dgm:styleLbl name="fgAcc1">
+    <dgm:fillClrLst meth="repeat">
+      <a:schemeClr val="lt1">
+        <a:alpha val="90000"/>
+      </a:schemeClr>
+    </dgm:fillClrLst>
+    <dgm:linClrLst>
+      <a:schemeClr val="accent2"/>
+      <a:schemeClr val="accent3"/>
+    </dgm:linClrLst>
+    <dgm:effectClrLst/>
+    <dgm:txLinClrLst/>
+    <dgm:txFillClrLst meth="repeat">
+      <a:schemeClr val="dk1"/>
+    </dgm:txFillClrLst>
+    <dgm:txEffectClrLst/>
+  </dgm:styleLbl>
+  <dgm:styleLbl name="conFgAcc1">
+    <dgm:fillClrLst meth="repeat">
+      <a:schemeClr val="lt1">
+        <a:alpha val="90000"/>
+      </a:schemeClr>
+    </dgm:fillClrLst>
+    <dgm:linClrLst>
+      <a:schemeClr val="accent2"/>
+      <a:schemeClr val="accent3"/>
+    </dgm:linClrLst>
+    <dgm:effectClrLst/>
+    <dgm:txLinClrLst/>
+    <dgm:txFillClrLst meth="repeat">
+      <a:schemeClr val="dk1"/>
+    </dgm:txFillClrLst>
+    <dgm:txEffectClrLst/>
+  </dgm:styleLbl>
+  <dgm:styleLbl name="alignAcc1">
+    <dgm:fillClrLst meth="repeat">
+      <a:schemeClr val="lt1">
+        <a:alpha val="90000"/>
+      </a:schemeClr>
+    </dgm:fillClrLst>
+    <dgm:linClrLst>
+      <a:schemeClr val="accent2"/>
+      <a:schemeClr val="accent3"/>
+    </dgm:linClrLst>
+    <dgm:effectClrLst/>
+    <dgm:txLinClrLst/>
+    <dgm:txFillClrLst meth="repeat">
+      <a:schemeClr val="dk1"/>
+    </dgm:txFillClrLst>
+    <dgm:txEffectClrLst/>
+  </dgm:styleLbl>
+  <dgm:styleLbl name="trAlignAcc1">
+    <dgm:fillClrLst meth="repeat">
+      <a:schemeClr val="lt1">
+        <a:alpha val="40000"/>
+      </a:schemeClr>
+    </dgm:fillClrLst>
+    <dgm:linClrLst meth="repeat">
+      <a:schemeClr val="accent2"/>
+    </dgm:linClrLst>
+    <dgm:effectClrLst/>
+    <dgm:txLinClrLst/>
+    <dgm:txFillClrLst meth="repeat">
+      <a:schemeClr val="dk1"/>
+    </dgm:txFillClrLst>
+    <dgm:txEffectClrLst/>
+  </dgm:styleLbl>
+  <dgm:styleLbl name="bgAcc1">
+    <dgm:fillClrLst meth="repeat">
+      <a:schemeClr val="lt1">
+        <a:alpha val="90000"/>
+      </a:schemeClr>
+    </dgm:fillClrLst>
+    <dgm:linClrLst>
+      <a:schemeClr val="accent2"/>
+      <a:schemeClr val="accent3"/>
+    </dgm:linClrLst>
+    <dgm:effectClrLst/>
+    <dgm:txLinClrLst/>
+    <dgm:txFillClrLst meth="repeat">
+      <a:schemeClr val="dk1"/>
+    </dgm:txFillClrLst>
+    <dgm:txEffectClrLst/>
+  </dgm:styleLbl>
+  <dgm:styleLbl name="solidFgAcc1">
+    <dgm:fillClrLst meth="repeat">
+      <a:schemeClr val="lt1"/>
+    </dgm:fillClrLst>
+    <dgm:linClrLst>
+      <a:schemeClr val="accent2"/>
+      <a:schemeClr val="accent3"/>
+    </dgm:linClrLst>
+    <dgm:effectClrLst/>
+    <dgm:txLinClrLst/>
+    <dgm:txFillClrLst meth="repeat">
+      <a:schemeClr val="dk1"/>
+    </dgm:txFillClrLst>
+    <dgm:txEffectClrLst/>
+  </dgm:styleLbl>
+  <dgm:styleLbl name="solidAlignAcc1">
+    <dgm:fillClrLst meth="repeat">
+      <a:schemeClr val="lt1"/>
+    </dgm:fillClrLst>
+    <dgm:linClrLst>
+      <a:schemeClr val="accent2"/>
+      <a:schemeClr val="accent3"/>
+    </dgm:linClrLst>
+    <dgm:effectClrLst/>
+    <dgm:txLinClrLst/>
+    <dgm:txFillClrLst meth="repeat">
+      <a:schemeClr val="dk1"/>
+    </dgm:txFillClrLst>
+    <dgm:txEffectClrLst/>
+  </dgm:styleLbl>
+  <dgm:styleLbl name="solidBgAcc1">
+    <dgm:fillClrLst meth="repeat">
+      <a:schemeClr val="lt1"/>
+    </dgm:fillClrLst>
+    <dgm:linClrLst>
+      <a:schemeClr val="accent2"/>
+      <a:schemeClr val="accent3"/>
+    </dgm:linClrLst>
+    <dgm:effectClrLst/>
+    <dgm:txLinClrLst/>
+    <dgm:txFillClrLst meth="repeat">
+      <a:schemeClr val="dk1"/>
+    </dgm:txFillClrLst>
+    <dgm:txEffectClrLst/>
+  </dgm:styleLbl>
+  <dgm:styleLbl name="fgAccFollowNode1">
+    <dgm:fillClrLst>
+      <a:schemeClr val="accent2">
+        <a:tint val="40000"/>
+        <a:alpha val="90000"/>
+      </a:schemeClr>
+      <a:schemeClr val="accent3">
+        <a:tint val="40000"/>
+        <a:alpha val="90000"/>
+      </a:schemeClr>
+    </dgm:fillClrLst>
+    <dgm:linClrLst>
+      <a:schemeClr val="accent2">
+        <a:tint val="40000"/>
+        <a:alpha val="90000"/>
+      </a:schemeClr>
+      <a:schemeClr val="accent3">
+        <a:tint val="40000"/>
+        <a:alpha val="90000"/>
+      </a:schemeClr>
+    </dgm:linClrLst>
+    <dgm:effectClrLst/>
+    <dgm:txLinClrLst/>
+    <dgm:txFillClrLst meth="repeat">
+      <a:schemeClr val="dk1"/>
+    </dgm:txFillClrLst>
+    <dgm:txEffectClrLst/>
+  </dgm:styleLbl>
+  <dgm:styleLbl name="alignAccFollowNode1">
+    <dgm:fillClrLst>
+      <a:schemeClr val="accent2">
+        <a:tint val="40000"/>
+        <a:alpha val="90000"/>
+      </a:schemeClr>
+      <a:schemeClr val="accent3">
+        <a:tint val="40000"/>
+        <a:alpha val="90000"/>
+      </a:schemeClr>
+    </dgm:fillClrLst>
+    <dgm:linClrLst>
+      <a:schemeClr val="accent2">
+        <a:tint val="40000"/>
+        <a:alpha val="90000"/>
+      </a:schemeClr>
+      <a:schemeClr val="accent3">
+        <a:tint val="40000"/>
+        <a:alpha val="90000"/>
+      </a:schemeClr>
+    </dgm:linClrLst>
+    <dgm:effectClrLst/>
+    <dgm:txLinClrLst/>
+    <dgm:txFillClrLst meth="repeat">
+      <a:schemeClr val="dk1"/>
+    </dgm:txFillClrLst>
+    <dgm:txEffectClrLst/>
+  </dgm:styleLbl>
+  <dgm:styleLbl name="bgAccFollowNode1">
+    <dgm:fillClrLst>
+      <a:schemeClr val="accent2">
+        <a:tint val="40000"/>
+        <a:alpha val="90000"/>
+      </a:schemeClr>
+      <a:schemeClr val="accent3">
+        <a:tint val="40000"/>
+        <a:alpha val="90000"/>
+      </a:schemeClr>
+    </dgm:fillClrLst>
+    <dgm:linClrLst>
+      <a:schemeClr val="accent2">
+        <a:tint val="40000"/>
+        <a:alpha val="90000"/>
+      </a:schemeClr>
+      <a:schemeClr val="accent3">
+        <a:tint val="40000"/>
+        <a:alpha val="90000"/>
+      </a:schemeClr>
+    </dgm:linClrLst>
+    <dgm:effectClrLst/>
+    <dgm:txLinClrLst/>
+    <dgm:txFillClrLst meth="repeat">
+      <a:schemeClr val="dk1"/>
+    </dgm:txFillClrLst>
+    <dgm:txEffectClrLst/>
+  </dgm:styleLbl>
+  <dgm:styleLbl name="fgAcc0">
+    <dgm:fillClrLst meth="repeat">
+      <a:schemeClr val="lt1">
+        <a:alpha val="90000"/>
+      </a:schemeClr>
+    </dgm:fillClrLst>
+    <dgm:linClrLst>
+      <a:schemeClr val="accent1"/>
+    </dgm:linClrLst>
+    <dgm:effectClrLst/>
+    <dgm:txLinClrLst/>
+    <dgm:txFillClrLst meth="repeat">
+      <a:schemeClr val="dk1"/>
+    </dgm:txFillClrLst>
+    <dgm:txEffectClrLst/>
+  </dgm:styleLbl>
+  <dgm:styleLbl name="fgAcc2">
+    <dgm:fillClrLst meth="repeat">
+      <a:schemeClr val="lt1">
+        <a:alpha val="90000"/>
+      </a:schemeClr>
+    </dgm:fillClrLst>
+    <dgm:linClrLst>
+      <a:schemeClr val="accent3"/>
+    </dgm:linClrLst>
+    <dgm:effectClrLst/>
+    <dgm:txLinClrLst/>
+    <dgm:txFillClrLst meth="repeat">
+      <a:schemeClr val="dk1"/>
+    </dgm:txFillClrLst>
+    <dgm:txEffectClrLst/>
+  </dgm:styleLbl>
+  <dgm:styleLbl name="fgAcc3">
+    <dgm:fillClrLst meth="repeat">
+      <a:schemeClr val="lt1">
+        <a:alpha val="90000"/>
+      </a:schemeClr>
+    </dgm:fillClrLst>
+    <dgm:linClrLst>
+      <a:schemeClr val="accent4"/>
+    </dgm:linClrLst>
+    <dgm:effectClrLst/>
+    <dgm:txLinClrLst/>
+    <dgm:txFillClrLst meth="repeat">
+      <a:schemeClr val="dk1"/>
+    </dgm:txFillClrLst>
+    <dgm:txEffectClrLst/>
+  </dgm:styleLbl>
+  <dgm:styleLbl name="fgAcc4">
+    <dgm:fillClrLst meth="repeat">
+      <a:schemeClr val="lt1">
+        <a:alpha val="90000"/>
+      </a:schemeClr>
+    </dgm:fillClrLst>
+    <dgm:linClrLst>
+      <a:schemeClr val="accent5"/>
+    </dgm:linClrLst>
+    <dgm:effectClrLst/>
+    <dgm:txLinClrLst/>
+    <dgm:txFillClrLst meth="repeat">
+      <a:schemeClr val="dk1"/>
+    </dgm:txFillClrLst>
+    <dgm:txEffectClrLst/>
+  </dgm:styleLbl>
+  <dgm:styleLbl name="bgShp">
+    <dgm:fillClrLst meth="repeat">
+      <a:schemeClr val="accent2">
+        <a:tint val="40000"/>
+      </a:schemeClr>
+    </dgm:fillClrLst>
+    <dgm:linClrLst meth="repeat">
+      <a:schemeClr val="dk1"/>
+    </dgm:linClrLst>
+    <dgm:effectClrLst/>
+    <dgm:txLinClrLst/>
+    <dgm:txFillClrLst meth="repeat">
+      <a:schemeClr val="dk1"/>
+    </dgm:txFillClrLst>
+    <dgm:txEffectClrLst/>
+  </dgm:styleLbl>
+  <dgm:styleLbl name="dkBgShp">
+    <dgm:fillClrLst meth="repeat">
+      <a:schemeClr val="accent2">
+        <a:shade val="90000"/>
+      </a:schemeClr>
+    </dgm:fillClrLst>
+    <dgm:linClrLst meth="repeat">
+      <a:schemeClr val="dk1"/>
+    </dgm:linClrLst>
+    <dgm:effectClrLst/>
+    <dgm:txLinClrLst/>
+    <dgm:txFillClrLst meth="repeat">
+      <a:schemeClr val="lt1"/>
+    </dgm:txFillClrLst>
+    <dgm:txEffectClrLst/>
+  </dgm:styleLbl>
+  <dgm:styleLbl name="trBgShp">
+    <dgm:fillClrLst meth="repeat">
+      <a:schemeClr val="accent2">
+        <a:tint val="50000"/>
+        <a:alpha val="40000"/>
+      </a:schemeClr>
+    </dgm:fillClrLst>
+    <dgm:linClrLst meth="repeat">
+      <a:schemeClr val="accent2"/>
+    </dgm:linClrLst>
+    <dgm:effectClrLst/>
+    <dgm:txLinClrLst/>
+    <dgm:txFillClrLst meth="repeat">
+      <a:schemeClr val="lt1"/>
+    </dgm:txFillClrLst>
+    <dgm:txEffectClrLst/>
+  </dgm:styleLbl>
+  <dgm:styleLbl name="fgShp">
+    <dgm:fillClrLst meth="repeat">
+      <a:schemeClr val="accent2">
+        <a:tint val="40000"/>
+      </a:schemeClr>
+    </dgm:fillClrLst>
+    <dgm:linClrLst meth="repeat">
+      <a:schemeClr val="lt1"/>
+    </dgm:linClrLst>
+    <dgm:effectClrLst/>
+    <dgm:txLinClrLst/>
+    <dgm:txFillClrLst meth="repeat">
+      <a:schemeClr val="dk1"/>
+    </dgm:txFillClrLst>
+    <dgm:txEffectClrLst/>
+  </dgm:styleLbl>
+  <dgm:styleLbl name="revTx">
+    <dgm:fillClrLst meth="repeat">
+      <a:schemeClr val="lt1">
+        <a:alpha val="0"/>
+      </a:schemeClr>
+    </dgm:fillClrLst>
+    <dgm:linClrLst meth="repeat">
+      <a:schemeClr val="dk1">
+        <a:alpha val="0"/>
+      </a:schemeClr>
+    </dgm:linClrLst>
+    <dgm:effectClrLst/>
+    <dgm:txLinClrLst/>
+    <dgm:txFillClrLst meth="repeat">
+      <a:schemeClr val="tx1"/>
+    </dgm:txFillClrLst>
+    <dgm:txEffectClrLst/>
+  </dgm:styleLbl>
+</dgm:colorsDef>
+</file>
+
+<file path=ppt/diagrams/data1.xml><?xml version="1.0" encoding="utf-8"?>
+<dgm:dataModel xmlns:dgm="http://schemas.openxmlformats.org/drawingml/2006/diagram" xmlns:a="http://schemas.openxmlformats.org/drawingml/2006/main">
+  <dgm:ptLst>
+    <dgm:pt modelId="{E7F46394-139E-4EA5-87F2-11DFAE5B01D6}" type="doc">
+      <dgm:prSet loTypeId="urn:microsoft.com/office/officeart/2005/8/layout/pyramid3" loCatId="pyramid" qsTypeId="urn:microsoft.com/office/officeart/2005/8/quickstyle/simple3" qsCatId="simple" csTypeId="urn:microsoft.com/office/officeart/2005/8/colors/colorful2" csCatId="colorful" phldr="1"/>
+      <dgm:spPr/>
+    </dgm:pt>
+    <dgm:pt modelId="{A292D3E1-A298-45E5-A6D2-162624FCB2E7}">
+      <dgm:prSet phldrT="[文字]"/>
+      <dgm:spPr/>
+      <dgm:t>
+        <a:bodyPr/>
+        <a:lstStyle/>
+        <a:p>
+          <a:r>
+            <a:rPr lang="en-US" altLang="zh-TW" baseline="0" dirty="0">
+              <a:latin typeface="Times New Roman" panose="02020603050405020304" pitchFamily="18" charset="0"/>
+              <a:ea typeface="標楷體" panose="03000509000000000000" pitchFamily="65" charset="-120"/>
+            </a:rPr>
+            <a:t>Universal</a:t>
+          </a:r>
+          <a:r>
+            <a:rPr lang="zh-TW" altLang="en-US" baseline="0" dirty="0">
+              <a:latin typeface="Times New Roman" panose="02020603050405020304" pitchFamily="18" charset="0"/>
+              <a:ea typeface="標楷體" panose="03000509000000000000" pitchFamily="65" charset="-120"/>
+            </a:rPr>
+            <a:t> 文獻宇宙</a:t>
+          </a:r>
+        </a:p>
+      </dgm:t>
+    </dgm:pt>
+    <dgm:pt modelId="{062B27A1-2467-45B0-8C7B-EE3072E0215E}" type="parTrans" cxnId="{A6B601CE-88CD-4B21-BC26-192A190695F1}">
+      <dgm:prSet/>
+      <dgm:spPr/>
+      <dgm:t>
+        <a:bodyPr/>
+        <a:lstStyle/>
+        <a:p>
+          <a:endParaRPr lang="zh-TW" altLang="en-US"/>
+        </a:p>
+      </dgm:t>
+    </dgm:pt>
+    <dgm:pt modelId="{05399612-7683-416A-8B19-E0690D3DC238}" type="sibTrans" cxnId="{A6B601CE-88CD-4B21-BC26-192A190695F1}">
+      <dgm:prSet/>
+      <dgm:spPr/>
+      <dgm:t>
+        <a:bodyPr/>
+        <a:lstStyle/>
+        <a:p>
+          <a:endParaRPr lang="zh-TW" altLang="en-US"/>
+        </a:p>
+      </dgm:t>
+    </dgm:pt>
+    <dgm:pt modelId="{8B00B736-1480-4ED9-A8A8-AA6BFD91A33E}">
+      <dgm:prSet phldrT="[文字]"/>
+      <dgm:spPr/>
+      <dgm:t>
+        <a:bodyPr/>
+        <a:lstStyle/>
+        <a:p>
+          <a:r>
+            <a:rPr lang="zh-TW" altLang="en-US" baseline="0" dirty="0">
+              <a:latin typeface="Times New Roman" panose="02020603050405020304" pitchFamily="18" charset="0"/>
+              <a:ea typeface="標楷體" panose="03000509000000000000" pitchFamily="65" charset="-120"/>
+            </a:rPr>
+            <a:t>。</a:t>
+          </a:r>
+        </a:p>
+      </dgm:t>
+    </dgm:pt>
+    <dgm:pt modelId="{08343725-A5FD-4456-83A9-29A5C63CC338}" type="parTrans" cxnId="{4326D929-7E45-4B78-BEFB-7600EBFB10B4}">
+      <dgm:prSet/>
+      <dgm:spPr/>
+      <dgm:t>
+        <a:bodyPr/>
+        <a:lstStyle/>
+        <a:p>
+          <a:endParaRPr lang="zh-TW" altLang="en-US"/>
+        </a:p>
+      </dgm:t>
+    </dgm:pt>
+    <dgm:pt modelId="{DB98F988-B4B3-45DF-84D0-4BC00379E780}" type="sibTrans" cxnId="{4326D929-7E45-4B78-BEFB-7600EBFB10B4}">
+      <dgm:prSet/>
+      <dgm:spPr/>
+      <dgm:t>
+        <a:bodyPr/>
+        <a:lstStyle/>
+        <a:p>
+          <a:endParaRPr lang="zh-TW" altLang="en-US"/>
+        </a:p>
+      </dgm:t>
+    </dgm:pt>
+    <dgm:pt modelId="{A8B09AF3-766E-49BE-9CE6-A731507C1081}">
+      <dgm:prSet phldrT="[文字]"/>
+      <dgm:spPr/>
+      <dgm:t>
+        <a:bodyPr/>
+        <a:lstStyle/>
+        <a:p>
+          <a:r>
+            <a:rPr lang="en-US" altLang="zh-TW" baseline="0" dirty="0">
+              <a:latin typeface="Times New Roman" panose="02020603050405020304" pitchFamily="18" charset="0"/>
+              <a:ea typeface="標楷體" panose="03000509000000000000" pitchFamily="65" charset="-120"/>
+            </a:rPr>
+            <a:t>Suspect</a:t>
+          </a:r>
+          <a:r>
+            <a:rPr lang="zh-TW" altLang="en-US" baseline="0" dirty="0">
+              <a:latin typeface="Times New Roman" panose="02020603050405020304" pitchFamily="18" charset="0"/>
+              <a:ea typeface="標楷體" panose="03000509000000000000" pitchFamily="65" charset="-120"/>
+            </a:rPr>
+            <a:t> 抱持懷疑</a:t>
+          </a:r>
+          <a:r>
+            <a:rPr lang="zh-TW" altLang="en-US" baseline="0">
+              <a:latin typeface="Times New Roman" panose="02020603050405020304" pitchFamily="18" charset="0"/>
+              <a:ea typeface="標楷體" panose="03000509000000000000" pitchFamily="65" charset="-120"/>
+            </a:rPr>
+            <a:t>、探討</a:t>
+          </a:r>
+          <a:endParaRPr lang="zh-TW" altLang="en-US" baseline="0" dirty="0">
+            <a:latin typeface="Times New Roman" panose="02020603050405020304" pitchFamily="18" charset="0"/>
+            <a:ea typeface="標楷體" panose="03000509000000000000" pitchFamily="65" charset="-120"/>
+          </a:endParaRPr>
+        </a:p>
+      </dgm:t>
+    </dgm:pt>
+    <dgm:pt modelId="{B9C2CA56-C4BE-43A0-A2AD-9643940CA546}" type="parTrans" cxnId="{3BBC67A3-6A8B-49BF-B874-E5291A14D100}">
+      <dgm:prSet/>
+      <dgm:spPr/>
+      <dgm:t>
+        <a:bodyPr/>
+        <a:lstStyle/>
+        <a:p>
+          <a:endParaRPr lang="zh-TW" altLang="en-US"/>
+        </a:p>
+      </dgm:t>
+    </dgm:pt>
+    <dgm:pt modelId="{C0A7A42C-E1EA-425A-8E4B-675C6520583F}" type="sibTrans" cxnId="{3BBC67A3-6A8B-49BF-B874-E5291A14D100}">
+      <dgm:prSet/>
+      <dgm:spPr/>
+      <dgm:t>
+        <a:bodyPr/>
+        <a:lstStyle/>
+        <a:p>
+          <a:endParaRPr lang="zh-TW" altLang="en-US"/>
+        </a:p>
+      </dgm:t>
+    </dgm:pt>
+    <dgm:pt modelId="{A3123E36-9D4D-4B90-9473-3E77E9D8C246}">
+      <dgm:prSet phldrT="[文字]"/>
+      <dgm:spPr/>
+      <dgm:t>
+        <a:bodyPr/>
+        <a:lstStyle/>
+        <a:p>
+          <a:r>
+            <a:rPr lang="en-US" altLang="zh-TW" baseline="0" dirty="0">
+              <a:latin typeface="Times New Roman" panose="02020603050405020304" pitchFamily="18" charset="0"/>
+              <a:ea typeface="標楷體" panose="03000509000000000000" pitchFamily="65" charset="-120"/>
+            </a:rPr>
+            <a:t>Prospect</a:t>
+          </a:r>
+          <a:r>
+            <a:rPr lang="zh-TW" altLang="en-US" baseline="0" dirty="0">
+              <a:latin typeface="Times New Roman" panose="02020603050405020304" pitchFamily="18" charset="0"/>
+              <a:ea typeface="標楷體" panose="03000509000000000000" pitchFamily="65" charset="-120"/>
+            </a:rPr>
+            <a:t> 展望</a:t>
+          </a:r>
+        </a:p>
+      </dgm:t>
+    </dgm:pt>
+    <dgm:pt modelId="{E4717A1D-D18F-41DE-B840-C5B9CDA70A98}" type="parTrans" cxnId="{88A3901B-6490-4647-A94B-C6E5953EB3DE}">
+      <dgm:prSet/>
+      <dgm:spPr/>
+      <dgm:t>
+        <a:bodyPr/>
+        <a:lstStyle/>
+        <a:p>
+          <a:endParaRPr lang="zh-TW" altLang="en-US"/>
+        </a:p>
+      </dgm:t>
+    </dgm:pt>
+    <dgm:pt modelId="{4CEF24D7-F34F-4DCC-AA41-773E5F433FFC}" type="sibTrans" cxnId="{88A3901B-6490-4647-A94B-C6E5953EB3DE}">
+      <dgm:prSet/>
+      <dgm:spPr/>
+      <dgm:t>
+        <a:bodyPr/>
+        <a:lstStyle/>
+        <a:p>
+          <a:endParaRPr lang="zh-TW" altLang="en-US"/>
+        </a:p>
+      </dgm:t>
+    </dgm:pt>
+    <dgm:pt modelId="{2A081DB0-2974-482F-917D-D46CC3129B64}">
+      <dgm:prSet phldrT="[文字]" custT="1"/>
+      <dgm:spPr/>
+      <dgm:t>
+        <a:bodyPr/>
+        <a:lstStyle/>
+        <a:p>
+          <a:r>
+            <a:rPr lang="en-US" altLang="zh-TW" sz="2400" baseline="0" dirty="0">
+              <a:latin typeface="Times New Roman" panose="02020603050405020304" pitchFamily="18" charset="0"/>
+              <a:ea typeface="標楷體" panose="03000509000000000000" pitchFamily="65" charset="-120"/>
+            </a:rPr>
+            <a:t>Best Few</a:t>
+          </a:r>
+          <a:r>
+            <a:rPr lang="zh-TW" altLang="en-US" sz="2400" baseline="0" dirty="0">
+              <a:latin typeface="Times New Roman" panose="02020603050405020304" pitchFamily="18" charset="0"/>
+              <a:ea typeface="標楷體" panose="03000509000000000000" pitchFamily="65" charset="-120"/>
+            </a:rPr>
+            <a:t> </a:t>
+          </a:r>
+          <a:r>
+            <a:rPr lang="zh-TW" altLang="en-US" sz="1600" baseline="0" dirty="0">
+              <a:latin typeface="Times New Roman" panose="02020603050405020304" pitchFamily="18" charset="0"/>
+              <a:ea typeface="標楷體" panose="03000509000000000000" pitchFamily="65" charset="-120"/>
+            </a:rPr>
+            <a:t>最好的幾篇可以參考的</a:t>
+          </a:r>
+          <a:endParaRPr lang="zh-TW" altLang="en-US" sz="2400" baseline="0" dirty="0">
+            <a:latin typeface="Times New Roman" panose="02020603050405020304" pitchFamily="18" charset="0"/>
+            <a:ea typeface="標楷體" panose="03000509000000000000" pitchFamily="65" charset="-120"/>
+          </a:endParaRPr>
+        </a:p>
+      </dgm:t>
+    </dgm:pt>
+    <dgm:pt modelId="{83D0F794-D046-4471-820C-EF2B45490BBB}" type="parTrans" cxnId="{8B5C5948-962F-43B8-BAF2-3590EA3EEC7F}">
+      <dgm:prSet/>
+      <dgm:spPr/>
+      <dgm:t>
+        <a:bodyPr/>
+        <a:lstStyle/>
+        <a:p>
+          <a:endParaRPr lang="zh-TW" altLang="en-US"/>
+        </a:p>
+      </dgm:t>
+    </dgm:pt>
+    <dgm:pt modelId="{07470879-935E-4546-822E-B8844DFB0ABD}" type="sibTrans" cxnId="{8B5C5948-962F-43B8-BAF2-3590EA3EEC7F}">
+      <dgm:prSet/>
+      <dgm:spPr/>
+      <dgm:t>
+        <a:bodyPr/>
+        <a:lstStyle/>
+        <a:p>
+          <a:endParaRPr lang="zh-TW" altLang="en-US"/>
+        </a:p>
+      </dgm:t>
+    </dgm:pt>
+    <dgm:pt modelId="{59E0F1FF-91EE-45FD-9AD4-F8A901D0283B}" type="pres">
+      <dgm:prSet presAssocID="{E7F46394-139E-4EA5-87F2-11DFAE5B01D6}" presName="Name0" presStyleCnt="0">
+        <dgm:presLayoutVars>
+          <dgm:dir/>
+          <dgm:animLvl val="lvl"/>
+          <dgm:resizeHandles val="exact"/>
+        </dgm:presLayoutVars>
+      </dgm:prSet>
+      <dgm:spPr/>
+    </dgm:pt>
+    <dgm:pt modelId="{BA720F9C-FE1E-4CC4-B0FA-9219D51E7CB6}" type="pres">
+      <dgm:prSet presAssocID="{A292D3E1-A298-45E5-A6D2-162624FCB2E7}" presName="Name8" presStyleCnt="0"/>
+      <dgm:spPr/>
+    </dgm:pt>
+    <dgm:pt modelId="{EA352ED7-6F97-4989-B260-18AB44D5952E}" type="pres">
+      <dgm:prSet presAssocID="{A292D3E1-A298-45E5-A6D2-162624FCB2E7}" presName="level" presStyleLbl="node1" presStyleIdx="0" presStyleCnt="5">
+        <dgm:presLayoutVars>
+          <dgm:chMax val="1"/>
+          <dgm:bulletEnabled val="1"/>
+        </dgm:presLayoutVars>
+      </dgm:prSet>
+      <dgm:spPr/>
+    </dgm:pt>
+    <dgm:pt modelId="{BAB25EC6-4A3A-4C82-998D-FA28A4CD6182}" type="pres">
+      <dgm:prSet presAssocID="{A292D3E1-A298-45E5-A6D2-162624FCB2E7}" presName="levelTx" presStyleLbl="revTx" presStyleIdx="0" presStyleCnt="0">
+        <dgm:presLayoutVars>
+          <dgm:chMax val="1"/>
+          <dgm:bulletEnabled val="1"/>
+        </dgm:presLayoutVars>
+      </dgm:prSet>
+      <dgm:spPr/>
+    </dgm:pt>
+    <dgm:pt modelId="{FCFF00D2-3A38-4102-A9F2-1AEA5C5BA280}" type="pres">
+      <dgm:prSet presAssocID="{A8B09AF3-766E-49BE-9CE6-A731507C1081}" presName="Name8" presStyleCnt="0"/>
+      <dgm:spPr/>
+    </dgm:pt>
+    <dgm:pt modelId="{9C24F168-B8B4-464F-9E8E-F6F0EC413285}" type="pres">
+      <dgm:prSet presAssocID="{A8B09AF3-766E-49BE-9CE6-A731507C1081}" presName="level" presStyleLbl="node1" presStyleIdx="1" presStyleCnt="5">
+        <dgm:presLayoutVars>
+          <dgm:chMax val="1"/>
+          <dgm:bulletEnabled val="1"/>
+        </dgm:presLayoutVars>
+      </dgm:prSet>
+      <dgm:spPr/>
+    </dgm:pt>
+    <dgm:pt modelId="{1A07DBD1-0F09-42F1-9D8B-256342F61AAA}" type="pres">
+      <dgm:prSet presAssocID="{A8B09AF3-766E-49BE-9CE6-A731507C1081}" presName="levelTx" presStyleLbl="revTx" presStyleIdx="0" presStyleCnt="0">
+        <dgm:presLayoutVars>
+          <dgm:chMax val="1"/>
+          <dgm:bulletEnabled val="1"/>
+        </dgm:presLayoutVars>
+      </dgm:prSet>
+      <dgm:spPr/>
+    </dgm:pt>
+    <dgm:pt modelId="{B86D6F43-0194-4ADF-96AC-67C512629545}" type="pres">
+      <dgm:prSet presAssocID="{A3123E36-9D4D-4B90-9473-3E77E9D8C246}" presName="Name8" presStyleCnt="0"/>
+      <dgm:spPr/>
+    </dgm:pt>
+    <dgm:pt modelId="{D814E7F0-18ED-480C-B7AE-1C826AC9C631}" type="pres">
+      <dgm:prSet presAssocID="{A3123E36-9D4D-4B90-9473-3E77E9D8C246}" presName="level" presStyleLbl="node1" presStyleIdx="2" presStyleCnt="5">
+        <dgm:presLayoutVars>
+          <dgm:chMax val="1"/>
+          <dgm:bulletEnabled val="1"/>
+        </dgm:presLayoutVars>
+      </dgm:prSet>
+      <dgm:spPr/>
+    </dgm:pt>
+    <dgm:pt modelId="{8CDA7242-11BE-4600-8F28-26EA3D1177A9}" type="pres">
+      <dgm:prSet presAssocID="{A3123E36-9D4D-4B90-9473-3E77E9D8C246}" presName="levelTx" presStyleLbl="revTx" presStyleIdx="0" presStyleCnt="0">
+        <dgm:presLayoutVars>
+          <dgm:chMax val="1"/>
+          <dgm:bulletEnabled val="1"/>
+        </dgm:presLayoutVars>
+      </dgm:prSet>
+      <dgm:spPr/>
+    </dgm:pt>
+    <dgm:pt modelId="{350B940B-A997-4187-A5EB-B1794BE97A67}" type="pres">
+      <dgm:prSet presAssocID="{2A081DB0-2974-482F-917D-D46CC3129B64}" presName="Name8" presStyleCnt="0"/>
+      <dgm:spPr/>
+    </dgm:pt>
+    <dgm:pt modelId="{3EF388DE-8FB7-49EF-99E3-A3837D9A6D4B}" type="pres">
+      <dgm:prSet presAssocID="{2A081DB0-2974-482F-917D-D46CC3129B64}" presName="level" presStyleLbl="node1" presStyleIdx="3" presStyleCnt="5">
+        <dgm:presLayoutVars>
+          <dgm:chMax val="1"/>
+          <dgm:bulletEnabled val="1"/>
+        </dgm:presLayoutVars>
+      </dgm:prSet>
+      <dgm:spPr/>
+    </dgm:pt>
+    <dgm:pt modelId="{EDDA0AE0-0D7B-429E-84E3-0BCBD2343E5D}" type="pres">
+      <dgm:prSet presAssocID="{2A081DB0-2974-482F-917D-D46CC3129B64}" presName="levelTx" presStyleLbl="revTx" presStyleIdx="0" presStyleCnt="0">
+        <dgm:presLayoutVars>
+          <dgm:chMax val="1"/>
+          <dgm:bulletEnabled val="1"/>
+        </dgm:presLayoutVars>
+      </dgm:prSet>
+      <dgm:spPr/>
+    </dgm:pt>
+    <dgm:pt modelId="{F17D6B07-0D37-46E8-A53E-86BDCB690F72}" type="pres">
+      <dgm:prSet presAssocID="{8B00B736-1480-4ED9-A8A8-AA6BFD91A33E}" presName="Name8" presStyleCnt="0"/>
+      <dgm:spPr/>
+    </dgm:pt>
+    <dgm:pt modelId="{4931570F-FA99-441C-9C55-ABE391E1621D}" type="pres">
+      <dgm:prSet presAssocID="{8B00B736-1480-4ED9-A8A8-AA6BFD91A33E}" presName="level" presStyleLbl="node1" presStyleIdx="4" presStyleCnt="5">
+        <dgm:presLayoutVars>
+          <dgm:chMax val="1"/>
+          <dgm:bulletEnabled val="1"/>
+        </dgm:presLayoutVars>
+      </dgm:prSet>
+      <dgm:spPr/>
+    </dgm:pt>
+    <dgm:pt modelId="{D84285B1-2152-4BD8-A8E7-EAF427546008}" type="pres">
+      <dgm:prSet presAssocID="{8B00B736-1480-4ED9-A8A8-AA6BFD91A33E}" presName="levelTx" presStyleLbl="revTx" presStyleIdx="0" presStyleCnt="0">
+        <dgm:presLayoutVars>
+          <dgm:chMax val="1"/>
+          <dgm:bulletEnabled val="1"/>
+        </dgm:presLayoutVars>
+      </dgm:prSet>
+      <dgm:spPr/>
+    </dgm:pt>
+  </dgm:ptLst>
+  <dgm:cxnLst>
+    <dgm:cxn modelId="{D6EC710E-BB9D-4765-B514-2C20E63408A5}" type="presOf" srcId="{8B00B736-1480-4ED9-A8A8-AA6BFD91A33E}" destId="{D84285B1-2152-4BD8-A8E7-EAF427546008}" srcOrd="1" destOrd="0" presId="urn:microsoft.com/office/officeart/2005/8/layout/pyramid3"/>
+    <dgm:cxn modelId="{88A3901B-6490-4647-A94B-C6E5953EB3DE}" srcId="{E7F46394-139E-4EA5-87F2-11DFAE5B01D6}" destId="{A3123E36-9D4D-4B90-9473-3E77E9D8C246}" srcOrd="2" destOrd="0" parTransId="{E4717A1D-D18F-41DE-B840-C5B9CDA70A98}" sibTransId="{4CEF24D7-F34F-4DCC-AA41-773E5F433FFC}"/>
+    <dgm:cxn modelId="{4326D929-7E45-4B78-BEFB-7600EBFB10B4}" srcId="{E7F46394-139E-4EA5-87F2-11DFAE5B01D6}" destId="{8B00B736-1480-4ED9-A8A8-AA6BFD91A33E}" srcOrd="4" destOrd="0" parTransId="{08343725-A5FD-4456-83A9-29A5C63CC338}" sibTransId="{DB98F988-B4B3-45DF-84D0-4BC00379E780}"/>
+    <dgm:cxn modelId="{9D231A35-D40E-4A98-B8C5-88F1BFEF01EF}" type="presOf" srcId="{2A081DB0-2974-482F-917D-D46CC3129B64}" destId="{EDDA0AE0-0D7B-429E-84E3-0BCBD2343E5D}" srcOrd="1" destOrd="0" presId="urn:microsoft.com/office/officeart/2005/8/layout/pyramid3"/>
+    <dgm:cxn modelId="{E9534C42-64A5-4D65-9F2C-EB0715AAF15E}" type="presOf" srcId="{8B00B736-1480-4ED9-A8A8-AA6BFD91A33E}" destId="{4931570F-FA99-441C-9C55-ABE391E1621D}" srcOrd="0" destOrd="0" presId="urn:microsoft.com/office/officeart/2005/8/layout/pyramid3"/>
+    <dgm:cxn modelId="{8B5C5948-962F-43B8-BAF2-3590EA3EEC7F}" srcId="{E7F46394-139E-4EA5-87F2-11DFAE5B01D6}" destId="{2A081DB0-2974-482F-917D-D46CC3129B64}" srcOrd="3" destOrd="0" parTransId="{83D0F794-D046-4471-820C-EF2B45490BBB}" sibTransId="{07470879-935E-4546-822E-B8844DFB0ABD}"/>
+    <dgm:cxn modelId="{4803C54F-64A8-47C6-B9F4-B3297F3F03DC}" type="presOf" srcId="{2A081DB0-2974-482F-917D-D46CC3129B64}" destId="{3EF388DE-8FB7-49EF-99E3-A3837D9A6D4B}" srcOrd="0" destOrd="0" presId="urn:microsoft.com/office/officeart/2005/8/layout/pyramid3"/>
+    <dgm:cxn modelId="{BA5E7074-8FAB-46F9-BFE1-0FCFACC7A40B}" type="presOf" srcId="{A8B09AF3-766E-49BE-9CE6-A731507C1081}" destId="{1A07DBD1-0F09-42F1-9D8B-256342F61AAA}" srcOrd="1" destOrd="0" presId="urn:microsoft.com/office/officeart/2005/8/layout/pyramid3"/>
+    <dgm:cxn modelId="{EAE66077-C4B6-4DF4-AB76-53A9EA7F093B}" type="presOf" srcId="{E7F46394-139E-4EA5-87F2-11DFAE5B01D6}" destId="{59E0F1FF-91EE-45FD-9AD4-F8A901D0283B}" srcOrd="0" destOrd="0" presId="urn:microsoft.com/office/officeart/2005/8/layout/pyramid3"/>
+    <dgm:cxn modelId="{D0F55357-3B8C-4157-80A6-6928B3C12190}" type="presOf" srcId="{A292D3E1-A298-45E5-A6D2-162624FCB2E7}" destId="{EA352ED7-6F97-4989-B260-18AB44D5952E}" srcOrd="0" destOrd="0" presId="urn:microsoft.com/office/officeart/2005/8/layout/pyramid3"/>
+    <dgm:cxn modelId="{2630D886-3FBA-417E-ABC5-C2266C130FF1}" type="presOf" srcId="{A8B09AF3-766E-49BE-9CE6-A731507C1081}" destId="{9C24F168-B8B4-464F-9E8E-F6F0EC413285}" srcOrd="0" destOrd="0" presId="urn:microsoft.com/office/officeart/2005/8/layout/pyramid3"/>
+    <dgm:cxn modelId="{3BBC67A3-6A8B-49BF-B874-E5291A14D100}" srcId="{E7F46394-139E-4EA5-87F2-11DFAE5B01D6}" destId="{A8B09AF3-766E-49BE-9CE6-A731507C1081}" srcOrd="1" destOrd="0" parTransId="{B9C2CA56-C4BE-43A0-A2AD-9643940CA546}" sibTransId="{C0A7A42C-E1EA-425A-8E4B-675C6520583F}"/>
+    <dgm:cxn modelId="{38E687BB-EB83-494A-93A8-7C4ACFACB773}" type="presOf" srcId="{A3123E36-9D4D-4B90-9473-3E77E9D8C246}" destId="{8CDA7242-11BE-4600-8F28-26EA3D1177A9}" srcOrd="1" destOrd="0" presId="urn:microsoft.com/office/officeart/2005/8/layout/pyramid3"/>
+    <dgm:cxn modelId="{A6B601CE-88CD-4B21-BC26-192A190695F1}" srcId="{E7F46394-139E-4EA5-87F2-11DFAE5B01D6}" destId="{A292D3E1-A298-45E5-A6D2-162624FCB2E7}" srcOrd="0" destOrd="0" parTransId="{062B27A1-2467-45B0-8C7B-EE3072E0215E}" sibTransId="{05399612-7683-416A-8B19-E0690D3DC238}"/>
+    <dgm:cxn modelId="{27585FF3-8BAE-46D5-83E4-8B510E3930E1}" type="presOf" srcId="{A3123E36-9D4D-4B90-9473-3E77E9D8C246}" destId="{D814E7F0-18ED-480C-B7AE-1C826AC9C631}" srcOrd="0" destOrd="0" presId="urn:microsoft.com/office/officeart/2005/8/layout/pyramid3"/>
+    <dgm:cxn modelId="{6E690FF9-E84B-4675-8B9B-25ADD940C2B1}" type="presOf" srcId="{A292D3E1-A298-45E5-A6D2-162624FCB2E7}" destId="{BAB25EC6-4A3A-4C82-998D-FA28A4CD6182}" srcOrd="1" destOrd="0" presId="urn:microsoft.com/office/officeart/2005/8/layout/pyramid3"/>
+    <dgm:cxn modelId="{4AECFEED-1280-4FE5-8BAB-8F7A6936237D}" type="presParOf" srcId="{59E0F1FF-91EE-45FD-9AD4-F8A901D0283B}" destId="{BA720F9C-FE1E-4CC4-B0FA-9219D51E7CB6}" srcOrd="0" destOrd="0" presId="urn:microsoft.com/office/officeart/2005/8/layout/pyramid3"/>
+    <dgm:cxn modelId="{21A6BC62-F58C-430B-B700-65F184B62A40}" type="presParOf" srcId="{BA720F9C-FE1E-4CC4-B0FA-9219D51E7CB6}" destId="{EA352ED7-6F97-4989-B260-18AB44D5952E}" srcOrd="0" destOrd="0" presId="urn:microsoft.com/office/officeart/2005/8/layout/pyramid3"/>
+    <dgm:cxn modelId="{A4639BDF-F499-4258-AED3-05F95FA491D1}" type="presParOf" srcId="{BA720F9C-FE1E-4CC4-B0FA-9219D51E7CB6}" destId="{BAB25EC6-4A3A-4C82-998D-FA28A4CD6182}" srcOrd="1" destOrd="0" presId="urn:microsoft.com/office/officeart/2005/8/layout/pyramid3"/>
+    <dgm:cxn modelId="{F61B3996-BB57-436E-B02D-70C56B544ADF}" type="presParOf" srcId="{59E0F1FF-91EE-45FD-9AD4-F8A901D0283B}" destId="{FCFF00D2-3A38-4102-A9F2-1AEA5C5BA280}" srcOrd="1" destOrd="0" presId="urn:microsoft.com/office/officeart/2005/8/layout/pyramid3"/>
+    <dgm:cxn modelId="{FA6B366F-F06B-499E-8A3C-7A92D7BCEBD0}" type="presParOf" srcId="{FCFF00D2-3A38-4102-A9F2-1AEA5C5BA280}" destId="{9C24F168-B8B4-464F-9E8E-F6F0EC413285}" srcOrd="0" destOrd="0" presId="urn:microsoft.com/office/officeart/2005/8/layout/pyramid3"/>
+    <dgm:cxn modelId="{6A547E53-F757-44BE-A4EE-F275EBB7799C}" type="presParOf" srcId="{FCFF00D2-3A38-4102-A9F2-1AEA5C5BA280}" destId="{1A07DBD1-0F09-42F1-9D8B-256342F61AAA}" srcOrd="1" destOrd="0" presId="urn:microsoft.com/office/officeart/2005/8/layout/pyramid3"/>
+    <dgm:cxn modelId="{EF8E3A6F-DA47-4A3E-9A51-EB996EE14D6A}" type="presParOf" srcId="{59E0F1FF-91EE-45FD-9AD4-F8A901D0283B}" destId="{B86D6F43-0194-4ADF-96AC-67C512629545}" srcOrd="2" destOrd="0" presId="urn:microsoft.com/office/officeart/2005/8/layout/pyramid3"/>
+    <dgm:cxn modelId="{A03B88D6-4FE3-438D-A70D-A356E7DA967D}" type="presParOf" srcId="{B86D6F43-0194-4ADF-96AC-67C512629545}" destId="{D814E7F0-18ED-480C-B7AE-1C826AC9C631}" srcOrd="0" destOrd="0" presId="urn:microsoft.com/office/officeart/2005/8/layout/pyramid3"/>
+    <dgm:cxn modelId="{8BC25FE8-A292-4EE2-8CE9-616DA07707F4}" type="presParOf" srcId="{B86D6F43-0194-4ADF-96AC-67C512629545}" destId="{8CDA7242-11BE-4600-8F28-26EA3D1177A9}" srcOrd="1" destOrd="0" presId="urn:microsoft.com/office/officeart/2005/8/layout/pyramid3"/>
+    <dgm:cxn modelId="{B3FD64A1-35D5-4F9B-ABBC-64408BA254DD}" type="presParOf" srcId="{59E0F1FF-91EE-45FD-9AD4-F8A901D0283B}" destId="{350B940B-A997-4187-A5EB-B1794BE97A67}" srcOrd="3" destOrd="0" presId="urn:microsoft.com/office/officeart/2005/8/layout/pyramid3"/>
+    <dgm:cxn modelId="{6AC5FF23-5308-4FEC-B123-83E480C6E549}" type="presParOf" srcId="{350B940B-A997-4187-A5EB-B1794BE97A67}" destId="{3EF388DE-8FB7-49EF-99E3-A3837D9A6D4B}" srcOrd="0" destOrd="0" presId="urn:microsoft.com/office/officeart/2005/8/layout/pyramid3"/>
+    <dgm:cxn modelId="{73E48C3E-072F-4C18-8A50-594FDDD9B8E0}" type="presParOf" srcId="{350B940B-A997-4187-A5EB-B1794BE97A67}" destId="{EDDA0AE0-0D7B-429E-84E3-0BCBD2343E5D}" srcOrd="1" destOrd="0" presId="urn:microsoft.com/office/officeart/2005/8/layout/pyramid3"/>
+    <dgm:cxn modelId="{4C879447-79AB-4A9E-9C09-73E68C455D88}" type="presParOf" srcId="{59E0F1FF-91EE-45FD-9AD4-F8A901D0283B}" destId="{F17D6B07-0D37-46E8-A53E-86BDCB690F72}" srcOrd="4" destOrd="0" presId="urn:microsoft.com/office/officeart/2005/8/layout/pyramid3"/>
+    <dgm:cxn modelId="{90C5D9B9-1D38-4E67-A6B7-F04E806D1D55}" type="presParOf" srcId="{F17D6B07-0D37-46E8-A53E-86BDCB690F72}" destId="{4931570F-FA99-441C-9C55-ABE391E1621D}" srcOrd="0" destOrd="0" presId="urn:microsoft.com/office/officeart/2005/8/layout/pyramid3"/>
+    <dgm:cxn modelId="{5E9EA84B-E996-4E9D-9E6A-746610EE91F6}" type="presParOf" srcId="{F17D6B07-0D37-46E8-A53E-86BDCB690F72}" destId="{D84285B1-2152-4BD8-A8E7-EAF427546008}" srcOrd="1" destOrd="0" presId="urn:microsoft.com/office/officeart/2005/8/layout/pyramid3"/>
+  </dgm:cxnLst>
+  <dgm:bg/>
+  <dgm:whole/>
+  <dgm:extLst>
+    <a:ext uri="http://schemas.microsoft.com/office/drawing/2008/diagram">
+      <dsp:dataModelExt xmlns:dsp="http://schemas.microsoft.com/office/drawing/2008/diagram" relId="rId6" minVer="http://schemas.openxmlformats.org/drawingml/2006/diagram"/>
+    </a:ext>
+  </dgm:extLst>
+</dgm:dataModel>
+</file>
+
+<file path=ppt/diagrams/data2.xml><?xml version="1.0" encoding="utf-8"?>
+<dgm:dataModel xmlns:dgm="http://schemas.openxmlformats.org/drawingml/2006/diagram" xmlns:a="http://schemas.openxmlformats.org/drawingml/2006/main">
+  <dgm:ptLst>
+    <dgm:pt modelId="{5EB6F999-11BD-4E2A-B516-BB35D8FBF9B6}" type="doc">
+      <dgm:prSet loTypeId="urn:microsoft.com/office/officeart/2005/8/layout/vList2" loCatId="list" qsTypeId="urn:microsoft.com/office/officeart/2005/8/quickstyle/simple3" qsCatId="simple" csTypeId="urn:microsoft.com/office/officeart/2005/8/colors/colorful2" csCatId="colorful" phldr="1"/>
+      <dgm:spPr/>
+      <dgm:t>
+        <a:bodyPr/>
+        <a:lstStyle/>
+        <a:p>
+          <a:endParaRPr lang="zh-TW" altLang="en-US"/>
+        </a:p>
+      </dgm:t>
+    </dgm:pt>
+    <dgm:pt modelId="{FA2C9464-148A-483B-804D-45268911DFB4}">
+      <dgm:prSet phldrT="[文字]" custT="1"/>
+      <dgm:spPr/>
+      <dgm:t>
+        <a:bodyPr/>
+        <a:lstStyle/>
+        <a:p>
+          <a:r>
+            <a:rPr lang="zh-TW" altLang="en-US" sz="1600" b="1" dirty="0">
+              <a:latin typeface="標楷體" panose="03000509000000000000" pitchFamily="65" charset="-120"/>
+              <a:ea typeface="標楷體" panose="03000509000000000000" pitchFamily="65" charset="-120"/>
+            </a:rPr>
+            <a:t>了解研究現況</a:t>
+          </a:r>
+        </a:p>
+      </dgm:t>
+    </dgm:pt>
+    <dgm:pt modelId="{EE2773A6-3B38-4C0C-89B5-98AD8793A445}" type="parTrans" cxnId="{F86C1F04-E2C3-4FD8-B108-BDB376A5BCFF}">
+      <dgm:prSet/>
+      <dgm:spPr/>
+      <dgm:t>
+        <a:bodyPr/>
+        <a:lstStyle/>
+        <a:p>
+          <a:endParaRPr lang="zh-TW" altLang="en-US"/>
+        </a:p>
+      </dgm:t>
+    </dgm:pt>
+    <dgm:pt modelId="{6A6018C2-F1BF-43D0-BD92-E92020CFAC55}" type="sibTrans" cxnId="{F86C1F04-E2C3-4FD8-B108-BDB376A5BCFF}">
+      <dgm:prSet/>
+      <dgm:spPr/>
+      <dgm:t>
+        <a:bodyPr/>
+        <a:lstStyle/>
+        <a:p>
+          <a:endParaRPr lang="zh-TW" altLang="en-US"/>
+        </a:p>
+      </dgm:t>
+    </dgm:pt>
+    <dgm:pt modelId="{F5C1807D-A04B-4A55-B284-43413BF7CE1B}">
+      <dgm:prSet phldrT="[文字]" custT="1"/>
+      <dgm:spPr/>
+      <dgm:t>
+        <a:bodyPr/>
+        <a:lstStyle/>
+        <a:p>
+          <a:r>
+            <a:rPr lang="zh-TW" altLang="en-US" sz="1600" b="1" dirty="0">
+              <a:latin typeface="標楷體" panose="03000509000000000000" pitchFamily="65" charset="-120"/>
+              <a:ea typeface="標楷體" panose="03000509000000000000" pitchFamily="65" charset="-120"/>
+            </a:rPr>
+            <a:t>了解特定議題</a:t>
+          </a:r>
+        </a:p>
+      </dgm:t>
+    </dgm:pt>
+    <dgm:pt modelId="{28540E9B-3E9A-4E49-9603-ABB05F3375C2}" type="parTrans" cxnId="{24B7BD0C-4455-4930-898C-AD873E897A6F}">
+      <dgm:prSet/>
+      <dgm:spPr/>
+      <dgm:t>
+        <a:bodyPr/>
+        <a:lstStyle/>
+        <a:p>
+          <a:endParaRPr lang="zh-TW" altLang="en-US"/>
+        </a:p>
+      </dgm:t>
+    </dgm:pt>
+    <dgm:pt modelId="{CE0CFCFC-DE52-4553-90D2-47B1E7F18FE3}" type="sibTrans" cxnId="{24B7BD0C-4455-4930-898C-AD873E897A6F}">
+      <dgm:prSet/>
+      <dgm:spPr/>
+      <dgm:t>
+        <a:bodyPr/>
+        <a:lstStyle/>
+        <a:p>
+          <a:endParaRPr lang="zh-TW" altLang="en-US"/>
+        </a:p>
+      </dgm:t>
+    </dgm:pt>
+    <dgm:pt modelId="{064F3337-C597-4315-A0EF-796AE56D1656}">
+      <dgm:prSet phldrT="[文字]" phldr="1" custT="1"/>
+      <dgm:spPr/>
+      <dgm:t>
+        <a:bodyPr/>
+        <a:lstStyle/>
+        <a:p>
+          <a:endParaRPr lang="zh-TW" altLang="en-US" sz="100" dirty="0">
+            <a:latin typeface="標楷體" panose="03000509000000000000" pitchFamily="65" charset="-120"/>
+            <a:ea typeface="標楷體" panose="03000509000000000000" pitchFamily="65" charset="-120"/>
+          </a:endParaRPr>
+        </a:p>
+      </dgm:t>
+    </dgm:pt>
+    <dgm:pt modelId="{409445D4-B39F-4AD5-857B-66DFD0005F54}" type="parTrans" cxnId="{5F936E51-CCEB-4B77-95A3-B685BC0F8ABB}">
+      <dgm:prSet/>
+      <dgm:spPr/>
+      <dgm:t>
+        <a:bodyPr/>
+        <a:lstStyle/>
+        <a:p>
+          <a:endParaRPr lang="zh-TW" altLang="en-US"/>
+        </a:p>
+      </dgm:t>
+    </dgm:pt>
+    <dgm:pt modelId="{F8A1B806-5B50-46A5-94AE-75093A77C671}" type="sibTrans" cxnId="{5F936E51-CCEB-4B77-95A3-B685BC0F8ABB}">
+      <dgm:prSet/>
+      <dgm:spPr/>
+      <dgm:t>
+        <a:bodyPr/>
+        <a:lstStyle/>
+        <a:p>
+          <a:endParaRPr lang="zh-TW" altLang="en-US"/>
+        </a:p>
+      </dgm:t>
+    </dgm:pt>
+    <dgm:pt modelId="{7A302BC8-78EF-45F1-A7B0-1C4C7857C283}">
+      <dgm:prSet phldrT="[文字]" custT="1"/>
+      <dgm:spPr/>
+      <dgm:t>
+        <a:bodyPr/>
+        <a:lstStyle/>
+        <a:p>
+          <a:r>
+            <a:rPr lang="zh-TW" altLang="en-US" sz="1800" dirty="0">
+              <a:latin typeface="標楷體" panose="03000509000000000000" pitchFamily="65" charset="-120"/>
+              <a:ea typeface="標楷體" panose="03000509000000000000" pitchFamily="65" charset="-120"/>
+            </a:rPr>
+            <a:t>大範圍搜尋此領域大家在探討甚麼</a:t>
+          </a:r>
+        </a:p>
+      </dgm:t>
+    </dgm:pt>
+    <dgm:pt modelId="{5AD97ECB-3410-4305-B682-C07800BD3B52}" type="parTrans" cxnId="{332CCE63-A190-4135-BD90-9E78B98DA01C}">
+      <dgm:prSet/>
+      <dgm:spPr/>
+      <dgm:t>
+        <a:bodyPr/>
+        <a:lstStyle/>
+        <a:p>
+          <a:endParaRPr lang="zh-TW" altLang="en-US"/>
+        </a:p>
+      </dgm:t>
+    </dgm:pt>
+    <dgm:pt modelId="{D2D7BE61-71E0-472C-959E-7DC70BA95EB6}" type="sibTrans" cxnId="{332CCE63-A190-4135-BD90-9E78B98DA01C}">
+      <dgm:prSet/>
+      <dgm:spPr/>
+      <dgm:t>
+        <a:bodyPr/>
+        <a:lstStyle/>
+        <a:p>
+          <a:endParaRPr lang="zh-TW" altLang="en-US"/>
+        </a:p>
+      </dgm:t>
+    </dgm:pt>
+    <dgm:pt modelId="{232D7010-2DD1-4574-B116-C0DF1217B672}">
+      <dgm:prSet phldrT="[文字]" custT="1"/>
+      <dgm:spPr/>
+      <dgm:t>
+        <a:bodyPr/>
+        <a:lstStyle/>
+        <a:p>
+          <a:r>
+            <a:rPr lang="zh-TW" altLang="en-US" sz="1600" b="1" dirty="0">
+              <a:latin typeface="標楷體" panose="03000509000000000000" pitchFamily="65" charset="-120"/>
+              <a:ea typeface="標楷體" panose="03000509000000000000" pitchFamily="65" charset="-120"/>
+            </a:rPr>
+            <a:t>研究問題的可能方案</a:t>
+          </a:r>
+        </a:p>
+      </dgm:t>
+    </dgm:pt>
+    <dgm:pt modelId="{80C1E722-98B6-41A1-B096-84DACE8919B0}" type="parTrans" cxnId="{F4B96F39-179C-4FF7-97FD-E66B11F87C86}">
+      <dgm:prSet/>
+      <dgm:spPr/>
+      <dgm:t>
+        <a:bodyPr/>
+        <a:lstStyle/>
+        <a:p>
+          <a:endParaRPr lang="zh-TW" altLang="en-US"/>
+        </a:p>
+      </dgm:t>
+    </dgm:pt>
+    <dgm:pt modelId="{B6774954-40CC-4029-9D00-9D2F4B309316}" type="sibTrans" cxnId="{F4B96F39-179C-4FF7-97FD-E66B11F87C86}">
+      <dgm:prSet/>
+      <dgm:spPr/>
+      <dgm:t>
+        <a:bodyPr/>
+        <a:lstStyle/>
+        <a:p>
+          <a:endParaRPr lang="zh-TW" altLang="en-US"/>
+        </a:p>
+      </dgm:t>
+    </dgm:pt>
+    <dgm:pt modelId="{00D52BA6-CE50-45C4-A13A-3DFBEDEDB7A7}">
+      <dgm:prSet phldrT="[文字]" custT="1"/>
+      <dgm:spPr/>
+      <dgm:t>
+        <a:bodyPr/>
+        <a:lstStyle/>
+        <a:p>
+          <a:pPr algn="l"/>
+          <a:r>
+            <a:rPr lang="zh-TW" altLang="en-US" sz="1600" b="1" dirty="0">
+              <a:latin typeface="標楷體" panose="03000509000000000000" pitchFamily="65" charset="-120"/>
+              <a:ea typeface="標楷體" panose="03000509000000000000" pitchFamily="65" charset="-120"/>
+            </a:rPr>
+            <a:t>確定研究問題</a:t>
+          </a:r>
+        </a:p>
+      </dgm:t>
+    </dgm:pt>
+    <dgm:pt modelId="{F3593904-82D2-40BA-AB2C-0A46DB7EC9F4}" type="parTrans" cxnId="{FF9CA858-2548-4A74-8B0F-B21907C717F2}">
+      <dgm:prSet/>
+      <dgm:spPr/>
+      <dgm:t>
+        <a:bodyPr/>
+        <a:lstStyle/>
+        <a:p>
+          <a:endParaRPr lang="zh-TW" altLang="en-US"/>
+        </a:p>
+      </dgm:t>
+    </dgm:pt>
+    <dgm:pt modelId="{AB574FD9-C755-485C-9058-7DAD1362EA13}" type="sibTrans" cxnId="{FF9CA858-2548-4A74-8B0F-B21907C717F2}">
+      <dgm:prSet/>
+      <dgm:spPr/>
+      <dgm:t>
+        <a:bodyPr/>
+        <a:lstStyle/>
+        <a:p>
+          <a:endParaRPr lang="zh-TW" altLang="en-US"/>
+        </a:p>
+      </dgm:t>
+    </dgm:pt>
+    <dgm:pt modelId="{2FF0074A-C761-4F58-8CE0-63A224AF3A4F}">
+      <dgm:prSet phldrT="[文字]" custT="1"/>
+      <dgm:spPr/>
+      <dgm:t>
+        <a:bodyPr/>
+        <a:lstStyle/>
+        <a:p>
+          <a:r>
+            <a:rPr lang="zh-TW" altLang="en-US" sz="1600" b="1" dirty="0">
+              <a:latin typeface="標楷體" panose="03000509000000000000" pitchFamily="65" charset="-120"/>
+              <a:ea typeface="標楷體" panose="03000509000000000000" pitchFamily="65" charset="-120"/>
+            </a:rPr>
+            <a:t>進行研究結果呈現</a:t>
+          </a:r>
+        </a:p>
+      </dgm:t>
+    </dgm:pt>
+    <dgm:pt modelId="{DC37F8CD-3C38-45E1-A5E0-6E11862378D1}" type="parTrans" cxnId="{1591CB87-8575-4EAE-AC98-2BEC41CA81F3}">
+      <dgm:prSet/>
+      <dgm:spPr/>
+      <dgm:t>
+        <a:bodyPr/>
+        <a:lstStyle/>
+        <a:p>
+          <a:endParaRPr lang="zh-TW" altLang="en-US"/>
+        </a:p>
+      </dgm:t>
+    </dgm:pt>
+    <dgm:pt modelId="{1A441B01-BA5B-4B33-BDF4-0D8849A1CEC8}" type="sibTrans" cxnId="{1591CB87-8575-4EAE-AC98-2BEC41CA81F3}">
+      <dgm:prSet/>
+      <dgm:spPr/>
+      <dgm:t>
+        <a:bodyPr/>
+        <a:lstStyle/>
+        <a:p>
+          <a:endParaRPr lang="zh-TW" altLang="en-US"/>
+        </a:p>
+      </dgm:t>
+    </dgm:pt>
+    <dgm:pt modelId="{766BA6C5-86D1-4CC2-8F93-7B4A24735CB3}">
+      <dgm:prSet phldrT="[文字]" custT="1"/>
+      <dgm:spPr/>
+      <dgm:t>
+        <a:bodyPr/>
+        <a:lstStyle/>
+        <a:p>
+          <a:r>
+            <a:rPr lang="zh-TW" altLang="en-US" sz="1600" dirty="0">
+              <a:latin typeface="標楷體" panose="03000509000000000000" pitchFamily="65" charset="-120"/>
+              <a:ea typeface="標楷體" panose="03000509000000000000" pitchFamily="65" charset="-120"/>
+            </a:rPr>
+            <a:t>針對有興趣、有發展的領域，搜尋瀏覽時多篇重要論文</a:t>
+          </a:r>
+        </a:p>
+      </dgm:t>
+    </dgm:pt>
+    <dgm:pt modelId="{C6933F3F-5A3C-4745-9850-DA472789E053}" type="parTrans" cxnId="{0B8AFAF5-CFD2-4E11-981E-3ABCC91C32DF}">
+      <dgm:prSet/>
+      <dgm:spPr/>
+      <dgm:t>
+        <a:bodyPr/>
+        <a:lstStyle/>
+        <a:p>
+          <a:endParaRPr lang="zh-TW" altLang="en-US"/>
+        </a:p>
+      </dgm:t>
+    </dgm:pt>
+    <dgm:pt modelId="{A21DABEE-5BA8-45E1-9569-614C89DE03B8}" type="sibTrans" cxnId="{0B8AFAF5-CFD2-4E11-981E-3ABCC91C32DF}">
+      <dgm:prSet/>
+      <dgm:spPr/>
+      <dgm:t>
+        <a:bodyPr/>
+        <a:lstStyle/>
+        <a:p>
+          <a:endParaRPr lang="zh-TW" altLang="en-US"/>
+        </a:p>
+      </dgm:t>
+    </dgm:pt>
+    <dgm:pt modelId="{8E058963-4DD2-4A18-8690-2D29EFD5C313}">
+      <dgm:prSet phldrT="[文字]" custT="1"/>
+      <dgm:spPr/>
+      <dgm:t>
+        <a:bodyPr/>
+        <a:lstStyle/>
+        <a:p>
+          <a:r>
+            <a:rPr lang="zh-TW" altLang="en-US" sz="1600" dirty="0">
+              <a:latin typeface="標楷體" panose="03000509000000000000" pitchFamily="65" charset="-120"/>
+              <a:ea typeface="標楷體" panose="03000509000000000000" pitchFamily="65" charset="-120"/>
+            </a:rPr>
+            <a:t>深入研讀</a:t>
+          </a:r>
+          <a:r>
+            <a:rPr lang="en-US" altLang="zh-TW" sz="1600" dirty="0">
+              <a:latin typeface="標楷體" panose="03000509000000000000" pitchFamily="65" charset="-120"/>
+              <a:ea typeface="標楷體" panose="03000509000000000000" pitchFamily="65" charset="-120"/>
+            </a:rPr>
+            <a:t>(</a:t>
+          </a:r>
+          <a:r>
+            <a:rPr lang="zh-TW" altLang="en-US" sz="1600" dirty="0">
+              <a:latin typeface="標楷體" panose="03000509000000000000" pitchFamily="65" charset="-120"/>
+              <a:ea typeface="標楷體" panose="03000509000000000000" pitchFamily="65" charset="-120"/>
+            </a:rPr>
+            <a:t>在此很小的</a:t>
+          </a:r>
+          <a:r>
+            <a:rPr lang="en-US" altLang="zh-TW" sz="1600" dirty="0">
+              <a:latin typeface="標楷體" panose="03000509000000000000" pitchFamily="65" charset="-120"/>
+              <a:ea typeface="標楷體" panose="03000509000000000000" pitchFamily="65" charset="-120"/>
+            </a:rPr>
+            <a:t>area</a:t>
+          </a:r>
+          <a:r>
+            <a:rPr lang="zh-TW" altLang="en-US" sz="1600" dirty="0">
+              <a:latin typeface="標楷體" panose="03000509000000000000" pitchFamily="65" charset="-120"/>
+              <a:ea typeface="標楷體" panose="03000509000000000000" pitchFamily="65" charset="-120"/>
+            </a:rPr>
+            <a:t>一直深入研究、不可能一直重新換</a:t>
+          </a:r>
+          <a:r>
+            <a:rPr lang="en-US" altLang="zh-TW" sz="1600" dirty="0">
+              <a:latin typeface="標楷體" panose="03000509000000000000" pitchFamily="65" charset="-120"/>
+              <a:ea typeface="標楷體" panose="03000509000000000000" pitchFamily="65" charset="-120"/>
+            </a:rPr>
+            <a:t>area)</a:t>
+          </a:r>
+          <a:endParaRPr lang="zh-TW" altLang="en-US" sz="1600" dirty="0">
+            <a:latin typeface="標楷體" panose="03000509000000000000" pitchFamily="65" charset="-120"/>
+            <a:ea typeface="標楷體" panose="03000509000000000000" pitchFamily="65" charset="-120"/>
+          </a:endParaRPr>
+        </a:p>
+      </dgm:t>
+    </dgm:pt>
+    <dgm:pt modelId="{827C16D0-7339-45A0-B34D-17865E7E5AC9}" type="parTrans" cxnId="{1FB974BE-8BAE-451C-83F3-947361BD5FDF}">
+      <dgm:prSet/>
+      <dgm:spPr/>
+      <dgm:t>
+        <a:bodyPr/>
+        <a:lstStyle/>
+        <a:p>
+          <a:endParaRPr lang="zh-TW" altLang="en-US"/>
+        </a:p>
+      </dgm:t>
+    </dgm:pt>
+    <dgm:pt modelId="{0F315838-20E9-4947-BB3F-A7AD29A6687E}" type="sibTrans" cxnId="{1FB974BE-8BAE-451C-83F3-947361BD5FDF}">
+      <dgm:prSet/>
+      <dgm:spPr/>
+      <dgm:t>
+        <a:bodyPr/>
+        <a:lstStyle/>
+        <a:p>
+          <a:endParaRPr lang="zh-TW" altLang="en-US"/>
+        </a:p>
+      </dgm:t>
+    </dgm:pt>
+    <dgm:pt modelId="{D9220FEC-62AC-4CEE-B6C0-89B217B66460}">
+      <dgm:prSet phldrT="[文字]" custT="1"/>
+      <dgm:spPr/>
+      <dgm:t>
+        <a:bodyPr/>
+        <a:lstStyle/>
+        <a:p>
+          <a:r>
+            <a:rPr lang="en-US" altLang="zh-TW" sz="1600" b="1" dirty="0">
+              <a:solidFill>
+                <a:srgbClr val="FF0000"/>
+              </a:solidFill>
+              <a:latin typeface="標楷體" panose="03000509000000000000" pitchFamily="65" charset="-120"/>
+              <a:ea typeface="標楷體" panose="03000509000000000000" pitchFamily="65" charset="-120"/>
+            </a:rPr>
+            <a:t>Find the research gap</a:t>
+          </a:r>
+          <a:endParaRPr lang="zh-TW" altLang="en-US" sz="1600" b="1" dirty="0">
+            <a:solidFill>
+              <a:srgbClr val="FF0000"/>
+            </a:solidFill>
+            <a:latin typeface="標楷體" panose="03000509000000000000" pitchFamily="65" charset="-120"/>
+            <a:ea typeface="標楷體" panose="03000509000000000000" pitchFamily="65" charset="-120"/>
+          </a:endParaRPr>
+        </a:p>
+      </dgm:t>
+    </dgm:pt>
+    <dgm:pt modelId="{53D43D25-4B03-4839-AB8F-B74AA3DCCE92}" type="parTrans" cxnId="{4FDE1253-50FA-410D-A917-7B44C9B486ED}">
+      <dgm:prSet/>
+      <dgm:spPr/>
+      <dgm:t>
+        <a:bodyPr/>
+        <a:lstStyle/>
+        <a:p>
+          <a:endParaRPr lang="zh-TW" altLang="en-US"/>
+        </a:p>
+      </dgm:t>
+    </dgm:pt>
+    <dgm:pt modelId="{39CF9109-56AA-44AE-9261-9F65ECE40BE0}" type="sibTrans" cxnId="{4FDE1253-50FA-410D-A917-7B44C9B486ED}">
+      <dgm:prSet/>
+      <dgm:spPr/>
+      <dgm:t>
+        <a:bodyPr/>
+        <a:lstStyle/>
+        <a:p>
+          <a:endParaRPr lang="zh-TW" altLang="en-US"/>
+        </a:p>
+      </dgm:t>
+    </dgm:pt>
+    <dgm:pt modelId="{5633EAF9-63AE-488C-840A-FDD6F12F9C0B}">
+      <dgm:prSet phldrT="[文字]" custT="1"/>
+      <dgm:spPr/>
+      <dgm:t>
+        <a:bodyPr/>
+        <a:lstStyle/>
+        <a:p>
+          <a:r>
+            <a:rPr lang="zh-TW" altLang="en-US" sz="1600" dirty="0">
+              <a:latin typeface="標楷體" panose="03000509000000000000" pitchFamily="65" charset="-120"/>
+              <a:ea typeface="標楷體" panose="03000509000000000000" pitchFamily="65" charset="-120"/>
+            </a:rPr>
+            <a:t>背景的實務環境和理論</a:t>
+          </a:r>
+        </a:p>
+      </dgm:t>
+    </dgm:pt>
+    <dgm:pt modelId="{D6793810-5DED-4484-82C6-D5B89C13AF43}" type="parTrans" cxnId="{5BA78F95-1C5E-4A7C-AB80-C8FEFF9742EE}">
+      <dgm:prSet/>
+      <dgm:spPr/>
+      <dgm:t>
+        <a:bodyPr/>
+        <a:lstStyle/>
+        <a:p>
+          <a:endParaRPr lang="zh-TW" altLang="en-US"/>
+        </a:p>
+      </dgm:t>
+    </dgm:pt>
+    <dgm:pt modelId="{418F627F-7EFB-40F6-8C04-EC23D5809FCC}" type="sibTrans" cxnId="{5BA78F95-1C5E-4A7C-AB80-C8FEFF9742EE}">
+      <dgm:prSet/>
+      <dgm:spPr/>
+      <dgm:t>
+        <a:bodyPr/>
+        <a:lstStyle/>
+        <a:p>
+          <a:endParaRPr lang="zh-TW" altLang="en-US"/>
+        </a:p>
+      </dgm:t>
+    </dgm:pt>
+    <dgm:pt modelId="{CFE0341E-8CA0-4242-B746-17F8888CAEAB}">
+      <dgm:prSet phldrT="[文字]" custT="1"/>
+      <dgm:spPr/>
+      <dgm:t>
+        <a:bodyPr/>
+        <a:lstStyle/>
+        <a:p>
+          <a:r>
+            <a:rPr lang="zh-TW" altLang="en-US" sz="1600" b="1" dirty="0">
+              <a:latin typeface="標楷體" panose="03000509000000000000" pitchFamily="65" charset="-120"/>
+              <a:ea typeface="標楷體" panose="03000509000000000000" pitchFamily="65" charset="-120"/>
+            </a:rPr>
+            <a:t>主要的研究者</a:t>
+          </a:r>
+          <a:r>
+            <a:rPr lang="zh-TW" altLang="en-US" sz="1600" dirty="0">
+              <a:latin typeface="標楷體" panose="03000509000000000000" pitchFamily="65" charset="-120"/>
+              <a:ea typeface="標楷體" panose="03000509000000000000" pitchFamily="65" charset="-120"/>
+            </a:rPr>
+            <a:t>、可參考的論文</a:t>
+          </a:r>
+        </a:p>
+      </dgm:t>
+    </dgm:pt>
+    <dgm:pt modelId="{323F814F-0193-40EC-B32F-6CF933512BF7}" type="parTrans" cxnId="{816D1E26-1DFD-48F0-B727-717A1B2DB173}">
+      <dgm:prSet/>
+      <dgm:spPr/>
+      <dgm:t>
+        <a:bodyPr/>
+        <a:lstStyle/>
+        <a:p>
+          <a:endParaRPr lang="zh-TW" altLang="en-US"/>
+        </a:p>
+      </dgm:t>
+    </dgm:pt>
+    <dgm:pt modelId="{66B4837B-F4C6-49B8-9DE7-B4A95C2B02DC}" type="sibTrans" cxnId="{816D1E26-1DFD-48F0-B727-717A1B2DB173}">
+      <dgm:prSet/>
+      <dgm:spPr/>
+      <dgm:t>
+        <a:bodyPr/>
+        <a:lstStyle/>
+        <a:p>
+          <a:endParaRPr lang="zh-TW" altLang="en-US"/>
+        </a:p>
+      </dgm:t>
+    </dgm:pt>
+    <dgm:pt modelId="{79DABF91-1446-4E24-B05C-F99334853BE4}">
+      <dgm:prSet phldrT="[文字]" custT="1"/>
+      <dgm:spPr/>
+      <dgm:t>
+        <a:bodyPr/>
+        <a:lstStyle/>
+        <a:p>
+          <a:r>
+            <a:rPr lang="zh-TW" altLang="en-US" sz="1600">
+              <a:latin typeface="標楷體" panose="03000509000000000000" pitchFamily="65" charset="-120"/>
+              <a:ea typeface="標楷體" panose="03000509000000000000" pitchFamily="65" charset="-120"/>
+            </a:rPr>
+            <a:t>有</a:t>
+          </a:r>
+          <a:r>
+            <a:rPr lang="zh-TW" altLang="en-US" sz="1600" dirty="0">
+              <a:latin typeface="標楷體" panose="03000509000000000000" pitchFamily="65" charset="-120"/>
+              <a:ea typeface="標楷體" panose="03000509000000000000" pitchFamily="65" charset="-120"/>
+            </a:rPr>
+            <a:t>那些真實現象未討論</a:t>
+          </a:r>
+        </a:p>
+      </dgm:t>
+    </dgm:pt>
+    <dgm:pt modelId="{ECB94C89-F24E-4089-AB60-939FCA9E58A4}" type="parTrans" cxnId="{F431BE23-31AC-493B-AA92-6397806203A5}">
+      <dgm:prSet/>
+      <dgm:spPr/>
+      <dgm:t>
+        <a:bodyPr/>
+        <a:lstStyle/>
+        <a:p>
+          <a:endParaRPr lang="zh-TW" altLang="en-US"/>
+        </a:p>
+      </dgm:t>
+    </dgm:pt>
+    <dgm:pt modelId="{5AAC4BE3-4BCC-480A-A81B-6FFE5AB1E019}" type="sibTrans" cxnId="{F431BE23-31AC-493B-AA92-6397806203A5}">
+      <dgm:prSet/>
+      <dgm:spPr/>
+      <dgm:t>
+        <a:bodyPr/>
+        <a:lstStyle/>
+        <a:p>
+          <a:endParaRPr lang="zh-TW" altLang="en-US"/>
+        </a:p>
+      </dgm:t>
+    </dgm:pt>
+    <dgm:pt modelId="{BEB6749B-0D01-4734-A8D7-A94938F5DBE5}">
+      <dgm:prSet phldrT="[文字]" custT="1"/>
+      <dgm:spPr/>
+      <dgm:t>
+        <a:bodyPr/>
+        <a:lstStyle/>
+        <a:p>
+          <a:pPr algn="l"/>
+          <a:r>
+            <a:rPr lang="zh-TW" altLang="en-US" sz="1600" b="0" dirty="0">
+              <a:solidFill>
+                <a:srgbClr val="FF0000"/>
+              </a:solidFill>
+              <a:latin typeface="標楷體" panose="03000509000000000000" pitchFamily="65" charset="-120"/>
+              <a:ea typeface="標楷體" panose="03000509000000000000" pitchFamily="65" charset="-120"/>
+            </a:rPr>
+            <a:t>即確定研究問題</a:t>
+          </a:r>
+        </a:p>
+      </dgm:t>
+    </dgm:pt>
+    <dgm:pt modelId="{1909A36D-8A99-4669-9BB8-0F61E2D28F1A}" type="parTrans" cxnId="{497BDD90-8B92-429F-BC67-E53D5763F791}">
+      <dgm:prSet/>
+      <dgm:spPr/>
+      <dgm:t>
+        <a:bodyPr/>
+        <a:lstStyle/>
+        <a:p>
+          <a:endParaRPr lang="zh-TW" altLang="en-US"/>
+        </a:p>
+      </dgm:t>
+    </dgm:pt>
+    <dgm:pt modelId="{9D8E8835-2D72-4EB5-88BB-10007B8EE72D}" type="sibTrans" cxnId="{497BDD90-8B92-429F-BC67-E53D5763F791}">
+      <dgm:prSet/>
+      <dgm:spPr/>
+      <dgm:t>
+        <a:bodyPr/>
+        <a:lstStyle/>
+        <a:p>
+          <a:endParaRPr lang="zh-TW" altLang="en-US"/>
+        </a:p>
+      </dgm:t>
+    </dgm:pt>
+    <dgm:pt modelId="{0F0C20A3-6226-4CF3-9DD9-0CA39268055E}">
+      <dgm:prSet phldrT="[文字]" custT="1"/>
+      <dgm:spPr/>
+      <dgm:t>
+        <a:bodyPr/>
+        <a:lstStyle/>
+        <a:p>
+          <a:r>
+            <a:rPr lang="zh-TW" altLang="en-US" sz="1800" dirty="0">
+              <a:latin typeface="標楷體" panose="03000509000000000000" pitchFamily="65" charset="-120"/>
+              <a:ea typeface="標楷體" panose="03000509000000000000" pitchFamily="65" charset="-120"/>
+            </a:rPr>
+            <a:t>透過文獻搜尋、重點摘要、題目、作者、討論等等</a:t>
+          </a:r>
+        </a:p>
+      </dgm:t>
+    </dgm:pt>
+    <dgm:pt modelId="{D8984992-7BDB-4598-AEFB-C45F4660F399}" type="parTrans" cxnId="{91DD7D51-B1C6-4197-A50B-9C873C8B4B6E}">
+      <dgm:prSet/>
+      <dgm:spPr/>
+      <dgm:t>
+        <a:bodyPr/>
+        <a:lstStyle/>
+        <a:p>
+          <a:endParaRPr lang="zh-TW" altLang="en-US"/>
+        </a:p>
+      </dgm:t>
+    </dgm:pt>
+    <dgm:pt modelId="{A45B5E12-CD85-4916-B4FC-7DB6CC1D645B}" type="sibTrans" cxnId="{91DD7D51-B1C6-4197-A50B-9C873C8B4B6E}">
+      <dgm:prSet/>
+      <dgm:spPr/>
+      <dgm:t>
+        <a:bodyPr/>
+        <a:lstStyle/>
+        <a:p>
+          <a:endParaRPr lang="zh-TW" altLang="en-US"/>
+        </a:p>
+      </dgm:t>
+    </dgm:pt>
+    <dgm:pt modelId="{539DB886-7786-4634-A8EF-6D650017076A}">
+      <dgm:prSet phldrT="[文字]" custT="1"/>
+      <dgm:spPr/>
+      <dgm:t>
+        <a:bodyPr/>
+        <a:lstStyle/>
+        <a:p>
+          <a:r>
+            <a:rPr lang="zh-TW" altLang="en-US" sz="1800" dirty="0">
+              <a:latin typeface="標楷體" panose="03000509000000000000" pitchFamily="65" charset="-120"/>
+              <a:ea typeface="標楷體" panose="03000509000000000000" pitchFamily="65" charset="-120"/>
+            </a:rPr>
+            <a:t>大略讀</a:t>
+          </a:r>
+        </a:p>
+      </dgm:t>
+    </dgm:pt>
+    <dgm:pt modelId="{3D1976A4-691D-486C-92E6-DA6AB01399B6}" type="parTrans" cxnId="{1937CC2E-A8E2-46DE-8BCA-300C6F98C5E6}">
+      <dgm:prSet/>
+      <dgm:spPr/>
+      <dgm:t>
+        <a:bodyPr/>
+        <a:lstStyle/>
+        <a:p>
+          <a:endParaRPr lang="zh-TW" altLang="en-US"/>
+        </a:p>
+      </dgm:t>
+    </dgm:pt>
+    <dgm:pt modelId="{CBBB6ED1-958F-48C4-AB4E-DDE18FE61B64}" type="sibTrans" cxnId="{1937CC2E-A8E2-46DE-8BCA-300C6F98C5E6}">
+      <dgm:prSet/>
+      <dgm:spPr/>
+      <dgm:t>
+        <a:bodyPr/>
+        <a:lstStyle/>
+        <a:p>
+          <a:endParaRPr lang="zh-TW" altLang="en-US"/>
+        </a:p>
+      </dgm:t>
+    </dgm:pt>
+    <dgm:pt modelId="{28B4DE09-EE07-4E82-9452-E278EEC80E3D}">
+      <dgm:prSet phldrT="[文字]" custT="1"/>
+      <dgm:spPr/>
+      <dgm:t>
+        <a:bodyPr/>
+        <a:lstStyle/>
+        <a:p>
+          <a:r>
+            <a:rPr lang="zh-TW" altLang="en-US" sz="1600" b="1" dirty="0">
+              <a:solidFill>
+                <a:srgbClr val="FF0000"/>
+              </a:solidFill>
+              <a:latin typeface="標楷體" panose="03000509000000000000" pitchFamily="65" charset="-120"/>
+              <a:ea typeface="標楷體" panose="03000509000000000000" pitchFamily="65" charset="-120"/>
+            </a:rPr>
+            <a:t>精讀</a:t>
+          </a:r>
+        </a:p>
+      </dgm:t>
+    </dgm:pt>
+    <dgm:pt modelId="{E04DBA10-16B7-46C1-A647-B29EEA7D448E}" type="parTrans" cxnId="{7EAC5482-B98F-4F9F-BA12-550C8211B9BB}">
+      <dgm:prSet/>
+      <dgm:spPr/>
+      <dgm:t>
+        <a:bodyPr/>
+        <a:lstStyle/>
+        <a:p>
+          <a:endParaRPr lang="zh-TW" altLang="en-US"/>
+        </a:p>
+      </dgm:t>
+    </dgm:pt>
+    <dgm:pt modelId="{CB27BD2F-5928-41A9-8008-87685C07877A}" type="sibTrans" cxnId="{7EAC5482-B98F-4F9F-BA12-550C8211B9BB}">
+      <dgm:prSet/>
+      <dgm:spPr/>
+      <dgm:t>
+        <a:bodyPr/>
+        <a:lstStyle/>
+        <a:p>
+          <a:endParaRPr lang="zh-TW" altLang="en-US"/>
+        </a:p>
+      </dgm:t>
+    </dgm:pt>
+    <dgm:pt modelId="{09ED5D3B-F302-40C3-A8B3-49F863FE4EE8}" type="pres">
+      <dgm:prSet presAssocID="{5EB6F999-11BD-4E2A-B516-BB35D8FBF9B6}" presName="linear" presStyleCnt="0">
+        <dgm:presLayoutVars>
+          <dgm:animLvl val="lvl"/>
+          <dgm:resizeHandles val="exact"/>
+        </dgm:presLayoutVars>
+      </dgm:prSet>
+      <dgm:spPr/>
+    </dgm:pt>
+    <dgm:pt modelId="{8D279CD1-693E-488F-B4CC-935A8F8E75B2}" type="pres">
+      <dgm:prSet presAssocID="{FA2C9464-148A-483B-804D-45268911DFB4}" presName="parentText" presStyleLbl="node1" presStyleIdx="0" presStyleCnt="5">
+        <dgm:presLayoutVars>
+          <dgm:chMax val="0"/>
+          <dgm:bulletEnabled val="1"/>
+        </dgm:presLayoutVars>
+      </dgm:prSet>
+      <dgm:spPr/>
+    </dgm:pt>
+    <dgm:pt modelId="{BE076D0C-E1A9-4B88-BD15-E856FD9D809F}" type="pres">
+      <dgm:prSet presAssocID="{FA2C9464-148A-483B-804D-45268911DFB4}" presName="childText" presStyleLbl="revTx" presStyleIdx="0" presStyleCnt="5">
+        <dgm:presLayoutVars>
+          <dgm:bulletEnabled val="1"/>
+        </dgm:presLayoutVars>
+      </dgm:prSet>
+      <dgm:spPr/>
+    </dgm:pt>
+    <dgm:pt modelId="{80CA02E9-5531-4A3E-BCDA-6D66986185BD}" type="pres">
+      <dgm:prSet presAssocID="{F5C1807D-A04B-4A55-B284-43413BF7CE1B}" presName="parentText" presStyleLbl="node1" presStyleIdx="1" presStyleCnt="5">
+        <dgm:presLayoutVars>
+          <dgm:chMax val="0"/>
+          <dgm:bulletEnabled val="1"/>
+        </dgm:presLayoutVars>
+      </dgm:prSet>
+      <dgm:spPr/>
+    </dgm:pt>
+    <dgm:pt modelId="{C4CD9163-60DA-4E27-BF53-4506FBE8B974}" type="pres">
+      <dgm:prSet presAssocID="{F5C1807D-A04B-4A55-B284-43413BF7CE1B}" presName="childText" presStyleLbl="revTx" presStyleIdx="1" presStyleCnt="5">
+        <dgm:presLayoutVars>
+          <dgm:bulletEnabled val="1"/>
+        </dgm:presLayoutVars>
+      </dgm:prSet>
+      <dgm:spPr/>
+    </dgm:pt>
+    <dgm:pt modelId="{CF96B40C-79ED-4006-BBEB-04AD03126885}" type="pres">
+      <dgm:prSet presAssocID="{232D7010-2DD1-4574-B116-C0DF1217B672}" presName="parentText" presStyleLbl="node1" presStyleIdx="2" presStyleCnt="5">
+        <dgm:presLayoutVars>
+          <dgm:chMax val="0"/>
+          <dgm:bulletEnabled val="1"/>
+        </dgm:presLayoutVars>
+      </dgm:prSet>
+      <dgm:spPr/>
+    </dgm:pt>
+    <dgm:pt modelId="{F0772768-332F-46CB-8797-2AB60C57D020}" type="pres">
+      <dgm:prSet presAssocID="{232D7010-2DD1-4574-B116-C0DF1217B672}" presName="childText" presStyleLbl="revTx" presStyleIdx="2" presStyleCnt="5">
+        <dgm:presLayoutVars>
+          <dgm:bulletEnabled val="1"/>
+        </dgm:presLayoutVars>
+      </dgm:prSet>
+      <dgm:spPr/>
+    </dgm:pt>
+    <dgm:pt modelId="{A5829CDE-FA4E-4B06-B836-39C999D98F2F}" type="pres">
+      <dgm:prSet presAssocID="{00D52BA6-CE50-45C4-A13A-3DFBEDEDB7A7}" presName="parentText" presStyleLbl="node1" presStyleIdx="3" presStyleCnt="5">
+        <dgm:presLayoutVars>
+          <dgm:chMax val="0"/>
+          <dgm:bulletEnabled val="1"/>
+        </dgm:presLayoutVars>
+      </dgm:prSet>
+      <dgm:spPr/>
+    </dgm:pt>
+    <dgm:pt modelId="{B6AE6BBC-B647-4807-9D3E-1C87C967E51E}" type="pres">
+      <dgm:prSet presAssocID="{00D52BA6-CE50-45C4-A13A-3DFBEDEDB7A7}" presName="childText" presStyleLbl="revTx" presStyleIdx="3" presStyleCnt="5">
+        <dgm:presLayoutVars>
+          <dgm:bulletEnabled val="1"/>
+        </dgm:presLayoutVars>
+      </dgm:prSet>
+      <dgm:spPr/>
+    </dgm:pt>
+    <dgm:pt modelId="{8849428A-5077-43DB-9DE7-A1A1FF7C536E}" type="pres">
+      <dgm:prSet presAssocID="{2FF0074A-C761-4F58-8CE0-63A224AF3A4F}" presName="parentText" presStyleLbl="node1" presStyleIdx="4" presStyleCnt="5">
+        <dgm:presLayoutVars>
+          <dgm:chMax val="0"/>
+          <dgm:bulletEnabled val="1"/>
+        </dgm:presLayoutVars>
+      </dgm:prSet>
+      <dgm:spPr/>
+    </dgm:pt>
+    <dgm:pt modelId="{A054FA0B-1A29-4EDB-A2BE-86DCCA7D41F9}" type="pres">
+      <dgm:prSet presAssocID="{2FF0074A-C761-4F58-8CE0-63A224AF3A4F}" presName="childText" presStyleLbl="revTx" presStyleIdx="4" presStyleCnt="5">
+        <dgm:presLayoutVars>
+          <dgm:bulletEnabled val="1"/>
+        </dgm:presLayoutVars>
+      </dgm:prSet>
+      <dgm:spPr/>
+    </dgm:pt>
+  </dgm:ptLst>
+  <dgm:cxnLst>
+    <dgm:cxn modelId="{F86C1F04-E2C3-4FD8-B108-BDB376A5BCFF}" srcId="{5EB6F999-11BD-4E2A-B516-BB35D8FBF9B6}" destId="{FA2C9464-148A-483B-804D-45268911DFB4}" srcOrd="0" destOrd="0" parTransId="{EE2773A6-3B38-4C0C-89B5-98AD8793A445}" sibTransId="{6A6018C2-F1BF-43D0-BD92-E92020CFAC55}"/>
+    <dgm:cxn modelId="{24B7BD0C-4455-4930-898C-AD873E897A6F}" srcId="{5EB6F999-11BD-4E2A-B516-BB35D8FBF9B6}" destId="{F5C1807D-A04B-4A55-B284-43413BF7CE1B}" srcOrd="1" destOrd="0" parTransId="{28540E9B-3E9A-4E49-9603-ABB05F3375C2}" sibTransId="{CE0CFCFC-DE52-4553-90D2-47B1E7F18FE3}"/>
+    <dgm:cxn modelId="{F431BE23-31AC-493B-AA92-6397806203A5}" srcId="{232D7010-2DD1-4574-B116-C0DF1217B672}" destId="{79DABF91-1446-4E24-B05C-F99334853BE4}" srcOrd="1" destOrd="0" parTransId="{ECB94C89-F24E-4089-AB60-939FCA9E58A4}" sibTransId="{5AAC4BE3-4BCC-480A-A81B-6FFE5AB1E019}"/>
+    <dgm:cxn modelId="{816D1E26-1DFD-48F0-B727-717A1B2DB173}" srcId="{232D7010-2DD1-4574-B116-C0DF1217B672}" destId="{CFE0341E-8CA0-4242-B746-17F8888CAEAB}" srcOrd="3" destOrd="0" parTransId="{323F814F-0193-40EC-B32F-6CF933512BF7}" sibTransId="{66B4837B-F4C6-49B8-9DE7-B4A95C2B02DC}"/>
+    <dgm:cxn modelId="{0F5BF42A-02FC-41A2-B0F7-96FE4878623A}" type="presOf" srcId="{232D7010-2DD1-4574-B116-C0DF1217B672}" destId="{CF96B40C-79ED-4006-BBEB-04AD03126885}" srcOrd="0" destOrd="0" presId="urn:microsoft.com/office/officeart/2005/8/layout/vList2"/>
+    <dgm:cxn modelId="{1937CC2E-A8E2-46DE-8BCA-300C6F98C5E6}" srcId="{FA2C9464-148A-483B-804D-45268911DFB4}" destId="{539DB886-7786-4634-A8EF-6D650017076A}" srcOrd="0" destOrd="0" parTransId="{3D1976A4-691D-486C-92E6-DA6AB01399B6}" sibTransId="{CBBB6ED1-958F-48C4-AB4E-DDE18FE61B64}"/>
+    <dgm:cxn modelId="{DDF26E30-11B0-4F21-BF9C-4D9675D12D64}" type="presOf" srcId="{FA2C9464-148A-483B-804D-45268911DFB4}" destId="{8D279CD1-693E-488F-B4CC-935A8F8E75B2}" srcOrd="0" destOrd="0" presId="urn:microsoft.com/office/officeart/2005/8/layout/vList2"/>
+    <dgm:cxn modelId="{F4B96F39-179C-4FF7-97FD-E66B11F87C86}" srcId="{5EB6F999-11BD-4E2A-B516-BB35D8FBF9B6}" destId="{232D7010-2DD1-4574-B116-C0DF1217B672}" srcOrd="2" destOrd="0" parTransId="{80C1E722-98B6-41A1-B096-84DACE8919B0}" sibTransId="{B6774954-40CC-4029-9D00-9D2F4B309316}"/>
+    <dgm:cxn modelId="{332CCE63-A190-4135-BD90-9E78B98DA01C}" srcId="{FA2C9464-148A-483B-804D-45268911DFB4}" destId="{7A302BC8-78EF-45F1-A7B0-1C4C7857C283}" srcOrd="1" destOrd="0" parTransId="{5AD97ECB-3410-4305-B682-C07800BD3B52}" sibTransId="{D2D7BE61-71E0-472C-959E-7DC70BA95EB6}"/>
+    <dgm:cxn modelId="{D0C81348-E2B1-4A4D-A92B-F14981EED547}" type="presOf" srcId="{28B4DE09-EE07-4E82-9452-E278EEC80E3D}" destId="{C4CD9163-60DA-4E27-BF53-4506FBE8B974}" srcOrd="0" destOrd="1" presId="urn:microsoft.com/office/officeart/2005/8/layout/vList2"/>
+    <dgm:cxn modelId="{98FD606A-DF0B-4BF1-BDB6-964769017139}" type="presOf" srcId="{8E058963-4DD2-4A18-8690-2D29EFD5C313}" destId="{F0772768-332F-46CB-8797-2AB60C57D020}" srcOrd="0" destOrd="0" presId="urn:microsoft.com/office/officeart/2005/8/layout/vList2"/>
+    <dgm:cxn modelId="{E3463F6F-87F9-42F0-9FD7-49DABB872D0F}" type="presOf" srcId="{766BA6C5-86D1-4CC2-8F93-7B4A24735CB3}" destId="{C4CD9163-60DA-4E27-BF53-4506FBE8B974}" srcOrd="0" destOrd="2" presId="urn:microsoft.com/office/officeart/2005/8/layout/vList2"/>
+    <dgm:cxn modelId="{51B28E6F-C305-4F52-9416-0BB87812FD9D}" type="presOf" srcId="{CFE0341E-8CA0-4242-B746-17F8888CAEAB}" destId="{F0772768-332F-46CB-8797-2AB60C57D020}" srcOrd="0" destOrd="3" presId="urn:microsoft.com/office/officeart/2005/8/layout/vList2"/>
+    <dgm:cxn modelId="{5F936E51-CCEB-4B77-95A3-B685BC0F8ABB}" srcId="{2FF0074A-C761-4F58-8CE0-63A224AF3A4F}" destId="{064F3337-C597-4315-A0EF-796AE56D1656}" srcOrd="0" destOrd="0" parTransId="{409445D4-B39F-4AD5-857B-66DFD0005F54}" sibTransId="{F8A1B806-5B50-46A5-94AE-75093A77C671}"/>
+    <dgm:cxn modelId="{91DD7D51-B1C6-4197-A50B-9C873C8B4B6E}" srcId="{FA2C9464-148A-483B-804D-45268911DFB4}" destId="{0F0C20A3-6226-4CF3-9DD9-0CA39268055E}" srcOrd="2" destOrd="0" parTransId="{D8984992-7BDB-4598-AEFB-C45F4660F399}" sibTransId="{A45B5E12-CD85-4916-B4FC-7DB6CC1D645B}"/>
+    <dgm:cxn modelId="{4FDE1253-50FA-410D-A917-7B44C9B486ED}" srcId="{F5C1807D-A04B-4A55-B284-43413BF7CE1B}" destId="{D9220FEC-62AC-4CEE-B6C0-89B217B66460}" srcOrd="0" destOrd="0" parTransId="{53D43D25-4B03-4839-AB8F-B74AA3DCCE92}" sibTransId="{39CF9109-56AA-44AE-9261-9F65ECE40BE0}"/>
+    <dgm:cxn modelId="{D5DF3175-9ECC-48F5-BEA7-2BD16F933205}" type="presOf" srcId="{2FF0074A-C761-4F58-8CE0-63A224AF3A4F}" destId="{8849428A-5077-43DB-9DE7-A1A1FF7C536E}" srcOrd="0" destOrd="0" presId="urn:microsoft.com/office/officeart/2005/8/layout/vList2"/>
+    <dgm:cxn modelId="{962EC777-DA88-4E0D-99A7-2DD9AA9095CD}" type="presOf" srcId="{BEB6749B-0D01-4734-A8D7-A94938F5DBE5}" destId="{B6AE6BBC-B647-4807-9D3E-1C87C967E51E}" srcOrd="0" destOrd="0" presId="urn:microsoft.com/office/officeart/2005/8/layout/vList2"/>
+    <dgm:cxn modelId="{FF9CA858-2548-4A74-8B0F-B21907C717F2}" srcId="{5EB6F999-11BD-4E2A-B516-BB35D8FBF9B6}" destId="{00D52BA6-CE50-45C4-A13A-3DFBEDEDB7A7}" srcOrd="3" destOrd="0" parTransId="{F3593904-82D2-40BA-AB2C-0A46DB7EC9F4}" sibTransId="{AB574FD9-C755-485C-9058-7DAD1362EA13}"/>
+    <dgm:cxn modelId="{7EAC5482-B98F-4F9F-BA12-550C8211B9BB}" srcId="{F5C1807D-A04B-4A55-B284-43413BF7CE1B}" destId="{28B4DE09-EE07-4E82-9452-E278EEC80E3D}" srcOrd="1" destOrd="0" parTransId="{E04DBA10-16B7-46C1-A647-B29EEA7D448E}" sibTransId="{CB27BD2F-5928-41A9-8008-87685C07877A}"/>
+    <dgm:cxn modelId="{1591CB87-8575-4EAE-AC98-2BEC41CA81F3}" srcId="{5EB6F999-11BD-4E2A-B516-BB35D8FBF9B6}" destId="{2FF0074A-C761-4F58-8CE0-63A224AF3A4F}" srcOrd="4" destOrd="0" parTransId="{DC37F8CD-3C38-45E1-A5E0-6E11862378D1}" sibTransId="{1A441B01-BA5B-4B33-BDF4-0D8849A1CEC8}"/>
+    <dgm:cxn modelId="{7EB5EF8C-A170-4D72-B953-DFD8350553DE}" type="presOf" srcId="{5EB6F999-11BD-4E2A-B516-BB35D8FBF9B6}" destId="{09ED5D3B-F302-40C3-A8B3-49F863FE4EE8}" srcOrd="0" destOrd="0" presId="urn:microsoft.com/office/officeart/2005/8/layout/vList2"/>
+    <dgm:cxn modelId="{497BDD90-8B92-429F-BC67-E53D5763F791}" srcId="{00D52BA6-CE50-45C4-A13A-3DFBEDEDB7A7}" destId="{BEB6749B-0D01-4734-A8D7-A94938F5DBE5}" srcOrd="0" destOrd="0" parTransId="{1909A36D-8A99-4669-9BB8-0F61E2D28F1A}" sibTransId="{9D8E8835-2D72-4EB5-88BB-10007B8EE72D}"/>
+    <dgm:cxn modelId="{5BA78F95-1C5E-4A7C-AB80-C8FEFF9742EE}" srcId="{232D7010-2DD1-4574-B116-C0DF1217B672}" destId="{5633EAF9-63AE-488C-840A-FDD6F12F9C0B}" srcOrd="2" destOrd="0" parTransId="{D6793810-5DED-4484-82C6-D5B89C13AF43}" sibTransId="{418F627F-7EFB-40F6-8C04-EC23D5809FCC}"/>
+    <dgm:cxn modelId="{77D57D98-F7ED-48B2-A0C1-E56FD8095C7D}" type="presOf" srcId="{00D52BA6-CE50-45C4-A13A-3DFBEDEDB7A7}" destId="{A5829CDE-FA4E-4B06-B836-39C999D98F2F}" srcOrd="0" destOrd="0" presId="urn:microsoft.com/office/officeart/2005/8/layout/vList2"/>
+    <dgm:cxn modelId="{9F614A9A-35C6-4728-B967-B879AB4A4213}" type="presOf" srcId="{539DB886-7786-4634-A8EF-6D650017076A}" destId="{BE076D0C-E1A9-4B88-BD15-E856FD9D809F}" srcOrd="0" destOrd="0" presId="urn:microsoft.com/office/officeart/2005/8/layout/vList2"/>
+    <dgm:cxn modelId="{A1C649B4-48E1-450A-86B7-1B753C98C39F}" type="presOf" srcId="{5633EAF9-63AE-488C-840A-FDD6F12F9C0B}" destId="{F0772768-332F-46CB-8797-2AB60C57D020}" srcOrd="0" destOrd="2" presId="urn:microsoft.com/office/officeart/2005/8/layout/vList2"/>
+    <dgm:cxn modelId="{1FB974BE-8BAE-451C-83F3-947361BD5FDF}" srcId="{232D7010-2DD1-4574-B116-C0DF1217B672}" destId="{8E058963-4DD2-4A18-8690-2D29EFD5C313}" srcOrd="0" destOrd="0" parTransId="{827C16D0-7339-45A0-B34D-17865E7E5AC9}" sibTransId="{0F315838-20E9-4947-BB3F-A7AD29A6687E}"/>
+    <dgm:cxn modelId="{1F4810CC-1A2B-474B-B9C9-307EC54E39A6}" type="presOf" srcId="{064F3337-C597-4315-A0EF-796AE56D1656}" destId="{A054FA0B-1A29-4EDB-A2BE-86DCCA7D41F9}" srcOrd="0" destOrd="0" presId="urn:microsoft.com/office/officeart/2005/8/layout/vList2"/>
+    <dgm:cxn modelId="{0CBAE2CE-6F5F-4FC6-B364-2825A4A45EB9}" type="presOf" srcId="{7A302BC8-78EF-45F1-A7B0-1C4C7857C283}" destId="{BE076D0C-E1A9-4B88-BD15-E856FD9D809F}" srcOrd="0" destOrd="1" presId="urn:microsoft.com/office/officeart/2005/8/layout/vList2"/>
+    <dgm:cxn modelId="{C83200E1-3179-4780-BD6B-DA371BC99DAA}" type="presOf" srcId="{79DABF91-1446-4E24-B05C-F99334853BE4}" destId="{F0772768-332F-46CB-8797-2AB60C57D020}" srcOrd="0" destOrd="1" presId="urn:microsoft.com/office/officeart/2005/8/layout/vList2"/>
+    <dgm:cxn modelId="{22CD3DF2-A7FA-429F-8B8D-60D4B992CCB3}" type="presOf" srcId="{0F0C20A3-6226-4CF3-9DD9-0CA39268055E}" destId="{BE076D0C-E1A9-4B88-BD15-E856FD9D809F}" srcOrd="0" destOrd="2" presId="urn:microsoft.com/office/officeart/2005/8/layout/vList2"/>
+    <dgm:cxn modelId="{0B8AFAF5-CFD2-4E11-981E-3ABCC91C32DF}" srcId="{F5C1807D-A04B-4A55-B284-43413BF7CE1B}" destId="{766BA6C5-86D1-4CC2-8F93-7B4A24735CB3}" srcOrd="2" destOrd="0" parTransId="{C6933F3F-5A3C-4745-9850-DA472789E053}" sibTransId="{A21DABEE-5BA8-45E1-9569-614C89DE03B8}"/>
+    <dgm:cxn modelId="{4C181DF7-9656-425F-93F9-8C656E4C1350}" type="presOf" srcId="{F5C1807D-A04B-4A55-B284-43413BF7CE1B}" destId="{80CA02E9-5531-4A3E-BCDA-6D66986185BD}" srcOrd="0" destOrd="0" presId="urn:microsoft.com/office/officeart/2005/8/layout/vList2"/>
+    <dgm:cxn modelId="{0C5364F8-A406-4524-8E8B-10705B07DD8F}" type="presOf" srcId="{D9220FEC-62AC-4CEE-B6C0-89B217B66460}" destId="{C4CD9163-60DA-4E27-BF53-4506FBE8B974}" srcOrd="0" destOrd="0" presId="urn:microsoft.com/office/officeart/2005/8/layout/vList2"/>
+    <dgm:cxn modelId="{45BDB4B9-B30B-4540-B526-DA14B38EBA4D}" type="presParOf" srcId="{09ED5D3B-F302-40C3-A8B3-49F863FE4EE8}" destId="{8D279CD1-693E-488F-B4CC-935A8F8E75B2}" srcOrd="0" destOrd="0" presId="urn:microsoft.com/office/officeart/2005/8/layout/vList2"/>
+    <dgm:cxn modelId="{90866F11-3E5C-4C42-8AAF-1586A54953FA}" type="presParOf" srcId="{09ED5D3B-F302-40C3-A8B3-49F863FE4EE8}" destId="{BE076D0C-E1A9-4B88-BD15-E856FD9D809F}" srcOrd="1" destOrd="0" presId="urn:microsoft.com/office/officeart/2005/8/layout/vList2"/>
+    <dgm:cxn modelId="{6F7C707F-3919-491D-9FF9-CFF286D5E006}" type="presParOf" srcId="{09ED5D3B-F302-40C3-A8B3-49F863FE4EE8}" destId="{80CA02E9-5531-4A3E-BCDA-6D66986185BD}" srcOrd="2" destOrd="0" presId="urn:microsoft.com/office/officeart/2005/8/layout/vList2"/>
+    <dgm:cxn modelId="{BE453D36-B92B-48AC-8DCA-D397CEA12904}" type="presParOf" srcId="{09ED5D3B-F302-40C3-A8B3-49F863FE4EE8}" destId="{C4CD9163-60DA-4E27-BF53-4506FBE8B974}" srcOrd="3" destOrd="0" presId="urn:microsoft.com/office/officeart/2005/8/layout/vList2"/>
+    <dgm:cxn modelId="{8C4966B0-0098-4EE0-AFA8-4120677B6467}" type="presParOf" srcId="{09ED5D3B-F302-40C3-A8B3-49F863FE4EE8}" destId="{CF96B40C-79ED-4006-BBEB-04AD03126885}" srcOrd="4" destOrd="0" presId="urn:microsoft.com/office/officeart/2005/8/layout/vList2"/>
+    <dgm:cxn modelId="{F3383107-419F-490A-89F7-A1D7B6E93306}" type="presParOf" srcId="{09ED5D3B-F302-40C3-A8B3-49F863FE4EE8}" destId="{F0772768-332F-46CB-8797-2AB60C57D020}" srcOrd="5" destOrd="0" presId="urn:microsoft.com/office/officeart/2005/8/layout/vList2"/>
+    <dgm:cxn modelId="{5D3465A3-7C95-4E1F-88F6-ABC59BB5AE95}" type="presParOf" srcId="{09ED5D3B-F302-40C3-A8B3-49F863FE4EE8}" destId="{A5829CDE-FA4E-4B06-B836-39C999D98F2F}" srcOrd="6" destOrd="0" presId="urn:microsoft.com/office/officeart/2005/8/layout/vList2"/>
+    <dgm:cxn modelId="{DC1F94EE-C5B5-476A-9AD0-F3CF70C93D93}" type="presParOf" srcId="{09ED5D3B-F302-40C3-A8B3-49F863FE4EE8}" destId="{B6AE6BBC-B647-4807-9D3E-1C87C967E51E}" srcOrd="7" destOrd="0" presId="urn:microsoft.com/office/officeart/2005/8/layout/vList2"/>
+    <dgm:cxn modelId="{0ECCC2BD-CCA2-4E92-A4CD-4593B7C53F37}" type="presParOf" srcId="{09ED5D3B-F302-40C3-A8B3-49F863FE4EE8}" destId="{8849428A-5077-43DB-9DE7-A1A1FF7C536E}" srcOrd="8" destOrd="0" presId="urn:microsoft.com/office/officeart/2005/8/layout/vList2"/>
+    <dgm:cxn modelId="{17D7C992-8DD9-41BB-885D-85796CEB8FA7}" type="presParOf" srcId="{09ED5D3B-F302-40C3-A8B3-49F863FE4EE8}" destId="{A054FA0B-1A29-4EDB-A2BE-86DCCA7D41F9}" srcOrd="9" destOrd="0" presId="urn:microsoft.com/office/officeart/2005/8/layout/vList2"/>
+  </dgm:cxnLst>
+  <dgm:bg/>
+  <dgm:whole/>
+  <dgm:extLst>
+    <a:ext uri="http://schemas.microsoft.com/office/drawing/2008/diagram">
+      <dsp:dataModelExt xmlns:dsp="http://schemas.microsoft.com/office/drawing/2008/diagram" relId="rId11" minVer="http://schemas.openxmlformats.org/drawingml/2006/diagram"/>
+    </a:ext>
+  </dgm:extLst>
+</dgm:dataModel>
+</file>
+
+<file path=ppt/diagrams/drawing1.xml><?xml version="1.0" encoding="utf-8"?>
+<dsp:drawing xmlns:dgm="http://schemas.openxmlformats.org/drawingml/2006/diagram" xmlns:dsp="http://schemas.microsoft.com/office/drawing/2008/diagram" xmlns:a="http://schemas.openxmlformats.org/drawingml/2006/main">
+  <dsp:spTree>
+    <dsp:nvGrpSpPr>
+      <dsp:cNvPr id="0" name=""/>
+      <dsp:cNvGrpSpPr/>
+    </dsp:nvGrpSpPr>
+    <dsp:grpSpPr/>
+    <dsp:sp modelId="{EA352ED7-6F97-4989-B260-18AB44D5952E}">
+      <dsp:nvSpPr>
+        <dsp:cNvPr id="0" name=""/>
+        <dsp:cNvSpPr/>
+      </dsp:nvSpPr>
+      <dsp:spPr>
+        <a:xfrm rot="10800000">
+          <a:off x="0" y="0"/>
+          <a:ext cx="4680858" cy="1083733"/>
+        </a:xfrm>
+        <a:prstGeom prst="trapezoid">
+          <a:avLst>
+            <a:gd name="adj" fmla="val 43192"/>
+          </a:avLst>
+        </a:prstGeom>
+        <a:gradFill rotWithShape="0">
+          <a:gsLst>
+            <a:gs pos="0">
+              <a:schemeClr val="accent2">
+                <a:hueOff val="0"/>
+                <a:satOff val="0"/>
+                <a:lumOff val="0"/>
+                <a:alphaOff val="0"/>
+                <a:lumMod val="110000"/>
+                <a:satMod val="105000"/>
+                <a:tint val="67000"/>
+              </a:schemeClr>
+            </a:gs>
+            <a:gs pos="50000">
+              <a:schemeClr val="accent2">
+                <a:hueOff val="0"/>
+                <a:satOff val="0"/>
+                <a:lumOff val="0"/>
+                <a:alphaOff val="0"/>
+                <a:lumMod val="105000"/>
+                <a:satMod val="103000"/>
+                <a:tint val="73000"/>
+              </a:schemeClr>
+            </a:gs>
+            <a:gs pos="100000">
+              <a:schemeClr val="accent2">
+                <a:hueOff val="0"/>
+                <a:satOff val="0"/>
+                <a:lumOff val="0"/>
+                <a:alphaOff val="0"/>
+                <a:lumMod val="105000"/>
+                <a:satMod val="109000"/>
+                <a:tint val="81000"/>
+              </a:schemeClr>
+            </a:gs>
+          </a:gsLst>
+          <a:lin ang="5400000" scaled="0"/>
+        </a:gradFill>
+        <a:ln>
+          <a:noFill/>
+        </a:ln>
+        <a:effectLst/>
+        <a:scene3d>
+          <a:camera prst="orthographicFront"/>
+          <a:lightRig rig="flat" dir="t"/>
+        </a:scene3d>
+        <a:sp3d prstMaterial="dkEdge">
+          <a:bevelT w="8200" h="38100"/>
+        </a:sp3d>
+      </dsp:spPr>
+      <dsp:style>
+        <a:lnRef idx="0">
+          <a:scrgbClr r="0" g="0" b="0"/>
+        </a:lnRef>
+        <a:fillRef idx="2">
+          <a:scrgbClr r="0" g="0" b="0"/>
+        </a:fillRef>
+        <a:effectRef idx="1">
+          <a:scrgbClr r="0" g="0" b="0"/>
+        </a:effectRef>
+        <a:fontRef idx="minor">
+          <a:schemeClr val="dk1"/>
+        </a:fontRef>
+      </dsp:style>
+      <dsp:txBody>
+        <a:bodyPr spcFirstLastPara="0" vert="horz" wrap="square" lIns="41910" tIns="41910" rIns="41910" bIns="41910" numCol="1" spcCol="1270" anchor="ctr" anchorCtr="0">
+          <a:noAutofit/>
+        </a:bodyPr>
+        <a:lstStyle/>
+        <a:p>
+          <a:pPr marL="0" lvl="0" indent="0" algn="ctr" defTabSz="1466850">
+            <a:lnSpc>
+              <a:spcPct val="90000"/>
+            </a:lnSpc>
+            <a:spcBef>
+              <a:spcPct val="0"/>
+            </a:spcBef>
+            <a:spcAft>
+              <a:spcPct val="35000"/>
+            </a:spcAft>
+            <a:buNone/>
+          </a:pPr>
+          <a:r>
+            <a:rPr lang="en-US" altLang="zh-TW" sz="3300" kern="1200" baseline="0" dirty="0">
+              <a:latin typeface="Times New Roman" panose="02020603050405020304" pitchFamily="18" charset="0"/>
+              <a:ea typeface="標楷體" panose="03000509000000000000" pitchFamily="65" charset="-120"/>
+            </a:rPr>
+            <a:t>Universal</a:t>
+          </a:r>
+          <a:r>
+            <a:rPr lang="zh-TW" altLang="en-US" sz="3300" kern="1200" baseline="0" dirty="0">
+              <a:latin typeface="Times New Roman" panose="02020603050405020304" pitchFamily="18" charset="0"/>
+              <a:ea typeface="標楷體" panose="03000509000000000000" pitchFamily="65" charset="-120"/>
+            </a:rPr>
+            <a:t> 文獻宇宙</a:t>
+          </a:r>
+        </a:p>
+      </dsp:txBody>
+      <dsp:txXfrm rot="-10800000">
+        <a:off x="819150" y="0"/>
+        <a:ext cx="3042557" cy="1083733"/>
+      </dsp:txXfrm>
+    </dsp:sp>
+    <dsp:sp modelId="{9C24F168-B8B4-464F-9E8E-F6F0EC413285}">
+      <dsp:nvSpPr>
+        <dsp:cNvPr id="0" name=""/>
+        <dsp:cNvSpPr/>
+      </dsp:nvSpPr>
+      <dsp:spPr>
+        <a:xfrm rot="10800000">
+          <a:off x="468085" y="1083733"/>
+          <a:ext cx="3744686" cy="1083733"/>
+        </a:xfrm>
+        <a:prstGeom prst="trapezoid">
+          <a:avLst>
+            <a:gd name="adj" fmla="val 43192"/>
+          </a:avLst>
+        </a:prstGeom>
+        <a:gradFill rotWithShape="0">
+          <a:gsLst>
+            <a:gs pos="0">
+              <a:schemeClr val="accent2">
+                <a:hueOff val="1610903"/>
+                <a:satOff val="-4623"/>
+                <a:lumOff val="-7402"/>
+                <a:alphaOff val="0"/>
+                <a:lumMod val="110000"/>
+                <a:satMod val="105000"/>
+                <a:tint val="67000"/>
+              </a:schemeClr>
+            </a:gs>
+            <a:gs pos="50000">
+              <a:schemeClr val="accent2">
+                <a:hueOff val="1610903"/>
+                <a:satOff val="-4623"/>
+                <a:lumOff val="-7402"/>
+                <a:alphaOff val="0"/>
+                <a:lumMod val="105000"/>
+                <a:satMod val="103000"/>
+                <a:tint val="73000"/>
+              </a:schemeClr>
+            </a:gs>
+            <a:gs pos="100000">
+              <a:schemeClr val="accent2">
+                <a:hueOff val="1610903"/>
+                <a:satOff val="-4623"/>
+                <a:lumOff val="-7402"/>
+                <a:alphaOff val="0"/>
+                <a:lumMod val="105000"/>
+                <a:satMod val="109000"/>
+                <a:tint val="81000"/>
+              </a:schemeClr>
+            </a:gs>
+          </a:gsLst>
+          <a:lin ang="5400000" scaled="0"/>
+        </a:gradFill>
+        <a:ln>
+          <a:noFill/>
+        </a:ln>
+        <a:effectLst/>
+        <a:scene3d>
+          <a:camera prst="orthographicFront"/>
+          <a:lightRig rig="flat" dir="t"/>
+        </a:scene3d>
+        <a:sp3d prstMaterial="dkEdge">
+          <a:bevelT w="8200" h="38100"/>
+        </a:sp3d>
+      </dsp:spPr>
+      <dsp:style>
+        <a:lnRef idx="0">
+          <a:scrgbClr r="0" g="0" b="0"/>
+        </a:lnRef>
+        <a:fillRef idx="2">
+          <a:scrgbClr r="0" g="0" b="0"/>
+        </a:fillRef>
+        <a:effectRef idx="1">
+          <a:scrgbClr r="0" g="0" b="0"/>
+        </a:effectRef>
+        <a:fontRef idx="minor">
+          <a:schemeClr val="dk1"/>
+        </a:fontRef>
+      </dsp:style>
+      <dsp:txBody>
+        <a:bodyPr spcFirstLastPara="0" vert="horz" wrap="square" lIns="41910" tIns="41910" rIns="41910" bIns="41910" numCol="1" spcCol="1270" anchor="ctr" anchorCtr="0">
+          <a:noAutofit/>
+        </a:bodyPr>
+        <a:lstStyle/>
+        <a:p>
+          <a:pPr marL="0" lvl="0" indent="0" algn="ctr" defTabSz="1466850">
+            <a:lnSpc>
+              <a:spcPct val="90000"/>
+            </a:lnSpc>
+            <a:spcBef>
+              <a:spcPct val="0"/>
+            </a:spcBef>
+            <a:spcAft>
+              <a:spcPct val="35000"/>
+            </a:spcAft>
+            <a:buNone/>
+          </a:pPr>
+          <a:r>
+            <a:rPr lang="en-US" altLang="zh-TW" sz="3300" kern="1200" baseline="0" dirty="0">
+              <a:latin typeface="Times New Roman" panose="02020603050405020304" pitchFamily="18" charset="0"/>
+              <a:ea typeface="標楷體" panose="03000509000000000000" pitchFamily="65" charset="-120"/>
+            </a:rPr>
+            <a:t>Suspect</a:t>
+          </a:r>
+          <a:r>
+            <a:rPr lang="zh-TW" altLang="en-US" sz="3300" kern="1200" baseline="0" dirty="0">
+              <a:latin typeface="Times New Roman" panose="02020603050405020304" pitchFamily="18" charset="0"/>
+              <a:ea typeface="標楷體" panose="03000509000000000000" pitchFamily="65" charset="-120"/>
+            </a:rPr>
+            <a:t> 抱持懷疑</a:t>
+          </a:r>
+          <a:r>
+            <a:rPr lang="zh-TW" altLang="en-US" sz="3300" kern="1200" baseline="0">
+              <a:latin typeface="Times New Roman" panose="02020603050405020304" pitchFamily="18" charset="0"/>
+              <a:ea typeface="標楷體" panose="03000509000000000000" pitchFamily="65" charset="-120"/>
+            </a:rPr>
+            <a:t>、探討</a:t>
+          </a:r>
+          <a:endParaRPr lang="zh-TW" altLang="en-US" sz="3300" kern="1200" baseline="0" dirty="0">
+            <a:latin typeface="Times New Roman" panose="02020603050405020304" pitchFamily="18" charset="0"/>
+            <a:ea typeface="標楷體" panose="03000509000000000000" pitchFamily="65" charset="-120"/>
+          </a:endParaRPr>
+        </a:p>
+      </dsp:txBody>
+      <dsp:txXfrm rot="-10800000">
+        <a:off x="1123405" y="1083733"/>
+        <a:ext cx="2434046" cy="1083733"/>
+      </dsp:txXfrm>
+    </dsp:sp>
+    <dsp:sp modelId="{D814E7F0-18ED-480C-B7AE-1C826AC9C631}">
+      <dsp:nvSpPr>
+        <dsp:cNvPr id="0" name=""/>
+        <dsp:cNvSpPr/>
+      </dsp:nvSpPr>
+      <dsp:spPr>
+        <a:xfrm rot="10800000">
+          <a:off x="936171" y="2167466"/>
+          <a:ext cx="2808514" cy="1083733"/>
+        </a:xfrm>
+        <a:prstGeom prst="trapezoid">
+          <a:avLst>
+            <a:gd name="adj" fmla="val 43192"/>
+          </a:avLst>
+        </a:prstGeom>
+        <a:gradFill rotWithShape="0">
+          <a:gsLst>
+            <a:gs pos="0">
+              <a:schemeClr val="accent2">
+                <a:hueOff val="3221807"/>
+                <a:satOff val="-9246"/>
+                <a:lumOff val="-14805"/>
+                <a:alphaOff val="0"/>
+                <a:lumMod val="110000"/>
+                <a:satMod val="105000"/>
+                <a:tint val="67000"/>
+              </a:schemeClr>
+            </a:gs>
+            <a:gs pos="50000">
+              <a:schemeClr val="accent2">
+                <a:hueOff val="3221807"/>
+                <a:satOff val="-9246"/>
+                <a:lumOff val="-14805"/>
+                <a:alphaOff val="0"/>
+                <a:lumMod val="105000"/>
+                <a:satMod val="103000"/>
+                <a:tint val="73000"/>
+              </a:schemeClr>
+            </a:gs>
+            <a:gs pos="100000">
+              <a:schemeClr val="accent2">
+                <a:hueOff val="3221807"/>
+                <a:satOff val="-9246"/>
+                <a:lumOff val="-14805"/>
+                <a:alphaOff val="0"/>
+                <a:lumMod val="105000"/>
+                <a:satMod val="109000"/>
+                <a:tint val="81000"/>
+              </a:schemeClr>
+            </a:gs>
+          </a:gsLst>
+          <a:lin ang="5400000" scaled="0"/>
+        </a:gradFill>
+        <a:ln>
+          <a:noFill/>
+        </a:ln>
+        <a:effectLst/>
+        <a:scene3d>
+          <a:camera prst="orthographicFront"/>
+          <a:lightRig rig="flat" dir="t"/>
+        </a:scene3d>
+        <a:sp3d prstMaterial="dkEdge">
+          <a:bevelT w="8200" h="38100"/>
+        </a:sp3d>
+      </dsp:spPr>
+      <dsp:style>
+        <a:lnRef idx="0">
+          <a:scrgbClr r="0" g="0" b="0"/>
+        </a:lnRef>
+        <a:fillRef idx="2">
+          <a:scrgbClr r="0" g="0" b="0"/>
+        </a:fillRef>
+        <a:effectRef idx="1">
+          <a:scrgbClr r="0" g="0" b="0"/>
+        </a:effectRef>
+        <a:fontRef idx="minor">
+          <a:schemeClr val="dk1"/>
+        </a:fontRef>
+      </dsp:style>
+      <dsp:txBody>
+        <a:bodyPr spcFirstLastPara="0" vert="horz" wrap="square" lIns="41910" tIns="41910" rIns="41910" bIns="41910" numCol="1" spcCol="1270" anchor="ctr" anchorCtr="0">
+          <a:noAutofit/>
+        </a:bodyPr>
+        <a:lstStyle/>
+        <a:p>
+          <a:pPr marL="0" lvl="0" indent="0" algn="ctr" defTabSz="1466850">
+            <a:lnSpc>
+              <a:spcPct val="90000"/>
+            </a:lnSpc>
+            <a:spcBef>
+              <a:spcPct val="0"/>
+            </a:spcBef>
+            <a:spcAft>
+              <a:spcPct val="35000"/>
+            </a:spcAft>
+            <a:buNone/>
+          </a:pPr>
+          <a:r>
+            <a:rPr lang="en-US" altLang="zh-TW" sz="3300" kern="1200" baseline="0" dirty="0">
+              <a:latin typeface="Times New Roman" panose="02020603050405020304" pitchFamily="18" charset="0"/>
+              <a:ea typeface="標楷體" panose="03000509000000000000" pitchFamily="65" charset="-120"/>
+            </a:rPr>
+            <a:t>Prospect</a:t>
+          </a:r>
+          <a:r>
+            <a:rPr lang="zh-TW" altLang="en-US" sz="3300" kern="1200" baseline="0" dirty="0">
+              <a:latin typeface="Times New Roman" panose="02020603050405020304" pitchFamily="18" charset="0"/>
+              <a:ea typeface="標楷體" panose="03000509000000000000" pitchFamily="65" charset="-120"/>
+            </a:rPr>
+            <a:t> 展望</a:t>
+          </a:r>
+        </a:p>
+      </dsp:txBody>
+      <dsp:txXfrm rot="-10800000">
+        <a:off x="1427661" y="2167466"/>
+        <a:ext cx="1825534" cy="1083733"/>
+      </dsp:txXfrm>
+    </dsp:sp>
+    <dsp:sp modelId="{3EF388DE-8FB7-49EF-99E3-A3837D9A6D4B}">
+      <dsp:nvSpPr>
+        <dsp:cNvPr id="0" name=""/>
+        <dsp:cNvSpPr/>
+      </dsp:nvSpPr>
+      <dsp:spPr>
+        <a:xfrm rot="10800000">
+          <a:off x="1404257" y="3251200"/>
+          <a:ext cx="1872343" cy="1083733"/>
+        </a:xfrm>
+        <a:prstGeom prst="trapezoid">
+          <a:avLst>
+            <a:gd name="adj" fmla="val 43192"/>
+          </a:avLst>
+        </a:prstGeom>
+        <a:gradFill rotWithShape="0">
+          <a:gsLst>
+            <a:gs pos="0">
+              <a:schemeClr val="accent2">
+                <a:hueOff val="4832710"/>
+                <a:satOff val="-13870"/>
+                <a:lumOff val="-22207"/>
+                <a:alphaOff val="0"/>
+                <a:lumMod val="110000"/>
+                <a:satMod val="105000"/>
+                <a:tint val="67000"/>
+              </a:schemeClr>
+            </a:gs>
+            <a:gs pos="50000">
+              <a:schemeClr val="accent2">
+                <a:hueOff val="4832710"/>
+                <a:satOff val="-13870"/>
+                <a:lumOff val="-22207"/>
+                <a:alphaOff val="0"/>
+                <a:lumMod val="105000"/>
+                <a:satMod val="103000"/>
+                <a:tint val="73000"/>
+              </a:schemeClr>
+            </a:gs>
+            <a:gs pos="100000">
+              <a:schemeClr val="accent2">
+                <a:hueOff val="4832710"/>
+                <a:satOff val="-13870"/>
+                <a:lumOff val="-22207"/>
+                <a:alphaOff val="0"/>
+                <a:lumMod val="105000"/>
+                <a:satMod val="109000"/>
+                <a:tint val="81000"/>
+              </a:schemeClr>
+            </a:gs>
+          </a:gsLst>
+          <a:lin ang="5400000" scaled="0"/>
+        </a:gradFill>
+        <a:ln>
+          <a:noFill/>
+        </a:ln>
+        <a:effectLst/>
+        <a:scene3d>
+          <a:camera prst="orthographicFront"/>
+          <a:lightRig rig="flat" dir="t"/>
+        </a:scene3d>
+        <a:sp3d prstMaterial="dkEdge">
+          <a:bevelT w="8200" h="38100"/>
+        </a:sp3d>
+      </dsp:spPr>
+      <dsp:style>
+        <a:lnRef idx="0">
+          <a:scrgbClr r="0" g="0" b="0"/>
+        </a:lnRef>
+        <a:fillRef idx="2">
+          <a:scrgbClr r="0" g="0" b="0"/>
+        </a:fillRef>
+        <a:effectRef idx="1">
+          <a:scrgbClr r="0" g="0" b="0"/>
+        </a:effectRef>
+        <a:fontRef idx="minor">
+          <a:schemeClr val="dk1"/>
+        </a:fontRef>
+      </dsp:style>
+      <dsp:txBody>
+        <a:bodyPr spcFirstLastPara="0" vert="horz" wrap="square" lIns="30480" tIns="30480" rIns="30480" bIns="30480" numCol="1" spcCol="1270" anchor="ctr" anchorCtr="0">
+          <a:noAutofit/>
+        </a:bodyPr>
+        <a:lstStyle/>
+        <a:p>
+          <a:pPr marL="0" lvl="0" indent="0" algn="ctr" defTabSz="1066800">
+            <a:lnSpc>
+              <a:spcPct val="90000"/>
+            </a:lnSpc>
+            <a:spcBef>
+              <a:spcPct val="0"/>
+            </a:spcBef>
+            <a:spcAft>
+              <a:spcPct val="35000"/>
+            </a:spcAft>
+            <a:buNone/>
+          </a:pPr>
+          <a:r>
+            <a:rPr lang="en-US" altLang="zh-TW" sz="2400" kern="1200" baseline="0" dirty="0">
+              <a:latin typeface="Times New Roman" panose="02020603050405020304" pitchFamily="18" charset="0"/>
+              <a:ea typeface="標楷體" panose="03000509000000000000" pitchFamily="65" charset="-120"/>
+            </a:rPr>
+            <a:t>Best Few</a:t>
+          </a:r>
+          <a:r>
+            <a:rPr lang="zh-TW" altLang="en-US" sz="2400" kern="1200" baseline="0" dirty="0">
+              <a:latin typeface="Times New Roman" panose="02020603050405020304" pitchFamily="18" charset="0"/>
+              <a:ea typeface="標楷體" panose="03000509000000000000" pitchFamily="65" charset="-120"/>
+            </a:rPr>
+            <a:t> </a:t>
+          </a:r>
+          <a:r>
+            <a:rPr lang="zh-TW" altLang="en-US" sz="1600" kern="1200" baseline="0" dirty="0">
+              <a:latin typeface="Times New Roman" panose="02020603050405020304" pitchFamily="18" charset="0"/>
+              <a:ea typeface="標楷體" panose="03000509000000000000" pitchFamily="65" charset="-120"/>
+            </a:rPr>
+            <a:t>最好的幾篇可以參考的</a:t>
+          </a:r>
+          <a:endParaRPr lang="zh-TW" altLang="en-US" sz="2400" kern="1200" baseline="0" dirty="0">
+            <a:latin typeface="Times New Roman" panose="02020603050405020304" pitchFamily="18" charset="0"/>
+            <a:ea typeface="標楷體" panose="03000509000000000000" pitchFamily="65" charset="-120"/>
+          </a:endParaRPr>
+        </a:p>
+      </dsp:txBody>
+      <dsp:txXfrm rot="-10800000">
+        <a:off x="1731917" y="3251200"/>
+        <a:ext cx="1217023" cy="1083733"/>
+      </dsp:txXfrm>
+    </dsp:sp>
+    <dsp:sp modelId="{4931570F-FA99-441C-9C55-ABE391E1621D}">
+      <dsp:nvSpPr>
+        <dsp:cNvPr id="0" name=""/>
+        <dsp:cNvSpPr/>
+      </dsp:nvSpPr>
+      <dsp:spPr>
+        <a:xfrm rot="10800000">
+          <a:off x="1872343" y="4334933"/>
+          <a:ext cx="936171" cy="1083733"/>
+        </a:xfrm>
+        <a:prstGeom prst="trapezoid">
+          <a:avLst>
+            <a:gd name="adj" fmla="val 50000"/>
+          </a:avLst>
+        </a:prstGeom>
+        <a:gradFill rotWithShape="0">
+          <a:gsLst>
+            <a:gs pos="0">
+              <a:schemeClr val="accent2">
+                <a:hueOff val="6443614"/>
+                <a:satOff val="-18493"/>
+                <a:lumOff val="-29609"/>
+                <a:alphaOff val="0"/>
+                <a:lumMod val="110000"/>
+                <a:satMod val="105000"/>
+                <a:tint val="67000"/>
+              </a:schemeClr>
+            </a:gs>
+            <a:gs pos="50000">
+              <a:schemeClr val="accent2">
+                <a:hueOff val="6443614"/>
+                <a:satOff val="-18493"/>
+                <a:lumOff val="-29609"/>
+                <a:alphaOff val="0"/>
+                <a:lumMod val="105000"/>
+                <a:satMod val="103000"/>
+                <a:tint val="73000"/>
+              </a:schemeClr>
+            </a:gs>
+            <a:gs pos="100000">
+              <a:schemeClr val="accent2">
+                <a:hueOff val="6443614"/>
+                <a:satOff val="-18493"/>
+                <a:lumOff val="-29609"/>
+                <a:alphaOff val="0"/>
+                <a:lumMod val="105000"/>
+                <a:satMod val="109000"/>
+                <a:tint val="81000"/>
+              </a:schemeClr>
+            </a:gs>
+          </a:gsLst>
+          <a:lin ang="5400000" scaled="0"/>
+        </a:gradFill>
+        <a:ln>
+          <a:noFill/>
+        </a:ln>
+        <a:effectLst/>
+        <a:scene3d>
+          <a:camera prst="orthographicFront"/>
+          <a:lightRig rig="flat" dir="t"/>
+        </a:scene3d>
+        <a:sp3d prstMaterial="dkEdge">
+          <a:bevelT w="8200" h="38100"/>
+        </a:sp3d>
+      </dsp:spPr>
+      <dsp:style>
+        <a:lnRef idx="0">
+          <a:scrgbClr r="0" g="0" b="0"/>
+        </a:lnRef>
+        <a:fillRef idx="2">
+          <a:scrgbClr r="0" g="0" b="0"/>
+        </a:fillRef>
+        <a:effectRef idx="1">
+          <a:scrgbClr r="0" g="0" b="0"/>
+        </a:effectRef>
+        <a:fontRef idx="minor">
+          <a:schemeClr val="dk1"/>
+        </a:fontRef>
+      </dsp:style>
+      <dsp:txBody>
+        <a:bodyPr spcFirstLastPara="0" vert="horz" wrap="square" lIns="41910" tIns="41910" rIns="41910" bIns="41910" numCol="1" spcCol="1270" anchor="ctr" anchorCtr="0">
+          <a:noAutofit/>
+        </a:bodyPr>
+        <a:lstStyle/>
+        <a:p>
+          <a:pPr marL="0" lvl="0" indent="0" algn="ctr" defTabSz="1466850">
+            <a:lnSpc>
+              <a:spcPct val="90000"/>
+            </a:lnSpc>
+            <a:spcBef>
+              <a:spcPct val="0"/>
+            </a:spcBef>
+            <a:spcAft>
+              <a:spcPct val="35000"/>
+            </a:spcAft>
+            <a:buNone/>
+          </a:pPr>
+          <a:r>
+            <a:rPr lang="zh-TW" altLang="en-US" sz="3300" kern="1200" baseline="0" dirty="0">
+              <a:latin typeface="Times New Roman" panose="02020603050405020304" pitchFamily="18" charset="0"/>
+              <a:ea typeface="標楷體" panose="03000509000000000000" pitchFamily="65" charset="-120"/>
+            </a:rPr>
+            <a:t>。</a:t>
+          </a:r>
+        </a:p>
+      </dsp:txBody>
+      <dsp:txXfrm rot="-10800000">
+        <a:off x="1872343" y="4334933"/>
+        <a:ext cx="936171" cy="1083733"/>
+      </dsp:txXfrm>
+    </dsp:sp>
+  </dsp:spTree>
+</dsp:drawing>
+</file>
+
+<file path=ppt/diagrams/drawing2.xml><?xml version="1.0" encoding="utf-8"?>
+<dsp:drawing xmlns:dgm="http://schemas.openxmlformats.org/drawingml/2006/diagram" xmlns:dsp="http://schemas.microsoft.com/office/drawing/2008/diagram" xmlns:a="http://schemas.openxmlformats.org/drawingml/2006/main">
+  <dsp:spTree>
+    <dsp:nvGrpSpPr>
+      <dsp:cNvPr id="0" name=""/>
+      <dsp:cNvGrpSpPr/>
+    </dsp:nvGrpSpPr>
+    <dsp:grpSpPr/>
+    <dsp:sp modelId="{8D279CD1-693E-488F-B4CC-935A8F8E75B2}">
+      <dsp:nvSpPr>
+        <dsp:cNvPr id="0" name=""/>
+        <dsp:cNvSpPr/>
+      </dsp:nvSpPr>
+      <dsp:spPr>
+        <a:xfrm>
+          <a:off x="0" y="239"/>
+          <a:ext cx="6015136" cy="409500"/>
+        </a:xfrm>
+        <a:prstGeom prst="roundRect">
+          <a:avLst/>
+        </a:prstGeom>
+        <a:gradFill rotWithShape="0">
+          <a:gsLst>
+            <a:gs pos="0">
+              <a:schemeClr val="accent2">
+                <a:hueOff val="0"/>
+                <a:satOff val="0"/>
+                <a:lumOff val="0"/>
+                <a:alphaOff val="0"/>
+                <a:lumMod val="110000"/>
+                <a:satMod val="105000"/>
+                <a:tint val="67000"/>
+              </a:schemeClr>
+            </a:gs>
+            <a:gs pos="50000">
+              <a:schemeClr val="accent2">
+                <a:hueOff val="0"/>
+                <a:satOff val="0"/>
+                <a:lumOff val="0"/>
+                <a:alphaOff val="0"/>
+                <a:lumMod val="105000"/>
+                <a:satMod val="103000"/>
+                <a:tint val="73000"/>
+              </a:schemeClr>
+            </a:gs>
+            <a:gs pos="100000">
+              <a:schemeClr val="accent2">
+                <a:hueOff val="0"/>
+                <a:satOff val="0"/>
+                <a:lumOff val="0"/>
+                <a:alphaOff val="0"/>
+                <a:lumMod val="105000"/>
+                <a:satMod val="109000"/>
+                <a:tint val="81000"/>
+              </a:schemeClr>
+            </a:gs>
+          </a:gsLst>
+          <a:lin ang="5400000" scaled="0"/>
+        </a:gradFill>
+        <a:ln>
+          <a:noFill/>
+        </a:ln>
+        <a:effectLst/>
+        <a:scene3d>
+          <a:camera prst="orthographicFront"/>
+          <a:lightRig rig="flat" dir="t"/>
+        </a:scene3d>
+        <a:sp3d prstMaterial="dkEdge">
+          <a:bevelT w="8200" h="38100"/>
+        </a:sp3d>
+      </dsp:spPr>
+      <dsp:style>
+        <a:lnRef idx="0">
+          <a:scrgbClr r="0" g="0" b="0"/>
+        </a:lnRef>
+        <a:fillRef idx="2">
+          <a:scrgbClr r="0" g="0" b="0"/>
+        </a:fillRef>
+        <a:effectRef idx="1">
+          <a:scrgbClr r="0" g="0" b="0"/>
+        </a:effectRef>
+        <a:fontRef idx="minor">
+          <a:schemeClr val="dk1"/>
+        </a:fontRef>
+      </dsp:style>
+      <dsp:txBody>
+        <a:bodyPr spcFirstLastPara="0" vert="horz" wrap="square" lIns="60960" tIns="60960" rIns="60960" bIns="60960" numCol="1" spcCol="1270" anchor="ctr" anchorCtr="0">
+          <a:noAutofit/>
+        </a:bodyPr>
+        <a:lstStyle/>
+        <a:p>
+          <a:pPr marL="0" lvl="0" indent="0" algn="l" defTabSz="711200">
+            <a:lnSpc>
+              <a:spcPct val="90000"/>
+            </a:lnSpc>
+            <a:spcBef>
+              <a:spcPct val="0"/>
+            </a:spcBef>
+            <a:spcAft>
+              <a:spcPct val="35000"/>
+            </a:spcAft>
+            <a:buNone/>
+          </a:pPr>
+          <a:r>
+            <a:rPr lang="zh-TW" altLang="en-US" sz="1600" b="1" kern="1200" dirty="0">
+              <a:latin typeface="標楷體" panose="03000509000000000000" pitchFamily="65" charset="-120"/>
+              <a:ea typeface="標楷體" panose="03000509000000000000" pitchFamily="65" charset="-120"/>
+            </a:rPr>
+            <a:t>了解研究現況</a:t>
+          </a:r>
+        </a:p>
+      </dsp:txBody>
+      <dsp:txXfrm>
+        <a:off x="19990" y="20229"/>
+        <a:ext cx="5975156" cy="369520"/>
+      </dsp:txXfrm>
+    </dsp:sp>
+    <dsp:sp modelId="{BE076D0C-E1A9-4B88-BD15-E856FD9D809F}">
+      <dsp:nvSpPr>
+        <dsp:cNvPr id="0" name=""/>
+        <dsp:cNvSpPr/>
+      </dsp:nvSpPr>
+      <dsp:spPr>
+        <a:xfrm>
+          <a:off x="0" y="409739"/>
+          <a:ext cx="6015136" cy="985320"/>
+        </a:xfrm>
+        <a:prstGeom prst="rect">
+          <a:avLst/>
+        </a:prstGeom>
+        <a:noFill/>
+        <a:ln>
+          <a:noFill/>
+        </a:ln>
+        <a:effectLst/>
+      </dsp:spPr>
+      <dsp:style>
+        <a:lnRef idx="0">
+          <a:scrgbClr r="0" g="0" b="0"/>
+        </a:lnRef>
+        <a:fillRef idx="0">
+          <a:scrgbClr r="0" g="0" b="0"/>
+        </a:fillRef>
+        <a:effectRef idx="0">
+          <a:scrgbClr r="0" g="0" b="0"/>
+        </a:effectRef>
+        <a:fontRef idx="minor"/>
+      </dsp:style>
+      <dsp:txBody>
+        <a:bodyPr spcFirstLastPara="0" vert="horz" wrap="square" lIns="190981" tIns="22860" rIns="128016" bIns="22860" numCol="1" spcCol="1270" anchor="t" anchorCtr="0">
+          <a:noAutofit/>
+        </a:bodyPr>
+        <a:lstStyle/>
+        <a:p>
+          <a:pPr marL="171450" lvl="1" indent="-171450" algn="l" defTabSz="800100">
+            <a:lnSpc>
+              <a:spcPct val="90000"/>
+            </a:lnSpc>
+            <a:spcBef>
+              <a:spcPct val="0"/>
+            </a:spcBef>
+            <a:spcAft>
+              <a:spcPct val="20000"/>
+            </a:spcAft>
+            <a:buChar char="•"/>
+          </a:pPr>
+          <a:r>
+            <a:rPr lang="zh-TW" altLang="en-US" sz="1800" kern="1200" dirty="0">
+              <a:latin typeface="標楷體" panose="03000509000000000000" pitchFamily="65" charset="-120"/>
+              <a:ea typeface="標楷體" panose="03000509000000000000" pitchFamily="65" charset="-120"/>
+            </a:rPr>
+            <a:t>大略讀</a:t>
+          </a:r>
+        </a:p>
+        <a:p>
+          <a:pPr marL="171450" lvl="1" indent="-171450" algn="l" defTabSz="800100">
+            <a:lnSpc>
+              <a:spcPct val="90000"/>
+            </a:lnSpc>
+            <a:spcBef>
+              <a:spcPct val="0"/>
+            </a:spcBef>
+            <a:spcAft>
+              <a:spcPct val="20000"/>
+            </a:spcAft>
+            <a:buChar char="•"/>
+          </a:pPr>
+          <a:r>
+            <a:rPr lang="zh-TW" altLang="en-US" sz="1800" kern="1200" dirty="0">
+              <a:latin typeface="標楷體" panose="03000509000000000000" pitchFamily="65" charset="-120"/>
+              <a:ea typeface="標楷體" panose="03000509000000000000" pitchFamily="65" charset="-120"/>
+            </a:rPr>
+            <a:t>大範圍搜尋此領域大家在探討甚麼</a:t>
+          </a:r>
+        </a:p>
+        <a:p>
+          <a:pPr marL="171450" lvl="1" indent="-171450" algn="l" defTabSz="800100">
+            <a:lnSpc>
+              <a:spcPct val="90000"/>
+            </a:lnSpc>
+            <a:spcBef>
+              <a:spcPct val="0"/>
+            </a:spcBef>
+            <a:spcAft>
+              <a:spcPct val="20000"/>
+            </a:spcAft>
+            <a:buChar char="•"/>
+          </a:pPr>
+          <a:r>
+            <a:rPr lang="zh-TW" altLang="en-US" sz="1800" kern="1200" dirty="0">
+              <a:latin typeface="標楷體" panose="03000509000000000000" pitchFamily="65" charset="-120"/>
+              <a:ea typeface="標楷體" panose="03000509000000000000" pitchFamily="65" charset="-120"/>
+            </a:rPr>
+            <a:t>透過文獻搜尋、重點摘要、題目、作者、討論等等</a:t>
+          </a:r>
+        </a:p>
+      </dsp:txBody>
+      <dsp:txXfrm>
+        <a:off x="0" y="409739"/>
+        <a:ext cx="6015136" cy="985320"/>
+      </dsp:txXfrm>
+    </dsp:sp>
+    <dsp:sp modelId="{80CA02E9-5531-4A3E-BCDA-6D66986185BD}">
+      <dsp:nvSpPr>
+        <dsp:cNvPr id="0" name=""/>
+        <dsp:cNvSpPr/>
+      </dsp:nvSpPr>
+      <dsp:spPr>
+        <a:xfrm>
+          <a:off x="0" y="1395060"/>
+          <a:ext cx="6015136" cy="409500"/>
+        </a:xfrm>
+        <a:prstGeom prst="roundRect">
+          <a:avLst/>
+        </a:prstGeom>
+        <a:gradFill rotWithShape="0">
+          <a:gsLst>
+            <a:gs pos="0">
+              <a:schemeClr val="accent2">
+                <a:hueOff val="1610903"/>
+                <a:satOff val="-4623"/>
+                <a:lumOff val="-7402"/>
+                <a:alphaOff val="0"/>
+                <a:lumMod val="110000"/>
+                <a:satMod val="105000"/>
+                <a:tint val="67000"/>
+              </a:schemeClr>
+            </a:gs>
+            <a:gs pos="50000">
+              <a:schemeClr val="accent2">
+                <a:hueOff val="1610903"/>
+                <a:satOff val="-4623"/>
+                <a:lumOff val="-7402"/>
+                <a:alphaOff val="0"/>
+                <a:lumMod val="105000"/>
+                <a:satMod val="103000"/>
+                <a:tint val="73000"/>
+              </a:schemeClr>
+            </a:gs>
+            <a:gs pos="100000">
+              <a:schemeClr val="accent2">
+                <a:hueOff val="1610903"/>
+                <a:satOff val="-4623"/>
+                <a:lumOff val="-7402"/>
+                <a:alphaOff val="0"/>
+                <a:lumMod val="105000"/>
+                <a:satMod val="109000"/>
+                <a:tint val="81000"/>
+              </a:schemeClr>
+            </a:gs>
+          </a:gsLst>
+          <a:lin ang="5400000" scaled="0"/>
+        </a:gradFill>
+        <a:ln>
+          <a:noFill/>
+        </a:ln>
+        <a:effectLst/>
+        <a:scene3d>
+          <a:camera prst="orthographicFront"/>
+          <a:lightRig rig="flat" dir="t"/>
+        </a:scene3d>
+        <a:sp3d prstMaterial="dkEdge">
+          <a:bevelT w="8200" h="38100"/>
+        </a:sp3d>
+      </dsp:spPr>
+      <dsp:style>
+        <a:lnRef idx="0">
+          <a:scrgbClr r="0" g="0" b="0"/>
+        </a:lnRef>
+        <a:fillRef idx="2">
+          <a:scrgbClr r="0" g="0" b="0"/>
+        </a:fillRef>
+        <a:effectRef idx="1">
+          <a:scrgbClr r="0" g="0" b="0"/>
+        </a:effectRef>
+        <a:fontRef idx="minor">
+          <a:schemeClr val="dk1"/>
+        </a:fontRef>
+      </dsp:style>
+      <dsp:txBody>
+        <a:bodyPr spcFirstLastPara="0" vert="horz" wrap="square" lIns="60960" tIns="60960" rIns="60960" bIns="60960" numCol="1" spcCol="1270" anchor="ctr" anchorCtr="0">
+          <a:noAutofit/>
+        </a:bodyPr>
+        <a:lstStyle/>
+        <a:p>
+          <a:pPr marL="0" lvl="0" indent="0" algn="l" defTabSz="711200">
+            <a:lnSpc>
+              <a:spcPct val="90000"/>
+            </a:lnSpc>
+            <a:spcBef>
+              <a:spcPct val="0"/>
+            </a:spcBef>
+            <a:spcAft>
+              <a:spcPct val="35000"/>
+            </a:spcAft>
+            <a:buNone/>
+          </a:pPr>
+          <a:r>
+            <a:rPr lang="zh-TW" altLang="en-US" sz="1600" b="1" kern="1200" dirty="0">
+              <a:latin typeface="標楷體" panose="03000509000000000000" pitchFamily="65" charset="-120"/>
+              <a:ea typeface="標楷體" panose="03000509000000000000" pitchFamily="65" charset="-120"/>
+            </a:rPr>
+            <a:t>了解特定議題</a:t>
+          </a:r>
+        </a:p>
+      </dsp:txBody>
+      <dsp:txXfrm>
+        <a:off x="19990" y="1415050"/>
+        <a:ext cx="5975156" cy="369520"/>
+      </dsp:txXfrm>
+    </dsp:sp>
+    <dsp:sp modelId="{C4CD9163-60DA-4E27-BF53-4506FBE8B974}">
+      <dsp:nvSpPr>
+        <dsp:cNvPr id="0" name=""/>
+        <dsp:cNvSpPr/>
+      </dsp:nvSpPr>
+      <dsp:spPr>
+        <a:xfrm>
+          <a:off x="0" y="1804560"/>
+          <a:ext cx="6015136" cy="1362060"/>
+        </a:xfrm>
+        <a:prstGeom prst="rect">
+          <a:avLst/>
+        </a:prstGeom>
+        <a:noFill/>
+        <a:ln>
+          <a:noFill/>
+        </a:ln>
+        <a:effectLst/>
+      </dsp:spPr>
+      <dsp:style>
+        <a:lnRef idx="0">
+          <a:scrgbClr r="0" g="0" b="0"/>
+        </a:lnRef>
+        <a:fillRef idx="0">
+          <a:scrgbClr r="0" g="0" b="0"/>
+        </a:fillRef>
+        <a:effectRef idx="0">
+          <a:scrgbClr r="0" g="0" b="0"/>
+        </a:effectRef>
+        <a:fontRef idx="minor"/>
+      </dsp:style>
+      <dsp:txBody>
+        <a:bodyPr spcFirstLastPara="0" vert="horz" wrap="square" lIns="190981" tIns="20320" rIns="113792" bIns="20320" numCol="1" spcCol="1270" anchor="t" anchorCtr="0">
+          <a:noAutofit/>
+        </a:bodyPr>
+        <a:lstStyle/>
+        <a:p>
+          <a:pPr marL="171450" lvl="1" indent="-171450" algn="l" defTabSz="711200">
+            <a:lnSpc>
+              <a:spcPct val="90000"/>
+            </a:lnSpc>
+            <a:spcBef>
+              <a:spcPct val="0"/>
+            </a:spcBef>
+            <a:spcAft>
+              <a:spcPct val="20000"/>
+            </a:spcAft>
+            <a:buChar char="•"/>
+          </a:pPr>
+          <a:r>
+            <a:rPr lang="en-US" altLang="zh-TW" sz="1600" b="1" kern="1200" dirty="0">
+              <a:solidFill>
+                <a:srgbClr val="FF0000"/>
+              </a:solidFill>
+              <a:latin typeface="標楷體" panose="03000509000000000000" pitchFamily="65" charset="-120"/>
+              <a:ea typeface="標楷體" panose="03000509000000000000" pitchFamily="65" charset="-120"/>
+            </a:rPr>
+            <a:t>Find the research gap</a:t>
+          </a:r>
+          <a:endParaRPr lang="zh-TW" altLang="en-US" sz="1600" b="1" kern="1200" dirty="0">
+            <a:solidFill>
+              <a:srgbClr val="FF0000"/>
+            </a:solidFill>
+            <a:latin typeface="標楷體" panose="03000509000000000000" pitchFamily="65" charset="-120"/>
+            <a:ea typeface="標楷體" panose="03000509000000000000" pitchFamily="65" charset="-120"/>
+          </a:endParaRPr>
+        </a:p>
+        <a:p>
+          <a:pPr marL="171450" lvl="1" indent="-171450" algn="l" defTabSz="711200">
+            <a:lnSpc>
+              <a:spcPct val="90000"/>
+            </a:lnSpc>
+            <a:spcBef>
+              <a:spcPct val="0"/>
+            </a:spcBef>
+            <a:spcAft>
+              <a:spcPct val="20000"/>
+            </a:spcAft>
+            <a:buChar char="•"/>
+          </a:pPr>
+          <a:r>
+            <a:rPr lang="zh-TW" altLang="en-US" sz="1600" b="1" kern="1200" dirty="0">
+              <a:solidFill>
+                <a:srgbClr val="FF0000"/>
+              </a:solidFill>
+              <a:latin typeface="標楷體" panose="03000509000000000000" pitchFamily="65" charset="-120"/>
+              <a:ea typeface="標楷體" panose="03000509000000000000" pitchFamily="65" charset="-120"/>
+            </a:rPr>
+            <a:t>精讀</a:t>
+          </a:r>
+        </a:p>
+        <a:p>
+          <a:pPr marL="171450" lvl="1" indent="-171450" algn="l" defTabSz="711200">
+            <a:lnSpc>
+              <a:spcPct val="90000"/>
+            </a:lnSpc>
+            <a:spcBef>
+              <a:spcPct val="0"/>
+            </a:spcBef>
+            <a:spcAft>
+              <a:spcPct val="20000"/>
+            </a:spcAft>
+            <a:buChar char="•"/>
+          </a:pPr>
+          <a:r>
+            <a:rPr lang="zh-TW" altLang="en-US" sz="1600" kern="1200" dirty="0">
+              <a:latin typeface="標楷體" panose="03000509000000000000" pitchFamily="65" charset="-120"/>
+              <a:ea typeface="標楷體" panose="03000509000000000000" pitchFamily="65" charset="-120"/>
+            </a:rPr>
+            <a:t>針對有興趣、有發展的領域，搜尋瀏覽時多篇重要論文</a:t>
+          </a:r>
+        </a:p>
+      </dsp:txBody>
+      <dsp:txXfrm>
+        <a:off x="0" y="1804560"/>
+        <a:ext cx="6015136" cy="1362060"/>
+      </dsp:txXfrm>
+    </dsp:sp>
+    <dsp:sp modelId="{CF96B40C-79ED-4006-BBEB-04AD03126885}">
+      <dsp:nvSpPr>
+        <dsp:cNvPr id="0" name=""/>
+        <dsp:cNvSpPr/>
+      </dsp:nvSpPr>
+      <dsp:spPr>
+        <a:xfrm>
+          <a:off x="0" y="3166620"/>
+          <a:ext cx="6015136" cy="409500"/>
+        </a:xfrm>
+        <a:prstGeom prst="roundRect">
+          <a:avLst/>
+        </a:prstGeom>
+        <a:gradFill rotWithShape="0">
+          <a:gsLst>
+            <a:gs pos="0">
+              <a:schemeClr val="accent2">
+                <a:hueOff val="3221807"/>
+                <a:satOff val="-9246"/>
+                <a:lumOff val="-14805"/>
+                <a:alphaOff val="0"/>
+                <a:lumMod val="110000"/>
+                <a:satMod val="105000"/>
+                <a:tint val="67000"/>
+              </a:schemeClr>
+            </a:gs>
+            <a:gs pos="50000">
+              <a:schemeClr val="accent2">
+                <a:hueOff val="3221807"/>
+                <a:satOff val="-9246"/>
+                <a:lumOff val="-14805"/>
+                <a:alphaOff val="0"/>
+                <a:lumMod val="105000"/>
+                <a:satMod val="103000"/>
+                <a:tint val="73000"/>
+              </a:schemeClr>
+            </a:gs>
+            <a:gs pos="100000">
+              <a:schemeClr val="accent2">
+                <a:hueOff val="3221807"/>
+                <a:satOff val="-9246"/>
+                <a:lumOff val="-14805"/>
+                <a:alphaOff val="0"/>
+                <a:lumMod val="105000"/>
+                <a:satMod val="109000"/>
+                <a:tint val="81000"/>
+              </a:schemeClr>
+            </a:gs>
+          </a:gsLst>
+          <a:lin ang="5400000" scaled="0"/>
+        </a:gradFill>
+        <a:ln>
+          <a:noFill/>
+        </a:ln>
+        <a:effectLst/>
+        <a:scene3d>
+          <a:camera prst="orthographicFront"/>
+          <a:lightRig rig="flat" dir="t"/>
+        </a:scene3d>
+        <a:sp3d prstMaterial="dkEdge">
+          <a:bevelT w="8200" h="38100"/>
+        </a:sp3d>
+      </dsp:spPr>
+      <dsp:style>
+        <a:lnRef idx="0">
+          <a:scrgbClr r="0" g="0" b="0"/>
+        </a:lnRef>
+        <a:fillRef idx="2">
+          <a:scrgbClr r="0" g="0" b="0"/>
+        </a:fillRef>
+        <a:effectRef idx="1">
+          <a:scrgbClr r="0" g="0" b="0"/>
+        </a:effectRef>
+        <a:fontRef idx="minor">
+          <a:schemeClr val="dk1"/>
+        </a:fontRef>
+      </dsp:style>
+      <dsp:txBody>
+        <a:bodyPr spcFirstLastPara="0" vert="horz" wrap="square" lIns="60960" tIns="60960" rIns="60960" bIns="60960" numCol="1" spcCol="1270" anchor="ctr" anchorCtr="0">
+          <a:noAutofit/>
+        </a:bodyPr>
+        <a:lstStyle/>
+        <a:p>
+          <a:pPr marL="0" lvl="0" indent="0" algn="l" defTabSz="711200">
+            <a:lnSpc>
+              <a:spcPct val="90000"/>
+            </a:lnSpc>
+            <a:spcBef>
+              <a:spcPct val="0"/>
+            </a:spcBef>
+            <a:spcAft>
+              <a:spcPct val="35000"/>
+            </a:spcAft>
+            <a:buNone/>
+          </a:pPr>
+          <a:r>
+            <a:rPr lang="zh-TW" altLang="en-US" sz="1600" b="1" kern="1200" dirty="0">
+              <a:latin typeface="標楷體" panose="03000509000000000000" pitchFamily="65" charset="-120"/>
+              <a:ea typeface="標楷體" panose="03000509000000000000" pitchFamily="65" charset="-120"/>
+            </a:rPr>
+            <a:t>研究問題的可能方案</a:t>
+          </a:r>
+        </a:p>
+      </dsp:txBody>
+      <dsp:txXfrm>
+        <a:off x="19990" y="3186610"/>
+        <a:ext cx="5975156" cy="369520"/>
+      </dsp:txXfrm>
+    </dsp:sp>
+    <dsp:sp modelId="{F0772768-332F-46CB-8797-2AB60C57D020}">
+      <dsp:nvSpPr>
+        <dsp:cNvPr id="0" name=""/>
+        <dsp:cNvSpPr/>
+      </dsp:nvSpPr>
+      <dsp:spPr>
+        <a:xfrm>
+          <a:off x="0" y="3576120"/>
+          <a:ext cx="6015136" cy="1420020"/>
+        </a:xfrm>
+        <a:prstGeom prst="rect">
+          <a:avLst/>
+        </a:prstGeom>
+        <a:noFill/>
+        <a:ln>
+          <a:noFill/>
+        </a:ln>
+        <a:effectLst/>
+      </dsp:spPr>
+      <dsp:style>
+        <a:lnRef idx="0">
+          <a:scrgbClr r="0" g="0" b="0"/>
+        </a:lnRef>
+        <a:fillRef idx="0">
+          <a:scrgbClr r="0" g="0" b="0"/>
+        </a:fillRef>
+        <a:effectRef idx="0">
+          <a:scrgbClr r="0" g="0" b="0"/>
+        </a:effectRef>
+        <a:fontRef idx="minor"/>
+      </dsp:style>
+      <dsp:txBody>
+        <a:bodyPr spcFirstLastPara="0" vert="horz" wrap="square" lIns="190981" tIns="20320" rIns="113792" bIns="20320" numCol="1" spcCol="1270" anchor="t" anchorCtr="0">
+          <a:noAutofit/>
+        </a:bodyPr>
+        <a:lstStyle/>
+        <a:p>
+          <a:pPr marL="171450" lvl="1" indent="-171450" algn="l" defTabSz="711200">
+            <a:lnSpc>
+              <a:spcPct val="90000"/>
+            </a:lnSpc>
+            <a:spcBef>
+              <a:spcPct val="0"/>
+            </a:spcBef>
+            <a:spcAft>
+              <a:spcPct val="20000"/>
+            </a:spcAft>
+            <a:buChar char="•"/>
+          </a:pPr>
+          <a:r>
+            <a:rPr lang="zh-TW" altLang="en-US" sz="1600" kern="1200" dirty="0">
+              <a:latin typeface="標楷體" panose="03000509000000000000" pitchFamily="65" charset="-120"/>
+              <a:ea typeface="標楷體" panose="03000509000000000000" pitchFamily="65" charset="-120"/>
+            </a:rPr>
+            <a:t>深入研讀</a:t>
+          </a:r>
+          <a:r>
+            <a:rPr lang="en-US" altLang="zh-TW" sz="1600" kern="1200" dirty="0">
+              <a:latin typeface="標楷體" panose="03000509000000000000" pitchFamily="65" charset="-120"/>
+              <a:ea typeface="標楷體" panose="03000509000000000000" pitchFamily="65" charset="-120"/>
+            </a:rPr>
+            <a:t>(</a:t>
+          </a:r>
+          <a:r>
+            <a:rPr lang="zh-TW" altLang="en-US" sz="1600" kern="1200" dirty="0">
+              <a:latin typeface="標楷體" panose="03000509000000000000" pitchFamily="65" charset="-120"/>
+              <a:ea typeface="標楷體" panose="03000509000000000000" pitchFamily="65" charset="-120"/>
+            </a:rPr>
+            <a:t>在此很小的</a:t>
+          </a:r>
+          <a:r>
+            <a:rPr lang="en-US" altLang="zh-TW" sz="1600" kern="1200" dirty="0">
+              <a:latin typeface="標楷體" panose="03000509000000000000" pitchFamily="65" charset="-120"/>
+              <a:ea typeface="標楷體" panose="03000509000000000000" pitchFamily="65" charset="-120"/>
+            </a:rPr>
+            <a:t>area</a:t>
+          </a:r>
+          <a:r>
+            <a:rPr lang="zh-TW" altLang="en-US" sz="1600" kern="1200" dirty="0">
+              <a:latin typeface="標楷體" panose="03000509000000000000" pitchFamily="65" charset="-120"/>
+              <a:ea typeface="標楷體" panose="03000509000000000000" pitchFamily="65" charset="-120"/>
+            </a:rPr>
+            <a:t>一直深入研究、不可能一直重新換</a:t>
+          </a:r>
+          <a:r>
+            <a:rPr lang="en-US" altLang="zh-TW" sz="1600" kern="1200" dirty="0">
+              <a:latin typeface="標楷體" panose="03000509000000000000" pitchFamily="65" charset="-120"/>
+              <a:ea typeface="標楷體" panose="03000509000000000000" pitchFamily="65" charset="-120"/>
+            </a:rPr>
+            <a:t>area)</a:t>
+          </a:r>
+          <a:endParaRPr lang="zh-TW" altLang="en-US" sz="1600" kern="1200" dirty="0">
+            <a:latin typeface="標楷體" panose="03000509000000000000" pitchFamily="65" charset="-120"/>
+            <a:ea typeface="標楷體" panose="03000509000000000000" pitchFamily="65" charset="-120"/>
+          </a:endParaRPr>
+        </a:p>
+        <a:p>
+          <a:pPr marL="171450" lvl="1" indent="-171450" algn="l" defTabSz="711200">
+            <a:lnSpc>
+              <a:spcPct val="90000"/>
+            </a:lnSpc>
+            <a:spcBef>
+              <a:spcPct val="0"/>
+            </a:spcBef>
+            <a:spcAft>
+              <a:spcPct val="20000"/>
+            </a:spcAft>
+            <a:buChar char="•"/>
+          </a:pPr>
+          <a:r>
+            <a:rPr lang="zh-TW" altLang="en-US" sz="1600" kern="1200">
+              <a:latin typeface="標楷體" panose="03000509000000000000" pitchFamily="65" charset="-120"/>
+              <a:ea typeface="標楷體" panose="03000509000000000000" pitchFamily="65" charset="-120"/>
+            </a:rPr>
+            <a:t>有</a:t>
+          </a:r>
+          <a:r>
+            <a:rPr lang="zh-TW" altLang="en-US" sz="1600" kern="1200" dirty="0">
+              <a:latin typeface="標楷體" panose="03000509000000000000" pitchFamily="65" charset="-120"/>
+              <a:ea typeface="標楷體" panose="03000509000000000000" pitchFamily="65" charset="-120"/>
+            </a:rPr>
+            <a:t>那些真實現象未討論</a:t>
+          </a:r>
+        </a:p>
+        <a:p>
+          <a:pPr marL="171450" lvl="1" indent="-171450" algn="l" defTabSz="711200">
+            <a:lnSpc>
+              <a:spcPct val="90000"/>
+            </a:lnSpc>
+            <a:spcBef>
+              <a:spcPct val="0"/>
+            </a:spcBef>
+            <a:spcAft>
+              <a:spcPct val="20000"/>
+            </a:spcAft>
+            <a:buChar char="•"/>
+          </a:pPr>
+          <a:r>
+            <a:rPr lang="zh-TW" altLang="en-US" sz="1600" kern="1200" dirty="0">
+              <a:latin typeface="標楷體" panose="03000509000000000000" pitchFamily="65" charset="-120"/>
+              <a:ea typeface="標楷體" panose="03000509000000000000" pitchFamily="65" charset="-120"/>
+            </a:rPr>
+            <a:t>背景的實務環境和理論</a:t>
+          </a:r>
+        </a:p>
+        <a:p>
+          <a:pPr marL="171450" lvl="1" indent="-171450" algn="l" defTabSz="711200">
+            <a:lnSpc>
+              <a:spcPct val="90000"/>
+            </a:lnSpc>
+            <a:spcBef>
+              <a:spcPct val="0"/>
+            </a:spcBef>
+            <a:spcAft>
+              <a:spcPct val="20000"/>
+            </a:spcAft>
+            <a:buChar char="•"/>
+          </a:pPr>
+          <a:r>
+            <a:rPr lang="zh-TW" altLang="en-US" sz="1600" b="1" kern="1200" dirty="0">
+              <a:latin typeface="標楷體" panose="03000509000000000000" pitchFamily="65" charset="-120"/>
+              <a:ea typeface="標楷體" panose="03000509000000000000" pitchFamily="65" charset="-120"/>
+            </a:rPr>
+            <a:t>主要的研究者</a:t>
+          </a:r>
+          <a:r>
+            <a:rPr lang="zh-TW" altLang="en-US" sz="1600" kern="1200" dirty="0">
+              <a:latin typeface="標楷體" panose="03000509000000000000" pitchFamily="65" charset="-120"/>
+              <a:ea typeface="標楷體" panose="03000509000000000000" pitchFamily="65" charset="-120"/>
+            </a:rPr>
+            <a:t>、可參考的論文</a:t>
+          </a:r>
+        </a:p>
+      </dsp:txBody>
+      <dsp:txXfrm>
+        <a:off x="0" y="3576120"/>
+        <a:ext cx="6015136" cy="1420020"/>
+      </dsp:txXfrm>
+    </dsp:sp>
+    <dsp:sp modelId="{A5829CDE-FA4E-4B06-B836-39C999D98F2F}">
+      <dsp:nvSpPr>
+        <dsp:cNvPr id="0" name=""/>
+        <dsp:cNvSpPr/>
+      </dsp:nvSpPr>
+      <dsp:spPr>
+        <a:xfrm>
+          <a:off x="0" y="4996140"/>
+          <a:ext cx="6015136" cy="409500"/>
+        </a:xfrm>
+        <a:prstGeom prst="roundRect">
+          <a:avLst/>
+        </a:prstGeom>
+        <a:gradFill rotWithShape="0">
+          <a:gsLst>
+            <a:gs pos="0">
+              <a:schemeClr val="accent2">
+                <a:hueOff val="4832710"/>
+                <a:satOff val="-13870"/>
+                <a:lumOff val="-22207"/>
+                <a:alphaOff val="0"/>
+                <a:lumMod val="110000"/>
+                <a:satMod val="105000"/>
+                <a:tint val="67000"/>
+              </a:schemeClr>
+            </a:gs>
+            <a:gs pos="50000">
+              <a:schemeClr val="accent2">
+                <a:hueOff val="4832710"/>
+                <a:satOff val="-13870"/>
+                <a:lumOff val="-22207"/>
+                <a:alphaOff val="0"/>
+                <a:lumMod val="105000"/>
+                <a:satMod val="103000"/>
+                <a:tint val="73000"/>
+              </a:schemeClr>
+            </a:gs>
+            <a:gs pos="100000">
+              <a:schemeClr val="accent2">
+                <a:hueOff val="4832710"/>
+                <a:satOff val="-13870"/>
+                <a:lumOff val="-22207"/>
+                <a:alphaOff val="0"/>
+                <a:lumMod val="105000"/>
+                <a:satMod val="109000"/>
+                <a:tint val="81000"/>
+              </a:schemeClr>
+            </a:gs>
+          </a:gsLst>
+          <a:lin ang="5400000" scaled="0"/>
+        </a:gradFill>
+        <a:ln>
+          <a:noFill/>
+        </a:ln>
+        <a:effectLst/>
+        <a:scene3d>
+          <a:camera prst="orthographicFront"/>
+          <a:lightRig rig="flat" dir="t"/>
+        </a:scene3d>
+        <a:sp3d prstMaterial="dkEdge">
+          <a:bevelT w="8200" h="38100"/>
+        </a:sp3d>
+      </dsp:spPr>
+      <dsp:style>
+        <a:lnRef idx="0">
+          <a:scrgbClr r="0" g="0" b="0"/>
+        </a:lnRef>
+        <a:fillRef idx="2">
+          <a:scrgbClr r="0" g="0" b="0"/>
+        </a:fillRef>
+        <a:effectRef idx="1">
+          <a:scrgbClr r="0" g="0" b="0"/>
+        </a:effectRef>
+        <a:fontRef idx="minor">
+          <a:schemeClr val="dk1"/>
+        </a:fontRef>
+      </dsp:style>
+      <dsp:txBody>
+        <a:bodyPr spcFirstLastPara="0" vert="horz" wrap="square" lIns="60960" tIns="60960" rIns="60960" bIns="60960" numCol="1" spcCol="1270" anchor="ctr" anchorCtr="0">
+          <a:noAutofit/>
+        </a:bodyPr>
+        <a:lstStyle/>
+        <a:p>
+          <a:pPr marL="0" lvl="0" indent="0" algn="l" defTabSz="711200">
+            <a:lnSpc>
+              <a:spcPct val="90000"/>
+            </a:lnSpc>
+            <a:spcBef>
+              <a:spcPct val="0"/>
+            </a:spcBef>
+            <a:spcAft>
+              <a:spcPct val="35000"/>
+            </a:spcAft>
+            <a:buNone/>
+          </a:pPr>
+          <a:r>
+            <a:rPr lang="zh-TW" altLang="en-US" sz="1600" b="1" kern="1200" dirty="0">
+              <a:latin typeface="標楷體" panose="03000509000000000000" pitchFamily="65" charset="-120"/>
+              <a:ea typeface="標楷體" panose="03000509000000000000" pitchFamily="65" charset="-120"/>
+            </a:rPr>
+            <a:t>確定研究問題</a:t>
+          </a:r>
+        </a:p>
+      </dsp:txBody>
+      <dsp:txXfrm>
+        <a:off x="19990" y="5016130"/>
+        <a:ext cx="5975156" cy="369520"/>
+      </dsp:txXfrm>
+    </dsp:sp>
+    <dsp:sp modelId="{B6AE6BBC-B647-4807-9D3E-1C87C967E51E}">
+      <dsp:nvSpPr>
+        <dsp:cNvPr id="0" name=""/>
+        <dsp:cNvSpPr/>
+      </dsp:nvSpPr>
+      <dsp:spPr>
+        <a:xfrm>
+          <a:off x="0" y="5405640"/>
+          <a:ext cx="6015136" cy="289800"/>
+        </a:xfrm>
+        <a:prstGeom prst="rect">
+          <a:avLst/>
+        </a:prstGeom>
+        <a:noFill/>
+        <a:ln>
+          <a:noFill/>
+        </a:ln>
+        <a:effectLst/>
+      </dsp:spPr>
+      <dsp:style>
+        <a:lnRef idx="0">
+          <a:scrgbClr r="0" g="0" b="0"/>
+        </a:lnRef>
+        <a:fillRef idx="0">
+          <a:scrgbClr r="0" g="0" b="0"/>
+        </a:fillRef>
+        <a:effectRef idx="0">
+          <a:scrgbClr r="0" g="0" b="0"/>
+        </a:effectRef>
+        <a:fontRef idx="minor"/>
+      </dsp:style>
+      <dsp:txBody>
+        <a:bodyPr spcFirstLastPara="0" vert="horz" wrap="square" lIns="190981" tIns="20320" rIns="113792" bIns="20320" numCol="1" spcCol="1270" anchor="t" anchorCtr="0">
+          <a:noAutofit/>
+        </a:bodyPr>
+        <a:lstStyle/>
+        <a:p>
+          <a:pPr marL="171450" lvl="1" indent="-171450" algn="l" defTabSz="711200">
+            <a:lnSpc>
+              <a:spcPct val="90000"/>
+            </a:lnSpc>
+            <a:spcBef>
+              <a:spcPct val="0"/>
+            </a:spcBef>
+            <a:spcAft>
+              <a:spcPct val="20000"/>
+            </a:spcAft>
+            <a:buChar char="•"/>
+          </a:pPr>
+          <a:r>
+            <a:rPr lang="zh-TW" altLang="en-US" sz="1600" b="0" kern="1200" dirty="0">
+              <a:solidFill>
+                <a:srgbClr val="FF0000"/>
+              </a:solidFill>
+              <a:latin typeface="標楷體" panose="03000509000000000000" pitchFamily="65" charset="-120"/>
+              <a:ea typeface="標楷體" panose="03000509000000000000" pitchFamily="65" charset="-120"/>
+            </a:rPr>
+            <a:t>即確定研究問題</a:t>
+          </a:r>
+        </a:p>
+      </dsp:txBody>
+      <dsp:txXfrm>
+        <a:off x="0" y="5405640"/>
+        <a:ext cx="6015136" cy="289800"/>
+      </dsp:txXfrm>
+    </dsp:sp>
+    <dsp:sp modelId="{8849428A-5077-43DB-9DE7-A1A1FF7C536E}">
+      <dsp:nvSpPr>
+        <dsp:cNvPr id="0" name=""/>
+        <dsp:cNvSpPr/>
+      </dsp:nvSpPr>
+      <dsp:spPr>
+        <a:xfrm>
+          <a:off x="0" y="5695440"/>
+          <a:ext cx="6015136" cy="409500"/>
+        </a:xfrm>
+        <a:prstGeom prst="roundRect">
+          <a:avLst/>
+        </a:prstGeom>
+        <a:gradFill rotWithShape="0">
+          <a:gsLst>
+            <a:gs pos="0">
+              <a:schemeClr val="accent2">
+                <a:hueOff val="6443614"/>
+                <a:satOff val="-18493"/>
+                <a:lumOff val="-29609"/>
+                <a:alphaOff val="0"/>
+                <a:lumMod val="110000"/>
+                <a:satMod val="105000"/>
+                <a:tint val="67000"/>
+              </a:schemeClr>
+            </a:gs>
+            <a:gs pos="50000">
+              <a:schemeClr val="accent2">
+                <a:hueOff val="6443614"/>
+                <a:satOff val="-18493"/>
+                <a:lumOff val="-29609"/>
+                <a:alphaOff val="0"/>
+                <a:lumMod val="105000"/>
+                <a:satMod val="103000"/>
+                <a:tint val="73000"/>
+              </a:schemeClr>
+            </a:gs>
+            <a:gs pos="100000">
+              <a:schemeClr val="accent2">
+                <a:hueOff val="6443614"/>
+                <a:satOff val="-18493"/>
+                <a:lumOff val="-29609"/>
+                <a:alphaOff val="0"/>
+                <a:lumMod val="105000"/>
+                <a:satMod val="109000"/>
+                <a:tint val="81000"/>
+              </a:schemeClr>
+            </a:gs>
+          </a:gsLst>
+          <a:lin ang="5400000" scaled="0"/>
+        </a:gradFill>
+        <a:ln>
+          <a:noFill/>
+        </a:ln>
+        <a:effectLst/>
+        <a:scene3d>
+          <a:camera prst="orthographicFront"/>
+          <a:lightRig rig="flat" dir="t"/>
+        </a:scene3d>
+        <a:sp3d prstMaterial="dkEdge">
+          <a:bevelT w="8200" h="38100"/>
+        </a:sp3d>
+      </dsp:spPr>
+      <dsp:style>
+        <a:lnRef idx="0">
+          <a:scrgbClr r="0" g="0" b="0"/>
+        </a:lnRef>
+        <a:fillRef idx="2">
+          <a:scrgbClr r="0" g="0" b="0"/>
+        </a:fillRef>
+        <a:effectRef idx="1">
+          <a:scrgbClr r="0" g="0" b="0"/>
+        </a:effectRef>
+        <a:fontRef idx="minor">
+          <a:schemeClr val="dk1"/>
+        </a:fontRef>
+      </dsp:style>
+      <dsp:txBody>
+        <a:bodyPr spcFirstLastPara="0" vert="horz" wrap="square" lIns="60960" tIns="60960" rIns="60960" bIns="60960" numCol="1" spcCol="1270" anchor="ctr" anchorCtr="0">
+          <a:noAutofit/>
+        </a:bodyPr>
+        <a:lstStyle/>
+        <a:p>
+          <a:pPr marL="0" lvl="0" indent="0" algn="l" defTabSz="711200">
+            <a:lnSpc>
+              <a:spcPct val="90000"/>
+            </a:lnSpc>
+            <a:spcBef>
+              <a:spcPct val="0"/>
+            </a:spcBef>
+            <a:spcAft>
+              <a:spcPct val="35000"/>
+            </a:spcAft>
+            <a:buNone/>
+          </a:pPr>
+          <a:r>
+            <a:rPr lang="zh-TW" altLang="en-US" sz="1600" b="1" kern="1200" dirty="0">
+              <a:latin typeface="標楷體" panose="03000509000000000000" pitchFamily="65" charset="-120"/>
+              <a:ea typeface="標楷體" panose="03000509000000000000" pitchFamily="65" charset="-120"/>
+            </a:rPr>
+            <a:t>進行研究結果呈現</a:t>
+          </a:r>
+        </a:p>
+      </dsp:txBody>
+      <dsp:txXfrm>
+        <a:off x="19990" y="5715430"/>
+        <a:ext cx="5975156" cy="369520"/>
+      </dsp:txXfrm>
+    </dsp:sp>
+    <dsp:sp modelId="{A054FA0B-1A29-4EDB-A2BE-86DCCA7D41F9}">
+      <dsp:nvSpPr>
+        <dsp:cNvPr id="0" name=""/>
+        <dsp:cNvSpPr/>
+      </dsp:nvSpPr>
+      <dsp:spPr>
+        <a:xfrm>
+          <a:off x="0" y="6104940"/>
+          <a:ext cx="6015136" cy="115920"/>
+        </a:xfrm>
+        <a:prstGeom prst="rect">
+          <a:avLst/>
+        </a:prstGeom>
+        <a:noFill/>
+        <a:ln>
+          <a:noFill/>
+        </a:ln>
+        <a:effectLst/>
+      </dsp:spPr>
+      <dsp:style>
+        <a:lnRef idx="0">
+          <a:scrgbClr r="0" g="0" b="0"/>
+        </a:lnRef>
+        <a:fillRef idx="0">
+          <a:scrgbClr r="0" g="0" b="0"/>
+        </a:fillRef>
+        <a:effectRef idx="0">
+          <a:scrgbClr r="0" g="0" b="0"/>
+        </a:effectRef>
+        <a:fontRef idx="minor"/>
+      </dsp:style>
+      <dsp:txBody>
+        <a:bodyPr spcFirstLastPara="0" vert="horz" wrap="square" lIns="190981" tIns="1270" rIns="7112" bIns="1270" numCol="1" spcCol="1270" anchor="t" anchorCtr="0">
+          <a:noAutofit/>
+        </a:bodyPr>
+        <a:lstStyle/>
+        <a:p>
+          <a:pPr marL="57150" lvl="1" indent="-57150" algn="l" defTabSz="44450">
+            <a:lnSpc>
+              <a:spcPct val="90000"/>
+            </a:lnSpc>
+            <a:spcBef>
+              <a:spcPct val="0"/>
+            </a:spcBef>
+            <a:spcAft>
+              <a:spcPct val="20000"/>
+            </a:spcAft>
+            <a:buChar char="•"/>
+          </a:pPr>
+          <a:endParaRPr lang="zh-TW" altLang="en-US" sz="100" kern="1200" dirty="0">
+            <a:latin typeface="標楷體" panose="03000509000000000000" pitchFamily="65" charset="-120"/>
+            <a:ea typeface="標楷體" panose="03000509000000000000" pitchFamily="65" charset="-120"/>
+          </a:endParaRPr>
+        </a:p>
+      </dsp:txBody>
+      <dsp:txXfrm>
+        <a:off x="0" y="6104940"/>
+        <a:ext cx="6015136" cy="115920"/>
+      </dsp:txXfrm>
+    </dsp:sp>
+  </dsp:spTree>
+</dsp:drawing>
+</file>
+
+<file path=ppt/diagrams/layout1.xml><?xml version="1.0" encoding="utf-8"?>
+<dgm:layoutDef xmlns:dgm="http://schemas.openxmlformats.org/drawingml/2006/diagram" xmlns:a="http://schemas.openxmlformats.org/drawingml/2006/main" uniqueId="urn:microsoft.com/office/officeart/2005/8/layout/pyramid3">
+  <dgm:title val=""/>
+  <dgm:desc val=""/>
+  <dgm:catLst>
+    <dgm:cat type="pyramid" pri="2000"/>
+  </dgm:catLst>
+  <dgm:sampData useDef="1">
+    <dgm:dataModel>
+      <dgm:ptLst/>
+      <dgm:bg/>
+      <dgm:whole/>
+    </dgm:dataModel>
+  </dgm:sampData>
+  <dgm:styleData>
+    <dgm:dataModel>
+      <dgm:ptLst>
+        <dgm:pt modelId="0" type="doc"/>
+        <dgm:pt modelId="1"/>
+        <dgm:pt modelId="2"/>
+      </dgm:ptLst>
+      <dgm:cxnLst>
+        <dgm:cxn modelId="3" srcId="0" destId="1" srcOrd="0" destOrd="0"/>
+        <dgm:cxn modelId="4" srcId="0" destId="2" srcOrd="1" destOrd="0"/>
+      </dgm:cxnLst>
+      <dgm:bg/>
+      <dgm:whole/>
+    </dgm:dataModel>
+  </dgm:styleData>
+  <dgm:clrData>
+    <dgm:dataModel>
+      <dgm:ptLst>
+        <dgm:pt modelId="0" type="doc"/>
+        <dgm:pt modelId="1"/>
+        <dgm:pt modelId="2"/>
+        <dgm:pt modelId="3"/>
+        <dgm:pt modelId="4"/>
+      </dgm:ptLst>
+      <dgm:cxnLst>
+        <dgm:cxn modelId="5" srcId="0" destId="1" srcOrd="0" destOrd="0"/>
+        <dgm:cxn modelId="6" srcId="0" destId="2" srcOrd="1" destOrd="0"/>
+        <dgm:cxn modelId="7" srcId="0" destId="3" srcOrd="2" destOrd="0"/>
+        <dgm:cxn modelId="8" srcId="0" destId="4" srcOrd="3" destOrd="0"/>
+      </dgm:cxnLst>
+      <dgm:bg/>
+      <dgm:whole/>
+    </dgm:dataModel>
+  </dgm:clrData>
+  <dgm:layoutNode name="Name0">
+    <dgm:varLst>
+      <dgm:dir/>
+      <dgm:animLvl val="lvl"/>
+      <dgm:resizeHandles val="exact"/>
+    </dgm:varLst>
+    <dgm:choose name="Name1">
+      <dgm:if name="Name2" func="var" arg="dir" op="equ" val="norm">
+        <dgm:alg type="pyra">
+          <dgm:param type="linDir" val="fromT"/>
+          <dgm:param type="txDir" val="fromT"/>
+          <dgm:param type="pyraAcctPos" val="aft"/>
+          <dgm:param type="pyraAcctTxMar" val="step"/>
+          <dgm:param type="pyraAcctBkgdNode" val="acctBkgd"/>
+          <dgm:param type="pyraAcctTxNode" val="acctTx"/>
+          <dgm:param type="pyraLvlNode" val="level"/>
+        </dgm:alg>
+      </dgm:if>
+      <dgm:else name="Name3">
+        <dgm:alg type="pyra">
+          <dgm:param type="linDir" val="fromT"/>
+          <dgm:param type="txDir" val="fromT"/>
+          <dgm:param type="pyraAcctPos" val="bef"/>
+          <dgm:param type="pyraAcctTxMar" val="step"/>
+          <dgm:param type="pyraAcctBkgdNode" val="acctBkgd"/>
+          <dgm:param type="pyraAcctTxNode" val="acctTx"/>
+          <dgm:param type="pyraLvlNode" val="level"/>
+        </dgm:alg>
+      </dgm:else>
+    </dgm:choose>
+    <dgm:shape xmlns:r="http://schemas.openxmlformats.org/officeDocument/2006/relationships" r:blip="">
+      <dgm:adjLst/>
+    </dgm:shape>
+    <dgm:presOf/>
+    <dgm:choose name="Name4">
+      <dgm:if name="Name5" axis="root des" ptType="all node" func="maxDepth" op="gte" val="2">
+        <dgm:constrLst>
+          <dgm:constr type="primFontSz" for="des" forName="levelTx" op="equ"/>
+          <dgm:constr type="secFontSz" for="des" forName="acctTx" op="equ"/>
+          <dgm:constr type="pyraAcctRatio" val="0.32"/>
+        </dgm:constrLst>
+      </dgm:if>
+      <dgm:else name="Name6">
+        <dgm:constrLst>
+          <dgm:constr type="primFontSz" for="des" forName="levelTx" op="equ"/>
+          <dgm:constr type="secFontSz" for="des" forName="acctTx" op="equ"/>
+          <dgm:constr type="pyraAcctRatio"/>
+        </dgm:constrLst>
+      </dgm:else>
+    </dgm:choose>
+    <dgm:ruleLst/>
+    <dgm:forEach name="Name7" axis="ch" ptType="node">
+      <dgm:layoutNode name="Name8">
+        <dgm:alg type="composite">
+          <dgm:param type="horzAlign" val="none"/>
+        </dgm:alg>
+        <dgm:shape xmlns:r="http://schemas.openxmlformats.org/officeDocument/2006/relationships" r:blip="">
+          <dgm:adjLst/>
+        </dgm:shape>
+        <dgm:presOf/>
+        <dgm:choose name="Name9">
+          <dgm:if name="Name10" axis="self" ptType="node" func="revPos" op="equ" val="1">
+            <dgm:constrLst>
+              <dgm:constr type="ctrX" for="ch" forName="acctBkgd" val="1"/>
+              <dgm:constr type="ctrY" for="ch" forName="acctBkgd" val="1"/>
+              <dgm:constr type="w" for="ch" forName="acctBkgd" val="1"/>
+              <dgm:constr type="h" for="ch" forName="acctBkgd" val="1"/>
+              <dgm:constr type="ctrX" for="ch" forName="acctTx" val="1"/>
+              <dgm:constr type="ctrY" for="ch" forName="acctTx" val="1"/>
+              <dgm:constr type="w" for="ch" forName="acctTx" val="1"/>
+              <dgm:constr type="h" for="ch" forName="acctTx" val="1"/>
+              <dgm:constr type="ctrX" for="ch" forName="level" val="1"/>
+              <dgm:constr type="ctrY" for="ch" forName="level" val="1"/>
+              <dgm:constr type="w" for="ch" forName="level" val="1"/>
+              <dgm:constr type="h" for="ch" forName="level" val="1"/>
+              <dgm:constr type="ctrX" for="ch" forName="levelTx" refType="ctrX" refFor="ch" refForName="level"/>
+              <dgm:constr type="ctrY" for="ch" forName="levelTx" refType="ctrY" refFor="ch" refForName="level"/>
+              <dgm:constr type="w" for="ch" forName="levelTx" refType="w" refFor="ch" refForName="level"/>
+              <dgm:constr type="h" for="ch" forName="levelTx" refType="h" refFor="ch" refForName="level"/>
+            </dgm:constrLst>
+          </dgm:if>
+          <dgm:else name="Name11">
+            <dgm:constrLst>
+              <dgm:constr type="ctrX" for="ch" forName="acctBkgd" val="1"/>
+              <dgm:constr type="ctrY" for="ch" forName="acctBkgd" val="1"/>
+              <dgm:constr type="w" for="ch" forName="acctBkgd" val="1"/>
+              <dgm:constr type="h" for="ch" forName="acctBkgd" val="1"/>
+              <dgm:constr type="ctrX" for="ch" forName="acctTx" val="1"/>
+              <dgm:constr type="ctrY" for="ch" forName="acctTx" val="1"/>
+              <dgm:constr type="w" for="ch" forName="acctTx" val="1"/>
+              <dgm:constr type="h" for="ch" forName="acctTx" val="1"/>
+              <dgm:constr type="ctrX" for="ch" forName="level" val="1"/>
+              <dgm:constr type="ctrY" for="ch" forName="level" val="1"/>
+              <dgm:constr type="w" for="ch" forName="level" val="1"/>
+              <dgm:constr type="h" for="ch" forName="level" val="1"/>
+              <dgm:constr type="ctrX" for="ch" forName="levelTx" refType="ctrX" refFor="ch" refForName="level"/>
+              <dgm:constr type="ctrY" for="ch" forName="levelTx" refType="ctrY" refFor="ch" refForName="level"/>
+              <dgm:constr type="w" for="ch" forName="levelTx" refType="w" refFor="ch" refForName="level" fact="0.65"/>
+              <dgm:constr type="h" for="ch" forName="levelTx" refType="h" refFor="ch" refForName="level"/>
+            </dgm:constrLst>
+          </dgm:else>
+        </dgm:choose>
+        <dgm:ruleLst/>
+        <dgm:choose name="Name12">
+          <dgm:if name="Name13" axis="ch" ptType="node" func="cnt" op="gte" val="1">
+            <dgm:layoutNode name="acctBkgd" styleLbl="alignAcc1">
+              <dgm:alg type="sp"/>
+              <dgm:shape xmlns:r="http://schemas.openxmlformats.org/officeDocument/2006/relationships" type="nonIsoscelesTrapezoid" r:blip="">
+                <dgm:adjLst/>
+              </dgm:shape>
+              <dgm:presOf axis="des" ptType="node"/>
+              <dgm:constrLst/>
+              <dgm:ruleLst/>
+            </dgm:layoutNode>
+            <dgm:layoutNode name="acctTx" styleLbl="alignAcc1">
+              <dgm:varLst>
+                <dgm:bulletEnabled val="1"/>
+              </dgm:varLst>
+              <dgm:alg type="tx">
+                <dgm:param type="stBulletLvl" val="1"/>
+                <dgm:param type="txAnchorVertCh" val="t"/>
+              </dgm:alg>
+              <dgm:shape xmlns:r="http://schemas.openxmlformats.org/officeDocument/2006/relationships" type="nonIsoscelesTrapezoid" r:blip="" hideGeom="1">
+                <dgm:adjLst/>
+              </dgm:shape>
+              <dgm:presOf axis="des" ptType="node"/>
+              <dgm:constrLst>
+                <dgm:constr type="secFontSz" val="65"/>
+                <dgm:constr type="primFontSz" refType="secFontSz"/>
+                <dgm:constr type="tMarg" refType="secFontSz" fact="0.3"/>
+                <dgm:constr type="bMarg" refType="secFontSz" fact="0.3"/>
+                <dgm:constr type="lMarg" refType="secFontSz" fact="0.3"/>
+                <dgm:constr type="rMarg" refType="secFontSz" fact="0.3"/>
+              </dgm:constrLst>
+              <dgm:ruleLst>
+                <dgm:rule type="secFontSz" val="5" fact="NaN" max="NaN"/>
+              </dgm:ruleLst>
+            </dgm:layoutNode>
+          </dgm:if>
+          <dgm:else name="Name14"/>
+        </dgm:choose>
+        <dgm:layoutNode name="level">
+          <dgm:varLst>
+            <dgm:chMax val="1"/>
+            <dgm:bulletEnabled val="1"/>
+          </dgm:varLst>
+          <dgm:alg type="sp"/>
+          <dgm:shape xmlns:r="http://schemas.openxmlformats.org/officeDocument/2006/relationships" type="trapezoid" r:blip="">
+            <dgm:adjLst/>
+          </dgm:shape>
+          <dgm:presOf axis="self"/>
+          <dgm:constrLst>
+            <dgm:constr type="h" val="500"/>
+            <dgm:constr type="w" val="1"/>
+          </dgm:constrLst>
+          <dgm:ruleLst/>
+        </dgm:layoutNode>
+        <dgm:layoutNode name="levelTx" styleLbl="revTx">
+          <dgm:varLst>
+            <dgm:chMax val="1"/>
+            <dgm:bulletEnabled val="1"/>
+          </dgm:varLst>
+          <dgm:alg type="tx"/>
+          <dgm:shape xmlns:r="http://schemas.openxmlformats.org/officeDocument/2006/relationships" type="rect" r:blip="" hideGeom="1">
+            <dgm:adjLst/>
+          </dgm:shape>
+          <dgm:presOf axis="self"/>
+          <dgm:constrLst>
+            <dgm:constr type="tMarg" refType="primFontSz" fact="0.1"/>
+            <dgm:constr type="bMarg" refType="primFontSz" fact="0.1"/>
+            <dgm:constr type="lMarg" refType="primFontSz" fact="0.1"/>
+            <dgm:constr type="rMarg" refType="primFontSz" fact="0.1"/>
+            <dgm:constr type="primFontSz" val="65"/>
+          </dgm:constrLst>
+          <dgm:ruleLst>
+            <dgm:rule type="primFontSz" val="5" fact="NaN" max="NaN"/>
+          </dgm:ruleLst>
+        </dgm:layoutNode>
+      </dgm:layoutNode>
+    </dgm:forEach>
+  </dgm:layoutNode>
+</dgm:layoutDef>
+</file>
+
+<file path=ppt/diagrams/layout2.xml><?xml version="1.0" encoding="utf-8"?>
+<dgm:layoutDef xmlns:dgm="http://schemas.openxmlformats.org/drawingml/2006/diagram" xmlns:a="http://schemas.openxmlformats.org/drawingml/2006/main" uniqueId="urn:microsoft.com/office/officeart/2005/8/layout/vList2">
+  <dgm:title val=""/>
+  <dgm:desc val=""/>
+  <dgm:catLst>
+    <dgm:cat type="list" pri="3000"/>
+    <dgm:cat type="convert" pri="1000"/>
+  </dgm:catLst>
+  <dgm:sampData>
+    <dgm:dataModel>
+      <dgm:ptLst>
+        <dgm:pt modelId="0" type="doc"/>
+        <dgm:pt modelId="1">
+          <dgm:prSet phldr="1"/>
+        </dgm:pt>
+        <dgm:pt modelId="11">
+          <dgm:prSet phldr="1"/>
+        </dgm:pt>
+        <dgm:pt modelId="2">
+          <dgm:prSet phldr="1"/>
+        </dgm:pt>
+        <dgm:pt modelId="21">
+          <dgm:prSet phldr="1"/>
+        </dgm:pt>
+      </dgm:ptLst>
+      <dgm:cxnLst>
+        <dgm:cxn modelId="4" srcId="0" destId="1" srcOrd="0" destOrd="0"/>
+        <dgm:cxn modelId="5" srcId="0" destId="2" srcOrd="1" destOrd="0"/>
+        <dgm:cxn modelId="12" srcId="1" destId="11" srcOrd="0" destOrd="0"/>
+        <dgm:cxn modelId="23" srcId="2" destId="21" srcOrd="0" destOrd="0"/>
+      </dgm:cxnLst>
+      <dgm:bg/>
+      <dgm:whole/>
+    </dgm:dataModel>
+  </dgm:sampData>
+  <dgm:styleData>
+    <dgm:dataModel>
+      <dgm:ptLst>
+        <dgm:pt modelId="0" type="doc"/>
+        <dgm:pt modelId="1"/>
+        <dgm:pt modelId="2"/>
+      </dgm:ptLst>
+      <dgm:cxnLst>
+        <dgm:cxn modelId="3" srcId="0" destId="1" srcOrd="0" destOrd="0"/>
+        <dgm:cxn modelId="4" srcId="0" destId="2" srcOrd="1" destOrd="0"/>
+      </dgm:cxnLst>
+      <dgm:bg/>
+      <dgm:whole/>
+    </dgm:dataModel>
+  </dgm:styleData>
+  <dgm:clrData>
+    <dgm:dataModel>
+      <dgm:ptLst>
+        <dgm:pt modelId="0" type="doc"/>
+        <dgm:pt modelId="1"/>
+        <dgm:pt modelId="2"/>
+        <dgm:pt modelId="3"/>
+        <dgm:pt modelId="4"/>
+      </dgm:ptLst>
+      <dgm:cxnLst>
+        <dgm:cxn modelId="5" srcId="0" destId="1" srcOrd="0" destOrd="0"/>
+        <dgm:cxn modelId="6" srcId="0" destId="2" srcOrd="1" destOrd="0"/>
+        <dgm:cxn modelId="7" srcId="0" destId="3" srcOrd="2" destOrd="0"/>
+        <dgm:cxn modelId="8" srcId="0" destId="4" srcOrd="3" destOrd="0"/>
+      </dgm:cxnLst>
+      <dgm:bg/>
+      <dgm:whole/>
+    </dgm:dataModel>
+  </dgm:clrData>
+  <dgm:layoutNode name="linear">
+    <dgm:varLst>
+      <dgm:animLvl val="lvl"/>
+      <dgm:resizeHandles val="exact"/>
+    </dgm:varLst>
+    <dgm:alg type="lin">
+      <dgm:param type="linDir" val="fromT"/>
+      <dgm:param type="vertAlign" val="mid"/>
+    </dgm:alg>
+    <dgm:shape xmlns:r="http://schemas.openxmlformats.org/officeDocument/2006/relationships" r:blip="">
+      <dgm:adjLst/>
+    </dgm:shape>
+    <dgm:presOf/>
+    <dgm:constrLst>
+      <dgm:constr type="w" for="ch" forName="parentText" refType="w"/>
+      <dgm:constr type="h" for="ch" forName="parentText" refType="primFontSz" refFor="ch" refForName="parentText" fact="0.52"/>
+      <dgm:constr type="w" for="ch" forName="childText" refType="w"/>
+      <dgm:constr type="h" for="ch" forName="childText" refType="primFontSz" refFor="ch" refForName="parentText" fact="0.46"/>
+      <dgm:constr type="h" for="ch" forName="parentText" op="equ"/>
+      <dgm:constr type="primFontSz" for="ch" forName="parentText" op="equ" val="65"/>
+      <dgm:constr type="primFontSz" for="ch" forName="childText" refType="primFontSz" refFor="ch" refForName="parentText" op="equ"/>
+      <dgm:constr type="h" for="ch" forName="spacer" refType="primFontSz" refFor="ch" refForName="parentText" fact="0.08"/>
+    </dgm:constrLst>
+    <dgm:ruleLst>
+      <dgm:rule type="primFontSz" for="ch" forName="parentText" val="5" fact="NaN" max="NaN"/>
+    </dgm:ruleLst>
+    <dgm:forEach name="Name0" axis="ch" ptType="node">
+      <dgm:layoutNode name="parentText" styleLbl="node1">
+        <dgm:varLst>
+          <dgm:chMax val="0"/>
+          <dgm:bulletEnabled val="1"/>
+        </dgm:varLst>
+        <dgm:alg type="tx">
+          <dgm:param type="parTxLTRAlign" val="l"/>
+          <dgm:param type="parTxRTLAlign" val="r"/>
+        </dgm:alg>
+        <dgm:shape xmlns:r="http://schemas.openxmlformats.org/officeDocument/2006/relationships" type="roundRect" r:blip="">
+          <dgm:adjLst/>
+        </dgm:shape>
+        <dgm:presOf axis="self"/>
+        <dgm:constrLst>
+          <dgm:constr type="tMarg" refType="primFontSz" fact="0.3"/>
+          <dgm:constr type="bMarg" refType="primFontSz" fact="0.3"/>
+          <dgm:constr type="lMarg" refType="primFontSz" fact="0.3"/>
+          <dgm:constr type="rMarg" refType="primFontSz" fact="0.3"/>
+        </dgm:constrLst>
+        <dgm:ruleLst>
+          <dgm:rule type="h" val="INF" fact="NaN" max="NaN"/>
+        </dgm:ruleLst>
+      </dgm:layoutNode>
+      <dgm:choose name="Name1">
+        <dgm:if name="Name2" axis="ch" ptType="node" func="cnt" op="gte" val="1">
+          <dgm:layoutNode name="childText" styleLbl="revTx">
+            <dgm:varLst>
+              <dgm:bulletEnabled val="1"/>
+            </dgm:varLst>
+            <dgm:alg type="tx">
+              <dgm:param type="stBulletLvl" val="1"/>
+              <dgm:param type="lnSpAfChP" val="20"/>
+            </dgm:alg>
+            <dgm:shape xmlns:r="http://schemas.openxmlformats.org/officeDocument/2006/relationships" type="rect" r:blip="">
+              <dgm:adjLst/>
+            </dgm:shape>
+            <dgm:presOf axis="des" ptType="node"/>
+            <dgm:constrLst>
+              <dgm:constr type="tMarg" refType="primFontSz" fact="0.1"/>
+              <dgm:constr type="bMarg" refType="primFontSz" fact="0.1"/>
+              <dgm:constr type="lMarg" refType="w" fact="0.09"/>
+            </dgm:constrLst>
+            <dgm:ruleLst>
+              <dgm:rule type="h" val="INF" fact="NaN" max="NaN"/>
+            </dgm:ruleLst>
+          </dgm:layoutNode>
+        </dgm:if>
+        <dgm:else name="Name3">
+          <dgm:choose name="Name4">
+            <dgm:if name="Name5" axis="par ch" ptType="doc node" func="cnt" op="gte" val="2">
+              <dgm:forEach name="Name6" axis="followSib" ptType="sibTrans" cnt="1">
+                <dgm:layoutNode name="spacer">
+                  <dgm:alg type="sp"/>
+                  <dgm:shape xmlns:r="http://schemas.openxmlformats.org/officeDocument/2006/relationships" r:blip="">
+                    <dgm:adjLst/>
+                  </dgm:shape>
+                  <dgm:presOf/>
+                  <dgm:constrLst/>
+                  <dgm:ruleLst/>
+                </dgm:layoutNode>
+              </dgm:forEach>
+            </dgm:if>
+            <dgm:else name="Name7"/>
+          </dgm:choose>
+        </dgm:else>
+      </dgm:choose>
+    </dgm:forEach>
+  </dgm:layoutNode>
+</dgm:layoutDef>
+</file>
+
+<file path=ppt/diagrams/quickStyle1.xml><?xml version="1.0" encoding="utf-8"?>
+<dgm:styleDef xmlns:dgm="http://schemas.openxmlformats.org/drawingml/2006/diagram" xmlns:a="http://schemas.openxmlformats.org/drawingml/2006/main" uniqueId="urn:microsoft.com/office/officeart/2005/8/quickstyle/simple3">
+  <dgm:title val=""/>
+  <dgm:desc val=""/>
+  <dgm:catLst>
+    <dgm:cat type="simple" pri="10300"/>
+  </dgm:catLst>
+  <dgm:scene3d>
+    <a:camera prst="orthographicFront"/>
+    <a:lightRig rig="threePt" dir="t"/>
+  </dgm:scene3d>
+  <dgm:styleLbl name="node0">
+    <dgm:scene3d>
+      <a:camera prst="orthographicFront"/>
+      <a:lightRig rig="flat" dir="t"/>
+    </dgm:scene3d>
+    <dgm:sp3d prstMaterial="dkEdge">
+      <a:bevelT w="8200" h="38100"/>
+    </dgm:sp3d>
+    <dgm:txPr/>
+    <dgm:style>
+      <a:lnRef idx="0">
+        <a:scrgbClr r="0" g="0" b="0"/>
+      </a:lnRef>
+      <a:fillRef idx="2">
+        <a:scrgbClr r="0" g="0" b="0"/>
+      </a:fillRef>
+      <a:effectRef idx="1">
+        <a:scrgbClr r="0" g="0" b="0"/>
+      </a:effectRef>
+      <a:fontRef idx="minor">
+        <a:schemeClr val="dk1"/>
+      </a:fontRef>
+    </dgm:style>
+  </dgm:styleLbl>
+  <dgm:styleLbl name="lnNode1">
+    <dgm:scene3d>
+      <a:camera prst="orthographicFront"/>
+      <a:lightRig rig="flat" dir="t"/>
+    </dgm:scene3d>
+    <dgm:sp3d prstMaterial="dkEdge">
+      <a:bevelT w="8200" h="38100"/>
+    </dgm:sp3d>
+    <dgm:txPr/>
+    <dgm:style>
+      <a:lnRef idx="1">
+        <a:scrgbClr r="0" g="0" b="0"/>
+      </a:lnRef>
+      <a:fillRef idx="2">
+        <a:scrgbClr r="0" g="0" b="0"/>
+      </a:fillRef>
+      <a:effectRef idx="0">
+        <a:scrgbClr r="0" g="0" b="0"/>
+      </a:effectRef>
+      <a:fontRef idx="minor">
+        <a:schemeClr val="dk1"/>
+      </a:fontRef>
+    </dgm:style>
+  </dgm:styleLbl>
+  <dgm:styleLbl name="vennNode1">
+    <dgm:scene3d>
+      <a:camera prst="orthographicFront"/>
+      <a:lightRig rig="flat" dir="t"/>
+    </dgm:scene3d>
+    <dgm:sp3d prstMaterial="dkEdge">
+      <a:bevelT w="8200" h="38100"/>
+    </dgm:sp3d>
+    <dgm:txPr/>
+    <dgm:style>
+      <a:lnRef idx="0">
+        <a:scrgbClr r="0" g="0" b="0"/>
+      </a:lnRef>
+      <a:fillRef idx="2">
+        <a:scrgbClr r="0" g="0" b="0"/>
+      </a:fillRef>
+      <a:effectRef idx="0">
+        <a:scrgbClr r="0" g="0" b="0"/>
+      </a:effectRef>
+      <a:fontRef idx="minor">
+        <a:schemeClr val="tx1"/>
+      </a:fontRef>
+    </dgm:style>
+  </dgm:styleLbl>
+  <dgm:styleLbl name="alignNode1">
+    <dgm:scene3d>
+      <a:camera prst="orthographicFront"/>
+      <a:lightRig rig="threePt" dir="t"/>
+    </dgm:scene3d>
+    <dgm:sp3d/>
+    <dgm:txPr/>
+    <dgm:style>
+      <a:lnRef idx="1">
+        <a:scrgbClr r="0" g="0" b="0"/>
+      </a:lnRef>
+      <a:fillRef idx="2">
+        <a:scrgbClr r="0" g="0" b="0"/>
+      </a:fillRef>
+      <a:effectRef idx="1">
+        <a:scrgbClr r="0" g="0" b="0"/>
+      </a:effectRef>
+      <a:fontRef idx="minor">
+        <a:schemeClr val="dk1"/>
+      </a:fontRef>
+    </dgm:style>
+  </dgm:styleLbl>
+  <dgm:styleLbl name="node1">
+    <dgm:scene3d>
+      <a:camera prst="orthographicFront"/>
+      <a:lightRig rig="flat" dir="t"/>
+    </dgm:scene3d>
+    <dgm:sp3d prstMaterial="dkEdge">
+      <a:bevelT w="8200" h="38100"/>
+    </dgm:sp3d>
+    <dgm:txPr/>
+    <dgm:style>
+      <a:lnRef idx="0">
+        <a:scrgbClr r="0" g="0" b="0"/>
+      </a:lnRef>
+      <a:fillRef idx="2">
+        <a:scrgbClr r="0" g="0" b="0"/>
+      </a:fillRef>
+      <a:effectRef idx="1">
+        <a:scrgbClr r="0" g="0" b="0"/>
+      </a:effectRef>
+      <a:fontRef idx="minor">
+        <a:schemeClr val="dk1"/>
+      </a:fontRef>
+    </dgm:style>
+  </dgm:styleLbl>
+  <dgm:styleLbl name="node2">
+    <dgm:scene3d>
+      <a:camera prst="orthographicFront"/>
+      <a:lightRig rig="flat" dir="t"/>
+    </dgm:scene3d>
+    <dgm:sp3d prstMaterial="dkEdge">
+      <a:bevelT w="8200" h="38100"/>
+    </dgm:sp3d>
+    <dgm:txPr/>
+    <dgm:style>
+      <a:lnRef idx="0">
+        <a:scrgbClr r="0" g="0" b="0"/>
+      </a:lnRef>
+      <a:fillRef idx="2">
+        <a:scrgbClr r="0" g="0" b="0"/>
+      </a:fillRef>
+      <a:effectRef idx="1">
+        <a:scrgbClr r="0" g="0" b="0"/>
+      </a:effectRef>
+      <a:fontRef idx="minor">
+        <a:schemeClr val="dk1"/>
+      </a:fontRef>
+    </dgm:style>
+  </dgm:styleLbl>
+  <dgm:styleLbl name="node3">
+    <dgm:scene3d>
+      <a:camera prst="orthographicFront"/>
+      <a:lightRig rig="flat" dir="t"/>
+    </dgm:scene3d>
+    <dgm:sp3d prstMaterial="dkEdge">
+      <a:bevelT w="8200" h="38100"/>
+    </dgm:sp3d>
+    <dgm:txPr/>
+    <dgm:style>
+      <a:lnRef idx="0">
+        <a:scrgbClr r="0" g="0" b="0"/>
+      </a:lnRef>
+      <a:fillRef idx="2">
+        <a:scrgbClr r="0" g="0" b="0"/>
+      </a:fillRef>
+      <a:effectRef idx="1">
+        <a:scrgbClr r="0" g="0" b="0"/>
+      </a:effectRef>
+      <a:fontRef idx="minor">
+        <a:schemeClr val="dk1"/>
+      </a:fontRef>
+    </dgm:style>
+  </dgm:styleLbl>
+  <dgm:styleLbl name="node4">
+    <dgm:scene3d>
+      <a:camera prst="orthographicFront"/>
+      <a:lightRig rig="flat" dir="t"/>
+    </dgm:scene3d>
+    <dgm:sp3d prstMaterial="dkEdge">
+      <a:bevelT w="8200" h="38100"/>
+    </dgm:sp3d>
+    <dgm:txPr/>
+    <dgm:style>
+      <a:lnRef idx="0">
+        <a:scrgbClr r="0" g="0" b="0"/>
+      </a:lnRef>
+      <a:fillRef idx="2">
+        <a:scrgbClr r="0" g="0" b="0"/>
+      </a:fillRef>
+      <a:effectRef idx="1">
+        <a:scrgbClr r="0" g="0" b="0"/>
+      </a:effectRef>
+      <a:fontRef idx="minor">
+        <a:schemeClr val="dk1"/>
+      </a:fontRef>
+    </dgm:style>
+  </dgm:styleLbl>
+  <dgm:styleLbl name="fgImgPlace1">
+    <dgm:scene3d>
+      <a:camera prst="orthographicFront"/>
+      <a:lightRig rig="threePt" dir="t"/>
+    </dgm:scene3d>
+    <dgm:sp3d/>
+    <dgm:txPr/>
+    <dgm:style>
+      <a:lnRef idx="1">
+        <a:scrgbClr r="0" g="0" b="0"/>
+      </a:lnRef>
+      <a:fillRef idx="1">
+        <a:scrgbClr r="0" g="0" b="0"/>
+      </a:fillRef>
+      <a:effectRef idx="1">
+        <a:scrgbClr r="0" g="0" b="0"/>
+      </a:effectRef>
+      <a:fontRef idx="minor"/>
+    </dgm:style>
+  </dgm:styleLbl>
+  <dgm:styleLbl name="alignImgPlace1">
+    <dgm:scene3d>
+      <a:camera prst="orthographicFront"/>
+      <a:lightRig rig="threePt" dir="t"/>
+    </dgm:scene3d>
+    <dgm:sp3d/>
+    <dgm:txPr/>
+    <dgm:style>
+      <a:lnRef idx="1">
+        <a:scrgbClr r="0" g="0" b="0"/>
+      </a:lnRef>
+      <a:fillRef idx="1">
+        <a:scrgbClr r="0" g="0" b="0"/>
+      </a:fillRef>
+      <a:effectRef idx="1">
+        <a:scrgbClr r="0" g="0" b="0"/>
+      </a:effectRef>
+      <a:fontRef idx="minor"/>
+    </dgm:style>
+  </dgm:styleLbl>
+  <dgm:styleLbl name="bgImgPlace1">
+    <dgm:scene3d>
+      <a:camera prst="orthographicFront"/>
+      <a:lightRig rig="threePt" dir="t"/>
+    </dgm:scene3d>
+    <dgm:sp3d/>
+    <dgm:txPr/>
+    <dgm:style>
+      <a:lnRef idx="1">
+        <a:scrgbClr r="0" g="0" b="0"/>
+      </a:lnRef>
+      <a:fillRef idx="1">
+        <a:scrgbClr r="0" g="0" b="0"/>
+      </a:fillRef>
+      <a:effectRef idx="1">
+        <a:scrgbClr r="0" g="0" b="0"/>
+      </a:effectRef>
+      <a:fontRef idx="minor"/>
+    </dgm:style>
+  </dgm:styleLbl>
+  <dgm:styleLbl name="sibTrans2D1">
+    <dgm:scene3d>
+      <a:camera prst="orthographicFront"/>
+      <a:lightRig rig="threePt" dir="t"/>
+    </dgm:scene3d>
+    <dgm:sp3d/>
+    <dgm:txPr/>
+    <dgm:style>
+      <a:lnRef idx="0">
+        <a:scrgbClr r="0" g="0" b="0"/>
+      </a:lnRef>
+      <a:fillRef idx="2">
+        <a:scrgbClr r="0" g="0" b="0"/>
+      </a:fillRef>
+      <a:effectRef idx="1">
+        <a:scrgbClr r="0" g="0" b="0"/>
+      </a:effectRef>
+      <a:fontRef idx="minor">
+        <a:schemeClr val="dk1"/>
+      </a:fontRef>
+    </dgm:style>
+  </dgm:styleLbl>
+  <dgm:styleLbl name="fgSibTrans2D1">
+    <dgm:scene3d>
+      <a:camera prst="orthographicFront"/>
+      <a:lightRig rig="threePt" dir="t"/>
+    </dgm:scene3d>
+    <dgm:sp3d/>
+    <dgm:txPr/>
+    <dgm:style>
+      <a:lnRef idx="0">
+        <a:scrgbClr r="0" g="0" b="0"/>
+      </a:lnRef>
+      <a:fillRef idx="2">
+        <a:scrgbClr r="0" g="0" b="0"/>
+      </a:fillRef>
+      <a:effectRef idx="1">
+        <a:scrgbClr r="0" g="0" b="0"/>
+      </a:effectRef>
+      <a:fontRef idx="minor">
+        <a:schemeClr val="dk1"/>
+      </a:fontRef>
+    </dgm:style>
+  </dgm:styleLbl>
+  <dgm:styleLbl name="bgSibTrans2D1">
+    <dgm:scene3d>
+      <a:camera prst="orthographicFront"/>
+      <a:lightRig rig="threePt" dir="t"/>
+    </dgm:scene3d>
+    <dgm:sp3d/>
+    <dgm:txPr/>
+    <dgm:style>
+      <a:lnRef idx="0">
+        <a:scrgbClr r="0" g="0" b="0"/>
+      </a:lnRef>
+      <a:fillRef idx="2">
+        <a:scrgbClr r="0" g="0" b="0"/>
+      </a:fillRef>
+      <a:effectRef idx="1">
+        <a:scrgbClr r="0" g="0" b="0"/>
+      </a:effectRef>
+      <a:fontRef idx="minor">
+        <a:schemeClr val="dk1"/>
+      </a:fontRef>
+    </dgm:style>
+  </dgm:styleLbl>
+  <dgm:styleLbl name="sibTrans1D1">
+    <dgm:scene3d>
+      <a:camera prst="orthographicFront"/>
+      <a:lightRig rig="threePt" dir="t"/>
+    </dgm:scene3d>
+    <dgm:sp3d/>
+    <dgm:txPr/>
+    <dgm:style>
+      <a:lnRef idx="1">
+        <a:scrgbClr r="0" g="0" b="0"/>
+      </a:lnRef>
+      <a:fillRef idx="0">
+        <a:scrgbClr r="0" g="0" b="0"/>
+      </a:fillRef>
+      <a:effectRef idx="0">
+        <a:scrgbClr r="0" g="0" b="0"/>
+      </a:effectRef>
+      <a:fontRef idx="minor"/>
+    </dgm:style>
+  </dgm:styleLbl>
+  <dgm:styleLbl name="callout">
+    <dgm:scene3d>
+      <a:camera prst="orthographicFront"/>
+      <a:lightRig rig="threePt" dir="t"/>
+    </dgm:scene3d>
+    <dgm:sp3d/>
+    <dgm:txPr/>
+    <dgm:style>
+      <a:lnRef idx="1">
+        <a:scrgbClr r="0" g="0" b="0"/>
+      </a:lnRef>
+      <a:fillRef idx="2">
+        <a:scrgbClr r="0" g="0" b="0"/>
+      </a:fillRef>
+      <a:effectRef idx="1">
+        <a:scrgbClr r="0" g="0" b="0"/>
+      </a:effectRef>
+      <a:fontRef idx="minor"/>
+    </dgm:style>
+  </dgm:styleLbl>
+  <dgm:styleLbl name="asst0">
+    <dgm:scene3d>
+      <a:camera prst="orthographicFront"/>
+      <a:lightRig rig="flat" dir="t"/>
+    </dgm:scene3d>
+    <dgm:sp3d prstMaterial="dkEdge">
+      <a:bevelT w="8200" h="38100"/>
+    </dgm:sp3d>
+    <dgm:txPr/>
+    <dgm:style>
+      <a:lnRef idx="0">
+        <a:scrgbClr r="0" g="0" b="0"/>
+      </a:lnRef>
+      <a:fillRef idx="2">
+        <a:scrgbClr r="0" g="0" b="0"/>
+      </a:fillRef>
+      <a:effectRef idx="1">
+        <a:scrgbClr r="0" g="0" b="0"/>
+      </a:effectRef>
+      <a:fontRef idx="minor">
+        <a:schemeClr val="dk1"/>
+      </a:fontRef>
+    </dgm:style>
+  </dgm:styleLbl>
+  <dgm:styleLbl name="asst1">
+    <dgm:scene3d>
+      <a:camera prst="orthographicFront"/>
+      <a:lightRig rig="flat" dir="t"/>
+    </dgm:scene3d>
+    <dgm:sp3d prstMaterial="dkEdge">
+      <a:bevelT w="8200" h="38100"/>
+    </dgm:sp3d>
+    <dgm:txPr/>
+    <dgm:style>
+      <a:lnRef idx="0">
+        <a:scrgbClr r="0" g="0" b="0"/>
+      </a:lnRef>
+      <a:fillRef idx="2">
+        <a:scrgbClr r="0" g="0" b="0"/>
+      </a:fillRef>
+      <a:effectRef idx="1">
+        <a:scrgbClr r="0" g="0" b="0"/>
+      </a:effectRef>
+      <a:fontRef idx="minor">
+        <a:schemeClr val="dk1"/>
+      </a:fontRef>
+    </dgm:style>
+  </dgm:styleLbl>
+  <dgm:styleLbl name="asst2">
+    <dgm:scene3d>
+      <a:camera prst="orthographicFront"/>
+      <a:lightRig rig="flat" dir="t"/>
+    </dgm:scene3d>
+    <dgm:sp3d prstMaterial="dkEdge">
+      <a:bevelT w="8200" h="38100"/>
+    </dgm:sp3d>
+    <dgm:txPr/>
+    <dgm:style>
+      <a:lnRef idx="0">
+        <a:scrgbClr r="0" g="0" b="0"/>
+      </a:lnRef>
+      <a:fillRef idx="2">
+        <a:scrgbClr r="0" g="0" b="0"/>
+      </a:fillRef>
+      <a:effectRef idx="1">
+        <a:scrgbClr r="0" g="0" b="0"/>
+      </a:effectRef>
+      <a:fontRef idx="minor">
+        <a:schemeClr val="dk1"/>
+      </a:fontRef>
+    </dgm:style>
+  </dgm:styleLbl>
+  <dgm:styleLbl name="asst3">
+    <dgm:scene3d>
+      <a:camera prst="orthographicFront"/>
+      <a:lightRig rig="flat" dir="t"/>
+    </dgm:scene3d>
+    <dgm:sp3d prstMaterial="dkEdge">
+      <a:bevelT w="8200" h="38100"/>
+    </dgm:sp3d>
+    <dgm:txPr/>
+    <dgm:style>
+      <a:lnRef idx="0">
+        <a:scrgbClr r="0" g="0" b="0"/>
+      </a:lnRef>
+      <a:fillRef idx="2">
+        <a:scrgbClr r="0" g="0" b="0"/>
+      </a:fillRef>
+      <a:effectRef idx="1">
+        <a:scrgbClr r="0" g="0" b="0"/>
+      </a:effectRef>
+      <a:fontRef idx="minor">
+        <a:schemeClr val="dk1"/>
+      </a:fontRef>
+    </dgm:style>
+  </dgm:styleLbl>
+  <dgm:styleLbl name="asst4">
+    <dgm:scene3d>
+      <a:camera prst="orthographicFront"/>
+      <a:lightRig rig="flat" dir="t"/>
+    </dgm:scene3d>
+    <dgm:sp3d prstMaterial="dkEdge">
+      <a:bevelT w="8200" h="38100"/>
+    </dgm:sp3d>
+    <dgm:txPr/>
+    <dgm:style>
+      <a:lnRef idx="0">
+        <a:scrgbClr r="0" g="0" b="0"/>
+      </a:lnRef>
+      <a:fillRef idx="2">
+        <a:scrgbClr r="0" g="0" b="0"/>
+      </a:fillRef>
+      <a:effectRef idx="1">
+        <a:scrgbClr r="0" g="0" b="0"/>
+      </a:effectRef>
+      <a:fontRef idx="minor">
+        <a:schemeClr val="dk1"/>
+      </a:fontRef>
+    </dgm:style>
+  </dgm:styleLbl>
+  <dgm:styleLbl name="parChTrans2D1">
+    <dgm:scene3d>
+      <a:camera prst="orthographicFront"/>
+      <a:lightRig rig="threePt" dir="t"/>
+    </dgm:scene3d>
+    <dgm:sp3d/>
+    <dgm:txPr/>
+    <dgm:style>
+      <a:lnRef idx="1">
+        <a:scrgbClr r="0" g="0" b="0"/>
+      </a:lnRef>
+      <a:fillRef idx="2">
+        <a:scrgbClr r="0" g="0" b="0"/>
+      </a:fillRef>
+      <a:effectRef idx="1">
+        <a:scrgbClr r="0" g="0" b="0"/>
+      </a:effectRef>
+      <a:fontRef idx="minor">
+        <a:schemeClr val="dk1"/>
+      </a:fontRef>
+    </dgm:style>
+  </dgm:styleLbl>
+  <dgm:styleLbl name="parChTrans2D2">
+    <dgm:scene3d>
+      <a:camera prst="orthographicFront"/>
+      <a:lightRig rig="threePt" dir="t"/>
+    </dgm:scene3d>
+    <dgm:sp3d/>
+    <dgm:txPr/>
+    <dgm:style>
+      <a:lnRef idx="1">
+        <a:scrgbClr r="0" g="0" b="0"/>
+      </a:lnRef>
+      <a:fillRef idx="2">
+        <a:scrgbClr r="0" g="0" b="0"/>
+      </a:fillRef>
+      <a:effectRef idx="1">
+        <a:scrgbClr r="0" g="0" b="0"/>
+      </a:effectRef>
+      <a:fontRef idx="minor">
+        <a:schemeClr val="dk1"/>
+      </a:fontRef>
+    </dgm:style>
+  </dgm:styleLbl>
+  <dgm:styleLbl name="parChTrans2D3">
+    <dgm:scene3d>
+      <a:camera prst="orthographicFront"/>
+      <a:lightRig rig="threePt" dir="t"/>
+    </dgm:scene3d>
+    <dgm:sp3d/>
+    <dgm:txPr/>
+    <dgm:style>
+      <a:lnRef idx="1">
+        <a:scrgbClr r="0" g="0" b="0"/>
+      </a:lnRef>
+      <a:fillRef idx="2">
+        <a:scrgbClr r="0" g="0" b="0"/>
+      </a:fillRef>
+      <a:effectRef idx="1">
+        <a:scrgbClr r="0" g="0" b="0"/>
+      </a:effectRef>
+      <a:fontRef idx="minor">
+        <a:schemeClr val="dk1"/>
+      </a:fontRef>
+    </dgm:style>
+  </dgm:styleLbl>
+  <dgm:styleLbl name="parChTrans2D4">
+    <dgm:scene3d>
+      <a:camera prst="orthographicFront"/>
+      <a:lightRig rig="threePt" dir="t"/>
+    </dgm:scene3d>
+    <dgm:sp3d/>
+    <dgm:txPr/>
+    <dgm:style>
+      <a:lnRef idx="1">
+        <a:scrgbClr r="0" g="0" b="0"/>
+      </a:lnRef>
+      <a:fillRef idx="2">
+        <a:scrgbClr r="0" g="0" b="0"/>
+      </a:fillRef>
+      <a:effectRef idx="1">
+        <a:scrgbClr r="0" g="0" b="0"/>
+      </a:effectRef>
+      <a:fontRef idx="minor">
+        <a:schemeClr val="dk1"/>
+      </a:fontRef>
+    </dgm:style>
+  </dgm:styleLbl>
+  <dgm:styleLbl name="parChTrans1D1">
+    <dgm:scene3d>
+      <a:camera prst="orthographicFront"/>
+      <a:lightRig rig="threePt" dir="t"/>
+    </dgm:scene3d>
+    <dgm:sp3d/>
+    <dgm:txPr/>
+    <dgm:style>
+      <a:lnRef idx="2">
+        <a:scrgbClr r="0" g="0" b="0"/>
+      </a:lnRef>
+      <a:fillRef idx="0">
+        <a:scrgbClr r="0" g="0" b="0"/>
+      </a:fillRef>
+      <a:effectRef idx="0">
+        <a:scrgbClr r="0" g="0" b="0"/>
+      </a:effectRef>
+      <a:fontRef idx="minor"/>
+    </dgm:style>
+  </dgm:styleLbl>
+  <dgm:styleLbl name="parChTrans1D2">
+    <dgm:scene3d>
+      <a:camera prst="orthographicFront"/>
+      <a:lightRig rig="threePt" dir="t"/>
+    </dgm:scene3d>
+    <dgm:sp3d/>
+    <dgm:txPr/>
+    <dgm:style>
+      <a:lnRef idx="2">
+        <a:scrgbClr r="0" g="0" b="0"/>
+      </a:lnRef>
+      <a:fillRef idx="0">
+        <a:scrgbClr r="0" g="0" b="0"/>
+      </a:fillRef>
+      <a:effectRef idx="0">
+        <a:scrgbClr r="0" g="0" b="0"/>
+      </a:effectRef>
+      <a:fontRef idx="minor"/>
+    </dgm:style>
+  </dgm:styleLbl>
+  <dgm:styleLbl name="parChTrans1D3">
+    <dgm:scene3d>
+      <a:camera prst="orthographicFront"/>
+      <a:lightRig rig="threePt" dir="t"/>
+    </dgm:scene3d>
+    <dgm:sp3d/>
+    <dgm:txPr/>
+    <dgm:style>
+      <a:lnRef idx="2">
+        <a:scrgbClr r="0" g="0" b="0"/>
+      </a:lnRef>
+      <a:fillRef idx="0">
+        <a:scrgbClr r="0" g="0" b="0"/>
+      </a:fillRef>
+      <a:effectRef idx="0">
+        <a:scrgbClr r="0" g="0" b="0"/>
+      </a:effectRef>
+      <a:fontRef idx="minor"/>
+    </dgm:style>
+  </dgm:styleLbl>
+  <dgm:styleLbl name="parChTrans1D4">
+    <dgm:scene3d>
+      <a:camera prst="orthographicFront"/>
+      <a:lightRig rig="threePt" dir="t"/>
+    </dgm:scene3d>
+    <dgm:sp3d/>
+    <dgm:txPr/>
+    <dgm:style>
+      <a:lnRef idx="2">
+        <a:scrgbClr r="0" g="0" b="0"/>
+      </a:lnRef>
+      <a:fillRef idx="0">
+        <a:scrgbClr r="0" g="0" b="0"/>
+      </a:fillRef>
+      <a:effectRef idx="0">
+        <a:scrgbClr r="0" g="0" b="0"/>
+      </a:effectRef>
+      <a:fontRef idx="minor"/>
+    </dgm:style>
+  </dgm:styleLbl>
+  <dgm:styleLbl name="fgAcc1">
+    <dgm:scene3d>
+      <a:camera prst="orthographicFront"/>
+      <a:lightRig rig="threePt" dir="t"/>
+    </dgm:scene3d>
+    <dgm:sp3d/>
+    <dgm:txPr/>
+    <dgm:style>
+      <a:lnRef idx="1">
+        <a:scrgbClr r="0" g="0" b="0"/>
+      </a:lnRef>
+      <a:fillRef idx="1">
+        <a:scrgbClr r="0" g="0" b="0"/>
+      </a:fillRef>
+      <a:effectRef idx="0">
+        <a:scrgbClr r="0" g="0" b="0"/>
+      </a:effectRef>
+      <a:fontRef idx="minor"/>
+    </dgm:style>
+  </dgm:styleLbl>
+  <dgm:styleLbl name="conFgAcc1">
+    <dgm:scene3d>
+      <a:camera prst="orthographicFront"/>
+      <a:lightRig rig="threePt" dir="t"/>
+    </dgm:scene3d>
+    <dgm:sp3d/>
+    <dgm:txPr/>
+    <dgm:style>
+      <a:lnRef idx="1">
+        <a:scrgbClr r="0" g="0" b="0"/>
+      </a:lnRef>
+      <a:fillRef idx="1">
+        <a:scrgbClr r="0" g="0" b="0"/>
+      </a:fillRef>
+      <a:effectRef idx="0">
+        <a:scrgbClr r="0" g="0" b="0"/>
+      </a:effectRef>
+      <a:fontRef idx="minor"/>
+    </dgm:style>
+  </dgm:styleLbl>
+  <dgm:styleLbl name="alignAcc1">
+    <dgm:scene3d>
+      <a:camera prst="orthographicFront"/>
+      <a:lightRig rig="threePt" dir="t"/>
+    </dgm:scene3d>
+    <dgm:sp3d/>
+    <dgm:txPr/>
+    <dgm:style>
+      <a:lnRef idx="1">
+        <a:scrgbClr r="0" g="0" b="0"/>
+      </a:lnRef>
+      <a:fillRef idx="1">
+        <a:scrgbClr r="0" g="0" b="0"/>
+      </a:fillRef>
+      <a:effectRef idx="0">
+        <a:scrgbClr r="0" g="0" b="0"/>
+      </a:effectRef>
+      <a:fontRef idx="minor"/>
+    </dgm:style>
+  </dgm:styleLbl>
+  <dgm:styleLbl name="trAlignAcc1">
+    <dgm:scene3d>
+      <a:camera prst="orthographicFront"/>
+      <a:lightRig rig="threePt" dir="t"/>
+    </dgm:scene3d>
+    <dgm:sp3d/>
+    <dgm:txPr/>
+    <dgm:style>
+      <a:lnRef idx="1">
+        <a:scrgbClr r="0" g="0" b="0"/>
+      </a:lnRef>
+      <a:fillRef idx="1">
+        <a:scrgbClr r="0" g="0" b="0"/>
+      </a:fillRef>
+      <a:effectRef idx="0">
+        <a:scrgbClr r="0" g="0" b="0"/>
+      </a:effectRef>
+      <a:fontRef idx="minor"/>
+    </dgm:style>
+  </dgm:styleLbl>
+  <dgm:styleLbl name="bgAcc1">
+    <dgm:scene3d>
+      <a:camera prst="orthographicFront"/>
+      <a:lightRig rig="threePt" dir="t"/>
+    </dgm:scene3d>
+    <dgm:sp3d/>
+    <dgm:txPr/>
+    <dgm:style>
+      <a:lnRef idx="1">
+        <a:scrgbClr r="0" g="0" b="0"/>
+      </a:lnRef>
+      <a:fillRef idx="1">
+        <a:scrgbClr r="0" g="0" b="0"/>
+      </a:fillRef>
+      <a:effectRef idx="0">
+        <a:scrgbClr r="0" g="0" b="0"/>
+      </a:effectRef>
+      <a:fontRef idx="minor"/>
+    </dgm:style>
+  </dgm:styleLbl>
+  <dgm:styleLbl name="solidFgAcc1">
+    <dgm:scene3d>
+      <a:camera prst="orthographicFront"/>
+      <a:lightRig rig="threePt" dir="t"/>
+    </dgm:scene3d>
+    <dgm:sp3d/>
+    <dgm:txPr/>
+    <dgm:style>
+      <a:lnRef idx="1">
+        <a:scrgbClr r="0" g="0" b="0"/>
+      </a:lnRef>
+      <a:fillRef idx="2">
+        <a:scrgbClr r="0" g="0" b="0"/>
+      </a:fillRef>
+      <a:effectRef idx="0">
+        <a:scrgbClr r="0" g="0" b="0"/>
+      </a:effectRef>
+      <a:fontRef idx="minor"/>
+    </dgm:style>
+  </dgm:styleLbl>
+  <dgm:styleLbl name="solidAlignAcc1">
+    <dgm:scene3d>
+      <a:camera prst="orthographicFront"/>
+      <a:lightRig rig="threePt" dir="t"/>
+    </dgm:scene3d>
+    <dgm:sp3d/>
+    <dgm:txPr/>
+    <dgm:style>
+      <a:lnRef idx="1">
+        <a:scrgbClr r="0" g="0" b="0"/>
+      </a:lnRef>
+      <a:fillRef idx="1">
+        <a:scrgbClr r="0" g="0" b="0"/>
+      </a:fillRef>
+      <a:effectRef idx="0">
+        <a:scrgbClr r="0" g="0" b="0"/>
+      </a:effectRef>
+      <a:fontRef idx="minor"/>
+    </dgm:style>
+  </dgm:styleLbl>
+  <dgm:styleLbl name="solidBgAcc1">
+    <dgm:scene3d>
+      <a:camera prst="orthographicFront"/>
+      <a:lightRig rig="threePt" dir="t"/>
+    </dgm:scene3d>
+    <dgm:sp3d/>
+    <dgm:txPr/>
+    <dgm:style>
+      <a:lnRef idx="1">
+        <a:scrgbClr r="0" g="0" b="0"/>
+      </a:lnRef>
+      <a:fillRef idx="1">
+        <a:scrgbClr r="0" g="0" b="0"/>
+      </a:fillRef>
+      <a:effectRef idx="0">
+        <a:scrgbClr r="0" g="0" b="0"/>
+      </a:effectRef>
+      <a:fontRef idx="minor"/>
+    </dgm:style>
+  </dgm:styleLbl>
+  <dgm:styleLbl name="fgAccFollowNode1">
+    <dgm:scene3d>
+      <a:camera prst="orthographicFront"/>
+      <a:lightRig rig="threePt" dir="t"/>
+    </dgm:scene3d>
+    <dgm:sp3d/>
+    <dgm:txPr/>
+    <dgm:style>
+      <a:lnRef idx="1">
+        <a:scrgbClr r="0" g="0" b="0"/>
+      </a:lnRef>
+      <a:fillRef idx="1">
+        <a:scrgbClr r="0" g="0" b="0"/>
+      </a:fillRef>
+      <a:effectRef idx="0">
+        <a:scrgbClr r="0" g="0" b="0"/>
+      </a:effectRef>
+      <a:fontRef idx="minor"/>
+    </dgm:style>
+  </dgm:styleLbl>
+  <dgm:styleLbl name="alignAccFollowNode1">
+    <dgm:scene3d>
+      <a:camera prst="orthographicFront"/>
+      <a:lightRig rig="threePt" dir="t"/>
+    </dgm:scene3d>
+    <dgm:sp3d/>
+    <dgm:txPr/>
+    <dgm:style>
+      <a:lnRef idx="1">
+        <a:scrgbClr r="0" g="0" b="0"/>
+      </a:lnRef>
+      <a:fillRef idx="1">
+        <a:scrgbClr r="0" g="0" b="0"/>
+      </a:fillRef>
+      <a:effectRef idx="0">
+        <a:scrgbClr r="0" g="0" b="0"/>
+      </a:effectRef>
+      <a:fontRef idx="minor"/>
+    </dgm:style>
+  </dgm:styleLbl>
+  <dgm:styleLbl name="bgAccFollowNode1">
+    <dgm:scene3d>
+      <a:camera prst="orthographicFront"/>
+      <a:lightRig rig="threePt" dir="t"/>
+    </dgm:scene3d>
+    <dgm:sp3d/>
+    <dgm:txPr/>
+    <dgm:style>
+      <a:lnRef idx="1">
+        <a:scrgbClr r="0" g="0" b="0"/>
+      </a:lnRef>
+      <a:fillRef idx="1">
+        <a:scrgbClr r="0" g="0" b="0"/>
+      </a:fillRef>
+      <a:effectRef idx="0">
+        <a:scrgbClr r="0" g="0" b="0"/>
+      </a:effectRef>
+      <a:fontRef idx="minor"/>
+    </dgm:style>
+  </dgm:styleLbl>
+  <dgm:styleLbl name="fgAcc0">
+    <dgm:scene3d>
+      <a:camera prst="orthographicFront"/>
+      <a:lightRig rig="threePt" dir="t"/>
+    </dgm:scene3d>
+    <dgm:sp3d/>
+    <dgm:txPr/>
+    <dgm:style>
+      <a:lnRef idx="1">
+        <a:scrgbClr r="0" g="0" b="0"/>
+      </a:lnRef>
+      <a:fillRef idx="1">
+        <a:scrgbClr r="0" g="0" b="0"/>
+      </a:fillRef>
+      <a:effectRef idx="0">
+        <a:scrgbClr r="0" g="0" b="0"/>
+      </a:effectRef>
+      <a:fontRef idx="minor"/>
+    </dgm:style>
+  </dgm:styleLbl>
+  <dgm:styleLbl name="fgAcc2">
+    <dgm:scene3d>
+      <a:camera prst="orthographicFront"/>
+      <a:lightRig rig="threePt" dir="t"/>
+    </dgm:scene3d>
+    <dgm:sp3d/>
+    <dgm:txPr/>
+    <dgm:style>
+      <a:lnRef idx="1">
+        <a:scrgbClr r="0" g="0" b="0"/>
+      </a:lnRef>
+      <a:fillRef idx="1">
+        <a:scrgbClr r="0" g="0" b="0"/>
+      </a:fillRef>
+      <a:effectRef idx="0">
+        <a:scrgbClr r="0" g="0" b="0"/>
+      </a:effectRef>
+      <a:fontRef idx="minor"/>
+    </dgm:style>
+  </dgm:styleLbl>
+  <dgm:styleLbl name="fgAcc3">
+    <dgm:scene3d>
+      <a:camera prst="orthographicFront"/>
+      <a:lightRig rig="threePt" dir="t"/>
+    </dgm:scene3d>
+    <dgm:sp3d/>
+    <dgm:txPr/>
+    <dgm:style>
+      <a:lnRef idx="1">
+        <a:scrgbClr r="0" g="0" b="0"/>
+      </a:lnRef>
+      <a:fillRef idx="1">
+        <a:scrgbClr r="0" g="0" b="0"/>
+      </a:fillRef>
+      <a:effectRef idx="0">
+        <a:scrgbClr r="0" g="0" b="0"/>
+      </a:effectRef>
+      <a:fontRef idx="minor"/>
+    </dgm:style>
+  </dgm:styleLbl>
+  <dgm:styleLbl name="fgAcc4">
+    <dgm:scene3d>
+      <a:camera prst="orthographicFront"/>
+      <a:lightRig rig="threePt" dir="t"/>
+    </dgm:scene3d>
+    <dgm:sp3d/>
+    <dgm:txPr/>
+    <dgm:style>
+      <a:lnRef idx="1">
+        <a:scrgbClr r="0" g="0" b="0"/>
+      </a:lnRef>
+      <a:fillRef idx="1">
+        <a:scrgbClr r="0" g="0" b="0"/>
+      </a:fillRef>
+      <a:effectRef idx="0">
+        <a:scrgbClr r="0" g="0" b="0"/>
+      </a:effectRef>
+      <a:fontRef idx="minor"/>
+    </dgm:style>
+  </dgm:styleLbl>
+  <dgm:styleLbl name="bgShp">
+    <dgm:scene3d>
+      <a:camera prst="orthographicFront"/>
+      <a:lightRig rig="threePt" dir="t"/>
+    </dgm:scene3d>
+    <dgm:sp3d/>
+    <dgm:txPr/>
+    <dgm:style>
+      <a:lnRef idx="0">
+        <a:scrgbClr r="0" g="0" b="0"/>
+      </a:lnRef>
+      <a:fillRef idx="1">
+        <a:scrgbClr r="0" g="0" b="0"/>
+      </a:fillRef>
+      <a:effectRef idx="1">
+        <a:scrgbClr r="0" g="0" b="0"/>
+      </a:effectRef>
+      <a:fontRef idx="minor"/>
+    </dgm:style>
+  </dgm:styleLbl>
+  <dgm:styleLbl name="dkBgShp">
+    <dgm:scene3d>
+      <a:camera prst="orthographicFront"/>
+      <a:lightRig rig="threePt" dir="t"/>
+    </dgm:scene3d>
+    <dgm:sp3d/>
+    <dgm:txPr/>
+    <dgm:style>
+      <a:lnRef idx="0">
+        <a:scrgbClr r="0" g="0" b="0"/>
+      </a:lnRef>
+      <a:fillRef idx="1">
+        <a:scrgbClr r="0" g="0" b="0"/>
+      </a:fillRef>
+      <a:effectRef idx="1">
+        <a:scrgbClr r="0" g="0" b="0"/>
+      </a:effectRef>
+      <a:fontRef idx="minor"/>
+    </dgm:style>
+  </dgm:styleLbl>
+  <dgm:styleLbl name="trBgShp">
+    <dgm:scene3d>
+      <a:camera prst="orthographicFront"/>
+      <a:lightRig rig="threePt" dir="t"/>
+    </dgm:scene3d>
+    <dgm:sp3d/>
+    <dgm:txPr/>
+    <dgm:style>
+      <a:lnRef idx="0">
+        <a:scrgbClr r="0" g="0" b="0"/>
+      </a:lnRef>
+      <a:fillRef idx="1">
+        <a:scrgbClr r="0" g="0" b="0"/>
+      </a:fillRef>
+      <a:effectRef idx="0">
+        <a:scrgbClr r="0" g="0" b="0"/>
+      </a:effectRef>
+      <a:fontRef idx="minor"/>
+    </dgm:style>
+  </dgm:styleLbl>
+  <dgm:styleLbl name="fgShp">
+    <dgm:scene3d>
+      <a:camera prst="orthographicFront"/>
+      <a:lightRig rig="flat" dir="t"/>
+    </dgm:scene3d>
+    <dgm:sp3d prstMaterial="dkEdge">
+      <a:bevelT w="8200" h="38100"/>
+    </dgm:sp3d>
+    <dgm:txPr/>
+    <dgm:style>
+      <a:lnRef idx="1">
+        <a:scrgbClr r="0" g="0" b="0"/>
+      </a:lnRef>
+      <a:fillRef idx="2">
+        <a:scrgbClr r="0" g="0" b="0"/>
+      </a:fillRef>
+      <a:effectRef idx="1">
+        <a:scrgbClr r="0" g="0" b="0"/>
+      </a:effectRef>
+      <a:fontRef idx="minor"/>
+    </dgm:style>
+  </dgm:styleLbl>
+  <dgm:styleLbl name="revTx">
+    <dgm:scene3d>
+      <a:camera prst="orthographicFront"/>
+      <a:lightRig rig="threePt" dir="t"/>
+    </dgm:scene3d>
+    <dgm:sp3d/>
+    <dgm:txPr/>
+    <dgm:style>
+      <a:lnRef idx="0">
+        <a:scrgbClr r="0" g="0" b="0"/>
+      </a:lnRef>
+      <a:fillRef idx="0">
+        <a:scrgbClr r="0" g="0" b="0"/>
+      </a:fillRef>
+      <a:effectRef idx="0">
+        <a:scrgbClr r="0" g="0" b="0"/>
+      </a:effectRef>
+      <a:fontRef idx="minor"/>
+    </dgm:style>
+  </dgm:styleLbl>
+</dgm:styleDef>
+</file>
+
+<file path=ppt/diagrams/quickStyle2.xml><?xml version="1.0" encoding="utf-8"?>
+<dgm:styleDef xmlns:dgm="http://schemas.openxmlformats.org/drawingml/2006/diagram" xmlns:a="http://schemas.openxmlformats.org/drawingml/2006/main" uniqueId="urn:microsoft.com/office/officeart/2005/8/quickstyle/simple3">
+  <dgm:title val=""/>
+  <dgm:desc val=""/>
+  <dgm:catLst>
+    <dgm:cat type="simple" pri="10300"/>
+  </dgm:catLst>
+  <dgm:scene3d>
+    <a:camera prst="orthographicFront"/>
+    <a:lightRig rig="threePt" dir="t"/>
+  </dgm:scene3d>
+  <dgm:styleLbl name="node0">
+    <dgm:scene3d>
+      <a:camera prst="orthographicFront"/>
+      <a:lightRig rig="flat" dir="t"/>
+    </dgm:scene3d>
+    <dgm:sp3d prstMaterial="dkEdge">
+      <a:bevelT w="8200" h="38100"/>
+    </dgm:sp3d>
+    <dgm:txPr/>
+    <dgm:style>
+      <a:lnRef idx="0">
+        <a:scrgbClr r="0" g="0" b="0"/>
+      </a:lnRef>
+      <a:fillRef idx="2">
+        <a:scrgbClr r="0" g="0" b="0"/>
+      </a:fillRef>
+      <a:effectRef idx="1">
+        <a:scrgbClr r="0" g="0" b="0"/>
+      </a:effectRef>
+      <a:fontRef idx="minor">
+        <a:schemeClr val="dk1"/>
+      </a:fontRef>
+    </dgm:style>
+  </dgm:styleLbl>
+  <dgm:styleLbl name="lnNode1">
+    <dgm:scene3d>
+      <a:camera prst="orthographicFront"/>
+      <a:lightRig rig="flat" dir="t"/>
+    </dgm:scene3d>
+    <dgm:sp3d prstMaterial="dkEdge">
+      <a:bevelT w="8200" h="38100"/>
+    </dgm:sp3d>
+    <dgm:txPr/>
+    <dgm:style>
+      <a:lnRef idx="1">
+        <a:scrgbClr r="0" g="0" b="0"/>
+      </a:lnRef>
+      <a:fillRef idx="2">
+        <a:scrgbClr r="0" g="0" b="0"/>
+      </a:fillRef>
+      <a:effectRef idx="0">
+        <a:scrgbClr r="0" g="0" b="0"/>
+      </a:effectRef>
+      <a:fontRef idx="minor">
+        <a:schemeClr val="dk1"/>
+      </a:fontRef>
+    </dgm:style>
+  </dgm:styleLbl>
+  <dgm:styleLbl name="vennNode1">
+    <dgm:scene3d>
+      <a:camera prst="orthographicFront"/>
+      <a:lightRig rig="flat" dir="t"/>
+    </dgm:scene3d>
+    <dgm:sp3d prstMaterial="dkEdge">
+      <a:bevelT w="8200" h="38100"/>
+    </dgm:sp3d>
+    <dgm:txPr/>
+    <dgm:style>
+      <a:lnRef idx="0">
+        <a:scrgbClr r="0" g="0" b="0"/>
+      </a:lnRef>
+      <a:fillRef idx="2">
+        <a:scrgbClr r="0" g="0" b="0"/>
+      </a:fillRef>
+      <a:effectRef idx="0">
+        <a:scrgbClr r="0" g="0" b="0"/>
+      </a:effectRef>
+      <a:fontRef idx="minor">
+        <a:schemeClr val="tx1"/>
+      </a:fontRef>
+    </dgm:style>
+  </dgm:styleLbl>
+  <dgm:styleLbl name="alignNode1">
+    <dgm:scene3d>
+      <a:camera prst="orthographicFront"/>
+      <a:lightRig rig="threePt" dir="t"/>
+    </dgm:scene3d>
+    <dgm:sp3d/>
+    <dgm:txPr/>
+    <dgm:style>
+      <a:lnRef idx="1">
+        <a:scrgbClr r="0" g="0" b="0"/>
+      </a:lnRef>
+      <a:fillRef idx="2">
+        <a:scrgbClr r="0" g="0" b="0"/>
+      </a:fillRef>
+      <a:effectRef idx="1">
+        <a:scrgbClr r="0" g="0" b="0"/>
+      </a:effectRef>
+      <a:fontRef idx="minor">
+        <a:schemeClr val="dk1"/>
+      </a:fontRef>
+    </dgm:style>
+  </dgm:styleLbl>
+  <dgm:styleLbl name="node1">
+    <dgm:scene3d>
+      <a:camera prst="orthographicFront"/>
+      <a:lightRig rig="flat" dir="t"/>
+    </dgm:scene3d>
+    <dgm:sp3d prstMaterial="dkEdge">
+      <a:bevelT w="8200" h="38100"/>
+    </dgm:sp3d>
+    <dgm:txPr/>
+    <dgm:style>
+      <a:lnRef idx="0">
+        <a:scrgbClr r="0" g="0" b="0"/>
+      </a:lnRef>
+      <a:fillRef idx="2">
+        <a:scrgbClr r="0" g="0" b="0"/>
+      </a:fillRef>
+      <a:effectRef idx="1">
+        <a:scrgbClr r="0" g="0" b="0"/>
+      </a:effectRef>
+      <a:fontRef idx="minor">
+        <a:schemeClr val="dk1"/>
+      </a:fontRef>
+    </dgm:style>
+  </dgm:styleLbl>
+  <dgm:styleLbl name="node2">
+    <dgm:scene3d>
+      <a:camera prst="orthographicFront"/>
+      <a:lightRig rig="flat" dir="t"/>
+    </dgm:scene3d>
+    <dgm:sp3d prstMaterial="dkEdge">
+      <a:bevelT w="8200" h="38100"/>
+    </dgm:sp3d>
+    <dgm:txPr/>
+    <dgm:style>
+      <a:lnRef idx="0">
+        <a:scrgbClr r="0" g="0" b="0"/>
+      </a:lnRef>
+      <a:fillRef idx="2">
+        <a:scrgbClr r="0" g="0" b="0"/>
+      </a:fillRef>
+      <a:effectRef idx="1">
+        <a:scrgbClr r="0" g="0" b="0"/>
+      </a:effectRef>
+      <a:fontRef idx="minor">
+        <a:schemeClr val="dk1"/>
+      </a:fontRef>
+    </dgm:style>
+  </dgm:styleLbl>
+  <dgm:styleLbl name="node3">
+    <dgm:scene3d>
+      <a:camera prst="orthographicFront"/>
+      <a:lightRig rig="flat" dir="t"/>
+    </dgm:scene3d>
+    <dgm:sp3d prstMaterial="dkEdge">
+      <a:bevelT w="8200" h="38100"/>
+    </dgm:sp3d>
+    <dgm:txPr/>
+    <dgm:style>
+      <a:lnRef idx="0">
+        <a:scrgbClr r="0" g="0" b="0"/>
+      </a:lnRef>
+      <a:fillRef idx="2">
+        <a:scrgbClr r="0" g="0" b="0"/>
+      </a:fillRef>
+      <a:effectRef idx="1">
+        <a:scrgbClr r="0" g="0" b="0"/>
+      </a:effectRef>
+      <a:fontRef idx="minor">
+        <a:schemeClr val="dk1"/>
+      </a:fontRef>
+    </dgm:style>
+  </dgm:styleLbl>
+  <dgm:styleLbl name="node4">
+    <dgm:scene3d>
+      <a:camera prst="orthographicFront"/>
+      <a:lightRig rig="flat" dir="t"/>
+    </dgm:scene3d>
+    <dgm:sp3d prstMaterial="dkEdge">
+      <a:bevelT w="8200" h="38100"/>
+    </dgm:sp3d>
+    <dgm:txPr/>
+    <dgm:style>
+      <a:lnRef idx="0">
+        <a:scrgbClr r="0" g="0" b="0"/>
+      </a:lnRef>
+      <a:fillRef idx="2">
+        <a:scrgbClr r="0" g="0" b="0"/>
+      </a:fillRef>
+      <a:effectRef idx="1">
+        <a:scrgbClr r="0" g="0" b="0"/>
+      </a:effectRef>
+      <a:fontRef idx="minor">
+        <a:schemeClr val="dk1"/>
+      </a:fontRef>
+    </dgm:style>
+  </dgm:styleLbl>
+  <dgm:styleLbl name="fgImgPlace1">
+    <dgm:scene3d>
+      <a:camera prst="orthographicFront"/>
+      <a:lightRig rig="threePt" dir="t"/>
+    </dgm:scene3d>
+    <dgm:sp3d/>
+    <dgm:txPr/>
+    <dgm:style>
+      <a:lnRef idx="1">
+        <a:scrgbClr r="0" g="0" b="0"/>
+      </a:lnRef>
+      <a:fillRef idx="1">
+        <a:scrgbClr r="0" g="0" b="0"/>
+      </a:fillRef>
+      <a:effectRef idx="1">
+        <a:scrgbClr r="0" g="0" b="0"/>
+      </a:effectRef>
+      <a:fontRef idx="minor"/>
+    </dgm:style>
+  </dgm:styleLbl>
+  <dgm:styleLbl name="alignImgPlace1">
+    <dgm:scene3d>
+      <a:camera prst="orthographicFront"/>
+      <a:lightRig rig="threePt" dir="t"/>
+    </dgm:scene3d>
+    <dgm:sp3d/>
+    <dgm:txPr/>
+    <dgm:style>
+      <a:lnRef idx="1">
+        <a:scrgbClr r="0" g="0" b="0"/>
+      </a:lnRef>
+      <a:fillRef idx="1">
+        <a:scrgbClr r="0" g="0" b="0"/>
+      </a:fillRef>
+      <a:effectRef idx="1">
+        <a:scrgbClr r="0" g="0" b="0"/>
+      </a:effectRef>
+      <a:fontRef idx="minor"/>
+    </dgm:style>
+  </dgm:styleLbl>
+  <dgm:styleLbl name="bgImgPlace1">
+    <dgm:scene3d>
+      <a:camera prst="orthographicFront"/>
+      <a:lightRig rig="threePt" dir="t"/>
+    </dgm:scene3d>
+    <dgm:sp3d/>
+    <dgm:txPr/>
+    <dgm:style>
+      <a:lnRef idx="1">
+        <a:scrgbClr r="0" g="0" b="0"/>
+      </a:lnRef>
+      <a:fillRef idx="1">
+        <a:scrgbClr r="0" g="0" b="0"/>
+      </a:fillRef>
+      <a:effectRef idx="1">
+        <a:scrgbClr r="0" g="0" b="0"/>
+      </a:effectRef>
+      <a:fontRef idx="minor"/>
+    </dgm:style>
+  </dgm:styleLbl>
+  <dgm:styleLbl name="sibTrans2D1">
+    <dgm:scene3d>
+      <a:camera prst="orthographicFront"/>
+      <a:lightRig rig="threePt" dir="t"/>
+    </dgm:scene3d>
+    <dgm:sp3d/>
+    <dgm:txPr/>
+    <dgm:style>
+      <a:lnRef idx="0">
+        <a:scrgbClr r="0" g="0" b="0"/>
+      </a:lnRef>
+      <a:fillRef idx="2">
+        <a:scrgbClr r="0" g="0" b="0"/>
+      </a:fillRef>
+      <a:effectRef idx="1">
+        <a:scrgbClr r="0" g="0" b="0"/>
+      </a:effectRef>
+      <a:fontRef idx="minor">
+        <a:schemeClr val="dk1"/>
+      </a:fontRef>
+    </dgm:style>
+  </dgm:styleLbl>
+  <dgm:styleLbl name="fgSibTrans2D1">
+    <dgm:scene3d>
+      <a:camera prst="orthographicFront"/>
+      <a:lightRig rig="threePt" dir="t"/>
+    </dgm:scene3d>
+    <dgm:sp3d/>
+    <dgm:txPr/>
+    <dgm:style>
+      <a:lnRef idx="0">
+        <a:scrgbClr r="0" g="0" b="0"/>
+      </a:lnRef>
+      <a:fillRef idx="2">
+        <a:scrgbClr r="0" g="0" b="0"/>
+      </a:fillRef>
+      <a:effectRef idx="1">
+        <a:scrgbClr r="0" g="0" b="0"/>
+      </a:effectRef>
+      <a:fontRef idx="minor">
+        <a:schemeClr val="dk1"/>
+      </a:fontRef>
+    </dgm:style>
+  </dgm:styleLbl>
+  <dgm:styleLbl name="bgSibTrans2D1">
+    <dgm:scene3d>
+      <a:camera prst="orthographicFront"/>
+      <a:lightRig rig="threePt" dir="t"/>
+    </dgm:scene3d>
+    <dgm:sp3d/>
+    <dgm:txPr/>
+    <dgm:style>
+      <a:lnRef idx="0">
+        <a:scrgbClr r="0" g="0" b="0"/>
+      </a:lnRef>
+      <a:fillRef idx="2">
+        <a:scrgbClr r="0" g="0" b="0"/>
+      </a:fillRef>
+      <a:effectRef idx="1">
+        <a:scrgbClr r="0" g="0" b="0"/>
+      </a:effectRef>
+      <a:fontRef idx="minor">
+        <a:schemeClr val="dk1"/>
+      </a:fontRef>
+    </dgm:style>
+  </dgm:styleLbl>
+  <dgm:styleLbl name="sibTrans1D1">
+    <dgm:scene3d>
+      <a:camera prst="orthographicFront"/>
+      <a:lightRig rig="threePt" dir="t"/>
+    </dgm:scene3d>
+    <dgm:sp3d/>
+    <dgm:txPr/>
+    <dgm:style>
+      <a:lnRef idx="1">
+        <a:scrgbClr r="0" g="0" b="0"/>
+      </a:lnRef>
+      <a:fillRef idx="0">
+        <a:scrgbClr r="0" g="0" b="0"/>
+      </a:fillRef>
+      <a:effectRef idx="0">
+        <a:scrgbClr r="0" g="0" b="0"/>
+      </a:effectRef>
+      <a:fontRef idx="minor"/>
+    </dgm:style>
+  </dgm:styleLbl>
+  <dgm:styleLbl name="callout">
+    <dgm:scene3d>
+      <a:camera prst="orthographicFront"/>
+      <a:lightRig rig="threePt" dir="t"/>
+    </dgm:scene3d>
+    <dgm:sp3d/>
+    <dgm:txPr/>
+    <dgm:style>
+      <a:lnRef idx="1">
+        <a:scrgbClr r="0" g="0" b="0"/>
+      </a:lnRef>
+      <a:fillRef idx="2">
+        <a:scrgbClr r="0" g="0" b="0"/>
+      </a:fillRef>
+      <a:effectRef idx="1">
+        <a:scrgbClr r="0" g="0" b="0"/>
+      </a:effectRef>
+      <a:fontRef idx="minor"/>
+    </dgm:style>
+  </dgm:styleLbl>
+  <dgm:styleLbl name="asst0">
+    <dgm:scene3d>
+      <a:camera prst="orthographicFront"/>
+      <a:lightRig rig="flat" dir="t"/>
+    </dgm:scene3d>
+    <dgm:sp3d prstMaterial="dkEdge">
+      <a:bevelT w="8200" h="38100"/>
+    </dgm:sp3d>
+    <dgm:txPr/>
+    <dgm:style>
+      <a:lnRef idx="0">
+        <a:scrgbClr r="0" g="0" b="0"/>
+      </a:lnRef>
+      <a:fillRef idx="2">
+        <a:scrgbClr r="0" g="0" b="0"/>
+      </a:fillRef>
+      <a:effectRef idx="1">
+        <a:scrgbClr r="0" g="0" b="0"/>
+      </a:effectRef>
+      <a:fontRef idx="minor">
+        <a:schemeClr val="dk1"/>
+      </a:fontRef>
+    </dgm:style>
+  </dgm:styleLbl>
+  <dgm:styleLbl name="asst1">
+    <dgm:scene3d>
+      <a:camera prst="orthographicFront"/>
+      <a:lightRig rig="flat" dir="t"/>
+    </dgm:scene3d>
+    <dgm:sp3d prstMaterial="dkEdge">
+      <a:bevelT w="8200" h="38100"/>
+    </dgm:sp3d>
+    <dgm:txPr/>
+    <dgm:style>
+      <a:lnRef idx="0">
+        <a:scrgbClr r="0" g="0" b="0"/>
+      </a:lnRef>
+      <a:fillRef idx="2">
+        <a:scrgbClr r="0" g="0" b="0"/>
+      </a:fillRef>
+      <a:effectRef idx="1">
+        <a:scrgbClr r="0" g="0" b="0"/>
+      </a:effectRef>
+      <a:fontRef idx="minor">
+        <a:schemeClr val="dk1"/>
+      </a:fontRef>
+    </dgm:style>
+  </dgm:styleLbl>
+  <dgm:styleLbl name="asst2">
+    <dgm:scene3d>
+      <a:camera prst="orthographicFront"/>
+      <a:lightRig rig="flat" dir="t"/>
+    </dgm:scene3d>
+    <dgm:sp3d prstMaterial="dkEdge">
+      <a:bevelT w="8200" h="38100"/>
+    </dgm:sp3d>
+    <dgm:txPr/>
+    <dgm:style>
+      <a:lnRef idx="0">
+        <a:scrgbClr r="0" g="0" b="0"/>
+      </a:lnRef>
+      <a:fillRef idx="2">
+        <a:scrgbClr r="0" g="0" b="0"/>
+      </a:fillRef>
+      <a:effectRef idx="1">
+        <a:scrgbClr r="0" g="0" b="0"/>
+      </a:effectRef>
+      <a:fontRef idx="minor">
+        <a:schemeClr val="dk1"/>
+      </a:fontRef>
+    </dgm:style>
+  </dgm:styleLbl>
+  <dgm:styleLbl name="asst3">
+    <dgm:scene3d>
+      <a:camera prst="orthographicFront"/>
+      <a:lightRig rig="flat" dir="t"/>
+    </dgm:scene3d>
+    <dgm:sp3d prstMaterial="dkEdge">
+      <a:bevelT w="8200" h="38100"/>
+    </dgm:sp3d>
+    <dgm:txPr/>
+    <dgm:style>
+      <a:lnRef idx="0">
+        <a:scrgbClr r="0" g="0" b="0"/>
+      </a:lnRef>
+      <a:fillRef idx="2">
+        <a:scrgbClr r="0" g="0" b="0"/>
+      </a:fillRef>
+      <a:effectRef idx="1">
+        <a:scrgbClr r="0" g="0" b="0"/>
+      </a:effectRef>
+      <a:fontRef idx="minor">
+        <a:schemeClr val="dk1"/>
+      </a:fontRef>
+    </dgm:style>
+  </dgm:styleLbl>
+  <dgm:styleLbl name="asst4">
+    <dgm:scene3d>
+      <a:camera prst="orthographicFront"/>
+      <a:lightRig rig="flat" dir="t"/>
+    </dgm:scene3d>
+    <dgm:sp3d prstMaterial="dkEdge">
+      <a:bevelT w="8200" h="38100"/>
+    </dgm:sp3d>
+    <dgm:txPr/>
+    <dgm:style>
+      <a:lnRef idx="0">
+        <a:scrgbClr r="0" g="0" b="0"/>
+      </a:lnRef>
+      <a:fillRef idx="2">
+        <a:scrgbClr r="0" g="0" b="0"/>
+      </a:fillRef>
+      <a:effectRef idx="1">
+        <a:scrgbClr r="0" g="0" b="0"/>
+      </a:effectRef>
+      <a:fontRef idx="minor">
+        <a:schemeClr val="dk1"/>
+      </a:fontRef>
+    </dgm:style>
+  </dgm:styleLbl>
+  <dgm:styleLbl name="parChTrans2D1">
+    <dgm:scene3d>
+      <a:camera prst="orthographicFront"/>
+      <a:lightRig rig="threePt" dir="t"/>
+    </dgm:scene3d>
+    <dgm:sp3d/>
+    <dgm:txPr/>
+    <dgm:style>
+      <a:lnRef idx="1">
+        <a:scrgbClr r="0" g="0" b="0"/>
+      </a:lnRef>
+      <a:fillRef idx="2">
+        <a:scrgbClr r="0" g="0" b="0"/>
+      </a:fillRef>
+      <a:effectRef idx="1">
+        <a:scrgbClr r="0" g="0" b="0"/>
+      </a:effectRef>
+      <a:fontRef idx="minor">
+        <a:schemeClr val="dk1"/>
+      </a:fontRef>
+    </dgm:style>
+  </dgm:styleLbl>
+  <dgm:styleLbl name="parChTrans2D2">
+    <dgm:scene3d>
+      <a:camera prst="orthographicFront"/>
+      <a:lightRig rig="threePt" dir="t"/>
+    </dgm:scene3d>
+    <dgm:sp3d/>
+    <dgm:txPr/>
+    <dgm:style>
+      <a:lnRef idx="1">
+        <a:scrgbClr r="0" g="0" b="0"/>
+      </a:lnRef>
+      <a:fillRef idx="2">
+        <a:scrgbClr r="0" g="0" b="0"/>
+      </a:fillRef>
+      <a:effectRef idx="1">
+        <a:scrgbClr r="0" g="0" b="0"/>
+      </a:effectRef>
+      <a:fontRef idx="minor">
+        <a:schemeClr val="dk1"/>
+      </a:fontRef>
+    </dgm:style>
+  </dgm:styleLbl>
+  <dgm:styleLbl name="parChTrans2D3">
+    <dgm:scene3d>
+      <a:camera prst="orthographicFront"/>
+      <a:lightRig rig="threePt" dir="t"/>
+    </dgm:scene3d>
+    <dgm:sp3d/>
+    <dgm:txPr/>
+    <dgm:style>
+      <a:lnRef idx="1">
+        <a:scrgbClr r="0" g="0" b="0"/>
+      </a:lnRef>
+      <a:fillRef idx="2">
+        <a:scrgbClr r="0" g="0" b="0"/>
+      </a:fillRef>
+      <a:effectRef idx="1">
+        <a:scrgbClr r="0" g="0" b="0"/>
+      </a:effectRef>
+      <a:fontRef idx="minor">
+        <a:schemeClr val="dk1"/>
+      </a:fontRef>
+    </dgm:style>
+  </dgm:styleLbl>
+  <dgm:styleLbl name="parChTrans2D4">
+    <dgm:scene3d>
+      <a:camera prst="orthographicFront"/>
+      <a:lightRig rig="threePt" dir="t"/>
+    </dgm:scene3d>
+    <dgm:sp3d/>
+    <dgm:txPr/>
+    <dgm:style>
+      <a:lnRef idx="1">
+        <a:scrgbClr r="0" g="0" b="0"/>
+      </a:lnRef>
+      <a:fillRef idx="2">
+        <a:scrgbClr r="0" g="0" b="0"/>
+      </a:fillRef>
+      <a:effectRef idx="1">
+        <a:scrgbClr r="0" g="0" b="0"/>
+      </a:effectRef>
+      <a:fontRef idx="minor">
+        <a:schemeClr val="dk1"/>
+      </a:fontRef>
+    </dgm:style>
+  </dgm:styleLbl>
+  <dgm:styleLbl name="parChTrans1D1">
+    <dgm:scene3d>
+      <a:camera prst="orthographicFront"/>
+      <a:lightRig rig="threePt" dir="t"/>
+    </dgm:scene3d>
+    <dgm:sp3d/>
+    <dgm:txPr/>
+    <dgm:style>
+      <a:lnRef idx="2">
+        <a:scrgbClr r="0" g="0" b="0"/>
+      </a:lnRef>
+      <a:fillRef idx="0">
+        <a:scrgbClr r="0" g="0" b="0"/>
+      </a:fillRef>
+      <a:effectRef idx="0">
+        <a:scrgbClr r="0" g="0" b="0"/>
+      </a:effectRef>
+      <a:fontRef idx="minor"/>
+    </dgm:style>
+  </dgm:styleLbl>
+  <dgm:styleLbl name="parChTrans1D2">
+    <dgm:scene3d>
+      <a:camera prst="orthographicFront"/>
+      <a:lightRig rig="threePt" dir="t"/>
+    </dgm:scene3d>
+    <dgm:sp3d/>
+    <dgm:txPr/>
+    <dgm:style>
+      <a:lnRef idx="2">
+        <a:scrgbClr r="0" g="0" b="0"/>
+      </a:lnRef>
+      <a:fillRef idx="0">
+        <a:scrgbClr r="0" g="0" b="0"/>
+      </a:fillRef>
+      <a:effectRef idx="0">
+        <a:scrgbClr r="0" g="0" b="0"/>
+      </a:effectRef>
+      <a:fontRef idx="minor"/>
+    </dgm:style>
+  </dgm:styleLbl>
+  <dgm:styleLbl name="parChTrans1D3">
+    <dgm:scene3d>
+      <a:camera prst="orthographicFront"/>
+      <a:lightRig rig="threePt" dir="t"/>
+    </dgm:scene3d>
+    <dgm:sp3d/>
+    <dgm:txPr/>
+    <dgm:style>
+      <a:lnRef idx="2">
+        <a:scrgbClr r="0" g="0" b="0"/>
+      </a:lnRef>
+      <a:fillRef idx="0">
+        <a:scrgbClr r="0" g="0" b="0"/>
+      </a:fillRef>
+      <a:effectRef idx="0">
+        <a:scrgbClr r="0" g="0" b="0"/>
+      </a:effectRef>
+      <a:fontRef idx="minor"/>
+    </dgm:style>
+  </dgm:styleLbl>
+  <dgm:styleLbl name="parChTrans1D4">
+    <dgm:scene3d>
+      <a:camera prst="orthographicFront"/>
+      <a:lightRig rig="threePt" dir="t"/>
+    </dgm:scene3d>
+    <dgm:sp3d/>
+    <dgm:txPr/>
+    <dgm:style>
+      <a:lnRef idx="2">
+        <a:scrgbClr r="0" g="0" b="0"/>
+      </a:lnRef>
+      <a:fillRef idx="0">
+        <a:scrgbClr r="0" g="0" b="0"/>
+      </a:fillRef>
+      <a:effectRef idx="0">
+        <a:scrgbClr r="0" g="0" b="0"/>
+      </a:effectRef>
+      <a:fontRef idx="minor"/>
+    </dgm:style>
+  </dgm:styleLbl>
+  <dgm:styleLbl name="fgAcc1">
+    <dgm:scene3d>
+      <a:camera prst="orthographicFront"/>
+      <a:lightRig rig="threePt" dir="t"/>
+    </dgm:scene3d>
+    <dgm:sp3d/>
+    <dgm:txPr/>
+    <dgm:style>
+      <a:lnRef idx="1">
+        <a:scrgbClr r="0" g="0" b="0"/>
+      </a:lnRef>
+      <a:fillRef idx="1">
+        <a:scrgbClr r="0" g="0" b="0"/>
+      </a:fillRef>
+      <a:effectRef idx="0">
+        <a:scrgbClr r="0" g="0" b="0"/>
+      </a:effectRef>
+      <a:fontRef idx="minor"/>
+    </dgm:style>
+  </dgm:styleLbl>
+  <dgm:styleLbl name="conFgAcc1">
+    <dgm:scene3d>
+      <a:camera prst="orthographicFront"/>
+      <a:lightRig rig="threePt" dir="t"/>
+    </dgm:scene3d>
+    <dgm:sp3d/>
+    <dgm:txPr/>
+    <dgm:style>
+      <a:lnRef idx="1">
+        <a:scrgbClr r="0" g="0" b="0"/>
+      </a:lnRef>
+      <a:fillRef idx="1">
+        <a:scrgbClr r="0" g="0" b="0"/>
+      </a:fillRef>
+      <a:effectRef idx="0">
+        <a:scrgbClr r="0" g="0" b="0"/>
+      </a:effectRef>
+      <a:fontRef idx="minor"/>
+    </dgm:style>
+  </dgm:styleLbl>
+  <dgm:styleLbl name="alignAcc1">
+    <dgm:scene3d>
+      <a:camera prst="orthographicFront"/>
+      <a:lightRig rig="threePt" dir="t"/>
+    </dgm:scene3d>
+    <dgm:sp3d/>
+    <dgm:txPr/>
+    <dgm:style>
+      <a:lnRef idx="1">
+        <a:scrgbClr r="0" g="0" b="0"/>
+      </a:lnRef>
+      <a:fillRef idx="1">
+        <a:scrgbClr r="0" g="0" b="0"/>
+      </a:fillRef>
+      <a:effectRef idx="0">
+        <a:scrgbClr r="0" g="0" b="0"/>
+      </a:effectRef>
+      <a:fontRef idx="minor"/>
+    </dgm:style>
+  </dgm:styleLbl>
+  <dgm:styleLbl name="trAlignAcc1">
+    <dgm:scene3d>
+      <a:camera prst="orthographicFront"/>
+      <a:lightRig rig="threePt" dir="t"/>
+    </dgm:scene3d>
+    <dgm:sp3d/>
+    <dgm:txPr/>
+    <dgm:style>
+      <a:lnRef idx="1">
+        <a:scrgbClr r="0" g="0" b="0"/>
+      </a:lnRef>
+      <a:fillRef idx="1">
+        <a:scrgbClr r="0" g="0" b="0"/>
+      </a:fillRef>
+      <a:effectRef idx="0">
+        <a:scrgbClr r="0" g="0" b="0"/>
+      </a:effectRef>
+      <a:fontRef idx="minor"/>
+    </dgm:style>
+  </dgm:styleLbl>
+  <dgm:styleLbl name="bgAcc1">
+    <dgm:scene3d>
+      <a:camera prst="orthographicFront"/>
+      <a:lightRig rig="threePt" dir="t"/>
+    </dgm:scene3d>
+    <dgm:sp3d/>
+    <dgm:txPr/>
+    <dgm:style>
+      <a:lnRef idx="1">
+        <a:scrgbClr r="0" g="0" b="0"/>
+      </a:lnRef>
+      <a:fillRef idx="1">
+        <a:scrgbClr r="0" g="0" b="0"/>
+      </a:fillRef>
+      <a:effectRef idx="0">
+        <a:scrgbClr r="0" g="0" b="0"/>
+      </a:effectRef>
+      <a:fontRef idx="minor"/>
+    </dgm:style>
+  </dgm:styleLbl>
+  <dgm:styleLbl name="solidFgAcc1">
+    <dgm:scene3d>
+      <a:camera prst="orthographicFront"/>
+      <a:lightRig rig="threePt" dir="t"/>
+    </dgm:scene3d>
+    <dgm:sp3d/>
+    <dgm:txPr/>
+    <dgm:style>
+      <a:lnRef idx="1">
+        <a:scrgbClr r="0" g="0" b="0"/>
+      </a:lnRef>
+      <a:fillRef idx="2">
+        <a:scrgbClr r="0" g="0" b="0"/>
+      </a:fillRef>
+      <a:effectRef idx="0">
+        <a:scrgbClr r="0" g="0" b="0"/>
+      </a:effectRef>
+      <a:fontRef idx="minor"/>
+    </dgm:style>
+  </dgm:styleLbl>
+  <dgm:styleLbl name="solidAlignAcc1">
+    <dgm:scene3d>
+      <a:camera prst="orthographicFront"/>
+      <a:lightRig rig="threePt" dir="t"/>
+    </dgm:scene3d>
+    <dgm:sp3d/>
+    <dgm:txPr/>
+    <dgm:style>
+      <a:lnRef idx="1">
+        <a:scrgbClr r="0" g="0" b="0"/>
+      </a:lnRef>
+      <a:fillRef idx="1">
+        <a:scrgbClr r="0" g="0" b="0"/>
+      </a:fillRef>
+      <a:effectRef idx="0">
+        <a:scrgbClr r="0" g="0" b="0"/>
+      </a:effectRef>
+      <a:fontRef idx="minor"/>
+    </dgm:style>
+  </dgm:styleLbl>
+  <dgm:styleLbl name="solidBgAcc1">
+    <dgm:scene3d>
+      <a:camera prst="orthographicFront"/>
+      <a:lightRig rig="threePt" dir="t"/>
+    </dgm:scene3d>
+    <dgm:sp3d/>
+    <dgm:txPr/>
+    <dgm:style>
+      <a:lnRef idx="1">
+        <a:scrgbClr r="0" g="0" b="0"/>
+      </a:lnRef>
+      <a:fillRef idx="1">
+        <a:scrgbClr r="0" g="0" b="0"/>
+      </a:fillRef>
+      <a:effectRef idx="0">
+        <a:scrgbClr r="0" g="0" b="0"/>
+      </a:effectRef>
+      <a:fontRef idx="minor"/>
+    </dgm:style>
+  </dgm:styleLbl>
+  <dgm:styleLbl name="fgAccFollowNode1">
+    <dgm:scene3d>
+      <a:camera prst="orthographicFront"/>
+      <a:lightRig rig="threePt" dir="t"/>
+    </dgm:scene3d>
+    <dgm:sp3d/>
+    <dgm:txPr/>
+    <dgm:style>
+      <a:lnRef idx="1">
+        <a:scrgbClr r="0" g="0" b="0"/>
+      </a:lnRef>
+      <a:fillRef idx="1">
+        <a:scrgbClr r="0" g="0" b="0"/>
+      </a:fillRef>
+      <a:effectRef idx="0">
+        <a:scrgbClr r="0" g="0" b="0"/>
+      </a:effectRef>
+      <a:fontRef idx="minor"/>
+    </dgm:style>
+  </dgm:styleLbl>
+  <dgm:styleLbl name="alignAccFollowNode1">
+    <dgm:scene3d>
+      <a:camera prst="orthographicFront"/>
+      <a:lightRig rig="threePt" dir="t"/>
+    </dgm:scene3d>
+    <dgm:sp3d/>
+    <dgm:txPr/>
+    <dgm:style>
+      <a:lnRef idx="1">
+        <a:scrgbClr r="0" g="0" b="0"/>
+      </a:lnRef>
+      <a:fillRef idx="1">
+        <a:scrgbClr r="0" g="0" b="0"/>
+      </a:fillRef>
+      <a:effectRef idx="0">
+        <a:scrgbClr r="0" g="0" b="0"/>
+      </a:effectRef>
+      <a:fontRef idx="minor"/>
+    </dgm:style>
+  </dgm:styleLbl>
+  <dgm:styleLbl name="bgAccFollowNode1">
+    <dgm:scene3d>
+      <a:camera prst="orthographicFront"/>
+      <a:lightRig rig="threePt" dir="t"/>
+    </dgm:scene3d>
+    <dgm:sp3d/>
+    <dgm:txPr/>
+    <dgm:style>
+      <a:lnRef idx="1">
+        <a:scrgbClr r="0" g="0" b="0"/>
+      </a:lnRef>
+      <a:fillRef idx="1">
+        <a:scrgbClr r="0" g="0" b="0"/>
+      </a:fillRef>
+      <a:effectRef idx="0">
+        <a:scrgbClr r="0" g="0" b="0"/>
+      </a:effectRef>
+      <a:fontRef idx="minor"/>
+    </dgm:style>
+  </dgm:styleLbl>
+  <dgm:styleLbl name="fgAcc0">
+    <dgm:scene3d>
+      <a:camera prst="orthographicFront"/>
+      <a:lightRig rig="threePt" dir="t"/>
+    </dgm:scene3d>
+    <dgm:sp3d/>
+    <dgm:txPr/>
+    <dgm:style>
+      <a:lnRef idx="1">
+        <a:scrgbClr r="0" g="0" b="0"/>
+      </a:lnRef>
+      <a:fillRef idx="1">
+        <a:scrgbClr r="0" g="0" b="0"/>
+      </a:fillRef>
+      <a:effectRef idx="0">
+        <a:scrgbClr r="0" g="0" b="0"/>
+      </a:effectRef>
+      <a:fontRef idx="minor"/>
+    </dgm:style>
+  </dgm:styleLbl>
+  <dgm:styleLbl name="fgAcc2">
+    <dgm:scene3d>
+      <a:camera prst="orthographicFront"/>
+      <a:lightRig rig="threePt" dir="t"/>
+    </dgm:scene3d>
+    <dgm:sp3d/>
+    <dgm:txPr/>
+    <dgm:style>
+      <a:lnRef idx="1">
+        <a:scrgbClr r="0" g="0" b="0"/>
+      </a:lnRef>
+      <a:fillRef idx="1">
+        <a:scrgbClr r="0" g="0" b="0"/>
+      </a:fillRef>
+      <a:effectRef idx="0">
+        <a:scrgbClr r="0" g="0" b="0"/>
+      </a:effectRef>
+      <a:fontRef idx="minor"/>
+    </dgm:style>
+  </dgm:styleLbl>
+  <dgm:styleLbl name="fgAcc3">
+    <dgm:scene3d>
+      <a:camera prst="orthographicFront"/>
+      <a:lightRig rig="threePt" dir="t"/>
+    </dgm:scene3d>
+    <dgm:sp3d/>
+    <dgm:txPr/>
+    <dgm:style>
+      <a:lnRef idx="1">
+        <a:scrgbClr r="0" g="0" b="0"/>
+      </a:lnRef>
+      <a:fillRef idx="1">
+        <a:scrgbClr r="0" g="0" b="0"/>
+      </a:fillRef>
+      <a:effectRef idx="0">
+        <a:scrgbClr r="0" g="0" b="0"/>
+      </a:effectRef>
+      <a:fontRef idx="minor"/>
+    </dgm:style>
+  </dgm:styleLbl>
+  <dgm:styleLbl name="fgAcc4">
+    <dgm:scene3d>
+      <a:camera prst="orthographicFront"/>
+      <a:lightRig rig="threePt" dir="t"/>
+    </dgm:scene3d>
+    <dgm:sp3d/>
+    <dgm:txPr/>
+    <dgm:style>
+      <a:lnRef idx="1">
+        <a:scrgbClr r="0" g="0" b="0"/>
+      </a:lnRef>
+      <a:fillRef idx="1">
+        <a:scrgbClr r="0" g="0" b="0"/>
+      </a:fillRef>
+      <a:effectRef idx="0">
+        <a:scrgbClr r="0" g="0" b="0"/>
+      </a:effectRef>
+      <a:fontRef idx="minor"/>
+    </dgm:style>
+  </dgm:styleLbl>
+  <dgm:styleLbl name="bgShp">
+    <dgm:scene3d>
+      <a:camera prst="orthographicFront"/>
+      <a:lightRig rig="threePt" dir="t"/>
+    </dgm:scene3d>
+    <dgm:sp3d/>
+    <dgm:txPr/>
+    <dgm:style>
+      <a:lnRef idx="0">
+        <a:scrgbClr r="0" g="0" b="0"/>
+      </a:lnRef>
+      <a:fillRef idx="1">
+        <a:scrgbClr r="0" g="0" b="0"/>
+      </a:fillRef>
+      <a:effectRef idx="1">
+        <a:scrgbClr r="0" g="0" b="0"/>
+      </a:effectRef>
+      <a:fontRef idx="minor"/>
+    </dgm:style>
+  </dgm:styleLbl>
+  <dgm:styleLbl name="dkBgShp">
+    <dgm:scene3d>
+      <a:camera prst="orthographicFront"/>
+      <a:lightRig rig="threePt" dir="t"/>
+    </dgm:scene3d>
+    <dgm:sp3d/>
+    <dgm:txPr/>
+    <dgm:style>
+      <a:lnRef idx="0">
+        <a:scrgbClr r="0" g="0" b="0"/>
+      </a:lnRef>
+      <a:fillRef idx="1">
+        <a:scrgbClr r="0" g="0" b="0"/>
+      </a:fillRef>
+      <a:effectRef idx="1">
+        <a:scrgbClr r="0" g="0" b="0"/>
+      </a:effectRef>
+      <a:fontRef idx="minor"/>
+    </dgm:style>
+  </dgm:styleLbl>
+  <dgm:styleLbl name="trBgShp">
+    <dgm:scene3d>
+      <a:camera prst="orthographicFront"/>
+      <a:lightRig rig="threePt" dir="t"/>
+    </dgm:scene3d>
+    <dgm:sp3d/>
+    <dgm:txPr/>
+    <dgm:style>
+      <a:lnRef idx="0">
+        <a:scrgbClr r="0" g="0" b="0"/>
+      </a:lnRef>
+      <a:fillRef idx="1">
+        <a:scrgbClr r="0" g="0" b="0"/>
+      </a:fillRef>
+      <a:effectRef idx="0">
+        <a:scrgbClr r="0" g="0" b="0"/>
+      </a:effectRef>
+      <a:fontRef idx="minor"/>
+    </dgm:style>
+  </dgm:styleLbl>
+  <dgm:styleLbl name="fgShp">
+    <dgm:scene3d>
+      <a:camera prst="orthographicFront"/>
+      <a:lightRig rig="flat" dir="t"/>
+    </dgm:scene3d>
+    <dgm:sp3d prstMaterial="dkEdge">
+      <a:bevelT w="8200" h="38100"/>
+    </dgm:sp3d>
+    <dgm:txPr/>
+    <dgm:style>
+      <a:lnRef idx="1">
+        <a:scrgbClr r="0" g="0" b="0"/>
+      </a:lnRef>
+      <a:fillRef idx="2">
+        <a:scrgbClr r="0" g="0" b="0"/>
+      </a:fillRef>
+      <a:effectRef idx="1">
+        <a:scrgbClr r="0" g="0" b="0"/>
+      </a:effectRef>
+      <a:fontRef idx="minor"/>
+    </dgm:style>
+  </dgm:styleLbl>
+  <dgm:styleLbl name="revTx">
+    <dgm:scene3d>
+      <a:camera prst="orthographicFront"/>
+      <a:lightRig rig="threePt" dir="t"/>
+    </dgm:scene3d>
+    <dgm:sp3d/>
+    <dgm:txPr/>
+    <dgm:style>
+      <a:lnRef idx="0">
+        <a:scrgbClr r="0" g="0" b="0"/>
+      </a:lnRef>
+      <a:fillRef idx="0">
+        <a:scrgbClr r="0" g="0" b="0"/>
+      </a:fillRef>
+      <a:effectRef idx="0">
+        <a:scrgbClr r="0" g="0" b="0"/>
+      </a:effectRef>
+      <a:fontRef idx="minor"/>
+    </dgm:style>
+  </dgm:styleLbl>
+</dgm:styleDef>
 </file>
 
 <file path=ppt/slideLayouts/slideLayout1.xml><?xml version="1.0" encoding="utf-8"?>
@@ -259,7 +7364,7 @@
           <a:p>
             <a:fld id="{05B54FE6-24C6-4DC4-9635-88231CF56E65}" type="datetimeFigureOut">
               <a:rPr lang="zh-TW" altLang="en-US" smtClean="0"/>
-              <a:t>2024/3/7</a:t>
+              <a:t>2024/3/14</a:t>
             </a:fld>
             <a:endParaRPr lang="zh-TW" altLang="en-US"/>
           </a:p>
@@ -457,7 +7562,7 @@
           <a:p>
             <a:fld id="{05B54FE6-24C6-4DC4-9635-88231CF56E65}" type="datetimeFigureOut">
               <a:rPr lang="zh-TW" altLang="en-US" smtClean="0"/>
-              <a:t>2024/3/7</a:t>
+              <a:t>2024/3/14</a:t>
             </a:fld>
             <a:endParaRPr lang="zh-TW" altLang="en-US"/>
           </a:p>
@@ -665,7 +7770,7 @@
           <a:p>
             <a:fld id="{05B54FE6-24C6-4DC4-9635-88231CF56E65}" type="datetimeFigureOut">
               <a:rPr lang="zh-TW" altLang="en-US" smtClean="0"/>
-              <a:t>2024/3/7</a:t>
+              <a:t>2024/3/14</a:t>
             </a:fld>
             <a:endParaRPr lang="zh-TW" altLang="en-US"/>
           </a:p>
@@ -863,7 +7968,7 @@
           <a:p>
             <a:fld id="{05B54FE6-24C6-4DC4-9635-88231CF56E65}" type="datetimeFigureOut">
               <a:rPr lang="zh-TW" altLang="en-US" smtClean="0"/>
-              <a:t>2024/3/7</a:t>
+              <a:t>2024/3/14</a:t>
             </a:fld>
             <a:endParaRPr lang="zh-TW" altLang="en-US"/>
           </a:p>
@@ -1138,7 +8243,7 @@
           <a:p>
             <a:fld id="{05B54FE6-24C6-4DC4-9635-88231CF56E65}" type="datetimeFigureOut">
               <a:rPr lang="zh-TW" altLang="en-US" smtClean="0"/>
-              <a:t>2024/3/7</a:t>
+              <a:t>2024/3/14</a:t>
             </a:fld>
             <a:endParaRPr lang="zh-TW" altLang="en-US"/>
           </a:p>
@@ -1403,7 +8508,7 @@
           <a:p>
             <a:fld id="{05B54FE6-24C6-4DC4-9635-88231CF56E65}" type="datetimeFigureOut">
               <a:rPr lang="zh-TW" altLang="en-US" smtClean="0"/>
-              <a:t>2024/3/7</a:t>
+              <a:t>2024/3/14</a:t>
             </a:fld>
             <a:endParaRPr lang="zh-TW" altLang="en-US"/>
           </a:p>
@@ -1815,7 +8920,7 @@
           <a:p>
             <a:fld id="{05B54FE6-24C6-4DC4-9635-88231CF56E65}" type="datetimeFigureOut">
               <a:rPr lang="zh-TW" altLang="en-US" smtClean="0"/>
-              <a:t>2024/3/7</a:t>
+              <a:t>2024/3/14</a:t>
             </a:fld>
             <a:endParaRPr lang="zh-TW" altLang="en-US"/>
           </a:p>
@@ -1956,7 +9061,7 @@
           <a:p>
             <a:fld id="{05B54FE6-24C6-4DC4-9635-88231CF56E65}" type="datetimeFigureOut">
               <a:rPr lang="zh-TW" altLang="en-US" smtClean="0"/>
-              <a:t>2024/3/7</a:t>
+              <a:t>2024/3/14</a:t>
             </a:fld>
             <a:endParaRPr lang="zh-TW" altLang="en-US"/>
           </a:p>
@@ -2069,7 +9174,7 @@
           <a:p>
             <a:fld id="{05B54FE6-24C6-4DC4-9635-88231CF56E65}" type="datetimeFigureOut">
               <a:rPr lang="zh-TW" altLang="en-US" smtClean="0"/>
-              <a:t>2024/3/7</a:t>
+              <a:t>2024/3/14</a:t>
             </a:fld>
             <a:endParaRPr lang="zh-TW" altLang="en-US"/>
           </a:p>
@@ -2380,7 +9485,7 @@
           <a:p>
             <a:fld id="{05B54FE6-24C6-4DC4-9635-88231CF56E65}" type="datetimeFigureOut">
               <a:rPr lang="zh-TW" altLang="en-US" smtClean="0"/>
-              <a:t>2024/3/7</a:t>
+              <a:t>2024/3/14</a:t>
             </a:fld>
             <a:endParaRPr lang="zh-TW" altLang="en-US"/>
           </a:p>
@@ -2668,7 +9773,7 @@
           <a:p>
             <a:fld id="{05B54FE6-24C6-4DC4-9635-88231CF56E65}" type="datetimeFigureOut">
               <a:rPr lang="zh-TW" altLang="en-US" smtClean="0"/>
-              <a:t>2024/3/7</a:t>
+              <a:t>2024/3/14</a:t>
             </a:fld>
             <a:endParaRPr lang="zh-TW" altLang="en-US"/>
           </a:p>
@@ -2909,7 +10014,7 @@
           <a:p>
             <a:fld id="{05B54FE6-24C6-4DC4-9635-88231CF56E65}" type="datetimeFigureOut">
               <a:rPr lang="zh-TW" altLang="en-US" smtClean="0"/>
-              <a:t>2024/3/7</a:t>
+              <a:t>2024/3/14</a:t>
             </a:fld>
             <a:endParaRPr lang="zh-TW" altLang="en-US"/>
           </a:p>
@@ -5496,6 +12601,964 @@
 </p:sld>
 </file>
 
+<file path=ppt/slides/slide7.xml><?xml version="1.0" encoding="utf-8"?>
+<p:sld xmlns:a="http://schemas.openxmlformats.org/drawingml/2006/main" xmlns:r="http://schemas.openxmlformats.org/officeDocument/2006/relationships" xmlns:p="http://schemas.openxmlformats.org/presentationml/2006/main">
+  <p:cSld>
+    <p:spTree>
+      <p:nvGrpSpPr>
+        <p:cNvPr id="1" name=""/>
+        <p:cNvGrpSpPr/>
+        <p:nvPr/>
+      </p:nvGrpSpPr>
+      <p:grpSpPr>
+        <a:xfrm>
+          <a:off x="0" y="0"/>
+          <a:ext cx="0" cy="0"/>
+          <a:chOff x="0" y="0"/>
+          <a:chExt cx="0" cy="0"/>
+        </a:xfrm>
+      </p:grpSpPr>
+      <p:grpSp>
+        <p:nvGrpSpPr>
+          <p:cNvPr id="31" name="群組 30">
+            <a:extLst>
+              <a:ext uri="{FF2B5EF4-FFF2-40B4-BE49-F238E27FC236}">
+                <a16:creationId xmlns:a16="http://schemas.microsoft.com/office/drawing/2014/main" id="{78086B6E-1AA0-6569-498D-324FFBDDAFE0}"/>
+              </a:ext>
+            </a:extLst>
+          </p:cNvPr>
+          <p:cNvGrpSpPr/>
+          <p:nvPr/>
+        </p:nvGrpSpPr>
+        <p:grpSpPr>
+          <a:xfrm>
+            <a:off x="120317" y="212202"/>
+            <a:ext cx="11397912" cy="6493398"/>
+            <a:chOff x="120317" y="212202"/>
+            <a:chExt cx="11397912" cy="6493398"/>
+          </a:xfrm>
+        </p:grpSpPr>
+        <p:sp>
+          <p:nvSpPr>
+            <p:cNvPr id="2" name="橢圓 1">
+              <a:extLst>
+                <a:ext uri="{FF2B5EF4-FFF2-40B4-BE49-F238E27FC236}">
+                  <a16:creationId xmlns:a16="http://schemas.microsoft.com/office/drawing/2014/main" id="{3988FD70-E670-6D41-46C5-183CB46950A6}"/>
+                </a:ext>
+              </a:extLst>
+            </p:cNvPr>
+            <p:cNvSpPr/>
+            <p:nvPr/>
+          </p:nvSpPr>
+          <p:spPr>
+            <a:xfrm>
+              <a:off x="1177950" y="751114"/>
+              <a:ext cx="8543567" cy="5355771"/>
+            </a:xfrm>
+            <a:prstGeom prst="ellipse">
+              <a:avLst/>
+            </a:prstGeom>
+          </p:spPr>
+          <p:style>
+            <a:lnRef idx="2">
+              <a:schemeClr val="accent4"/>
+            </a:lnRef>
+            <a:fillRef idx="1">
+              <a:schemeClr val="lt1"/>
+            </a:fillRef>
+            <a:effectRef idx="0">
+              <a:schemeClr val="accent4"/>
+            </a:effectRef>
+            <a:fontRef idx="minor">
+              <a:schemeClr val="dk1"/>
+            </a:fontRef>
+          </p:style>
+          <p:txBody>
+            <a:bodyPr rtlCol="0" anchor="ctr"/>
+            <a:lstStyle/>
+            <a:p>
+              <a:pPr algn="ctr"/>
+              <a:endParaRPr lang="zh-TW" altLang="en-US" b="1" dirty="0"/>
+            </a:p>
+          </p:txBody>
+        </p:sp>
+        <p:sp>
+          <p:nvSpPr>
+            <p:cNvPr id="5" name="矩形 4">
+              <a:extLst>
+                <a:ext uri="{FF2B5EF4-FFF2-40B4-BE49-F238E27FC236}">
+                  <a16:creationId xmlns:a16="http://schemas.microsoft.com/office/drawing/2014/main" id="{7086EEBC-0D56-AB8E-884A-D5554D89432E}"/>
+                </a:ext>
+              </a:extLst>
+            </p:cNvPr>
+            <p:cNvSpPr/>
+            <p:nvPr/>
+          </p:nvSpPr>
+          <p:spPr>
+            <a:xfrm>
+              <a:off x="2470483" y="1953130"/>
+              <a:ext cx="1892968" cy="930442"/>
+            </a:xfrm>
+            <a:prstGeom prst="rect">
+              <a:avLst/>
+            </a:prstGeom>
+          </p:spPr>
+          <p:style>
+            <a:lnRef idx="2">
+              <a:schemeClr val="accent6"/>
+            </a:lnRef>
+            <a:fillRef idx="1">
+              <a:schemeClr val="lt1"/>
+            </a:fillRef>
+            <a:effectRef idx="0">
+              <a:schemeClr val="accent6"/>
+            </a:effectRef>
+            <a:fontRef idx="minor">
+              <a:schemeClr val="dk1"/>
+            </a:fontRef>
+          </p:style>
+          <p:txBody>
+            <a:bodyPr rtlCol="0" anchor="ctr"/>
+            <a:lstStyle/>
+            <a:p>
+              <a:pPr algn="ctr"/>
+              <a:r>
+                <a:rPr lang="en-US" altLang="zh-TW" sz="2400" b="1" dirty="0"/>
+                <a:t>Constructs</a:t>
+              </a:r>
+              <a:endParaRPr lang="zh-TW" altLang="en-US" sz="2400" b="1" dirty="0"/>
+            </a:p>
+          </p:txBody>
+        </p:sp>
+        <p:sp>
+          <p:nvSpPr>
+            <p:cNvPr id="6" name="矩形 5">
+              <a:extLst>
+                <a:ext uri="{FF2B5EF4-FFF2-40B4-BE49-F238E27FC236}">
+                  <a16:creationId xmlns:a16="http://schemas.microsoft.com/office/drawing/2014/main" id="{55781FE3-47C0-ECE4-A34A-395BC9709E68}"/>
+                </a:ext>
+              </a:extLst>
+            </p:cNvPr>
+            <p:cNvSpPr/>
+            <p:nvPr/>
+          </p:nvSpPr>
+          <p:spPr>
+            <a:xfrm>
+              <a:off x="2566738" y="4102765"/>
+              <a:ext cx="1892968" cy="930442"/>
+            </a:xfrm>
+            <a:prstGeom prst="rect">
+              <a:avLst/>
+            </a:prstGeom>
+          </p:spPr>
+          <p:style>
+            <a:lnRef idx="2">
+              <a:schemeClr val="accent6"/>
+            </a:lnRef>
+            <a:fillRef idx="1">
+              <a:schemeClr val="lt1"/>
+            </a:fillRef>
+            <a:effectRef idx="0">
+              <a:schemeClr val="accent6"/>
+            </a:effectRef>
+            <a:fontRef idx="minor">
+              <a:schemeClr val="dk1"/>
+            </a:fontRef>
+          </p:style>
+          <p:txBody>
+            <a:bodyPr rtlCol="0" anchor="ctr"/>
+            <a:lstStyle/>
+            <a:p>
+              <a:pPr algn="ctr"/>
+              <a:r>
+                <a:rPr lang="en-US" altLang="zh-TW" sz="2800" b="1" dirty="0"/>
+                <a:t>Variables</a:t>
+              </a:r>
+              <a:endParaRPr lang="zh-TW" altLang="en-US" sz="2800" b="1" dirty="0"/>
+            </a:p>
+          </p:txBody>
+        </p:sp>
+        <p:sp>
+          <p:nvSpPr>
+            <p:cNvPr id="7" name="矩形 6">
+              <a:extLst>
+                <a:ext uri="{FF2B5EF4-FFF2-40B4-BE49-F238E27FC236}">
+                  <a16:creationId xmlns:a16="http://schemas.microsoft.com/office/drawing/2014/main" id="{957A12DB-FB41-8FD8-2DE3-CAB3E8E3D325}"/>
+                </a:ext>
+              </a:extLst>
+            </p:cNvPr>
+            <p:cNvSpPr/>
+            <p:nvPr/>
+          </p:nvSpPr>
+          <p:spPr>
+            <a:xfrm>
+              <a:off x="6978319" y="1953130"/>
+              <a:ext cx="1892968" cy="930442"/>
+            </a:xfrm>
+            <a:prstGeom prst="rect">
+              <a:avLst/>
+            </a:prstGeom>
+          </p:spPr>
+          <p:style>
+            <a:lnRef idx="2">
+              <a:schemeClr val="accent6"/>
+            </a:lnRef>
+            <a:fillRef idx="1">
+              <a:schemeClr val="lt1"/>
+            </a:fillRef>
+            <a:effectRef idx="0">
+              <a:schemeClr val="accent6"/>
+            </a:effectRef>
+            <a:fontRef idx="minor">
+              <a:schemeClr val="dk1"/>
+            </a:fontRef>
+          </p:style>
+          <p:txBody>
+            <a:bodyPr rtlCol="0" anchor="ctr"/>
+            <a:lstStyle/>
+            <a:p>
+              <a:pPr algn="ctr"/>
+              <a:r>
+                <a:rPr lang="en-US" altLang="zh-TW" sz="2400" b="1" dirty="0"/>
+                <a:t>Constructs</a:t>
+              </a:r>
+              <a:endParaRPr lang="zh-TW" altLang="en-US" sz="2400" b="1" dirty="0"/>
+            </a:p>
+          </p:txBody>
+        </p:sp>
+        <p:sp>
+          <p:nvSpPr>
+            <p:cNvPr id="8" name="矩形 7">
+              <a:extLst>
+                <a:ext uri="{FF2B5EF4-FFF2-40B4-BE49-F238E27FC236}">
+                  <a16:creationId xmlns:a16="http://schemas.microsoft.com/office/drawing/2014/main" id="{C7B64F04-2F4E-75FC-07DD-23BC99766419}"/>
+                </a:ext>
+              </a:extLst>
+            </p:cNvPr>
+            <p:cNvSpPr/>
+            <p:nvPr/>
+          </p:nvSpPr>
+          <p:spPr>
+            <a:xfrm>
+              <a:off x="6978319" y="4102765"/>
+              <a:ext cx="1892968" cy="930442"/>
+            </a:xfrm>
+            <a:prstGeom prst="rect">
+              <a:avLst/>
+            </a:prstGeom>
+          </p:spPr>
+          <p:style>
+            <a:lnRef idx="2">
+              <a:schemeClr val="accent6"/>
+            </a:lnRef>
+            <a:fillRef idx="1">
+              <a:schemeClr val="lt1"/>
+            </a:fillRef>
+            <a:effectRef idx="0">
+              <a:schemeClr val="accent6"/>
+            </a:effectRef>
+            <a:fontRef idx="minor">
+              <a:schemeClr val="dk1"/>
+            </a:fontRef>
+          </p:style>
+          <p:txBody>
+            <a:bodyPr rtlCol="0" anchor="ctr"/>
+            <a:lstStyle/>
+            <a:p>
+              <a:pPr algn="ctr"/>
+              <a:r>
+                <a:rPr lang="en-US" altLang="zh-TW" sz="2800" b="1" dirty="0"/>
+                <a:t>Variables</a:t>
+              </a:r>
+              <a:endParaRPr lang="zh-TW" altLang="en-US" sz="2800" b="1" dirty="0"/>
+            </a:p>
+          </p:txBody>
+        </p:sp>
+        <p:cxnSp>
+          <p:nvCxnSpPr>
+            <p:cNvPr id="10" name="直線單箭頭接點 9">
+              <a:extLst>
+                <a:ext uri="{FF2B5EF4-FFF2-40B4-BE49-F238E27FC236}">
+                  <a16:creationId xmlns:a16="http://schemas.microsoft.com/office/drawing/2014/main" id="{77984CEA-C881-CDED-1252-0B1F4C10742E}"/>
+                </a:ext>
+              </a:extLst>
+            </p:cNvPr>
+            <p:cNvCxnSpPr/>
+            <p:nvPr/>
+          </p:nvCxnSpPr>
+          <p:spPr>
+            <a:xfrm>
+              <a:off x="4520435" y="2418351"/>
+              <a:ext cx="2358189" cy="0"/>
+            </a:xfrm>
+            <a:prstGeom prst="straightConnector1">
+              <a:avLst/>
+            </a:prstGeom>
+            <a:ln w="57150" cap="flat" cmpd="sng" algn="ctr">
+              <a:solidFill>
+                <a:schemeClr val="accent1"/>
+              </a:solidFill>
+              <a:prstDash val="solid"/>
+              <a:round/>
+              <a:headEnd type="arrow" w="med" len="med"/>
+              <a:tailEnd type="arrow" w="med" len="med"/>
+            </a:ln>
+          </p:spPr>
+          <p:style>
+            <a:lnRef idx="0">
+              <a:scrgbClr r="0" g="0" b="0"/>
+            </a:lnRef>
+            <a:fillRef idx="0">
+              <a:scrgbClr r="0" g="0" b="0"/>
+            </a:fillRef>
+            <a:effectRef idx="0">
+              <a:scrgbClr r="0" g="0" b="0"/>
+            </a:effectRef>
+            <a:fontRef idx="minor">
+              <a:schemeClr val="tx1"/>
+            </a:fontRef>
+          </p:style>
+        </p:cxnSp>
+        <p:cxnSp>
+          <p:nvCxnSpPr>
+            <p:cNvPr id="14" name="直線單箭頭接點 13">
+              <a:extLst>
+                <a:ext uri="{FF2B5EF4-FFF2-40B4-BE49-F238E27FC236}">
+                  <a16:creationId xmlns:a16="http://schemas.microsoft.com/office/drawing/2014/main" id="{BBE30F69-A167-3365-4929-1D8DE1FABE4E}"/>
+                </a:ext>
+              </a:extLst>
+            </p:cNvPr>
+            <p:cNvCxnSpPr/>
+            <p:nvPr/>
+          </p:nvCxnSpPr>
+          <p:spPr>
+            <a:xfrm>
+              <a:off x="4572004" y="4640183"/>
+              <a:ext cx="2358189" cy="0"/>
+            </a:xfrm>
+            <a:prstGeom prst="straightConnector1">
+              <a:avLst/>
+            </a:prstGeom>
+            <a:ln w="57150" cap="flat" cmpd="sng" algn="ctr">
+              <a:solidFill>
+                <a:schemeClr val="accent1"/>
+              </a:solidFill>
+              <a:prstDash val="solid"/>
+              <a:round/>
+              <a:headEnd type="arrow" w="med" len="med"/>
+              <a:tailEnd type="arrow" w="med" len="med"/>
+            </a:ln>
+          </p:spPr>
+          <p:style>
+            <a:lnRef idx="0">
+              <a:scrgbClr r="0" g="0" b="0"/>
+            </a:lnRef>
+            <a:fillRef idx="0">
+              <a:scrgbClr r="0" g="0" b="0"/>
+            </a:fillRef>
+            <a:effectRef idx="0">
+              <a:scrgbClr r="0" g="0" b="0"/>
+            </a:effectRef>
+            <a:fontRef idx="minor">
+              <a:schemeClr val="tx1"/>
+            </a:fontRef>
+          </p:style>
+        </p:cxnSp>
+        <p:cxnSp>
+          <p:nvCxnSpPr>
+            <p:cNvPr id="16" name="直線單箭頭接點 15">
+              <a:extLst>
+                <a:ext uri="{FF2B5EF4-FFF2-40B4-BE49-F238E27FC236}">
+                  <a16:creationId xmlns:a16="http://schemas.microsoft.com/office/drawing/2014/main" id="{2C0EB220-9842-DFAB-8734-7012564D7AD6}"/>
+                </a:ext>
+              </a:extLst>
+            </p:cNvPr>
+            <p:cNvCxnSpPr>
+              <a:cxnSpLocks/>
+              <a:stCxn id="5" idx="2"/>
+            </p:cNvCxnSpPr>
+            <p:nvPr/>
+          </p:nvCxnSpPr>
+          <p:spPr>
+            <a:xfrm>
+              <a:off x="3416967" y="2883572"/>
+              <a:ext cx="0" cy="1202016"/>
+            </a:xfrm>
+            <a:prstGeom prst="straightConnector1">
+              <a:avLst/>
+            </a:prstGeom>
+            <a:ln w="57150">
+              <a:prstDash val="sysDash"/>
+              <a:headEnd type="triangle"/>
+              <a:tailEnd type="triangle"/>
+            </a:ln>
+          </p:spPr>
+          <p:style>
+            <a:lnRef idx="2">
+              <a:schemeClr val="accent1"/>
+            </a:lnRef>
+            <a:fillRef idx="0">
+              <a:schemeClr val="accent1"/>
+            </a:fillRef>
+            <a:effectRef idx="1">
+              <a:schemeClr val="accent1"/>
+            </a:effectRef>
+            <a:fontRef idx="minor">
+              <a:schemeClr val="tx1"/>
+            </a:fontRef>
+          </p:style>
+        </p:cxnSp>
+        <p:cxnSp>
+          <p:nvCxnSpPr>
+            <p:cNvPr id="19" name="直線單箭頭接點 18">
+              <a:extLst>
+                <a:ext uri="{FF2B5EF4-FFF2-40B4-BE49-F238E27FC236}">
+                  <a16:creationId xmlns:a16="http://schemas.microsoft.com/office/drawing/2014/main" id="{8A8B53B9-B3B0-F97A-7272-AFE42BF85D7A}"/>
+                </a:ext>
+              </a:extLst>
+            </p:cNvPr>
+            <p:cNvCxnSpPr>
+              <a:cxnSpLocks/>
+            </p:cNvCxnSpPr>
+            <p:nvPr/>
+          </p:nvCxnSpPr>
+          <p:spPr>
+            <a:xfrm>
+              <a:off x="7756357" y="2900749"/>
+              <a:ext cx="0" cy="1202016"/>
+            </a:xfrm>
+            <a:prstGeom prst="straightConnector1">
+              <a:avLst/>
+            </a:prstGeom>
+            <a:ln w="57150">
+              <a:prstDash val="sysDash"/>
+              <a:headEnd type="triangle"/>
+              <a:tailEnd type="triangle"/>
+            </a:ln>
+          </p:spPr>
+          <p:style>
+            <a:lnRef idx="2">
+              <a:schemeClr val="accent1"/>
+            </a:lnRef>
+            <a:fillRef idx="0">
+              <a:schemeClr val="accent1"/>
+            </a:fillRef>
+            <a:effectRef idx="1">
+              <a:schemeClr val="accent1"/>
+            </a:effectRef>
+            <a:fontRef idx="minor">
+              <a:schemeClr val="tx1"/>
+            </a:fontRef>
+          </p:style>
+        </p:cxnSp>
+        <p:cxnSp>
+          <p:nvCxnSpPr>
+            <p:cNvPr id="20" name="直線單箭頭接點 19">
+              <a:extLst>
+                <a:ext uri="{FF2B5EF4-FFF2-40B4-BE49-F238E27FC236}">
+                  <a16:creationId xmlns:a16="http://schemas.microsoft.com/office/drawing/2014/main" id="{8E9B651B-D879-FD3A-C2F8-3B008B432B8B}"/>
+                </a:ext>
+              </a:extLst>
+            </p:cNvPr>
+            <p:cNvCxnSpPr>
+              <a:cxnSpLocks/>
+            </p:cNvCxnSpPr>
+            <p:nvPr/>
+          </p:nvCxnSpPr>
+          <p:spPr>
+            <a:xfrm>
+              <a:off x="5699529" y="2903624"/>
+              <a:ext cx="0" cy="1202016"/>
+            </a:xfrm>
+            <a:prstGeom prst="straightConnector1">
+              <a:avLst/>
+            </a:prstGeom>
+            <a:ln w="57150">
+              <a:prstDash val="sysDash"/>
+              <a:headEnd type="triangle"/>
+              <a:tailEnd type="triangle"/>
+            </a:ln>
+          </p:spPr>
+          <p:style>
+            <a:lnRef idx="2">
+              <a:schemeClr val="accent1"/>
+            </a:lnRef>
+            <a:fillRef idx="0">
+              <a:schemeClr val="accent1"/>
+            </a:fillRef>
+            <a:effectRef idx="1">
+              <a:schemeClr val="accent1"/>
+            </a:effectRef>
+            <a:fontRef idx="minor">
+              <a:schemeClr val="tx1"/>
+            </a:fontRef>
+          </p:style>
+        </p:cxnSp>
+        <p:cxnSp>
+          <p:nvCxnSpPr>
+            <p:cNvPr id="22" name="直線單箭頭接點 21">
+              <a:extLst>
+                <a:ext uri="{FF2B5EF4-FFF2-40B4-BE49-F238E27FC236}">
+                  <a16:creationId xmlns:a16="http://schemas.microsoft.com/office/drawing/2014/main" id="{AF0B0BA9-1E2D-ABFB-6EF0-B5EA271563C4}"/>
+                </a:ext>
+              </a:extLst>
+            </p:cNvPr>
+            <p:cNvCxnSpPr/>
+            <p:nvPr/>
+          </p:nvCxnSpPr>
+          <p:spPr>
+            <a:xfrm>
+              <a:off x="433137" y="240632"/>
+              <a:ext cx="0" cy="6464968"/>
+            </a:xfrm>
+            <a:prstGeom prst="straightConnector1">
+              <a:avLst/>
+            </a:prstGeom>
+            <a:ln w="28575" cap="flat" cmpd="sng" algn="ctr">
+              <a:solidFill>
+                <a:schemeClr val="accent2"/>
+              </a:solidFill>
+              <a:prstDash val="solid"/>
+              <a:round/>
+              <a:headEnd type="arrow" w="med" len="med"/>
+              <a:tailEnd type="arrow" w="med" len="med"/>
+            </a:ln>
+          </p:spPr>
+          <p:style>
+            <a:lnRef idx="0">
+              <a:scrgbClr r="0" g="0" b="0"/>
+            </a:lnRef>
+            <a:fillRef idx="0">
+              <a:scrgbClr r="0" g="0" b="0"/>
+            </a:fillRef>
+            <a:effectRef idx="0">
+              <a:scrgbClr r="0" g="0" b="0"/>
+            </a:effectRef>
+            <a:fontRef idx="minor">
+              <a:schemeClr val="tx1"/>
+            </a:fontRef>
+          </p:style>
+        </p:cxnSp>
+        <p:cxnSp>
+          <p:nvCxnSpPr>
+            <p:cNvPr id="23" name="直線單箭頭接點 22">
+              <a:extLst>
+                <a:ext uri="{FF2B5EF4-FFF2-40B4-BE49-F238E27FC236}">
+                  <a16:creationId xmlns:a16="http://schemas.microsoft.com/office/drawing/2014/main" id="{F479622A-C240-BE48-0CD0-45901823DC06}"/>
+                </a:ext>
+              </a:extLst>
+            </p:cNvPr>
+            <p:cNvCxnSpPr>
+              <a:cxnSpLocks/>
+            </p:cNvCxnSpPr>
+            <p:nvPr/>
+          </p:nvCxnSpPr>
+          <p:spPr>
+            <a:xfrm>
+              <a:off x="120317" y="3733799"/>
+              <a:ext cx="10884568" cy="0"/>
+            </a:xfrm>
+            <a:prstGeom prst="straightConnector1">
+              <a:avLst/>
+            </a:prstGeom>
+            <a:ln w="28575" cap="flat" cmpd="sng" algn="ctr">
+              <a:solidFill>
+                <a:schemeClr val="accent2"/>
+              </a:solidFill>
+              <a:prstDash val="solid"/>
+              <a:round/>
+              <a:headEnd type="arrow" w="med" len="med"/>
+              <a:tailEnd type="arrow" w="med" len="med"/>
+            </a:ln>
+          </p:spPr>
+          <p:style>
+            <a:lnRef idx="0">
+              <a:scrgbClr r="0" g="0" b="0"/>
+            </a:lnRef>
+            <a:fillRef idx="0">
+              <a:scrgbClr r="0" g="0" b="0"/>
+            </a:fillRef>
+            <a:effectRef idx="0">
+              <a:scrgbClr r="0" g="0" b="0"/>
+            </a:effectRef>
+            <a:fontRef idx="minor">
+              <a:schemeClr val="tx1"/>
+            </a:fontRef>
+          </p:style>
+        </p:cxnSp>
+        <p:sp>
+          <p:nvSpPr>
+            <p:cNvPr id="26" name="文字方塊 25">
+              <a:extLst>
+                <a:ext uri="{FF2B5EF4-FFF2-40B4-BE49-F238E27FC236}">
+                  <a16:creationId xmlns:a16="http://schemas.microsoft.com/office/drawing/2014/main" id="{83876B43-5EE9-6229-3BE8-D97EF3BD28D5}"/>
+                </a:ext>
+              </a:extLst>
+            </p:cNvPr>
+            <p:cNvSpPr txBox="1"/>
+            <p:nvPr/>
+          </p:nvSpPr>
+          <p:spPr>
+            <a:xfrm>
+              <a:off x="4823805" y="4758034"/>
+              <a:ext cx="2049378" cy="461665"/>
+            </a:xfrm>
+            <a:prstGeom prst="rect">
+              <a:avLst/>
+            </a:prstGeom>
+            <a:noFill/>
+          </p:spPr>
+          <p:txBody>
+            <a:bodyPr wrap="square">
+              <a:spAutoFit/>
+            </a:bodyPr>
+            <a:lstStyle/>
+            <a:p>
+              <a:r>
+                <a:rPr lang="en-US" altLang="zh-TW" sz="2400" b="1" dirty="0"/>
+                <a:t>Hypotheses</a:t>
+              </a:r>
+              <a:endParaRPr lang="zh-TW" altLang="en-US" dirty="0"/>
+            </a:p>
+          </p:txBody>
+        </p:sp>
+        <p:sp>
+          <p:nvSpPr>
+            <p:cNvPr id="27" name="文字方塊 26">
+              <a:extLst>
+                <a:ext uri="{FF2B5EF4-FFF2-40B4-BE49-F238E27FC236}">
+                  <a16:creationId xmlns:a16="http://schemas.microsoft.com/office/drawing/2014/main" id="{C3E72E7A-84A7-58D4-90B3-8E7AC90D2C41}"/>
+                </a:ext>
+              </a:extLst>
+            </p:cNvPr>
+            <p:cNvSpPr txBox="1"/>
+            <p:nvPr/>
+          </p:nvSpPr>
+          <p:spPr>
+            <a:xfrm>
+              <a:off x="4672262" y="1757935"/>
+              <a:ext cx="2049378" cy="461665"/>
+            </a:xfrm>
+            <a:prstGeom prst="rect">
+              <a:avLst/>
+            </a:prstGeom>
+            <a:noFill/>
+          </p:spPr>
+          <p:txBody>
+            <a:bodyPr wrap="square">
+              <a:spAutoFit/>
+            </a:bodyPr>
+            <a:lstStyle/>
+            <a:p>
+              <a:r>
+                <a:rPr lang="en-US" altLang="zh-TW" sz="2400" b="1" dirty="0"/>
+                <a:t>Propositions</a:t>
+              </a:r>
+              <a:endParaRPr lang="zh-TW" altLang="en-US" sz="2400" dirty="0"/>
+            </a:p>
+          </p:txBody>
+        </p:sp>
+        <p:sp>
+          <p:nvSpPr>
+            <p:cNvPr id="28" name="文字方塊 27">
+              <a:extLst>
+                <a:ext uri="{FF2B5EF4-FFF2-40B4-BE49-F238E27FC236}">
+                  <a16:creationId xmlns:a16="http://schemas.microsoft.com/office/drawing/2014/main" id="{77549C03-3FAD-C5E7-123A-25116EE57187}"/>
+                </a:ext>
+              </a:extLst>
+            </p:cNvPr>
+            <p:cNvSpPr txBox="1"/>
+            <p:nvPr/>
+          </p:nvSpPr>
+          <p:spPr>
+            <a:xfrm>
+              <a:off x="1691296" y="212202"/>
+              <a:ext cx="9826933" cy="461665"/>
+            </a:xfrm>
+            <a:prstGeom prst="rect">
+              <a:avLst/>
+            </a:prstGeom>
+            <a:noFill/>
+          </p:spPr>
+          <p:txBody>
+            <a:bodyPr wrap="square">
+              <a:spAutoFit/>
+            </a:bodyPr>
+            <a:lstStyle/>
+            <a:p>
+              <a:r>
+                <a:rPr lang="en-US" altLang="zh-TW" sz="2400" b="1" dirty="0"/>
+                <a:t>Boundary = Assumptions about values, time, and space</a:t>
+              </a:r>
+              <a:endParaRPr lang="zh-TW" altLang="en-US" sz="2400" dirty="0"/>
+            </a:p>
+          </p:txBody>
+        </p:sp>
+        <p:cxnSp>
+          <p:nvCxnSpPr>
+            <p:cNvPr id="29" name="直線單箭頭接點 28">
+              <a:extLst>
+                <a:ext uri="{FF2B5EF4-FFF2-40B4-BE49-F238E27FC236}">
+                  <a16:creationId xmlns:a16="http://schemas.microsoft.com/office/drawing/2014/main" id="{6D1C8777-408A-4CA7-9C30-2B533F999EC7}"/>
+                </a:ext>
+              </a:extLst>
+            </p:cNvPr>
+            <p:cNvCxnSpPr>
+              <a:cxnSpLocks/>
+            </p:cNvCxnSpPr>
+            <p:nvPr/>
+          </p:nvCxnSpPr>
+          <p:spPr>
+            <a:xfrm>
+              <a:off x="2470483" y="673867"/>
+              <a:ext cx="0" cy="1202016"/>
+            </a:xfrm>
+            <a:prstGeom prst="straightConnector1">
+              <a:avLst/>
+            </a:prstGeom>
+            <a:ln w="57150">
+              <a:prstDash val="sysDash"/>
+              <a:headEnd type="none" w="med" len="med"/>
+              <a:tailEnd type="arrow" w="med" len="med"/>
+            </a:ln>
+          </p:spPr>
+          <p:style>
+            <a:lnRef idx="2">
+              <a:schemeClr val="accent1"/>
+            </a:lnRef>
+            <a:fillRef idx="0">
+              <a:schemeClr val="accent1"/>
+            </a:fillRef>
+            <a:effectRef idx="1">
+              <a:schemeClr val="accent1"/>
+            </a:effectRef>
+            <a:fontRef idx="minor">
+              <a:schemeClr val="tx1"/>
+            </a:fontRef>
+          </p:style>
+        </p:cxnSp>
+        <p:cxnSp>
+          <p:nvCxnSpPr>
+            <p:cNvPr id="30" name="直線單箭頭接點 29">
+              <a:extLst>
+                <a:ext uri="{FF2B5EF4-FFF2-40B4-BE49-F238E27FC236}">
+                  <a16:creationId xmlns:a16="http://schemas.microsoft.com/office/drawing/2014/main" id="{C44E609F-7645-EDBA-07E7-153203B39906}"/>
+                </a:ext>
+              </a:extLst>
+            </p:cNvPr>
+            <p:cNvCxnSpPr>
+              <a:cxnSpLocks/>
+            </p:cNvCxnSpPr>
+            <p:nvPr/>
+          </p:nvCxnSpPr>
+          <p:spPr>
+            <a:xfrm>
+              <a:off x="8221578" y="673867"/>
+              <a:ext cx="0" cy="1202016"/>
+            </a:xfrm>
+            <a:prstGeom prst="straightConnector1">
+              <a:avLst/>
+            </a:prstGeom>
+            <a:ln w="57150">
+              <a:prstDash val="sysDash"/>
+              <a:headEnd type="none" w="med" len="med"/>
+              <a:tailEnd type="arrow" w="med" len="med"/>
+            </a:ln>
+          </p:spPr>
+          <p:style>
+            <a:lnRef idx="2">
+              <a:schemeClr val="accent1"/>
+            </a:lnRef>
+            <a:fillRef idx="0">
+              <a:schemeClr val="accent1"/>
+            </a:fillRef>
+            <a:effectRef idx="1">
+              <a:schemeClr val="accent1"/>
+            </a:effectRef>
+            <a:fontRef idx="minor">
+              <a:schemeClr val="tx1"/>
+            </a:fontRef>
+          </p:style>
+        </p:cxnSp>
+      </p:grpSp>
+    </p:spTree>
+    <p:extLst>
+      <p:ext uri="{BB962C8B-B14F-4D97-AF65-F5344CB8AC3E}">
+        <p14:creationId xmlns:p14="http://schemas.microsoft.com/office/powerpoint/2010/main" val="4079296585"/>
+      </p:ext>
+    </p:extLst>
+  </p:cSld>
+  <p:clrMapOvr>
+    <a:masterClrMapping/>
+  </p:clrMapOvr>
+</p:sld>
+</file>
+
+<file path=ppt/slides/slide8.xml><?xml version="1.0" encoding="utf-8"?>
+<p:sld xmlns:a="http://schemas.openxmlformats.org/drawingml/2006/main" xmlns:r="http://schemas.openxmlformats.org/officeDocument/2006/relationships" xmlns:p="http://schemas.openxmlformats.org/presentationml/2006/main">
+  <p:cSld>
+    <p:spTree>
+      <p:nvGrpSpPr>
+        <p:cNvPr id="1" name=""/>
+        <p:cNvGrpSpPr/>
+        <p:nvPr/>
+      </p:nvGrpSpPr>
+      <p:grpSpPr>
+        <a:xfrm>
+          <a:off x="0" y="0"/>
+          <a:ext cx="0" cy="0"/>
+          <a:chOff x="0" y="0"/>
+          <a:chExt cx="0" cy="0"/>
+        </a:xfrm>
+      </p:grpSpPr>
+      <p:grpSp>
+        <p:nvGrpSpPr>
+          <p:cNvPr id="4" name="群組 3">
+            <a:extLst>
+              <a:ext uri="{FF2B5EF4-FFF2-40B4-BE49-F238E27FC236}">
+                <a16:creationId xmlns:a16="http://schemas.microsoft.com/office/drawing/2014/main" id="{62689932-F31B-CF96-9A89-EDCC4F82E75C}"/>
+              </a:ext>
+            </a:extLst>
+          </p:cNvPr>
+          <p:cNvGrpSpPr/>
+          <p:nvPr/>
+        </p:nvGrpSpPr>
+        <p:grpSpPr>
+          <a:xfrm>
+            <a:off x="429622" y="303106"/>
+            <a:ext cx="10906036" cy="6236444"/>
+            <a:chOff x="429622" y="303106"/>
+            <a:chExt cx="10906036" cy="6236444"/>
+          </a:xfrm>
+        </p:grpSpPr>
+        <p:graphicFrame>
+          <p:nvGraphicFramePr>
+            <p:cNvPr id="2" name="資料庫圖表 1">
+              <a:extLst>
+                <a:ext uri="{FF2B5EF4-FFF2-40B4-BE49-F238E27FC236}">
+                  <a16:creationId xmlns:a16="http://schemas.microsoft.com/office/drawing/2014/main" id="{E230A3B8-ED16-9659-52FA-F6A1B605316C}"/>
+                </a:ext>
+              </a:extLst>
+            </p:cNvPr>
+            <p:cNvGraphicFramePr/>
+            <p:nvPr>
+              <p:extLst>
+                <p:ext uri="{D42A27DB-BD31-4B8C-83A1-F6EECF244321}">
+                  <p14:modId xmlns:p14="http://schemas.microsoft.com/office/powerpoint/2010/main" val="3730762303"/>
+                </p:ext>
+              </p:extLst>
+            </p:nvPr>
+          </p:nvGraphicFramePr>
+          <p:xfrm>
+            <a:off x="429622" y="303106"/>
+            <a:ext cx="4680858" cy="5418667"/>
+          </p:xfrm>
+          <a:graphic>
+            <a:graphicData uri="http://schemas.openxmlformats.org/drawingml/2006/diagram">
+              <dgm:relIds xmlns:dgm="http://schemas.openxmlformats.org/drawingml/2006/diagram" xmlns:r="http://schemas.openxmlformats.org/officeDocument/2006/relationships" r:dm="rId2" r:lo="rId3" r:qs="rId4" r:cs="rId5"/>
+            </a:graphicData>
+          </a:graphic>
+        </p:graphicFrame>
+        <p:graphicFrame>
+          <p:nvGraphicFramePr>
+            <p:cNvPr id="3" name="資料庫圖表 2">
+              <a:extLst>
+                <a:ext uri="{FF2B5EF4-FFF2-40B4-BE49-F238E27FC236}">
+                  <a16:creationId xmlns:a16="http://schemas.microsoft.com/office/drawing/2014/main" id="{0C77FB07-DC44-9A56-98C9-7B9E1AF14E4E}"/>
+                </a:ext>
+              </a:extLst>
+            </p:cNvPr>
+            <p:cNvGraphicFramePr/>
+            <p:nvPr>
+              <p:extLst>
+                <p:ext uri="{D42A27DB-BD31-4B8C-83A1-F6EECF244321}">
+                  <p14:modId xmlns:p14="http://schemas.microsoft.com/office/powerpoint/2010/main" val="2333228800"/>
+                </p:ext>
+              </p:extLst>
+            </p:nvPr>
+          </p:nvGraphicFramePr>
+          <p:xfrm>
+            <a:off x="5320522" y="318450"/>
+            <a:ext cx="6015136" cy="6221100"/>
+          </p:xfrm>
+          <a:graphic>
+            <a:graphicData uri="http://schemas.openxmlformats.org/drawingml/2006/diagram">
+              <dgm:relIds xmlns:dgm="http://schemas.openxmlformats.org/drawingml/2006/diagram" xmlns:r="http://schemas.openxmlformats.org/officeDocument/2006/relationships" r:dm="rId7" r:lo="rId8" r:qs="rId9" r:cs="rId10"/>
+            </a:graphicData>
+          </a:graphic>
+        </p:graphicFrame>
+      </p:grpSp>
+      <p:sp>
+        <p:nvSpPr>
+          <p:cNvPr id="5" name="橢圓 4">
+            <a:extLst>
+              <a:ext uri="{FF2B5EF4-FFF2-40B4-BE49-F238E27FC236}">
+                <a16:creationId xmlns:a16="http://schemas.microsoft.com/office/drawing/2014/main" id="{8B2FFA03-D107-84D1-A48B-62316D1A331B}"/>
+              </a:ext>
+            </a:extLst>
+          </p:cNvPr>
+          <p:cNvSpPr/>
+          <p:nvPr/>
+        </p:nvSpPr>
+        <p:spPr>
+          <a:xfrm>
+            <a:off x="2312851" y="5862320"/>
+            <a:ext cx="914400" cy="914400"/>
+          </a:xfrm>
+          <a:prstGeom prst="ellipse">
+            <a:avLst/>
+          </a:prstGeom>
+          <a:solidFill>
+            <a:schemeClr val="accent4">
+              <a:alpha val="50000"/>
+            </a:schemeClr>
+          </a:solidFill>
+          <a:ln>
+            <a:noFill/>
+          </a:ln>
+        </p:spPr>
+        <p:style>
+          <a:lnRef idx="0">
+            <a:scrgbClr r="0" g="0" b="0"/>
+          </a:lnRef>
+          <a:fillRef idx="0">
+            <a:scrgbClr r="0" g="0" b="0"/>
+          </a:fillRef>
+          <a:effectRef idx="0">
+            <a:scrgbClr r="0" g="0" b="0"/>
+          </a:effectRef>
+          <a:fontRef idx="minor">
+            <a:schemeClr val="lt1"/>
+          </a:fontRef>
+        </p:style>
+        <p:txBody>
+          <a:bodyPr rtlCol="0" anchor="ctr"/>
+          <a:lstStyle/>
+          <a:p>
+            <a:pPr algn="ctr"/>
+            <a:r>
+              <a:rPr lang="zh-TW" altLang="en-US" b="1" dirty="0">
+                <a:latin typeface="標楷體" panose="03000509000000000000" pitchFamily="65" charset="-120"/>
+                <a:ea typeface="標楷體" panose="03000509000000000000" pitchFamily="65" charset="-120"/>
+              </a:rPr>
+              <a:t>特定議題</a:t>
+            </a:r>
+          </a:p>
+        </p:txBody>
+      </p:sp>
+    </p:spTree>
+    <p:extLst>
+      <p:ext uri="{BB962C8B-B14F-4D97-AF65-F5344CB8AC3E}">
+        <p14:creationId xmlns:p14="http://schemas.microsoft.com/office/powerpoint/2010/main" val="2727448667"/>
+      </p:ext>
+    </p:extLst>
+  </p:cSld>
+  <p:clrMapOvr>
+    <a:masterClrMapping/>
+  </p:clrMapOvr>
+</p:sld>
+</file>
+
 <file path=ppt/theme/theme1.xml><?xml version="1.0" encoding="utf-8"?>
 <a:theme xmlns:a="http://schemas.openxmlformats.org/drawingml/2006/main" name="Office 佈景主題">
   <a:themeElements>

--- a/112-2/MI6006701 研究方法/研究方法上課製圖.pptx
+++ b/112-2/MI6006701 研究方法/研究方法上課製圖.pptx
@@ -13,6 +13,8 @@
     <p:sldId id="261" r:id="rId7"/>
     <p:sldId id="262" r:id="rId8"/>
     <p:sldId id="263" r:id="rId9"/>
+    <p:sldId id="264" r:id="rId10"/>
+    <p:sldId id="265" r:id="rId11"/>
   </p:sldIdLst>
   <p:sldSz cx="12192000" cy="6858000"/>
   <p:notesSz cx="6858000" cy="9144000"/>
@@ -3628,8 +3630,8 @@
       </dsp:nvSpPr>
       <dsp:spPr>
         <a:xfrm>
-          <a:off x="0" y="239"/>
-          <a:ext cx="6015136" cy="409500"/>
+          <a:off x="0" y="22627"/>
+          <a:ext cx="6015136" cy="430560"/>
         </a:xfrm>
         <a:prstGeom prst="roundRect">
           <a:avLst/>
@@ -3726,8 +3728,8 @@
         </a:p>
       </dsp:txBody>
       <dsp:txXfrm>
-        <a:off x="19990" y="20229"/>
-        <a:ext cx="5975156" cy="369520"/>
+        <a:off x="21018" y="43645"/>
+        <a:ext cx="5973100" cy="388524"/>
       </dsp:txXfrm>
     </dsp:sp>
     <dsp:sp modelId="{BE076D0C-E1A9-4B88-BD15-E856FD9D809F}">
@@ -3737,8 +3739,8 @@
       </dsp:nvSpPr>
       <dsp:spPr>
         <a:xfrm>
-          <a:off x="0" y="409739"/>
-          <a:ext cx="6015136" cy="985320"/>
+          <a:off x="0" y="453187"/>
+          <a:ext cx="6015136" cy="976005"/>
         </a:xfrm>
         <a:prstGeom prst="rect">
           <a:avLst/>
@@ -3831,8 +3833,8 @@
         </a:p>
       </dsp:txBody>
       <dsp:txXfrm>
-        <a:off x="0" y="409739"/>
-        <a:ext cx="6015136" cy="985320"/>
+        <a:off x="0" y="453187"/>
+        <a:ext cx="6015136" cy="976005"/>
       </dsp:txXfrm>
     </dsp:sp>
     <dsp:sp modelId="{80CA02E9-5531-4A3E-BCDA-6D66986185BD}">
@@ -3842,8 +3844,8 @@
       </dsp:nvSpPr>
       <dsp:spPr>
         <a:xfrm>
-          <a:off x="0" y="1395060"/>
-          <a:ext cx="6015136" cy="409500"/>
+          <a:off x="0" y="1429192"/>
+          <a:ext cx="6015136" cy="430560"/>
         </a:xfrm>
         <a:prstGeom prst="roundRect">
           <a:avLst/>
@@ -3940,8 +3942,8 @@
         </a:p>
       </dsp:txBody>
       <dsp:txXfrm>
-        <a:off x="19990" y="1415050"/>
-        <a:ext cx="5975156" cy="369520"/>
+        <a:off x="21018" y="1450210"/>
+        <a:ext cx="5973100" cy="388524"/>
       </dsp:txXfrm>
     </dsp:sp>
     <dsp:sp modelId="{C4CD9163-60DA-4E27-BF53-4506FBE8B974}">
@@ -3951,8 +3953,8 @@
       </dsp:nvSpPr>
       <dsp:spPr>
         <a:xfrm>
-          <a:off x="0" y="1804560"/>
-          <a:ext cx="6015136" cy="1362060"/>
+          <a:off x="0" y="1859752"/>
+          <a:ext cx="6015136" cy="880785"/>
         </a:xfrm>
         <a:prstGeom prst="rect">
           <a:avLst/>
@@ -4058,8 +4060,8 @@
         </a:p>
       </dsp:txBody>
       <dsp:txXfrm>
-        <a:off x="0" y="1804560"/>
-        <a:ext cx="6015136" cy="1362060"/>
+        <a:off x="0" y="1859752"/>
+        <a:ext cx="6015136" cy="880785"/>
       </dsp:txXfrm>
     </dsp:sp>
     <dsp:sp modelId="{CF96B40C-79ED-4006-BBEB-04AD03126885}">
@@ -4069,8 +4071,8 @@
       </dsp:nvSpPr>
       <dsp:spPr>
         <a:xfrm>
-          <a:off x="0" y="3166620"/>
-          <a:ext cx="6015136" cy="409500"/>
+          <a:off x="0" y="2740537"/>
+          <a:ext cx="6015136" cy="430560"/>
         </a:xfrm>
         <a:prstGeom prst="roundRect">
           <a:avLst/>
@@ -4167,8 +4169,8 @@
         </a:p>
       </dsp:txBody>
       <dsp:txXfrm>
-        <a:off x="19990" y="3186610"/>
-        <a:ext cx="5975156" cy="369520"/>
+        <a:off x="21018" y="2761555"/>
+        <a:ext cx="5973100" cy="388524"/>
       </dsp:txXfrm>
     </dsp:sp>
     <dsp:sp modelId="{F0772768-332F-46CB-8797-2AB60C57D020}">
@@ -4178,8 +4180,8 @@
       </dsp:nvSpPr>
       <dsp:spPr>
         <a:xfrm>
-          <a:off x="0" y="3576120"/>
-          <a:ext cx="6015136" cy="1420020"/>
+          <a:off x="0" y="3171097"/>
+          <a:ext cx="6015136" cy="1404495"/>
         </a:xfrm>
         <a:prstGeom prst="rect">
           <a:avLst/>
@@ -4346,8 +4348,8 @@
         </a:p>
       </dsp:txBody>
       <dsp:txXfrm>
-        <a:off x="0" y="3576120"/>
-        <a:ext cx="6015136" cy="1420020"/>
+        <a:off x="0" y="3171097"/>
+        <a:ext cx="6015136" cy="1404495"/>
       </dsp:txXfrm>
     </dsp:sp>
     <dsp:sp modelId="{A5829CDE-FA4E-4B06-B836-39C999D98F2F}">
@@ -4357,8 +4359,8 @@
       </dsp:nvSpPr>
       <dsp:spPr>
         <a:xfrm>
-          <a:off x="0" y="4996140"/>
-          <a:ext cx="6015136" cy="409500"/>
+          <a:off x="0" y="4575592"/>
+          <a:ext cx="6015136" cy="430560"/>
         </a:xfrm>
         <a:prstGeom prst="roundRect">
           <a:avLst/>
@@ -4455,8 +4457,8 @@
         </a:p>
       </dsp:txBody>
       <dsp:txXfrm>
-        <a:off x="19990" y="5016130"/>
-        <a:ext cx="5975156" cy="369520"/>
+        <a:off x="21018" y="4596610"/>
+        <a:ext cx="5973100" cy="388524"/>
       </dsp:txXfrm>
     </dsp:sp>
     <dsp:sp modelId="{B6AE6BBC-B647-4807-9D3E-1C87C967E51E}">
@@ -4466,8 +4468,8 @@
       </dsp:nvSpPr>
       <dsp:spPr>
         <a:xfrm>
-          <a:off x="0" y="5405640"/>
-          <a:ext cx="6015136" cy="289800"/>
+          <a:off x="0" y="5006152"/>
+          <a:ext cx="6015136" cy="380880"/>
         </a:xfrm>
         <a:prstGeom prst="rect">
           <a:avLst/>
@@ -4521,8 +4523,8 @@
         </a:p>
       </dsp:txBody>
       <dsp:txXfrm>
-        <a:off x="0" y="5405640"/>
-        <a:ext cx="6015136" cy="289800"/>
+        <a:off x="0" y="5006152"/>
+        <a:ext cx="6015136" cy="380880"/>
       </dsp:txXfrm>
     </dsp:sp>
     <dsp:sp modelId="{8849428A-5077-43DB-9DE7-A1A1FF7C536E}">
@@ -4532,8 +4534,8 @@
       </dsp:nvSpPr>
       <dsp:spPr>
         <a:xfrm>
-          <a:off x="0" y="5695440"/>
-          <a:ext cx="6015136" cy="409500"/>
+          <a:off x="0" y="5387032"/>
+          <a:ext cx="6015136" cy="430560"/>
         </a:xfrm>
         <a:prstGeom prst="roundRect">
           <a:avLst/>
@@ -4630,8 +4632,8 @@
         </a:p>
       </dsp:txBody>
       <dsp:txXfrm>
-        <a:off x="19990" y="5715430"/>
-        <a:ext cx="5975156" cy="369520"/>
+        <a:off x="21018" y="5408050"/>
+        <a:ext cx="5973100" cy="388524"/>
       </dsp:txXfrm>
     </dsp:sp>
     <dsp:sp modelId="{A054FA0B-1A29-4EDB-A2BE-86DCCA7D41F9}">
@@ -4641,8 +4643,8 @@
       </dsp:nvSpPr>
       <dsp:spPr>
         <a:xfrm>
-          <a:off x="0" y="6104940"/>
-          <a:ext cx="6015136" cy="115920"/>
+          <a:off x="0" y="5817592"/>
+          <a:ext cx="6015136" cy="380880"/>
         </a:xfrm>
         <a:prstGeom prst="rect">
           <a:avLst/>
@@ -4690,8 +4692,8 @@
         </a:p>
       </dsp:txBody>
       <dsp:txXfrm>
-        <a:off x="0" y="6104940"/>
-        <a:ext cx="6015136" cy="115920"/>
+        <a:off x="0" y="5817592"/>
+        <a:ext cx="6015136" cy="380880"/>
       </dsp:txXfrm>
     </dsp:sp>
   </dsp:spTree>
@@ -7364,7 +7366,7 @@
           <a:p>
             <a:fld id="{05B54FE6-24C6-4DC4-9635-88231CF56E65}" type="datetimeFigureOut">
               <a:rPr lang="zh-TW" altLang="en-US" smtClean="0"/>
-              <a:t>2024/3/14</a:t>
+              <a:t>2024/4/18</a:t>
             </a:fld>
             <a:endParaRPr lang="zh-TW" altLang="en-US"/>
           </a:p>
@@ -7562,7 +7564,7 @@
           <a:p>
             <a:fld id="{05B54FE6-24C6-4DC4-9635-88231CF56E65}" type="datetimeFigureOut">
               <a:rPr lang="zh-TW" altLang="en-US" smtClean="0"/>
-              <a:t>2024/3/14</a:t>
+              <a:t>2024/4/18</a:t>
             </a:fld>
             <a:endParaRPr lang="zh-TW" altLang="en-US"/>
           </a:p>
@@ -7770,7 +7772,7 @@
           <a:p>
             <a:fld id="{05B54FE6-24C6-4DC4-9635-88231CF56E65}" type="datetimeFigureOut">
               <a:rPr lang="zh-TW" altLang="en-US" smtClean="0"/>
-              <a:t>2024/3/14</a:t>
+              <a:t>2024/4/18</a:t>
             </a:fld>
             <a:endParaRPr lang="zh-TW" altLang="en-US"/>
           </a:p>
@@ -7968,7 +7970,7 @@
           <a:p>
             <a:fld id="{05B54FE6-24C6-4DC4-9635-88231CF56E65}" type="datetimeFigureOut">
               <a:rPr lang="zh-TW" altLang="en-US" smtClean="0"/>
-              <a:t>2024/3/14</a:t>
+              <a:t>2024/4/18</a:t>
             </a:fld>
             <a:endParaRPr lang="zh-TW" altLang="en-US"/>
           </a:p>
@@ -8243,7 +8245,7 @@
           <a:p>
             <a:fld id="{05B54FE6-24C6-4DC4-9635-88231CF56E65}" type="datetimeFigureOut">
               <a:rPr lang="zh-TW" altLang="en-US" smtClean="0"/>
-              <a:t>2024/3/14</a:t>
+              <a:t>2024/4/18</a:t>
             </a:fld>
             <a:endParaRPr lang="zh-TW" altLang="en-US"/>
           </a:p>
@@ -8508,7 +8510,7 @@
           <a:p>
             <a:fld id="{05B54FE6-24C6-4DC4-9635-88231CF56E65}" type="datetimeFigureOut">
               <a:rPr lang="zh-TW" altLang="en-US" smtClean="0"/>
-              <a:t>2024/3/14</a:t>
+              <a:t>2024/4/18</a:t>
             </a:fld>
             <a:endParaRPr lang="zh-TW" altLang="en-US"/>
           </a:p>
@@ -8920,7 +8922,7 @@
           <a:p>
             <a:fld id="{05B54FE6-24C6-4DC4-9635-88231CF56E65}" type="datetimeFigureOut">
               <a:rPr lang="zh-TW" altLang="en-US" smtClean="0"/>
-              <a:t>2024/3/14</a:t>
+              <a:t>2024/4/18</a:t>
             </a:fld>
             <a:endParaRPr lang="zh-TW" altLang="en-US"/>
           </a:p>
@@ -9061,7 +9063,7 @@
           <a:p>
             <a:fld id="{05B54FE6-24C6-4DC4-9635-88231CF56E65}" type="datetimeFigureOut">
               <a:rPr lang="zh-TW" altLang="en-US" smtClean="0"/>
-              <a:t>2024/3/14</a:t>
+              <a:t>2024/4/18</a:t>
             </a:fld>
             <a:endParaRPr lang="zh-TW" altLang="en-US"/>
           </a:p>
@@ -9174,7 +9176,7 @@
           <a:p>
             <a:fld id="{05B54FE6-24C6-4DC4-9635-88231CF56E65}" type="datetimeFigureOut">
               <a:rPr lang="zh-TW" altLang="en-US" smtClean="0"/>
-              <a:t>2024/3/14</a:t>
+              <a:t>2024/4/18</a:t>
             </a:fld>
             <a:endParaRPr lang="zh-TW" altLang="en-US"/>
           </a:p>
@@ -9485,7 +9487,7 @@
           <a:p>
             <a:fld id="{05B54FE6-24C6-4DC4-9635-88231CF56E65}" type="datetimeFigureOut">
               <a:rPr lang="zh-TW" altLang="en-US" smtClean="0"/>
-              <a:t>2024/3/14</a:t>
+              <a:t>2024/4/18</a:t>
             </a:fld>
             <a:endParaRPr lang="zh-TW" altLang="en-US"/>
           </a:p>
@@ -9773,7 +9775,7 @@
           <a:p>
             <a:fld id="{05B54FE6-24C6-4DC4-9635-88231CF56E65}" type="datetimeFigureOut">
               <a:rPr lang="zh-TW" altLang="en-US" smtClean="0"/>
-              <a:t>2024/3/14</a:t>
+              <a:t>2024/4/18</a:t>
             </a:fld>
             <a:endParaRPr lang="zh-TW" altLang="en-US"/>
           </a:p>
@@ -10014,7 +10016,7 @@
           <a:p>
             <a:fld id="{05B54FE6-24C6-4DC4-9635-88231CF56E65}" type="datetimeFigureOut">
               <a:rPr lang="zh-TW" altLang="en-US" smtClean="0"/>
-              <a:t>2024/3/14</a:t>
+              <a:t>2024/4/18</a:t>
             </a:fld>
             <a:endParaRPr lang="zh-TW" altLang="en-US"/>
           </a:p>
@@ -10485,6 +10487,562 @@
     <p:extLst>
       <p:ext uri="{BB962C8B-B14F-4D97-AF65-F5344CB8AC3E}">
         <p14:creationId xmlns:p14="http://schemas.microsoft.com/office/powerpoint/2010/main" val="2432406320"/>
+      </p:ext>
+    </p:extLst>
+  </p:cSld>
+  <p:clrMapOvr>
+    <a:masterClrMapping/>
+  </p:clrMapOvr>
+</p:sld>
+</file>
+
+<file path=ppt/slides/slide10.xml><?xml version="1.0" encoding="utf-8"?>
+<p:sld xmlns:a="http://schemas.openxmlformats.org/drawingml/2006/main" xmlns:r="http://schemas.openxmlformats.org/officeDocument/2006/relationships" xmlns:p="http://schemas.openxmlformats.org/presentationml/2006/main">
+  <p:cSld>
+    <p:spTree>
+      <p:nvGrpSpPr>
+        <p:cNvPr id="1" name=""/>
+        <p:cNvGrpSpPr/>
+        <p:nvPr/>
+      </p:nvGrpSpPr>
+      <p:grpSpPr>
+        <a:xfrm>
+          <a:off x="0" y="0"/>
+          <a:ext cx="0" cy="0"/>
+          <a:chOff x="0" y="0"/>
+          <a:chExt cx="0" cy="0"/>
+        </a:xfrm>
+      </p:grpSpPr>
+      <p:graphicFrame>
+        <p:nvGraphicFramePr>
+          <p:cNvPr id="3" name="表格 2">
+            <a:extLst>
+              <a:ext uri="{FF2B5EF4-FFF2-40B4-BE49-F238E27FC236}">
+                <a16:creationId xmlns:a16="http://schemas.microsoft.com/office/drawing/2014/main" id="{0B9974B7-B9CA-991D-B8E6-259484633B64}"/>
+              </a:ext>
+            </a:extLst>
+          </p:cNvPr>
+          <p:cNvGraphicFramePr>
+            <a:graphicFrameLocks noGrp="1"/>
+          </p:cNvGraphicFramePr>
+          <p:nvPr>
+            <p:extLst>
+              <p:ext uri="{D42A27DB-BD31-4B8C-83A1-F6EECF244321}">
+                <p14:modId xmlns:p14="http://schemas.microsoft.com/office/powerpoint/2010/main" val="4135057827"/>
+              </p:ext>
+            </p:extLst>
+          </p:nvPr>
+        </p:nvGraphicFramePr>
+        <p:xfrm>
+          <a:off x="2753895" y="1329265"/>
+          <a:ext cx="3759200" cy="2793556"/>
+        </p:xfrm>
+        <a:graphic>
+          <a:graphicData uri="http://schemas.openxmlformats.org/drawingml/2006/table">
+            <a:tbl>
+              <a:tblPr firstRow="1" bandRow="1">
+                <a:tableStyleId>{2D5ABB26-0587-4C30-8999-92F81FD0307C}</a:tableStyleId>
+              </a:tblPr>
+              <a:tblGrid>
+                <a:gridCol w="1716118">
+                  <a:extLst>
+                    <a:ext uri="{9D8B030D-6E8A-4147-A177-3AD203B41FA5}">
+                      <a16:colId xmlns:a16="http://schemas.microsoft.com/office/drawing/2014/main" val="3066988928"/>
+                    </a:ext>
+                  </a:extLst>
+                </a:gridCol>
+                <a:gridCol w="2043082">
+                  <a:extLst>
+                    <a:ext uri="{9D8B030D-6E8A-4147-A177-3AD203B41FA5}">
+                      <a16:colId xmlns:a16="http://schemas.microsoft.com/office/drawing/2014/main" val="87938232"/>
+                    </a:ext>
+                  </a:extLst>
+                </a:gridCol>
+              </a:tblGrid>
+              <a:tr h="698389">
+                <a:tc>
+                  <a:txBody>
+                    <a:bodyPr/>
+                    <a:lstStyle/>
+                    <a:p>
+                      <a:pPr algn="ctr"/>
+                      <a:r>
+                        <a:rPr lang="zh-TW" altLang="en-US" sz="2400" dirty="0">
+                          <a:latin typeface="標楷體" panose="03000509000000000000" pitchFamily="65" charset="-120"/>
+                          <a:ea typeface="標楷體" panose="03000509000000000000" pitchFamily="65" charset="-120"/>
+                        </a:rPr>
+                        <a:t>第二類研究</a:t>
+                      </a:r>
+                    </a:p>
+                  </a:txBody>
+                  <a:tcPr anchor="ctr">
+                    <a:lnL w="12700" cap="flat" cmpd="sng" algn="ctr">
+                      <a:solidFill>
+                        <a:schemeClr val="tx1"/>
+                      </a:solidFill>
+                      <a:prstDash val="solid"/>
+                      <a:round/>
+                      <a:headEnd type="none" w="med" len="med"/>
+                      <a:tailEnd type="none" w="med" len="med"/>
+                    </a:lnL>
+                    <a:lnR w="12700" cap="flat" cmpd="sng" algn="ctr">
+                      <a:solidFill>
+                        <a:schemeClr val="tx1"/>
+                      </a:solidFill>
+                      <a:prstDash val="solid"/>
+                      <a:round/>
+                      <a:headEnd type="none" w="med" len="med"/>
+                      <a:tailEnd type="none" w="med" len="med"/>
+                    </a:lnR>
+                    <a:lnT w="12700" cap="flat" cmpd="sng" algn="ctr">
+                      <a:solidFill>
+                        <a:schemeClr val="tx1"/>
+                      </a:solidFill>
+                      <a:prstDash val="solid"/>
+                      <a:round/>
+                      <a:headEnd type="none" w="med" len="med"/>
+                      <a:tailEnd type="none" w="med" len="med"/>
+                    </a:lnT>
+                    <a:lnB w="12700" cap="flat" cmpd="sng" algn="ctr">
+                      <a:solidFill>
+                        <a:schemeClr val="tx1"/>
+                      </a:solidFill>
+                      <a:prstDash val="solid"/>
+                      <a:round/>
+                      <a:headEnd type="none" w="med" len="med"/>
+                      <a:tailEnd type="none" w="med" len="med"/>
+                    </a:lnB>
+                    <a:solidFill>
+                      <a:schemeClr val="accent2"/>
+                    </a:solidFill>
+                  </a:tcPr>
+                </a:tc>
+                <a:tc>
+                  <a:txBody>
+                    <a:bodyPr/>
+                    <a:lstStyle/>
+                    <a:p>
+                      <a:pPr algn="ctr"/>
+                      <a:r>
+                        <a:rPr lang="zh-TW" altLang="en-US" sz="2400" dirty="0">
+                          <a:latin typeface="標楷體" panose="03000509000000000000" pitchFamily="65" charset="-120"/>
+                          <a:ea typeface="標楷體" panose="03000509000000000000" pitchFamily="65" charset="-120"/>
+                        </a:rPr>
+                        <a:t>第一類研究</a:t>
+                      </a:r>
+                    </a:p>
+                  </a:txBody>
+                  <a:tcPr anchor="ctr">
+                    <a:lnL w="12700" cap="flat" cmpd="sng" algn="ctr">
+                      <a:solidFill>
+                        <a:schemeClr val="tx1"/>
+                      </a:solidFill>
+                      <a:prstDash val="solid"/>
+                      <a:round/>
+                      <a:headEnd type="none" w="med" len="med"/>
+                      <a:tailEnd type="none" w="med" len="med"/>
+                    </a:lnL>
+                    <a:lnR w="12700" cap="flat" cmpd="sng" algn="ctr">
+                      <a:solidFill>
+                        <a:schemeClr val="tx1"/>
+                      </a:solidFill>
+                      <a:prstDash val="solid"/>
+                      <a:round/>
+                      <a:headEnd type="none" w="med" len="med"/>
+                      <a:tailEnd type="none" w="med" len="med"/>
+                    </a:lnR>
+                    <a:lnT w="12700" cap="flat" cmpd="sng" algn="ctr">
+                      <a:solidFill>
+                        <a:schemeClr val="tx1"/>
+                      </a:solidFill>
+                      <a:prstDash val="solid"/>
+                      <a:round/>
+                      <a:headEnd type="none" w="med" len="med"/>
+                      <a:tailEnd type="none" w="med" len="med"/>
+                    </a:lnT>
+                    <a:lnB w="12700" cap="flat" cmpd="sng" algn="ctr">
+                      <a:solidFill>
+                        <a:schemeClr val="tx1"/>
+                      </a:solidFill>
+                      <a:prstDash val="solid"/>
+                      <a:round/>
+                      <a:headEnd type="none" w="med" len="med"/>
+                      <a:tailEnd type="none" w="med" len="med"/>
+                    </a:lnB>
+                    <a:solidFill>
+                      <a:schemeClr val="accent2"/>
+                    </a:solidFill>
+                  </a:tcPr>
+                </a:tc>
+                <a:extLst>
+                  <a:ext uri="{0D108BD9-81ED-4DB2-BD59-A6C34878D82A}">
+                    <a16:rowId xmlns:a16="http://schemas.microsoft.com/office/drawing/2014/main" val="334022300"/>
+                  </a:ext>
+                </a:extLst>
+              </a:tr>
+              <a:tr h="698389">
+                <a:tc>
+                  <a:txBody>
+                    <a:bodyPr/>
+                    <a:lstStyle/>
+                    <a:p>
+                      <a:pPr algn="ctr"/>
+                      <a:r>
+                        <a:rPr lang="zh-TW" altLang="en-US" sz="2400" dirty="0">
+                          <a:latin typeface="標楷體" panose="03000509000000000000" pitchFamily="65" charset="-120"/>
+                          <a:ea typeface="標楷體" panose="03000509000000000000" pitchFamily="65" charset="-120"/>
+                        </a:rPr>
+                        <a:t>非結構化</a:t>
+                      </a:r>
+                    </a:p>
+                  </a:txBody>
+                  <a:tcPr anchor="ctr">
+                    <a:lnL w="12700" cap="flat" cmpd="sng" algn="ctr">
+                      <a:solidFill>
+                        <a:schemeClr val="tx1"/>
+                      </a:solidFill>
+                      <a:prstDash val="solid"/>
+                      <a:round/>
+                      <a:headEnd type="none" w="med" len="med"/>
+                      <a:tailEnd type="none" w="med" len="med"/>
+                    </a:lnL>
+                    <a:lnR w="12700" cap="flat" cmpd="sng" algn="ctr">
+                      <a:solidFill>
+                        <a:schemeClr val="tx1"/>
+                      </a:solidFill>
+                      <a:prstDash val="solid"/>
+                      <a:round/>
+                      <a:headEnd type="none" w="med" len="med"/>
+                      <a:tailEnd type="none" w="med" len="med"/>
+                    </a:lnR>
+                    <a:lnT w="12700" cap="flat" cmpd="sng" algn="ctr">
+                      <a:solidFill>
+                        <a:schemeClr val="tx1"/>
+                      </a:solidFill>
+                      <a:prstDash val="solid"/>
+                      <a:round/>
+                      <a:headEnd type="none" w="med" len="med"/>
+                      <a:tailEnd type="none" w="med" len="med"/>
+                    </a:lnT>
+                    <a:lnB w="12700" cap="flat" cmpd="sng" algn="ctr">
+                      <a:solidFill>
+                        <a:schemeClr val="tx1"/>
+                      </a:solidFill>
+                      <a:prstDash val="solid"/>
+                      <a:round/>
+                      <a:headEnd type="none" w="med" len="med"/>
+                      <a:tailEnd type="none" w="med" len="med"/>
+                    </a:lnB>
+                  </a:tcPr>
+                </a:tc>
+                <a:tc>
+                  <a:txBody>
+                    <a:bodyPr/>
+                    <a:lstStyle/>
+                    <a:p>
+                      <a:pPr algn="ctr"/>
+                      <a:r>
+                        <a:rPr lang="zh-TW" altLang="en-US" sz="2400" dirty="0">
+                          <a:latin typeface="標楷體" panose="03000509000000000000" pitchFamily="65" charset="-120"/>
+                          <a:ea typeface="標楷體" panose="03000509000000000000" pitchFamily="65" charset="-120"/>
+                        </a:rPr>
+                        <a:t>完全非結構化</a:t>
+                      </a:r>
+                      <a:endParaRPr lang="en-US" altLang="zh-TW" sz="2400" dirty="0">
+                        <a:latin typeface="標楷體" panose="03000509000000000000" pitchFamily="65" charset="-120"/>
+                        <a:ea typeface="標楷體" panose="03000509000000000000" pitchFamily="65" charset="-120"/>
+                      </a:endParaRPr>
+                    </a:p>
+                  </a:txBody>
+                  <a:tcPr anchor="ctr">
+                    <a:lnL w="12700" cap="flat" cmpd="sng" algn="ctr">
+                      <a:solidFill>
+                        <a:schemeClr val="tx1"/>
+                      </a:solidFill>
+                      <a:prstDash val="solid"/>
+                      <a:round/>
+                      <a:headEnd type="none" w="med" len="med"/>
+                      <a:tailEnd type="none" w="med" len="med"/>
+                    </a:lnL>
+                    <a:lnR w="12700" cap="flat" cmpd="sng" algn="ctr">
+                      <a:solidFill>
+                        <a:schemeClr val="tx1"/>
+                      </a:solidFill>
+                      <a:prstDash val="solid"/>
+                      <a:round/>
+                      <a:headEnd type="none" w="med" len="med"/>
+                      <a:tailEnd type="none" w="med" len="med"/>
+                    </a:lnR>
+                    <a:lnT w="12700" cap="flat" cmpd="sng" algn="ctr">
+                      <a:solidFill>
+                        <a:schemeClr val="tx1"/>
+                      </a:solidFill>
+                      <a:prstDash val="solid"/>
+                      <a:round/>
+                      <a:headEnd type="none" w="med" len="med"/>
+                      <a:tailEnd type="none" w="med" len="med"/>
+                    </a:lnT>
+                    <a:lnB w="12700" cap="flat" cmpd="sng" algn="ctr">
+                      <a:solidFill>
+                        <a:schemeClr val="tx1"/>
+                      </a:solidFill>
+                      <a:prstDash val="solid"/>
+                      <a:round/>
+                      <a:headEnd type="none" w="med" len="med"/>
+                      <a:tailEnd type="none" w="med" len="med"/>
+                    </a:lnB>
+                  </a:tcPr>
+                </a:tc>
+                <a:extLst>
+                  <a:ext uri="{0D108BD9-81ED-4DB2-BD59-A6C34878D82A}">
+                    <a16:rowId xmlns:a16="http://schemas.microsoft.com/office/drawing/2014/main" val="394011010"/>
+                  </a:ext>
+                </a:extLst>
+              </a:tr>
+              <a:tr h="698389">
+                <a:tc>
+                  <a:txBody>
+                    <a:bodyPr/>
+                    <a:lstStyle/>
+                    <a:p>
+                      <a:pPr algn="ctr"/>
+                      <a:r>
+                        <a:rPr lang="zh-TW" altLang="en-US" sz="2400" dirty="0">
+                          <a:latin typeface="標楷體" panose="03000509000000000000" pitchFamily="65" charset="-120"/>
+                          <a:ea typeface="標楷體" panose="03000509000000000000" pitchFamily="65" charset="-120"/>
+                        </a:rPr>
+                        <a:t>第四類研究</a:t>
+                      </a:r>
+                    </a:p>
+                  </a:txBody>
+                  <a:tcPr anchor="ctr">
+                    <a:lnL w="12700" cap="flat" cmpd="sng" algn="ctr">
+                      <a:solidFill>
+                        <a:schemeClr val="tx1"/>
+                      </a:solidFill>
+                      <a:prstDash val="solid"/>
+                      <a:round/>
+                      <a:headEnd type="none" w="med" len="med"/>
+                      <a:tailEnd type="none" w="med" len="med"/>
+                    </a:lnL>
+                    <a:lnR w="12700" cap="flat" cmpd="sng" algn="ctr">
+                      <a:solidFill>
+                        <a:schemeClr val="tx1"/>
+                      </a:solidFill>
+                      <a:prstDash val="solid"/>
+                      <a:round/>
+                      <a:headEnd type="none" w="med" len="med"/>
+                      <a:tailEnd type="none" w="med" len="med"/>
+                    </a:lnR>
+                    <a:lnT w="12700" cap="flat" cmpd="sng" algn="ctr">
+                      <a:solidFill>
+                        <a:schemeClr val="tx1"/>
+                      </a:solidFill>
+                      <a:prstDash val="solid"/>
+                      <a:round/>
+                      <a:headEnd type="none" w="med" len="med"/>
+                      <a:tailEnd type="none" w="med" len="med"/>
+                    </a:lnT>
+                    <a:lnB w="12700" cap="flat" cmpd="sng" algn="ctr">
+                      <a:solidFill>
+                        <a:schemeClr val="tx1"/>
+                      </a:solidFill>
+                      <a:prstDash val="solid"/>
+                      <a:round/>
+                      <a:headEnd type="none" w="med" len="med"/>
+                      <a:tailEnd type="none" w="med" len="med"/>
+                    </a:lnB>
+                    <a:solidFill>
+                      <a:schemeClr val="accent2"/>
+                    </a:solidFill>
+                  </a:tcPr>
+                </a:tc>
+                <a:tc>
+                  <a:txBody>
+                    <a:bodyPr/>
+                    <a:lstStyle/>
+                    <a:p>
+                      <a:pPr algn="ctr"/>
+                      <a:r>
+                        <a:rPr lang="zh-TW" altLang="en-US" sz="2400" dirty="0">
+                          <a:latin typeface="標楷體" panose="03000509000000000000" pitchFamily="65" charset="-120"/>
+                          <a:ea typeface="標楷體" panose="03000509000000000000" pitchFamily="65" charset="-120"/>
+                        </a:rPr>
+                        <a:t>第三類研究</a:t>
+                      </a:r>
+                    </a:p>
+                  </a:txBody>
+                  <a:tcPr anchor="ctr">
+                    <a:lnL w="12700" cap="flat" cmpd="sng" algn="ctr">
+                      <a:solidFill>
+                        <a:schemeClr val="tx1"/>
+                      </a:solidFill>
+                      <a:prstDash val="solid"/>
+                      <a:round/>
+                      <a:headEnd type="none" w="med" len="med"/>
+                      <a:tailEnd type="none" w="med" len="med"/>
+                    </a:lnL>
+                    <a:lnR w="12700" cap="flat" cmpd="sng" algn="ctr">
+                      <a:solidFill>
+                        <a:schemeClr val="tx1"/>
+                      </a:solidFill>
+                      <a:prstDash val="solid"/>
+                      <a:round/>
+                      <a:headEnd type="none" w="med" len="med"/>
+                      <a:tailEnd type="none" w="med" len="med"/>
+                    </a:lnR>
+                    <a:lnT w="12700" cap="flat" cmpd="sng" algn="ctr">
+                      <a:solidFill>
+                        <a:schemeClr val="tx1"/>
+                      </a:solidFill>
+                      <a:prstDash val="solid"/>
+                      <a:round/>
+                      <a:headEnd type="none" w="med" len="med"/>
+                      <a:tailEnd type="none" w="med" len="med"/>
+                    </a:lnT>
+                    <a:lnB w="12700" cap="flat" cmpd="sng" algn="ctr">
+                      <a:solidFill>
+                        <a:schemeClr val="tx1"/>
+                      </a:solidFill>
+                      <a:prstDash val="solid"/>
+                      <a:round/>
+                      <a:headEnd type="none" w="med" len="med"/>
+                      <a:tailEnd type="none" w="med" len="med"/>
+                    </a:lnB>
+                    <a:solidFill>
+                      <a:schemeClr val="accent2"/>
+                    </a:solidFill>
+                  </a:tcPr>
+                </a:tc>
+                <a:extLst>
+                  <a:ext uri="{0D108BD9-81ED-4DB2-BD59-A6C34878D82A}">
+                    <a16:rowId xmlns:a16="http://schemas.microsoft.com/office/drawing/2014/main" val="3870357345"/>
+                  </a:ext>
+                </a:extLst>
+              </a:tr>
+              <a:tr h="698389">
+                <a:tc>
+                  <a:txBody>
+                    <a:bodyPr/>
+                    <a:lstStyle/>
+                    <a:p>
+                      <a:pPr algn="ctr"/>
+                      <a:r>
+                        <a:rPr lang="zh-TW" altLang="en-US" sz="2400" dirty="0">
+                          <a:latin typeface="標楷體" panose="03000509000000000000" pitchFamily="65" charset="-120"/>
+                          <a:ea typeface="標楷體" panose="03000509000000000000" pitchFamily="65" charset="-120"/>
+                        </a:rPr>
+                        <a:t>完全結構化</a:t>
+                      </a:r>
+                    </a:p>
+                  </a:txBody>
+                  <a:tcPr anchor="ctr">
+                    <a:lnL w="12700" cap="flat" cmpd="sng" algn="ctr">
+                      <a:solidFill>
+                        <a:schemeClr val="tx1"/>
+                      </a:solidFill>
+                      <a:prstDash val="solid"/>
+                      <a:round/>
+                      <a:headEnd type="none" w="med" len="med"/>
+                      <a:tailEnd type="none" w="med" len="med"/>
+                    </a:lnL>
+                    <a:lnR w="12700" cap="flat" cmpd="sng" algn="ctr">
+                      <a:solidFill>
+                        <a:schemeClr val="tx1"/>
+                      </a:solidFill>
+                      <a:prstDash val="solid"/>
+                      <a:round/>
+                      <a:headEnd type="none" w="med" len="med"/>
+                      <a:tailEnd type="none" w="med" len="med"/>
+                    </a:lnR>
+                    <a:lnT w="12700" cap="flat" cmpd="sng" algn="ctr">
+                      <a:solidFill>
+                        <a:schemeClr val="tx1"/>
+                      </a:solidFill>
+                      <a:prstDash val="solid"/>
+                      <a:round/>
+                      <a:headEnd type="none" w="med" len="med"/>
+                      <a:tailEnd type="none" w="med" len="med"/>
+                    </a:lnT>
+                    <a:lnB w="12700" cap="flat" cmpd="sng" algn="ctr">
+                      <a:solidFill>
+                        <a:schemeClr val="tx1"/>
+                      </a:solidFill>
+                      <a:prstDash val="solid"/>
+                      <a:round/>
+                      <a:headEnd type="none" w="med" len="med"/>
+                      <a:tailEnd type="none" w="med" len="med"/>
+                    </a:lnB>
+                  </a:tcPr>
+                </a:tc>
+                <a:tc>
+                  <a:txBody>
+                    <a:bodyPr/>
+                    <a:lstStyle/>
+                    <a:p>
+                      <a:pPr algn="ctr"/>
+                      <a:r>
+                        <a:rPr lang="zh-TW" altLang="en-US" sz="2400" dirty="0">
+                          <a:latin typeface="標楷體" panose="03000509000000000000" pitchFamily="65" charset="-120"/>
+                          <a:ea typeface="標楷體" panose="03000509000000000000" pitchFamily="65" charset="-120"/>
+                        </a:rPr>
+                        <a:t>結構化</a:t>
+                      </a:r>
+                    </a:p>
+                  </a:txBody>
+                  <a:tcPr anchor="ctr">
+                    <a:lnL w="12700" cap="flat" cmpd="sng" algn="ctr">
+                      <a:solidFill>
+                        <a:schemeClr val="tx1"/>
+                      </a:solidFill>
+                      <a:prstDash val="solid"/>
+                      <a:round/>
+                      <a:headEnd type="none" w="med" len="med"/>
+                      <a:tailEnd type="none" w="med" len="med"/>
+                    </a:lnL>
+                    <a:lnR w="12700" cap="flat" cmpd="sng" algn="ctr">
+                      <a:solidFill>
+                        <a:schemeClr val="tx1"/>
+                      </a:solidFill>
+                      <a:prstDash val="solid"/>
+                      <a:round/>
+                      <a:headEnd type="none" w="med" len="med"/>
+                      <a:tailEnd type="none" w="med" len="med"/>
+                    </a:lnR>
+                    <a:lnT w="12700" cap="flat" cmpd="sng" algn="ctr">
+                      <a:solidFill>
+                        <a:schemeClr val="tx1"/>
+                      </a:solidFill>
+                      <a:prstDash val="solid"/>
+                      <a:round/>
+                      <a:headEnd type="none" w="med" len="med"/>
+                      <a:tailEnd type="none" w="med" len="med"/>
+                    </a:lnT>
+                    <a:lnB w="12700" cap="flat" cmpd="sng" algn="ctr">
+                      <a:solidFill>
+                        <a:schemeClr val="tx1"/>
+                      </a:solidFill>
+                      <a:prstDash val="solid"/>
+                      <a:round/>
+                      <a:headEnd type="none" w="med" len="med"/>
+                      <a:tailEnd type="none" w="med" len="med"/>
+                    </a:lnB>
+                  </a:tcPr>
+                </a:tc>
+                <a:extLst>
+                  <a:ext uri="{0D108BD9-81ED-4DB2-BD59-A6C34878D82A}">
+                    <a16:rowId xmlns:a16="http://schemas.microsoft.com/office/drawing/2014/main" val="3732405539"/>
+                  </a:ext>
+                </a:extLst>
+              </a:tr>
+            </a:tbl>
+          </a:graphicData>
+        </a:graphic>
+      </p:graphicFrame>
+    </p:spTree>
+    <p:extLst>
+      <p:ext uri="{BB962C8B-B14F-4D97-AF65-F5344CB8AC3E}">
+        <p14:creationId xmlns:p14="http://schemas.microsoft.com/office/powerpoint/2010/main" val="3458911099"/>
       </p:ext>
     </p:extLst>
   </p:cSld>
@@ -13559,6 +14117,375 @@
 </p:sld>
 </file>
 
+<file path=ppt/slides/slide9.xml><?xml version="1.0" encoding="utf-8"?>
+<p:sld xmlns:a="http://schemas.openxmlformats.org/drawingml/2006/main" xmlns:r="http://schemas.openxmlformats.org/officeDocument/2006/relationships" xmlns:p="http://schemas.openxmlformats.org/presentationml/2006/main">
+  <p:cSld>
+    <p:spTree>
+      <p:nvGrpSpPr>
+        <p:cNvPr id="1" name=""/>
+        <p:cNvGrpSpPr/>
+        <p:nvPr/>
+      </p:nvGrpSpPr>
+      <p:grpSpPr>
+        <a:xfrm>
+          <a:off x="0" y="0"/>
+          <a:ext cx="0" cy="0"/>
+          <a:chOff x="0" y="0"/>
+          <a:chExt cx="0" cy="0"/>
+        </a:xfrm>
+      </p:grpSpPr>
+      <p:graphicFrame>
+        <p:nvGraphicFramePr>
+          <p:cNvPr id="2" name="表格 1">
+            <a:extLst>
+              <a:ext uri="{FF2B5EF4-FFF2-40B4-BE49-F238E27FC236}">
+                <a16:creationId xmlns:a16="http://schemas.microsoft.com/office/drawing/2014/main" id="{EF2A7FA0-B4FC-AB53-AD97-D051FF5A8F97}"/>
+              </a:ext>
+            </a:extLst>
+          </p:cNvPr>
+          <p:cNvGraphicFramePr>
+            <a:graphicFrameLocks noGrp="1"/>
+          </p:cNvGraphicFramePr>
+          <p:nvPr>
+            <p:extLst>
+              <p:ext uri="{D42A27DB-BD31-4B8C-83A1-F6EECF244321}">
+                <p14:modId xmlns:p14="http://schemas.microsoft.com/office/powerpoint/2010/main" val="188142228"/>
+              </p:ext>
+            </p:extLst>
+          </p:nvPr>
+        </p:nvGraphicFramePr>
+        <p:xfrm>
+          <a:off x="2032000" y="719666"/>
+          <a:ext cx="8127999" cy="2931160"/>
+        </p:xfrm>
+        <a:graphic>
+          <a:graphicData uri="http://schemas.openxmlformats.org/drawingml/2006/table">
+            <a:tbl>
+              <a:tblPr firstRow="1" bandRow="1">
+                <a:tableStyleId>{5C22544A-7EE6-4342-B048-85BDC9FD1C3A}</a:tableStyleId>
+              </a:tblPr>
+              <a:tblGrid>
+                <a:gridCol w="1529347">
+                  <a:extLst>
+                    <a:ext uri="{9D8B030D-6E8A-4147-A177-3AD203B41FA5}">
+                      <a16:colId xmlns:a16="http://schemas.microsoft.com/office/drawing/2014/main" val="754089348"/>
+                    </a:ext>
+                  </a:extLst>
+                </a:gridCol>
+                <a:gridCol w="5406190">
+                  <a:extLst>
+                    <a:ext uri="{9D8B030D-6E8A-4147-A177-3AD203B41FA5}">
+                      <a16:colId xmlns:a16="http://schemas.microsoft.com/office/drawing/2014/main" val="3254920330"/>
+                    </a:ext>
+                  </a:extLst>
+                </a:gridCol>
+                <a:gridCol w="1192462">
+                  <a:extLst>
+                    <a:ext uri="{9D8B030D-6E8A-4147-A177-3AD203B41FA5}">
+                      <a16:colId xmlns:a16="http://schemas.microsoft.com/office/drawing/2014/main" val="1908787041"/>
+                    </a:ext>
+                  </a:extLst>
+                </a:gridCol>
+              </a:tblGrid>
+              <a:tr h="370840">
+                <a:tc>
+                  <a:txBody>
+                    <a:bodyPr/>
+                    <a:lstStyle/>
+                    <a:p>
+                      <a:pPr algn="ctr"/>
+                      <a:r>
+                        <a:rPr lang="zh-TW" altLang="en-US" dirty="0">
+                          <a:latin typeface="標楷體" panose="03000509000000000000" pitchFamily="65" charset="-120"/>
+                          <a:ea typeface="標楷體" panose="03000509000000000000" pitchFamily="65" charset="-120"/>
+                        </a:rPr>
+                        <a:t>參與性比較</a:t>
+                      </a:r>
+                    </a:p>
+                  </a:txBody>
+                  <a:tcPr/>
+                </a:tc>
+                <a:tc>
+                  <a:txBody>
+                    <a:bodyPr/>
+                    <a:lstStyle/>
+                    <a:p>
+                      <a:pPr algn="ctr"/>
+                      <a:r>
+                        <a:rPr lang="zh-TW" altLang="en-US" dirty="0">
+                          <a:latin typeface="標楷體" panose="03000509000000000000" pitchFamily="65" charset="-120"/>
+                          <a:ea typeface="標楷體" panose="03000509000000000000" pitchFamily="65" charset="-120"/>
+                        </a:rPr>
+                        <a:t>觀察者的動作</a:t>
+                      </a:r>
+                    </a:p>
+                  </a:txBody>
+                  <a:tcPr/>
+                </a:tc>
+                <a:tc>
+                  <a:txBody>
+                    <a:bodyPr/>
+                    <a:lstStyle/>
+                    <a:p>
+                      <a:pPr algn="ctr"/>
+                      <a:r>
+                        <a:rPr lang="zh-TW" altLang="en-US" dirty="0">
+                          <a:latin typeface="標楷體" panose="03000509000000000000" pitchFamily="65" charset="-120"/>
+                          <a:ea typeface="標楷體" panose="03000509000000000000" pitchFamily="65" charset="-120"/>
+                        </a:rPr>
+                        <a:t>涉入程度</a:t>
+                      </a:r>
+                    </a:p>
+                  </a:txBody>
+                  <a:tcPr/>
+                </a:tc>
+                <a:extLst>
+                  <a:ext uri="{0D108BD9-81ED-4DB2-BD59-A6C34878D82A}">
+                    <a16:rowId xmlns:a16="http://schemas.microsoft.com/office/drawing/2014/main" val="2805921385"/>
+                  </a:ext>
+                </a:extLst>
+              </a:tr>
+              <a:tr h="370840">
+                <a:tc>
+                  <a:txBody>
+                    <a:bodyPr/>
+                    <a:lstStyle/>
+                    <a:p>
+                      <a:r>
+                        <a:rPr lang="zh-TW" altLang="en-US" dirty="0">
+                          <a:latin typeface="標楷體" panose="03000509000000000000" pitchFamily="65" charset="-120"/>
+                          <a:ea typeface="標楷體" panose="03000509000000000000" pitchFamily="65" charset="-120"/>
+                        </a:rPr>
+                        <a:t>局外觀察者</a:t>
+                      </a:r>
+                    </a:p>
+                  </a:txBody>
+                  <a:tcPr/>
+                </a:tc>
+                <a:tc>
+                  <a:txBody>
+                    <a:bodyPr/>
+                    <a:lstStyle/>
+                    <a:p>
+                      <a:r>
+                        <a:rPr lang="zh-TW" altLang="en-US" dirty="0">
+                          <a:latin typeface="標楷體" panose="03000509000000000000" pitchFamily="65" charset="-120"/>
+                          <a:ea typeface="標楷體" panose="03000509000000000000" pitchFamily="65" charset="-120"/>
+                        </a:rPr>
+                        <a:t>他們不知道我是來研究的，較客觀，但通常有可能會不知道他們在幹嘛、分析不到真正的用意</a:t>
+                      </a:r>
+                    </a:p>
+                  </a:txBody>
+                  <a:tcPr/>
+                </a:tc>
+                <a:tc>
+                  <a:txBody>
+                    <a:bodyPr/>
+                    <a:lstStyle/>
+                    <a:p>
+                      <a:r>
+                        <a:rPr lang="zh-TW" altLang="en-US" dirty="0">
+                          <a:latin typeface="標楷體" panose="03000509000000000000" pitchFamily="65" charset="-120"/>
+                          <a:ea typeface="標楷體" panose="03000509000000000000" pitchFamily="65" charset="-120"/>
+                        </a:rPr>
+                        <a:t>無</a:t>
+                      </a:r>
+                    </a:p>
+                  </a:txBody>
+                  <a:tcPr/>
+                </a:tc>
+                <a:extLst>
+                  <a:ext uri="{0D108BD9-81ED-4DB2-BD59-A6C34878D82A}">
+                    <a16:rowId xmlns:a16="http://schemas.microsoft.com/office/drawing/2014/main" val="1730491387"/>
+                  </a:ext>
+                </a:extLst>
+              </a:tr>
+              <a:tr h="370840">
+                <a:tc>
+                  <a:txBody>
+                    <a:bodyPr/>
+                    <a:lstStyle/>
+                    <a:p>
+                      <a:r>
+                        <a:rPr lang="zh-TW" altLang="en-US" dirty="0">
+                          <a:latin typeface="標楷體" panose="03000509000000000000" pitchFamily="65" charset="-120"/>
+                          <a:ea typeface="標楷體" panose="03000509000000000000" pitchFamily="65" charset="-120"/>
+                        </a:rPr>
+                        <a:t>觀察者參與</a:t>
+                      </a:r>
+                      <a:endParaRPr lang="en-US" altLang="zh-TW" dirty="0">
+                        <a:latin typeface="標楷體" panose="03000509000000000000" pitchFamily="65" charset="-120"/>
+                        <a:ea typeface="標楷體" panose="03000509000000000000" pitchFamily="65" charset="-120"/>
+                      </a:endParaRPr>
+                    </a:p>
+                  </a:txBody>
+                  <a:tcPr/>
+                </a:tc>
+                <a:tc>
+                  <a:txBody>
+                    <a:bodyPr/>
+                    <a:lstStyle/>
+                    <a:p>
+                      <a:r>
+                        <a:rPr lang="zh-TW" altLang="en-US" dirty="0">
+                          <a:latin typeface="標楷體" panose="03000509000000000000" pitchFamily="65" charset="-120"/>
+                          <a:ea typeface="標楷體" panose="03000509000000000000" pitchFamily="65" charset="-120"/>
+                        </a:rPr>
+                        <a:t>他們知道我是來研究的，還可以一起互動、參與他們的活動</a:t>
+                      </a:r>
+                    </a:p>
+                  </a:txBody>
+                  <a:tcPr/>
+                </a:tc>
+                <a:tc>
+                  <a:txBody>
+                    <a:bodyPr/>
+                    <a:lstStyle/>
+                    <a:p>
+                      <a:r>
+                        <a:rPr lang="zh-TW" altLang="en-US" dirty="0">
+                          <a:latin typeface="標楷體" panose="03000509000000000000" pitchFamily="65" charset="-120"/>
+                          <a:ea typeface="標楷體" panose="03000509000000000000" pitchFamily="65" charset="-120"/>
+                        </a:rPr>
+                        <a:t>低</a:t>
+                      </a:r>
+                    </a:p>
+                  </a:txBody>
+                  <a:tcPr/>
+                </a:tc>
+                <a:extLst>
+                  <a:ext uri="{0D108BD9-81ED-4DB2-BD59-A6C34878D82A}">
+                    <a16:rowId xmlns:a16="http://schemas.microsoft.com/office/drawing/2014/main" val="1712631041"/>
+                  </a:ext>
+                </a:extLst>
+              </a:tr>
+              <a:tr h="370840">
+                <a:tc>
+                  <a:txBody>
+                    <a:bodyPr/>
+                    <a:lstStyle/>
+                    <a:p>
+                      <a:r>
+                        <a:rPr lang="zh-TW" altLang="en-US" dirty="0">
+                          <a:latin typeface="標楷體" panose="03000509000000000000" pitchFamily="65" charset="-120"/>
+                          <a:ea typeface="標楷體" panose="03000509000000000000" pitchFamily="65" charset="-120"/>
+                        </a:rPr>
+                        <a:t>參與者觀察</a:t>
+                      </a:r>
+                    </a:p>
+                  </a:txBody>
+                  <a:tcPr/>
+                </a:tc>
+                <a:tc>
+                  <a:txBody>
+                    <a:bodyPr/>
+                    <a:lstStyle/>
+                    <a:p>
+                      <a:r>
+                        <a:rPr lang="zh-TW" altLang="en-US" dirty="0">
+                          <a:latin typeface="標楷體" panose="03000509000000000000" pitchFamily="65" charset="-120"/>
+                          <a:ea typeface="標楷體" panose="03000509000000000000" pitchFamily="65" charset="-120"/>
+                        </a:rPr>
+                        <a:t>觀察者完全參與整個研究場域的活動，但同時觀察大家，他們也知道我是來研究的</a:t>
+                      </a:r>
+                    </a:p>
+                  </a:txBody>
+                  <a:tcPr/>
+                </a:tc>
+                <a:tc>
+                  <a:txBody>
+                    <a:bodyPr/>
+                    <a:lstStyle/>
+                    <a:p>
+                      <a:r>
+                        <a:rPr lang="zh-TW" altLang="en-US" dirty="0">
+                          <a:latin typeface="標楷體" panose="03000509000000000000" pitchFamily="65" charset="-120"/>
+                          <a:ea typeface="標楷體" panose="03000509000000000000" pitchFamily="65" charset="-120"/>
+                        </a:rPr>
+                        <a:t>高</a:t>
+                      </a:r>
+                    </a:p>
+                  </a:txBody>
+                  <a:tcPr/>
+                </a:tc>
+                <a:extLst>
+                  <a:ext uri="{0D108BD9-81ED-4DB2-BD59-A6C34878D82A}">
+                    <a16:rowId xmlns:a16="http://schemas.microsoft.com/office/drawing/2014/main" val="3616486472"/>
+                  </a:ext>
+                </a:extLst>
+              </a:tr>
+              <a:tr h="370840">
+                <a:tc>
+                  <a:txBody>
+                    <a:bodyPr/>
+                    <a:lstStyle/>
+                    <a:p>
+                      <a:r>
+                        <a:rPr lang="zh-TW" altLang="en-US" dirty="0">
+                          <a:latin typeface="標楷體" panose="03000509000000000000" pitchFamily="65" charset="-120"/>
+                          <a:ea typeface="標楷體" panose="03000509000000000000" pitchFamily="65" charset="-120"/>
+                        </a:rPr>
+                        <a:t>完全參與者</a:t>
+                      </a:r>
+                    </a:p>
+                  </a:txBody>
+                  <a:tcPr/>
+                </a:tc>
+                <a:tc>
+                  <a:txBody>
+                    <a:bodyPr/>
+                    <a:lstStyle/>
+                    <a:p>
+                      <a:r>
+                        <a:rPr lang="zh-TW" altLang="en-US" dirty="0">
+                          <a:latin typeface="標楷體" panose="03000509000000000000" pitchFamily="65" charset="-120"/>
+                          <a:ea typeface="標楷體" panose="03000509000000000000" pitchFamily="65" charset="-120"/>
+                        </a:rPr>
+                        <a:t>根被觀察者做一樣的事情，被觀察者不知道這個人來幹嘛的</a:t>
+                      </a:r>
+                    </a:p>
+                  </a:txBody>
+                  <a:tcPr/>
+                </a:tc>
+                <a:tc>
+                  <a:txBody>
+                    <a:bodyPr/>
+                    <a:lstStyle/>
+                    <a:p>
+                      <a:r>
+                        <a:rPr lang="zh-TW" altLang="en-US" dirty="0">
+                          <a:latin typeface="標楷體" panose="03000509000000000000" pitchFamily="65" charset="-120"/>
+                          <a:ea typeface="標楷體" panose="03000509000000000000" pitchFamily="65" charset="-120"/>
+                        </a:rPr>
+                        <a:t>最高</a:t>
+                      </a:r>
+                    </a:p>
+                  </a:txBody>
+                  <a:tcPr/>
+                </a:tc>
+                <a:extLst>
+                  <a:ext uri="{0D108BD9-81ED-4DB2-BD59-A6C34878D82A}">
+                    <a16:rowId xmlns:a16="http://schemas.microsoft.com/office/drawing/2014/main" val="224595703"/>
+                  </a:ext>
+                </a:extLst>
+              </a:tr>
+            </a:tbl>
+          </a:graphicData>
+        </a:graphic>
+      </p:graphicFrame>
+    </p:spTree>
+    <p:extLst>
+      <p:ext uri="{BB962C8B-B14F-4D97-AF65-F5344CB8AC3E}">
+        <p14:creationId xmlns:p14="http://schemas.microsoft.com/office/powerpoint/2010/main" val="3685452137"/>
+      </p:ext>
+    </p:extLst>
+  </p:cSld>
+  <p:clrMapOvr>
+    <a:masterClrMapping/>
+  </p:clrMapOvr>
+</p:sld>
+</file>
+
 <file path=ppt/theme/theme1.xml><?xml version="1.0" encoding="utf-8"?>
 <a:theme xmlns:a="http://schemas.openxmlformats.org/drawingml/2006/main" name="Office 佈景主題">
   <a:themeElements>
